--- a/presentation/oralpresentation.pptx
+++ b/presentation/oralpresentation.pptx
@@ -1502,8 +1502,8 @@
     <dgm:cxn modelId="{52824637-1321-49FF-B4E5-7500A64C6223}" type="presOf" srcId="{42A75565-5D4C-4F2E-9063-5A35788E0C56}" destId="{8299E560-0D68-4A75-A279-5F357E27F094}" srcOrd="0" destOrd="0" presId="urn:microsoft.com/office/officeart/2008/layout/LinedList"/>
     <dgm:cxn modelId="{8BBAB33C-F48D-4EF6-A531-33088282C293}" type="presOf" srcId="{DFDA96A8-28BF-4040-88CF-17BEFB71E9C3}" destId="{D9E3F8A1-1818-4EAA-B8E7-C10E52E0F606}" srcOrd="0" destOrd="0" presId="urn:microsoft.com/office/officeart/2008/layout/LinedList"/>
     <dgm:cxn modelId="{72BC2E3D-FAD8-4F64-AD86-362B57BD13CA}" srcId="{2D01C6B1-9FDF-43E9-AAE6-291527DA2F7B}" destId="{BC99D0BB-4DE3-402B-B50D-65C719A1F0F4}" srcOrd="2" destOrd="0" parTransId="{C00BD271-769D-4462-811B-3A61705E3059}" sibTransId="{795D6B90-69E1-4ABC-9E3C-361DA24820F4}"/>
+    <dgm:cxn modelId="{DD12FE4B-9230-4CD7-A7CD-9C3FA17EFC71}" type="presOf" srcId="{D36768CB-C1E6-40C0-8517-716F31D90B3D}" destId="{02003B63-1339-43A1-94B6-B7E24BD2E67C}" srcOrd="0" destOrd="0" presId="urn:microsoft.com/office/officeart/2008/layout/LinedList"/>
     <dgm:cxn modelId="{E7F69E66-5CC5-43E5-84B7-742EEC449018}" srcId="{2D01C6B1-9FDF-43E9-AAE6-291527DA2F7B}" destId="{42A75565-5D4C-4F2E-9063-5A35788E0C56}" srcOrd="4" destOrd="0" parTransId="{5403CFBC-5B53-49C4-8A39-51B086F899DA}" sibTransId="{4B34EBF6-293C-4F97-A02A-0EB57A18F8C5}"/>
-    <dgm:cxn modelId="{DD12FE4B-9230-4CD7-A7CD-9C3FA17EFC71}" type="presOf" srcId="{D36768CB-C1E6-40C0-8517-716F31D90B3D}" destId="{02003B63-1339-43A1-94B6-B7E24BD2E67C}" srcOrd="0" destOrd="0" presId="urn:microsoft.com/office/officeart/2008/layout/LinedList"/>
     <dgm:cxn modelId="{220B4072-1DB4-470E-8D94-E745B2E0E65F}" type="presOf" srcId="{F319EC07-31A3-429D-BD93-EB00F247BBEB}" destId="{2B7C1B7C-B566-4B22-BA22-2F288C8E29A9}" srcOrd="0" destOrd="0" presId="urn:microsoft.com/office/officeart/2008/layout/LinedList"/>
     <dgm:cxn modelId="{63DA739E-E405-4D78-B168-D4ADE3299D17}" srcId="{2D01C6B1-9FDF-43E9-AAE6-291527DA2F7B}" destId="{F319EC07-31A3-429D-BD93-EB00F247BBEB}" srcOrd="7" destOrd="0" parTransId="{B9AE3DC4-F5F9-4326-8B22-604CE927DEF1}" sibTransId="{DABE7BA0-CA1E-49E0-9424-3268EE140417}"/>
     <dgm:cxn modelId="{0A27CDB3-EA3C-4002-B900-ACD7220F5080}" type="presOf" srcId="{BC99D0BB-4DE3-402B-B50D-65C719A1F0F4}" destId="{E5E77B45-2741-496B-9226-121FA4F3BB37}" srcOrd="0" destOrd="0" presId="urn:microsoft.com/office/officeart/2008/layout/LinedList"/>
@@ -4031,7 +4031,7 @@
           <a:p>
             <a:fld id="{0FD44A22-9C90-4BEF-B4AF-88AC8F257D09}" type="datetimeFigureOut">
               <a:rPr lang="en-US" smtClean="0"/>
-              <a:t>11/17/2018</a:t>
+              <a:t>11/20/18</a:t>
             </a:fld>
             <a:endParaRPr lang="en-US"/>
           </a:p>
@@ -4529,7 +4529,7 @@
           <a:p>
             <a:fld id="{5ED753C4-C55B-4D22-8CC7-06E8F435DF33}" type="datetimeFigureOut">
               <a:rPr lang="en-US" smtClean="0"/>
-              <a:t>11/17/2018</a:t>
+              <a:t>11/20/18</a:t>
             </a:fld>
             <a:endParaRPr lang="en-US"/>
           </a:p>
@@ -4727,7 +4727,7 @@
           <a:p>
             <a:fld id="{5ED753C4-C55B-4D22-8CC7-06E8F435DF33}" type="datetimeFigureOut">
               <a:rPr lang="en-US" smtClean="0"/>
-              <a:t>11/17/2018</a:t>
+              <a:t>11/20/18</a:t>
             </a:fld>
             <a:endParaRPr lang="en-US"/>
           </a:p>
@@ -4935,7 +4935,7 @@
           <a:p>
             <a:fld id="{5ED753C4-C55B-4D22-8CC7-06E8F435DF33}" type="datetimeFigureOut">
               <a:rPr lang="en-US" smtClean="0"/>
-              <a:t>11/17/2018</a:t>
+              <a:t>11/20/18</a:t>
             </a:fld>
             <a:endParaRPr lang="en-US"/>
           </a:p>
@@ -5133,7 +5133,7 @@
           <a:p>
             <a:fld id="{5ED753C4-C55B-4D22-8CC7-06E8F435DF33}" type="datetimeFigureOut">
               <a:rPr lang="en-US" smtClean="0"/>
-              <a:t>11/17/2018</a:t>
+              <a:t>11/20/18</a:t>
             </a:fld>
             <a:endParaRPr lang="en-US"/>
           </a:p>
@@ -5408,7 +5408,7 @@
           <a:p>
             <a:fld id="{5ED753C4-C55B-4D22-8CC7-06E8F435DF33}" type="datetimeFigureOut">
               <a:rPr lang="en-US" smtClean="0"/>
-              <a:t>11/17/2018</a:t>
+              <a:t>11/20/18</a:t>
             </a:fld>
             <a:endParaRPr lang="en-US"/>
           </a:p>
@@ -5673,7 +5673,7 @@
           <a:p>
             <a:fld id="{5ED753C4-C55B-4D22-8CC7-06E8F435DF33}" type="datetimeFigureOut">
               <a:rPr lang="en-US" smtClean="0"/>
-              <a:t>11/17/2018</a:t>
+              <a:t>11/20/18</a:t>
             </a:fld>
             <a:endParaRPr lang="en-US"/>
           </a:p>
@@ -6085,7 +6085,7 @@
           <a:p>
             <a:fld id="{5ED753C4-C55B-4D22-8CC7-06E8F435DF33}" type="datetimeFigureOut">
               <a:rPr lang="en-US" smtClean="0"/>
-              <a:t>11/17/2018</a:t>
+              <a:t>11/20/18</a:t>
             </a:fld>
             <a:endParaRPr lang="en-US"/>
           </a:p>
@@ -6226,7 +6226,7 @@
           <a:p>
             <a:fld id="{5ED753C4-C55B-4D22-8CC7-06E8F435DF33}" type="datetimeFigureOut">
               <a:rPr lang="en-US" smtClean="0"/>
-              <a:t>11/17/2018</a:t>
+              <a:t>11/20/18</a:t>
             </a:fld>
             <a:endParaRPr lang="en-US"/>
           </a:p>
@@ -6339,7 +6339,7 @@
           <a:p>
             <a:fld id="{5ED753C4-C55B-4D22-8CC7-06E8F435DF33}" type="datetimeFigureOut">
               <a:rPr lang="en-US" smtClean="0"/>
-              <a:t>11/17/2018</a:t>
+              <a:t>11/20/18</a:t>
             </a:fld>
             <a:endParaRPr lang="en-US"/>
           </a:p>
@@ -6650,7 +6650,7 @@
           <a:p>
             <a:fld id="{5ED753C4-C55B-4D22-8CC7-06E8F435DF33}" type="datetimeFigureOut">
               <a:rPr lang="en-US" smtClean="0"/>
-              <a:t>11/17/2018</a:t>
+              <a:t>11/20/18</a:t>
             </a:fld>
             <a:endParaRPr lang="en-US"/>
           </a:p>
@@ -6938,7 +6938,7 @@
           <a:p>
             <a:fld id="{5ED753C4-C55B-4D22-8CC7-06E8F435DF33}" type="datetimeFigureOut">
               <a:rPr lang="en-US" smtClean="0"/>
-              <a:t>11/17/2018</a:t>
+              <a:t>11/20/18</a:t>
             </a:fld>
             <a:endParaRPr lang="en-US"/>
           </a:p>
@@ -7179,7 +7179,7 @@
           <a:p>
             <a:fld id="{5ED753C4-C55B-4D22-8CC7-06E8F435DF33}" type="datetimeFigureOut">
               <a:rPr lang="en-US" smtClean="0"/>
-              <a:t>11/17/2018</a:t>
+              <a:t>11/20/18</a:t>
             </a:fld>
             <a:endParaRPr lang="en-US"/>
           </a:p>
@@ -8153,10 +8153,65 @@
       </p:grpSpPr>
       <p:sp>
         <p:nvSpPr>
-          <p:cNvPr id="2" name="Title 1">
+          <p:cNvPr id="12" name="Arrow: Pentagon 9">
             <a:extLst>
               <a:ext uri="{FF2B5EF4-FFF2-40B4-BE49-F238E27FC236}">
-                <a16:creationId xmlns:a16="http://schemas.microsoft.com/office/drawing/2014/main" id="{4E8AC9A2-7919-4FE6-8331-D255B2D46EFC}"/>
+                <a16:creationId xmlns:a16="http://schemas.microsoft.com/office/drawing/2014/main" id="{D5D5F31C-8403-604E-B5A4-3AA1521495AB}"/>
+              </a:ext>
+            </a:extLst>
+          </p:cNvPr>
+          <p:cNvSpPr/>
+          <p:nvPr/>
+        </p:nvSpPr>
+        <p:spPr>
+          <a:xfrm>
+            <a:off x="838200" y="426203"/>
+            <a:ext cx="3241190" cy="997403"/>
+          </a:xfrm>
+          <a:prstGeom prst="homePlate">
+            <a:avLst/>
+          </a:prstGeom>
+          <a:solidFill>
+            <a:schemeClr val="tx1">
+              <a:lumMod val="75000"/>
+              <a:lumOff val="25000"/>
+            </a:schemeClr>
+          </a:solidFill>
+          <a:ln>
+            <a:noFill/>
+          </a:ln>
+        </p:spPr>
+        <p:style>
+          <a:lnRef idx="2">
+            <a:schemeClr val="dk1">
+              <a:shade val="50000"/>
+            </a:schemeClr>
+          </a:lnRef>
+          <a:fillRef idx="1">
+            <a:schemeClr val="dk1"/>
+          </a:fillRef>
+          <a:effectRef idx="0">
+            <a:schemeClr val="dk1"/>
+          </a:effectRef>
+          <a:fontRef idx="minor">
+            <a:schemeClr val="lt1"/>
+          </a:fontRef>
+        </p:style>
+        <p:txBody>
+          <a:bodyPr rtlCol="0" anchor="ctr"/>
+          <a:lstStyle/>
+          <a:p>
+            <a:pPr algn="ctr"/>
+            <a:endParaRPr lang="en-US"/>
+          </a:p>
+        </p:txBody>
+      </p:sp>
+      <p:sp>
+        <p:nvSpPr>
+          <p:cNvPr id="13" name="Title 1">
+            <a:extLst>
+              <a:ext uri="{FF2B5EF4-FFF2-40B4-BE49-F238E27FC236}">
+                <a16:creationId xmlns:a16="http://schemas.microsoft.com/office/drawing/2014/main" id="{6C190745-903F-2641-98B0-46E6F994689E}"/>
               </a:ext>
             </a:extLst>
           </p:cNvPr>
@@ -8167,43 +8222,384 @@
             <p:ph type="title"/>
           </p:nvPr>
         </p:nvSpPr>
-        <p:spPr/>
+        <p:spPr>
+          <a:xfrm>
+            <a:off x="864247" y="262122"/>
+            <a:ext cx="2687664" cy="1325563"/>
+          </a:xfrm>
+        </p:spPr>
         <p:txBody>
           <a:bodyPr/>
           <a:lstStyle/>
           <a:p>
             <a:r>
-              <a:rPr lang="en-US" dirty="0"/>
-              <a:t>Classification</a:t>
+              <a:rPr lang="en-US" dirty="0">
+                <a:solidFill>
+                  <a:schemeClr val="bg1"/>
+                </a:solidFill>
+              </a:rPr>
+              <a:t>Clustering</a:t>
             </a:r>
           </a:p>
         </p:txBody>
       </p:sp>
-      <p:sp>
-        <p:nvSpPr>
-          <p:cNvPr id="3" name="Content Placeholder 2">
+      <p:graphicFrame>
+        <p:nvGraphicFramePr>
+          <p:cNvPr id="14" name="Content Placeholder 5">
             <a:extLst>
               <a:ext uri="{FF2B5EF4-FFF2-40B4-BE49-F238E27FC236}">
-                <a16:creationId xmlns:a16="http://schemas.microsoft.com/office/drawing/2014/main" id="{A0CD0044-F99A-4F6F-8899-765E24C0CF84}"/>
+                <a16:creationId xmlns:a16="http://schemas.microsoft.com/office/drawing/2014/main" id="{96AA5C64-633D-A540-A25E-1E2B4C332C6E}"/>
               </a:ext>
             </a:extLst>
           </p:cNvPr>
-          <p:cNvSpPr>
-            <a:spLocks noGrp="1"/>
-          </p:cNvSpPr>
+          <p:cNvGraphicFramePr>
+            <a:graphicFrameLocks noGrp="1"/>
+          </p:cNvGraphicFramePr>
           <p:nvPr>
             <p:ph idx="1"/>
+            <p:extLst>
+              <p:ext uri="{D42A27DB-BD31-4B8C-83A1-F6EECF244321}">
+                <p14:modId xmlns:p14="http://schemas.microsoft.com/office/powerpoint/2010/main" val="495205155"/>
+              </p:ext>
+            </p:extLst>
           </p:nvPr>
-        </p:nvSpPr>
-        <p:spPr/>
-        <p:txBody>
-          <a:bodyPr/>
-          <a:lstStyle/>
-          <a:p>
-            <a:endParaRPr lang="en-US" dirty="0"/>
-          </a:p>
-        </p:txBody>
-      </p:sp>
+        </p:nvGraphicFramePr>
+        <p:xfrm>
+          <a:off x="838200" y="1547801"/>
+          <a:ext cx="10515600" cy="741680"/>
+        </p:xfrm>
+        <a:graphic>
+          <a:graphicData uri="http://schemas.openxmlformats.org/drawingml/2006/table">
+            <a:tbl>
+              <a:tblPr firstRow="1" bandRow="1">
+                <a:tableStyleId>{5C22544A-7EE6-4342-B048-85BDC9FD1C3A}</a:tableStyleId>
+              </a:tblPr>
+              <a:tblGrid>
+                <a:gridCol w="3505200">
+                  <a:extLst>
+                    <a:ext uri="{9D8B030D-6E8A-4147-A177-3AD203B41FA5}">
+                      <a16:colId xmlns:a16="http://schemas.microsoft.com/office/drawing/2014/main" val="506676923"/>
+                    </a:ext>
+                  </a:extLst>
+                </a:gridCol>
+                <a:gridCol w="3505200">
+                  <a:extLst>
+                    <a:ext uri="{9D8B030D-6E8A-4147-A177-3AD203B41FA5}">
+                      <a16:colId xmlns:a16="http://schemas.microsoft.com/office/drawing/2014/main" val="2067933038"/>
+                    </a:ext>
+                  </a:extLst>
+                </a:gridCol>
+                <a:gridCol w="3505200">
+                  <a:extLst>
+                    <a:ext uri="{9D8B030D-6E8A-4147-A177-3AD203B41FA5}">
+                      <a16:colId xmlns:a16="http://schemas.microsoft.com/office/drawing/2014/main" val="3355065598"/>
+                    </a:ext>
+                  </a:extLst>
+                </a:gridCol>
+              </a:tblGrid>
+              <a:tr h="370840">
+                <a:tc>
+                  <a:txBody>
+                    <a:bodyPr/>
+                    <a:lstStyle/>
+                    <a:p>
+                      <a:pPr algn="ctr"/>
+                      <a:r>
+                        <a:rPr lang="en-US" dirty="0"/>
+                        <a:t>RMSE</a:t>
+                      </a:r>
+                    </a:p>
+                  </a:txBody>
+                  <a:tcPr>
+                    <a:solidFill>
+                      <a:schemeClr val="bg2">
+                        <a:lumMod val="50000"/>
+                      </a:schemeClr>
+                    </a:solidFill>
+                  </a:tcPr>
+                </a:tc>
+                <a:tc>
+                  <a:txBody>
+                    <a:bodyPr/>
+                    <a:lstStyle/>
+                    <a:p>
+                      <a:pPr algn="ctr"/>
+                      <a:r>
+                        <a:rPr lang="en-CA" sz="1800" b="1" kern="1200" dirty="0">
+                          <a:solidFill>
+                            <a:schemeClr val="lt1"/>
+                          </a:solidFill>
+                          <a:effectLst/>
+                          <a:latin typeface="+mn-lt"/>
+                          <a:ea typeface="+mn-ea"/>
+                          <a:cs typeface="+mn-cs"/>
+                        </a:rPr>
+                        <a:t>R</a:t>
+                      </a:r>
+                      <a:r>
+                        <a:rPr lang="en-CA" sz="1800" b="1" kern="1200" baseline="30000" dirty="0">
+                          <a:solidFill>
+                            <a:schemeClr val="lt1"/>
+                          </a:solidFill>
+                          <a:effectLst/>
+                          <a:latin typeface="+mn-lt"/>
+                          <a:ea typeface="+mn-ea"/>
+                          <a:cs typeface="+mn-cs"/>
+                        </a:rPr>
+                        <a:t>2</a:t>
+                      </a:r>
+                      <a:endParaRPr lang="en-US" dirty="0"/>
+                    </a:p>
+                  </a:txBody>
+                  <a:tcPr>
+                    <a:solidFill>
+                      <a:schemeClr val="bg2">
+                        <a:lumMod val="50000"/>
+                      </a:schemeClr>
+                    </a:solidFill>
+                  </a:tcPr>
+                </a:tc>
+                <a:tc>
+                  <a:txBody>
+                    <a:bodyPr/>
+                    <a:lstStyle/>
+                    <a:p>
+                      <a:pPr algn="ctr"/>
+                      <a:r>
+                        <a:rPr lang="en-US" dirty="0"/>
+                        <a:t>MAE</a:t>
+                      </a:r>
+                    </a:p>
+                  </a:txBody>
+                  <a:tcPr>
+                    <a:solidFill>
+                      <a:schemeClr val="bg2">
+                        <a:lumMod val="50000"/>
+                      </a:schemeClr>
+                    </a:solidFill>
+                  </a:tcPr>
+                </a:tc>
+                <a:extLst>
+                  <a:ext uri="{0D108BD9-81ED-4DB2-BD59-A6C34878D82A}">
+                    <a16:rowId xmlns:a16="http://schemas.microsoft.com/office/drawing/2014/main" val="569118160"/>
+                  </a:ext>
+                </a:extLst>
+              </a:tr>
+              <a:tr h="370840">
+                <a:tc>
+                  <a:txBody>
+                    <a:bodyPr/>
+                    <a:lstStyle/>
+                    <a:p>
+                      <a:pPr algn="ctr"/>
+                      <a:r>
+                        <a:rPr lang="en-CA" sz="1800" kern="1200" dirty="0">
+                          <a:solidFill>
+                            <a:schemeClr val="dk1"/>
+                          </a:solidFill>
+                          <a:effectLst/>
+                          <a:latin typeface="+mn-lt"/>
+                          <a:ea typeface="+mn-ea"/>
+                          <a:cs typeface="+mn-cs"/>
+                        </a:rPr>
+                        <a:t>285.24</a:t>
+                      </a:r>
+                      <a:endParaRPr lang="en-US" dirty="0"/>
+                    </a:p>
+                  </a:txBody>
+                  <a:tcPr>
+                    <a:solidFill>
+                      <a:schemeClr val="bg1">
+                        <a:lumMod val="95000"/>
+                      </a:schemeClr>
+                    </a:solidFill>
+                  </a:tcPr>
+                </a:tc>
+                <a:tc>
+                  <a:txBody>
+                    <a:bodyPr/>
+                    <a:lstStyle/>
+                    <a:p>
+                      <a:pPr algn="ctr"/>
+                      <a:r>
+                        <a:rPr lang="en-CA" sz="1800" kern="1200" dirty="0">
+                          <a:solidFill>
+                            <a:schemeClr val="dk1"/>
+                          </a:solidFill>
+                          <a:effectLst/>
+                          <a:latin typeface="+mn-lt"/>
+                          <a:ea typeface="+mn-ea"/>
+                          <a:cs typeface="+mn-cs"/>
+                        </a:rPr>
+                        <a:t>0.822</a:t>
+                      </a:r>
+                      <a:endParaRPr lang="en-US" dirty="0"/>
+                    </a:p>
+                  </a:txBody>
+                  <a:tcPr>
+                    <a:solidFill>
+                      <a:schemeClr val="bg1">
+                        <a:lumMod val="95000"/>
+                      </a:schemeClr>
+                    </a:solidFill>
+                  </a:tcPr>
+                </a:tc>
+                <a:tc>
+                  <a:txBody>
+                    <a:bodyPr/>
+                    <a:lstStyle/>
+                    <a:p>
+                      <a:pPr algn="ctr"/>
+                      <a:r>
+                        <a:rPr lang="en-CA" sz="1800" kern="1200" dirty="0">
+                          <a:solidFill>
+                            <a:schemeClr val="dk1"/>
+                          </a:solidFill>
+                          <a:effectLst/>
+                          <a:latin typeface="+mn-lt"/>
+                          <a:ea typeface="+mn-ea"/>
+                          <a:cs typeface="+mn-cs"/>
+                        </a:rPr>
+                        <a:t>206.54</a:t>
+                      </a:r>
+                      <a:endParaRPr lang="en-US" dirty="0"/>
+                    </a:p>
+                  </a:txBody>
+                  <a:tcPr>
+                    <a:solidFill>
+                      <a:schemeClr val="bg1">
+                        <a:lumMod val="95000"/>
+                      </a:schemeClr>
+                    </a:solidFill>
+                  </a:tcPr>
+                </a:tc>
+                <a:extLst>
+                  <a:ext uri="{0D108BD9-81ED-4DB2-BD59-A6C34878D82A}">
+                    <a16:rowId xmlns:a16="http://schemas.microsoft.com/office/drawing/2014/main" val="2385636558"/>
+                  </a:ext>
+                </a:extLst>
+              </a:tr>
+            </a:tbl>
+          </a:graphicData>
+        </a:graphic>
+      </p:graphicFrame>
+      <p:pic>
+        <p:nvPicPr>
+          <p:cNvPr id="15" name="Picture 14">
+            <a:extLst>
+              <a:ext uri="{FF2B5EF4-FFF2-40B4-BE49-F238E27FC236}">
+                <a16:creationId xmlns:a16="http://schemas.microsoft.com/office/drawing/2014/main" id="{FDC754E5-5416-7A4B-B4CD-74A2A8717075}"/>
+              </a:ext>
+            </a:extLst>
+          </p:cNvPr>
+          <p:cNvPicPr/>
+          <p:nvPr/>
+        </p:nvPicPr>
+        <p:blipFill>
+          <a:blip r:embed="rId2">
+            <a:extLst>
+              <a:ext uri="{28A0092B-C50C-407E-A947-70E740481C1C}">
+                <a14:useLocalDpi xmlns:a14="http://schemas.microsoft.com/office/drawing/2010/main" val="0"/>
+              </a:ext>
+            </a:extLst>
+          </a:blip>
+          <a:srcRect/>
+          <a:stretch>
+            <a:fillRect/>
+          </a:stretch>
+        </p:blipFill>
+        <p:spPr bwMode="auto">
+          <a:xfrm>
+            <a:off x="8441422" y="2728766"/>
+            <a:ext cx="3750578" cy="3338541"/>
+          </a:xfrm>
+          <a:prstGeom prst="rect">
+            <a:avLst/>
+          </a:prstGeom>
+          <a:noFill/>
+          <a:ln>
+            <a:noFill/>
+          </a:ln>
+        </p:spPr>
+      </p:pic>
+      <p:pic>
+        <p:nvPicPr>
+          <p:cNvPr id="16" name="Picture 15">
+            <a:extLst>
+              <a:ext uri="{FF2B5EF4-FFF2-40B4-BE49-F238E27FC236}">
+                <a16:creationId xmlns:a16="http://schemas.microsoft.com/office/drawing/2014/main" id="{D2C8B50A-64E9-354A-9ECF-4B49CA77ABA1}"/>
+              </a:ext>
+            </a:extLst>
+          </p:cNvPr>
+          <p:cNvPicPr/>
+          <p:nvPr/>
+        </p:nvPicPr>
+        <p:blipFill>
+          <a:blip r:embed="rId3">
+            <a:extLst>
+              <a:ext uri="{28A0092B-C50C-407E-A947-70E740481C1C}">
+                <a14:useLocalDpi xmlns:a14="http://schemas.microsoft.com/office/drawing/2010/main" val="0"/>
+              </a:ext>
+            </a:extLst>
+          </a:blip>
+          <a:srcRect/>
+          <a:stretch>
+            <a:fillRect/>
+          </a:stretch>
+        </p:blipFill>
+        <p:spPr bwMode="auto">
+          <a:xfrm>
+            <a:off x="272771" y="2507695"/>
+            <a:ext cx="4145796" cy="3780687"/>
+          </a:xfrm>
+          <a:prstGeom prst="rect">
+            <a:avLst/>
+          </a:prstGeom>
+          <a:noFill/>
+          <a:ln>
+            <a:noFill/>
+          </a:ln>
+        </p:spPr>
+      </p:pic>
+      <p:pic>
+        <p:nvPicPr>
+          <p:cNvPr id="17" name="Picture 16">
+            <a:extLst>
+              <a:ext uri="{FF2B5EF4-FFF2-40B4-BE49-F238E27FC236}">
+                <a16:creationId xmlns:a16="http://schemas.microsoft.com/office/drawing/2014/main" id="{D062324B-D51D-EC45-9089-458FF803E9BB}"/>
+              </a:ext>
+            </a:extLst>
+          </p:cNvPr>
+          <p:cNvPicPr/>
+          <p:nvPr/>
+        </p:nvPicPr>
+        <p:blipFill>
+          <a:blip r:embed="rId4">
+            <a:extLst>
+              <a:ext uri="{28A0092B-C50C-407E-A947-70E740481C1C}">
+                <a14:useLocalDpi xmlns:a14="http://schemas.microsoft.com/office/drawing/2010/main" val="0"/>
+              </a:ext>
+            </a:extLst>
+          </a:blip>
+          <a:srcRect/>
+          <a:stretch>
+            <a:fillRect/>
+          </a:stretch>
+        </p:blipFill>
+        <p:spPr bwMode="auto">
+          <a:xfrm>
+            <a:off x="4197178" y="2507694"/>
+            <a:ext cx="4244244" cy="3780687"/>
+          </a:xfrm>
+          <a:prstGeom prst="rect">
+            <a:avLst/>
+          </a:prstGeom>
+          <a:noFill/>
+          <a:ln>
+            <a:noFill/>
+          </a:ln>
+        </p:spPr>
+      </p:pic>
     </p:spTree>
     <p:extLst>
       <p:ext uri="{BB962C8B-B14F-4D97-AF65-F5344CB8AC3E}">

--- a/presentation/oralpresentation.pptx
+++ b/presentation/oralpresentation.pptx
@@ -5,7 +5,7 @@
     <p:sldMasterId id="2147483648" r:id="rId1"/>
   </p:sldMasterIdLst>
   <p:notesMasterIdLst>
-    <p:notesMasterId r:id="rId12"/>
+    <p:notesMasterId r:id="rId13"/>
   </p:notesMasterIdLst>
   <p:sldIdLst>
     <p:sldId id="256" r:id="rId2"/>
@@ -17,7 +17,8 @@
     <p:sldId id="260" r:id="rId8"/>
     <p:sldId id="264" r:id="rId9"/>
     <p:sldId id="261" r:id="rId10"/>
-    <p:sldId id="262" r:id="rId11"/>
+    <p:sldId id="266" r:id="rId11"/>
+    <p:sldId id="262" r:id="rId12"/>
   </p:sldIdLst>
   <p:sldSz cx="12192000" cy="6858000"/>
   <p:notesSz cx="6858000" cy="9144000"/>
@@ -4031,7 +4032,7 @@
           <a:p>
             <a:fld id="{0FD44A22-9C90-4BEF-B4AF-88AC8F257D09}" type="datetimeFigureOut">
               <a:rPr lang="en-US" smtClean="0"/>
-              <a:t>11/17/2018</a:t>
+              <a:t>11/23/2018</a:t>
             </a:fld>
             <a:endParaRPr lang="en-US"/>
           </a:p>
@@ -4342,6 +4343,189 @@
           <a:bodyPr/>
           <a:lstStyle/>
           <a:p>
+            <a:r>
+              <a:rPr lang="en-US" dirty="0"/>
+              <a:t>Hello everyone. Today we will be presenting our data-driven analysis on exploring and predicting violent crime in Chicago. First off we will be discussing the motivations behind this project. After that, our exploratory data analysis, regression </a:t>
+            </a:r>
+            <a:r>
+              <a:rPr lang="en-US" dirty="0" err="1"/>
+              <a:t>regression</a:t>
+            </a:r>
+            <a:r>
+              <a:rPr lang="en-US" dirty="0"/>
+              <a:t>, and clustering results will be explained.</a:t>
+            </a:r>
+          </a:p>
+        </p:txBody>
+      </p:sp>
+      <p:sp>
+        <p:nvSpPr>
+          <p:cNvPr id="4" name="Slide Number Placeholder 3"/>
+          <p:cNvSpPr>
+            <a:spLocks noGrp="1"/>
+          </p:cNvSpPr>
+          <p:nvPr>
+            <p:ph type="sldNum" sz="quarter" idx="10"/>
+          </p:nvPr>
+        </p:nvSpPr>
+        <p:spPr/>
+        <p:txBody>
+          <a:bodyPr/>
+          <a:lstStyle/>
+          <a:p>
+            <a:fld id="{E0865CCC-22B7-4BA3-9105-7042E1A6B194}" type="slidenum">
+              <a:rPr lang="en-US" smtClean="0"/>
+              <a:t>1</a:t>
+            </a:fld>
+            <a:endParaRPr lang="en-US"/>
+          </a:p>
+        </p:txBody>
+      </p:sp>
+    </p:spTree>
+    <p:extLst>
+      <p:ext uri="{BB962C8B-B14F-4D97-AF65-F5344CB8AC3E}">
+        <p14:creationId xmlns:p14="http://schemas.microsoft.com/office/powerpoint/2010/main" val="3585561743"/>
+      </p:ext>
+    </p:extLst>
+  </p:cSld>
+  <p:clrMapOvr>
+    <a:masterClrMapping/>
+  </p:clrMapOvr>
+</p:notes>
+</file>
+
+<file path=ppt/notesSlides/notesSlide2.xml><?xml version="1.0" encoding="utf-8"?>
+<p:notes xmlns:a="http://schemas.openxmlformats.org/drawingml/2006/main" xmlns:r="http://schemas.openxmlformats.org/officeDocument/2006/relationships" xmlns:p="http://schemas.openxmlformats.org/presentationml/2006/main">
+  <p:cSld>
+    <p:spTree>
+      <p:nvGrpSpPr>
+        <p:cNvPr id="1" name=""/>
+        <p:cNvGrpSpPr/>
+        <p:nvPr/>
+      </p:nvGrpSpPr>
+      <p:grpSpPr>
+        <a:xfrm>
+          <a:off x="0" y="0"/>
+          <a:ext cx="0" cy="0"/>
+          <a:chOff x="0" y="0"/>
+          <a:chExt cx="0" cy="0"/>
+        </a:xfrm>
+      </p:grpSpPr>
+      <p:sp>
+        <p:nvSpPr>
+          <p:cNvPr id="2" name="Slide Image Placeholder 1"/>
+          <p:cNvSpPr>
+            <a:spLocks noGrp="1" noRot="1" noChangeAspect="1"/>
+          </p:cNvSpPr>
+          <p:nvPr>
+            <p:ph type="sldImg"/>
+          </p:nvPr>
+        </p:nvSpPr>
+        <p:spPr/>
+      </p:sp>
+      <p:sp>
+        <p:nvSpPr>
+          <p:cNvPr id="3" name="Notes Placeholder 2"/>
+          <p:cNvSpPr>
+            <a:spLocks noGrp="1"/>
+          </p:cNvSpPr>
+          <p:nvPr>
+            <p:ph type="body" idx="1"/>
+          </p:nvPr>
+        </p:nvSpPr>
+        <p:spPr/>
+        <p:txBody>
+          <a:bodyPr/>
+          <a:lstStyle/>
+          <a:p>
+            <a:r>
+              <a:rPr lang="en-CA" dirty="0"/>
+              <a:t>Crime in Chicago has been recorded since the last century by the city, and throughout this period, statistics show that the city has had a consistently higher rate of violent crimes compared to the U.S. average. As a result, the city has been under intense scrutiny for its high violent crime rates. In 2016, the murder rate in the U.S. rose about 13%, and almost half of that increase is solely due to violence in Chicago [1]. In fact, in recent years, Chicago had recorded more murders and victims of shooting than both Los Angeles and New York City combined [2]. Such high rates of violent crime naturally lead to a need for better police resource allocation to areas where violent crimes are most likely to occur.</a:t>
+            </a:r>
+            <a:endParaRPr lang="en-US" dirty="0"/>
+          </a:p>
+        </p:txBody>
+      </p:sp>
+      <p:sp>
+        <p:nvSpPr>
+          <p:cNvPr id="4" name="Slide Number Placeholder 3"/>
+          <p:cNvSpPr>
+            <a:spLocks noGrp="1"/>
+          </p:cNvSpPr>
+          <p:nvPr>
+            <p:ph type="sldNum" sz="quarter" idx="10"/>
+          </p:nvPr>
+        </p:nvSpPr>
+        <p:spPr/>
+        <p:txBody>
+          <a:bodyPr/>
+          <a:lstStyle/>
+          <a:p>
+            <a:fld id="{E0865CCC-22B7-4BA3-9105-7042E1A6B194}" type="slidenum">
+              <a:rPr lang="en-US" smtClean="0"/>
+              <a:t>2</a:t>
+            </a:fld>
+            <a:endParaRPr lang="en-US"/>
+          </a:p>
+        </p:txBody>
+      </p:sp>
+    </p:spTree>
+    <p:extLst>
+      <p:ext uri="{BB962C8B-B14F-4D97-AF65-F5344CB8AC3E}">
+        <p14:creationId xmlns:p14="http://schemas.microsoft.com/office/powerpoint/2010/main" val="3741707019"/>
+      </p:ext>
+    </p:extLst>
+  </p:cSld>
+  <p:clrMapOvr>
+    <a:masterClrMapping/>
+  </p:clrMapOvr>
+</p:notes>
+</file>
+
+<file path=ppt/notesSlides/notesSlide3.xml><?xml version="1.0" encoding="utf-8"?>
+<p:notes xmlns:a="http://schemas.openxmlformats.org/drawingml/2006/main" xmlns:r="http://schemas.openxmlformats.org/officeDocument/2006/relationships" xmlns:p="http://schemas.openxmlformats.org/presentationml/2006/main">
+  <p:cSld>
+    <p:spTree>
+      <p:nvGrpSpPr>
+        <p:cNvPr id="1" name=""/>
+        <p:cNvGrpSpPr/>
+        <p:nvPr/>
+      </p:nvGrpSpPr>
+      <p:grpSpPr>
+        <a:xfrm>
+          <a:off x="0" y="0"/>
+          <a:ext cx="0" cy="0"/>
+          <a:chOff x="0" y="0"/>
+          <a:chExt cx="0" cy="0"/>
+        </a:xfrm>
+      </p:grpSpPr>
+      <p:sp>
+        <p:nvSpPr>
+          <p:cNvPr id="2" name="Slide Image Placeholder 1"/>
+          <p:cNvSpPr>
+            <a:spLocks noGrp="1" noRot="1" noChangeAspect="1"/>
+          </p:cNvSpPr>
+          <p:nvPr>
+            <p:ph type="sldImg"/>
+          </p:nvPr>
+        </p:nvSpPr>
+        <p:spPr/>
+      </p:sp>
+      <p:sp>
+        <p:nvSpPr>
+          <p:cNvPr id="3" name="Notes Placeholder 2"/>
+          <p:cNvSpPr>
+            <a:spLocks noGrp="1"/>
+          </p:cNvSpPr>
+          <p:nvPr>
+            <p:ph type="body" idx="1"/>
+          </p:nvPr>
+        </p:nvSpPr>
+        <p:spPr/>
+        <p:txBody>
+          <a:bodyPr/>
+          <a:lstStyle/>
+          <a:p>
             <a:endParaRPr lang="en-US" dirty="0"/>
           </a:p>
         </p:txBody>
@@ -4529,7 +4713,7 @@
           <a:p>
             <a:fld id="{5ED753C4-C55B-4D22-8CC7-06E8F435DF33}" type="datetimeFigureOut">
               <a:rPr lang="en-US" smtClean="0"/>
-              <a:t>11/17/2018</a:t>
+              <a:t>11/23/2018</a:t>
             </a:fld>
             <a:endParaRPr lang="en-US"/>
           </a:p>
@@ -4727,7 +4911,7 @@
           <a:p>
             <a:fld id="{5ED753C4-C55B-4D22-8CC7-06E8F435DF33}" type="datetimeFigureOut">
               <a:rPr lang="en-US" smtClean="0"/>
-              <a:t>11/17/2018</a:t>
+              <a:t>11/23/2018</a:t>
             </a:fld>
             <a:endParaRPr lang="en-US"/>
           </a:p>
@@ -4935,7 +5119,7 @@
           <a:p>
             <a:fld id="{5ED753C4-C55B-4D22-8CC7-06E8F435DF33}" type="datetimeFigureOut">
               <a:rPr lang="en-US" smtClean="0"/>
-              <a:t>11/17/2018</a:t>
+              <a:t>11/23/2018</a:t>
             </a:fld>
             <a:endParaRPr lang="en-US"/>
           </a:p>
@@ -5133,7 +5317,7 @@
           <a:p>
             <a:fld id="{5ED753C4-C55B-4D22-8CC7-06E8F435DF33}" type="datetimeFigureOut">
               <a:rPr lang="en-US" smtClean="0"/>
-              <a:t>11/17/2018</a:t>
+              <a:t>11/23/2018</a:t>
             </a:fld>
             <a:endParaRPr lang="en-US"/>
           </a:p>
@@ -5408,7 +5592,7 @@
           <a:p>
             <a:fld id="{5ED753C4-C55B-4D22-8CC7-06E8F435DF33}" type="datetimeFigureOut">
               <a:rPr lang="en-US" smtClean="0"/>
-              <a:t>11/17/2018</a:t>
+              <a:t>11/23/2018</a:t>
             </a:fld>
             <a:endParaRPr lang="en-US"/>
           </a:p>
@@ -5673,7 +5857,7 @@
           <a:p>
             <a:fld id="{5ED753C4-C55B-4D22-8CC7-06E8F435DF33}" type="datetimeFigureOut">
               <a:rPr lang="en-US" smtClean="0"/>
-              <a:t>11/17/2018</a:t>
+              <a:t>11/23/2018</a:t>
             </a:fld>
             <a:endParaRPr lang="en-US"/>
           </a:p>
@@ -6085,7 +6269,7 @@
           <a:p>
             <a:fld id="{5ED753C4-C55B-4D22-8CC7-06E8F435DF33}" type="datetimeFigureOut">
               <a:rPr lang="en-US" smtClean="0"/>
-              <a:t>11/17/2018</a:t>
+              <a:t>11/23/2018</a:t>
             </a:fld>
             <a:endParaRPr lang="en-US"/>
           </a:p>
@@ -6226,7 +6410,7 @@
           <a:p>
             <a:fld id="{5ED753C4-C55B-4D22-8CC7-06E8F435DF33}" type="datetimeFigureOut">
               <a:rPr lang="en-US" smtClean="0"/>
-              <a:t>11/17/2018</a:t>
+              <a:t>11/23/2018</a:t>
             </a:fld>
             <a:endParaRPr lang="en-US"/>
           </a:p>
@@ -6339,7 +6523,7 @@
           <a:p>
             <a:fld id="{5ED753C4-C55B-4D22-8CC7-06E8F435DF33}" type="datetimeFigureOut">
               <a:rPr lang="en-US" smtClean="0"/>
-              <a:t>11/17/2018</a:t>
+              <a:t>11/23/2018</a:t>
             </a:fld>
             <a:endParaRPr lang="en-US"/>
           </a:p>
@@ -6650,7 +6834,7 @@
           <a:p>
             <a:fld id="{5ED753C4-C55B-4D22-8CC7-06E8F435DF33}" type="datetimeFigureOut">
               <a:rPr lang="en-US" smtClean="0"/>
-              <a:t>11/17/2018</a:t>
+              <a:t>11/23/2018</a:t>
             </a:fld>
             <a:endParaRPr lang="en-US"/>
           </a:p>
@@ -6938,7 +7122,7 @@
           <a:p>
             <a:fld id="{5ED753C4-C55B-4D22-8CC7-06E8F435DF33}" type="datetimeFigureOut">
               <a:rPr lang="en-US" smtClean="0"/>
-              <a:t>11/17/2018</a:t>
+              <a:t>11/23/2018</a:t>
             </a:fld>
             <a:endParaRPr lang="en-US"/>
           </a:p>
@@ -7179,7 +7363,7 @@
           <a:p>
             <a:fld id="{5ED753C4-C55B-4D22-8CC7-06E8F435DF33}" type="datetimeFigureOut">
               <a:rPr lang="en-US" smtClean="0"/>
-              <a:t>11/17/2018</a:t>
+              <a:t>11/23/2018</a:t>
             </a:fld>
             <a:endParaRPr lang="en-US"/>
           </a:p>
@@ -8097,13 +8281,13 @@
           <p:nvPr/>
         </p:nvPicPr>
         <p:blipFill>
-          <a:blip r:embed="rId2">
+          <a:blip r:embed="rId3">
             <a:extLst>
               <a:ext uri="{28A0092B-C50C-407E-A947-70E740481C1C}">
                 <a14:useLocalDpi xmlns:a14="http://schemas.microsoft.com/office/drawing/2010/main" val="0"/>
               </a:ext>
               <a:ext uri="{96DAC541-7B7A-43D3-8B79-37D633B846F1}">
-                <asvg:svgBlip xmlns:asvg="http://schemas.microsoft.com/office/drawing/2016/SVG/main" r:embed="rId3"/>
+                <asvg:svgBlip xmlns:asvg="http://schemas.microsoft.com/office/drawing/2016/SVG/main" r:embed="rId4"/>
               </a:ext>
             </a:extLst>
           </a:blip>
@@ -8153,6 +8337,481 @@
       </p:grpSpPr>
       <p:sp>
         <p:nvSpPr>
+          <p:cNvPr id="10" name="Arrow: Pentagon 9">
+            <a:extLst>
+              <a:ext uri="{FF2B5EF4-FFF2-40B4-BE49-F238E27FC236}">
+                <a16:creationId xmlns:a16="http://schemas.microsoft.com/office/drawing/2014/main" id="{4152CCA5-9C4B-4114-9EBD-677C71326314}"/>
+              </a:ext>
+            </a:extLst>
+          </p:cNvPr>
+          <p:cNvSpPr/>
+          <p:nvPr/>
+        </p:nvSpPr>
+        <p:spPr>
+          <a:xfrm>
+            <a:off x="838200" y="426203"/>
+            <a:ext cx="3241190" cy="997403"/>
+          </a:xfrm>
+          <a:prstGeom prst="homePlate">
+            <a:avLst/>
+          </a:prstGeom>
+          <a:solidFill>
+            <a:schemeClr val="tx1">
+              <a:lumMod val="75000"/>
+              <a:lumOff val="25000"/>
+            </a:schemeClr>
+          </a:solidFill>
+          <a:ln>
+            <a:noFill/>
+          </a:ln>
+        </p:spPr>
+        <p:style>
+          <a:lnRef idx="2">
+            <a:schemeClr val="dk1">
+              <a:shade val="50000"/>
+            </a:schemeClr>
+          </a:lnRef>
+          <a:fillRef idx="1">
+            <a:schemeClr val="dk1"/>
+          </a:fillRef>
+          <a:effectRef idx="0">
+            <a:schemeClr val="dk1"/>
+          </a:effectRef>
+          <a:fontRef idx="minor">
+            <a:schemeClr val="lt1"/>
+          </a:fontRef>
+        </p:style>
+        <p:txBody>
+          <a:bodyPr rtlCol="0" anchor="ctr"/>
+          <a:lstStyle/>
+          <a:p>
+            <a:pPr algn="ctr"/>
+            <a:endParaRPr lang="en-US"/>
+          </a:p>
+        </p:txBody>
+      </p:sp>
+      <p:sp>
+        <p:nvSpPr>
+          <p:cNvPr id="2" name="Title 1">
+            <a:extLst>
+              <a:ext uri="{FF2B5EF4-FFF2-40B4-BE49-F238E27FC236}">
+                <a16:creationId xmlns:a16="http://schemas.microsoft.com/office/drawing/2014/main" id="{780A4787-8D34-4F32-BF2D-0C8BF7D28694}"/>
+              </a:ext>
+            </a:extLst>
+          </p:cNvPr>
+          <p:cNvSpPr>
+            <a:spLocks noGrp="1"/>
+          </p:cNvSpPr>
+          <p:nvPr>
+            <p:ph type="title"/>
+          </p:nvPr>
+        </p:nvSpPr>
+        <p:spPr>
+          <a:xfrm>
+            <a:off x="864247" y="262122"/>
+            <a:ext cx="2687664" cy="1325563"/>
+          </a:xfrm>
+        </p:spPr>
+        <p:txBody>
+          <a:bodyPr/>
+          <a:lstStyle/>
+          <a:p>
+            <a:r>
+              <a:rPr lang="en-US" dirty="0">
+                <a:solidFill>
+                  <a:schemeClr val="bg1"/>
+                </a:solidFill>
+              </a:rPr>
+              <a:t>Clustering</a:t>
+            </a:r>
+          </a:p>
+        </p:txBody>
+      </p:sp>
+      <p:graphicFrame>
+        <p:nvGraphicFramePr>
+          <p:cNvPr id="6" name="Content Placeholder 5">
+            <a:extLst>
+              <a:ext uri="{FF2B5EF4-FFF2-40B4-BE49-F238E27FC236}">
+                <a16:creationId xmlns:a16="http://schemas.microsoft.com/office/drawing/2014/main" id="{F4DB5480-249E-4C52-A2DE-EB21F5503F17}"/>
+              </a:ext>
+            </a:extLst>
+          </p:cNvPr>
+          <p:cNvGraphicFramePr>
+            <a:graphicFrameLocks noGrp="1"/>
+          </p:cNvGraphicFramePr>
+          <p:nvPr>
+            <p:ph idx="1"/>
+            <p:extLst/>
+          </p:nvPr>
+        </p:nvGraphicFramePr>
+        <p:xfrm>
+          <a:off x="838200" y="1547801"/>
+          <a:ext cx="10515600" cy="741680"/>
+        </p:xfrm>
+        <a:graphic>
+          <a:graphicData uri="http://schemas.openxmlformats.org/drawingml/2006/table">
+            <a:tbl>
+              <a:tblPr firstRow="1" bandRow="1">
+                <a:tableStyleId>{5C22544A-7EE6-4342-B048-85BDC9FD1C3A}</a:tableStyleId>
+              </a:tblPr>
+              <a:tblGrid>
+                <a:gridCol w="3505200">
+                  <a:extLst>
+                    <a:ext uri="{9D8B030D-6E8A-4147-A177-3AD203B41FA5}">
+                      <a16:colId xmlns:a16="http://schemas.microsoft.com/office/drawing/2014/main" val="506676923"/>
+                    </a:ext>
+                  </a:extLst>
+                </a:gridCol>
+                <a:gridCol w="3505200">
+                  <a:extLst>
+                    <a:ext uri="{9D8B030D-6E8A-4147-A177-3AD203B41FA5}">
+                      <a16:colId xmlns:a16="http://schemas.microsoft.com/office/drawing/2014/main" val="2067933038"/>
+                    </a:ext>
+                  </a:extLst>
+                </a:gridCol>
+                <a:gridCol w="3505200">
+                  <a:extLst>
+                    <a:ext uri="{9D8B030D-6E8A-4147-A177-3AD203B41FA5}">
+                      <a16:colId xmlns:a16="http://schemas.microsoft.com/office/drawing/2014/main" val="3355065598"/>
+                    </a:ext>
+                  </a:extLst>
+                </a:gridCol>
+              </a:tblGrid>
+              <a:tr h="370840">
+                <a:tc>
+                  <a:txBody>
+                    <a:bodyPr/>
+                    <a:lstStyle/>
+                    <a:p>
+                      <a:pPr algn="ctr"/>
+                      <a:r>
+                        <a:rPr lang="en-US" dirty="0"/>
+                        <a:t>RMSE</a:t>
+                      </a:r>
+                    </a:p>
+                  </a:txBody>
+                  <a:tcPr>
+                    <a:solidFill>
+                      <a:schemeClr val="bg2">
+                        <a:lumMod val="50000"/>
+                      </a:schemeClr>
+                    </a:solidFill>
+                  </a:tcPr>
+                </a:tc>
+                <a:tc>
+                  <a:txBody>
+                    <a:bodyPr/>
+                    <a:lstStyle/>
+                    <a:p>
+                      <a:pPr algn="ctr"/>
+                      <a:r>
+                        <a:rPr lang="en-CA" sz="1800" b="1" kern="1200" dirty="0">
+                          <a:solidFill>
+                            <a:schemeClr val="lt1"/>
+                          </a:solidFill>
+                          <a:effectLst/>
+                          <a:latin typeface="+mn-lt"/>
+                          <a:ea typeface="+mn-ea"/>
+                          <a:cs typeface="+mn-cs"/>
+                        </a:rPr>
+                        <a:t>R</a:t>
+                      </a:r>
+                      <a:r>
+                        <a:rPr lang="en-CA" sz="1800" b="1" kern="1200" baseline="30000" dirty="0">
+                          <a:solidFill>
+                            <a:schemeClr val="lt1"/>
+                          </a:solidFill>
+                          <a:effectLst/>
+                          <a:latin typeface="+mn-lt"/>
+                          <a:ea typeface="+mn-ea"/>
+                          <a:cs typeface="+mn-cs"/>
+                        </a:rPr>
+                        <a:t>2</a:t>
+                      </a:r>
+                      <a:endParaRPr lang="en-US" dirty="0"/>
+                    </a:p>
+                  </a:txBody>
+                  <a:tcPr>
+                    <a:solidFill>
+                      <a:schemeClr val="bg2">
+                        <a:lumMod val="50000"/>
+                      </a:schemeClr>
+                    </a:solidFill>
+                  </a:tcPr>
+                </a:tc>
+                <a:tc>
+                  <a:txBody>
+                    <a:bodyPr/>
+                    <a:lstStyle/>
+                    <a:p>
+                      <a:pPr algn="ctr"/>
+                      <a:r>
+                        <a:rPr lang="en-US" dirty="0"/>
+                        <a:t>MAE</a:t>
+                      </a:r>
+                    </a:p>
+                  </a:txBody>
+                  <a:tcPr>
+                    <a:solidFill>
+                      <a:schemeClr val="bg2">
+                        <a:lumMod val="50000"/>
+                      </a:schemeClr>
+                    </a:solidFill>
+                  </a:tcPr>
+                </a:tc>
+                <a:extLst>
+                  <a:ext uri="{0D108BD9-81ED-4DB2-BD59-A6C34878D82A}">
+                    <a16:rowId xmlns:a16="http://schemas.microsoft.com/office/drawing/2014/main" val="569118160"/>
+                  </a:ext>
+                </a:extLst>
+              </a:tr>
+              <a:tr h="370840">
+                <a:tc>
+                  <a:txBody>
+                    <a:bodyPr/>
+                    <a:lstStyle/>
+                    <a:p>
+                      <a:pPr algn="ctr"/>
+                      <a:r>
+                        <a:rPr lang="en-CA" sz="1800" kern="1200" dirty="0">
+                          <a:solidFill>
+                            <a:schemeClr val="dk1"/>
+                          </a:solidFill>
+                          <a:effectLst/>
+                          <a:latin typeface="+mn-lt"/>
+                          <a:ea typeface="+mn-ea"/>
+                          <a:cs typeface="+mn-cs"/>
+                        </a:rPr>
+                        <a:t>285.24</a:t>
+                      </a:r>
+                      <a:endParaRPr lang="en-US" dirty="0"/>
+                    </a:p>
+                  </a:txBody>
+                  <a:tcPr>
+                    <a:solidFill>
+                      <a:schemeClr val="bg1">
+                        <a:lumMod val="95000"/>
+                      </a:schemeClr>
+                    </a:solidFill>
+                  </a:tcPr>
+                </a:tc>
+                <a:tc>
+                  <a:txBody>
+                    <a:bodyPr/>
+                    <a:lstStyle/>
+                    <a:p>
+                      <a:pPr algn="ctr"/>
+                      <a:r>
+                        <a:rPr lang="en-CA" sz="1800" kern="1200" dirty="0">
+                          <a:solidFill>
+                            <a:schemeClr val="dk1"/>
+                          </a:solidFill>
+                          <a:effectLst/>
+                          <a:latin typeface="+mn-lt"/>
+                          <a:ea typeface="+mn-ea"/>
+                          <a:cs typeface="+mn-cs"/>
+                        </a:rPr>
+                        <a:t>0.822</a:t>
+                      </a:r>
+                      <a:endParaRPr lang="en-US" dirty="0"/>
+                    </a:p>
+                  </a:txBody>
+                  <a:tcPr>
+                    <a:solidFill>
+                      <a:schemeClr val="bg1">
+                        <a:lumMod val="95000"/>
+                      </a:schemeClr>
+                    </a:solidFill>
+                  </a:tcPr>
+                </a:tc>
+                <a:tc>
+                  <a:txBody>
+                    <a:bodyPr/>
+                    <a:lstStyle/>
+                    <a:p>
+                      <a:pPr algn="ctr"/>
+                      <a:r>
+                        <a:rPr lang="en-CA" sz="1800" kern="1200" dirty="0">
+                          <a:solidFill>
+                            <a:schemeClr val="dk1"/>
+                          </a:solidFill>
+                          <a:effectLst/>
+                          <a:latin typeface="+mn-lt"/>
+                          <a:ea typeface="+mn-ea"/>
+                          <a:cs typeface="+mn-cs"/>
+                        </a:rPr>
+                        <a:t>206.54</a:t>
+                      </a:r>
+                      <a:endParaRPr lang="en-US" dirty="0"/>
+                    </a:p>
+                  </a:txBody>
+                  <a:tcPr>
+                    <a:solidFill>
+                      <a:schemeClr val="bg1">
+                        <a:lumMod val="95000"/>
+                      </a:schemeClr>
+                    </a:solidFill>
+                  </a:tcPr>
+                </a:tc>
+                <a:extLst>
+                  <a:ext uri="{0D108BD9-81ED-4DB2-BD59-A6C34878D82A}">
+                    <a16:rowId xmlns:a16="http://schemas.microsoft.com/office/drawing/2014/main" val="2385636558"/>
+                  </a:ext>
+                </a:extLst>
+              </a:tr>
+            </a:tbl>
+          </a:graphicData>
+        </a:graphic>
+      </p:graphicFrame>
+      <p:pic>
+        <p:nvPicPr>
+          <p:cNvPr id="7" name="Picture 6">
+            <a:extLst>
+              <a:ext uri="{FF2B5EF4-FFF2-40B4-BE49-F238E27FC236}">
+                <a16:creationId xmlns:a16="http://schemas.microsoft.com/office/drawing/2014/main" id="{419B0B31-A19A-4F96-8A9B-982F509F9BDC}"/>
+              </a:ext>
+            </a:extLst>
+          </p:cNvPr>
+          <p:cNvPicPr/>
+          <p:nvPr/>
+        </p:nvPicPr>
+        <p:blipFill>
+          <a:blip r:embed="rId2">
+            <a:extLst>
+              <a:ext uri="{28A0092B-C50C-407E-A947-70E740481C1C}">
+                <a14:useLocalDpi xmlns:a14="http://schemas.microsoft.com/office/drawing/2010/main" val="0"/>
+              </a:ext>
+            </a:extLst>
+          </a:blip>
+          <a:srcRect/>
+          <a:stretch>
+            <a:fillRect/>
+          </a:stretch>
+        </p:blipFill>
+        <p:spPr bwMode="auto">
+          <a:xfrm>
+            <a:off x="8441422" y="2728766"/>
+            <a:ext cx="3750578" cy="3338541"/>
+          </a:xfrm>
+          <a:prstGeom prst="rect">
+            <a:avLst/>
+          </a:prstGeom>
+          <a:noFill/>
+          <a:ln>
+            <a:noFill/>
+          </a:ln>
+        </p:spPr>
+      </p:pic>
+      <p:pic>
+        <p:nvPicPr>
+          <p:cNvPr id="8" name="Picture 7">
+            <a:extLst>
+              <a:ext uri="{FF2B5EF4-FFF2-40B4-BE49-F238E27FC236}">
+                <a16:creationId xmlns:a16="http://schemas.microsoft.com/office/drawing/2014/main" id="{376E9695-49CD-4B05-AE53-695B1E66C4B6}"/>
+              </a:ext>
+            </a:extLst>
+          </p:cNvPr>
+          <p:cNvPicPr/>
+          <p:nvPr/>
+        </p:nvPicPr>
+        <p:blipFill>
+          <a:blip r:embed="rId3">
+            <a:extLst>
+              <a:ext uri="{28A0092B-C50C-407E-A947-70E740481C1C}">
+                <a14:useLocalDpi xmlns:a14="http://schemas.microsoft.com/office/drawing/2010/main" val="0"/>
+              </a:ext>
+            </a:extLst>
+          </a:blip>
+          <a:srcRect/>
+          <a:stretch>
+            <a:fillRect/>
+          </a:stretch>
+        </p:blipFill>
+        <p:spPr bwMode="auto">
+          <a:xfrm>
+            <a:off x="272771" y="2507695"/>
+            <a:ext cx="4145796" cy="3780687"/>
+          </a:xfrm>
+          <a:prstGeom prst="rect">
+            <a:avLst/>
+          </a:prstGeom>
+          <a:noFill/>
+          <a:ln>
+            <a:noFill/>
+          </a:ln>
+        </p:spPr>
+      </p:pic>
+      <p:pic>
+        <p:nvPicPr>
+          <p:cNvPr id="9" name="Picture 8">
+            <a:extLst>
+              <a:ext uri="{FF2B5EF4-FFF2-40B4-BE49-F238E27FC236}">
+                <a16:creationId xmlns:a16="http://schemas.microsoft.com/office/drawing/2014/main" id="{C22438D3-32F5-4FC8-BE3D-9AAA852DBE59}"/>
+              </a:ext>
+            </a:extLst>
+          </p:cNvPr>
+          <p:cNvPicPr/>
+          <p:nvPr/>
+        </p:nvPicPr>
+        <p:blipFill>
+          <a:blip r:embed="rId4">
+            <a:extLst>
+              <a:ext uri="{28A0092B-C50C-407E-A947-70E740481C1C}">
+                <a14:useLocalDpi xmlns:a14="http://schemas.microsoft.com/office/drawing/2010/main" val="0"/>
+              </a:ext>
+            </a:extLst>
+          </a:blip>
+          <a:srcRect/>
+          <a:stretch>
+            <a:fillRect/>
+          </a:stretch>
+        </p:blipFill>
+        <p:spPr bwMode="auto">
+          <a:xfrm>
+            <a:off x="4197178" y="2507694"/>
+            <a:ext cx="4244244" cy="3780687"/>
+          </a:xfrm>
+          <a:prstGeom prst="rect">
+            <a:avLst/>
+          </a:prstGeom>
+          <a:noFill/>
+          <a:ln>
+            <a:noFill/>
+          </a:ln>
+        </p:spPr>
+      </p:pic>
+    </p:spTree>
+    <p:extLst>
+      <p:ext uri="{BB962C8B-B14F-4D97-AF65-F5344CB8AC3E}">
+        <p14:creationId xmlns:p14="http://schemas.microsoft.com/office/powerpoint/2010/main" val="3009917802"/>
+      </p:ext>
+    </p:extLst>
+  </p:cSld>
+  <p:clrMapOvr>
+    <a:masterClrMapping/>
+  </p:clrMapOvr>
+</p:sld>
+</file>
+
+<file path=ppt/slides/slide11.xml><?xml version="1.0" encoding="utf-8"?>
+<p:sld xmlns:a="http://schemas.openxmlformats.org/drawingml/2006/main" xmlns:r="http://schemas.openxmlformats.org/officeDocument/2006/relationships" xmlns:p="http://schemas.openxmlformats.org/presentationml/2006/main">
+  <p:cSld>
+    <p:spTree>
+      <p:nvGrpSpPr>
+        <p:cNvPr id="1" name=""/>
+        <p:cNvGrpSpPr/>
+        <p:nvPr/>
+      </p:nvGrpSpPr>
+      <p:grpSpPr>
+        <a:xfrm>
+          <a:off x="0" y="0"/>
+          <a:ext cx="0" cy="0"/>
+          <a:chOff x="0" y="0"/>
+          <a:chExt cx="0" cy="0"/>
+        </a:xfrm>
+      </p:grpSpPr>
+      <p:sp>
+        <p:nvSpPr>
           <p:cNvPr id="2" name="Title 1">
             <a:extLst>
               <a:ext uri="{FF2B5EF4-FFF2-40B4-BE49-F238E27FC236}">
@@ -8286,7 +8945,7 @@
           <p:nvPr/>
         </p:nvPicPr>
         <p:blipFill>
-          <a:blip r:embed="rId2"/>
+          <a:blip r:embed="rId3"/>
           <a:stretch>
             <a:fillRect/>
           </a:stretch>
@@ -8323,7 +8982,7 @@
           <p:nvPr/>
         </p:nvPicPr>
         <p:blipFill>
-          <a:blip r:embed="rId3"/>
+          <a:blip r:embed="rId4"/>
           <a:stretch>
             <a:fillRect/>
           </a:stretch>
@@ -8630,50 +9289,49 @@
               <a:buNone/>
             </a:pPr>
             <a:r>
-              <a:rPr lang="en-US"/>
+              <a:rPr lang="en-US" dirty="0"/>
               <a:t>The </a:t>
             </a:r>
             <a:r>
-              <a:rPr lang="en-US" b="1"/>
+              <a:rPr lang="en-US" b="1" dirty="0"/>
               <a:t>rate of violent crime </a:t>
             </a:r>
             <a:r>
-              <a:rPr lang="en-US"/>
+              <a:rPr lang="en-US" dirty="0"/>
               <a:t>of a community area in Chicago is correlated with the community area’s </a:t>
             </a:r>
             <a:r>
-              <a:rPr lang="en-US" b="1"/>
+              <a:rPr lang="en-US" b="1" dirty="0"/>
               <a:t>demographics</a:t>
             </a:r>
             <a:r>
-              <a:rPr lang="en-US"/>
+              <a:rPr lang="en-US" dirty="0"/>
               <a:t>, </a:t>
             </a:r>
             <a:r>
-              <a:rPr lang="en-US" b="1"/>
+              <a:rPr lang="en-US" b="1" dirty="0"/>
               <a:t>education</a:t>
             </a:r>
             <a:r>
-              <a:rPr lang="en-US"/>
+              <a:rPr lang="en-US" dirty="0"/>
               <a:t>, </a:t>
             </a:r>
             <a:r>
-              <a:rPr lang="en-US" b="1"/>
+              <a:rPr lang="en-US" b="1" dirty="0"/>
               <a:t>parks</a:t>
             </a:r>
             <a:r>
-              <a:rPr lang="en-US"/>
+              <a:rPr lang="en-US" dirty="0"/>
               <a:t>, and </a:t>
             </a:r>
             <a:r>
-              <a:rPr lang="en-US" b="1"/>
+              <a:rPr lang="en-US" b="1" dirty="0"/>
               <a:t>health</a:t>
             </a:r>
             <a:r>
-              <a:rPr lang="en-US"/>
+              <a:rPr lang="en-US" dirty="0"/>
               <a:t>.</a:t>
             </a:r>
-            <a:endParaRPr lang="en-US" dirty="0"/>
           </a:p>
         </p:txBody>
       </p:sp>

--- a/presentation/oralpresentation.pptx
+++ b/presentation/oralpresentation.pptx
@@ -5,20 +5,24 @@
     <p:sldMasterId id="2147483648" r:id="rId1"/>
   </p:sldMasterIdLst>
   <p:notesMasterIdLst>
-    <p:notesMasterId r:id="rId13"/>
+    <p:notesMasterId r:id="rId17"/>
   </p:notesMasterIdLst>
   <p:sldIdLst>
     <p:sldId id="256" r:id="rId2"/>
     <p:sldId id="259" r:id="rId3"/>
     <p:sldId id="258" r:id="rId4"/>
-    <p:sldId id="257" r:id="rId5"/>
-    <p:sldId id="263" r:id="rId6"/>
-    <p:sldId id="265" r:id="rId7"/>
-    <p:sldId id="260" r:id="rId8"/>
-    <p:sldId id="264" r:id="rId9"/>
-    <p:sldId id="261" r:id="rId10"/>
-    <p:sldId id="266" r:id="rId11"/>
-    <p:sldId id="262" r:id="rId12"/>
+    <p:sldId id="267" r:id="rId5"/>
+    <p:sldId id="257" r:id="rId6"/>
+    <p:sldId id="269" r:id="rId7"/>
+    <p:sldId id="263" r:id="rId8"/>
+    <p:sldId id="270" r:id="rId9"/>
+    <p:sldId id="271" r:id="rId10"/>
+    <p:sldId id="265" r:id="rId11"/>
+    <p:sldId id="260" r:id="rId12"/>
+    <p:sldId id="264" r:id="rId13"/>
+    <p:sldId id="261" r:id="rId14"/>
+    <p:sldId id="266" r:id="rId15"/>
+    <p:sldId id="262" r:id="rId16"/>
   </p:sldIdLst>
   <p:sldSz cx="12192000" cy="6858000"/>
   <p:notesSz cx="6858000" cy="9144000"/>
@@ -1060,7 +1064,7 @@
 <dgm:dataModel xmlns:dgm="http://schemas.openxmlformats.org/drawingml/2006/diagram" xmlns:a="http://schemas.openxmlformats.org/drawingml/2006/main">
   <dgm:ptLst>
     <dgm:pt modelId="{2D01C6B1-9FDF-43E9-AAE6-291527DA2F7B}" type="doc">
-      <dgm:prSet loTypeId="urn:microsoft.com/office/officeart/2008/layout/LinedList" loCatId="list" qsTypeId="urn:microsoft.com/office/officeart/2005/8/quickstyle/simple1" qsCatId="simple" csTypeId="urn:microsoft.com/office/officeart/2005/8/colors/colorful1" csCatId="colorful"/>
+      <dgm:prSet loTypeId="urn:microsoft.com/office/officeart/2008/layout/LinedList" loCatId="list" qsTypeId="urn:microsoft.com/office/officeart/2005/8/quickstyle/simple1" qsCatId="simple" csTypeId="urn:microsoft.com/office/officeart/2005/8/colors/colorful1" csCatId="colorful" phldr="1"/>
       <dgm:spPr/>
       <dgm:t>
         <a:bodyPr/>
@@ -1222,7 +1226,7 @@
         <a:lstStyle/>
         <a:p>
           <a:r>
-            <a:rPr lang="en-US"/>
+            <a:rPr lang="en-US" dirty="0"/>
             <a:t>Teenage Pregnancy Birth Rate</a:t>
           </a:r>
         </a:p>
@@ -1330,8 +1334,8 @@
         <a:lstStyle/>
         <a:p>
           <a:r>
-            <a:rPr lang="en-US"/>
-            <a:t>Etc.</a:t>
+            <a:rPr lang="en-US" dirty="0"/>
+            <a:t>Proportion of each Race</a:t>
           </a:r>
         </a:p>
       </dgm:t>
@@ -1552,7 +1556,7 @@
   <dgm:whole/>
   <dgm:extLst>
     <a:ext uri="http://schemas.microsoft.com/office/drawing/2008/diagram">
-      <dsp:dataModelExt xmlns:dsp="http://schemas.microsoft.com/office/drawing/2008/diagram" relId="rId6" minVer="http://schemas.openxmlformats.org/drawingml/2006/diagram"/>
+      <dsp:dataModelExt xmlns:dsp="http://schemas.microsoft.com/office/drawing/2008/diagram" relId="rId7" minVer="http://schemas.openxmlformats.org/drawingml/2006/diagram"/>
     </a:ext>
   </dgm:extLst>
 </dgm:dataModel>
@@ -2106,7 +2110,7 @@
             <a:buNone/>
           </a:pPr>
           <a:r>
-            <a:rPr lang="en-US" sz="2900" kern="1200"/>
+            <a:rPr lang="en-US" sz="2900" kern="1200" dirty="0"/>
             <a:t>Teenage Pregnancy Birth Rate</a:t>
           </a:r>
         </a:p>
@@ -2436,8 +2440,8 @@
             <a:buNone/>
           </a:pPr>
           <a:r>
-            <a:rPr lang="en-US" sz="2900" kern="1200"/>
-            <a:t>Etc.</a:t>
+            <a:rPr lang="en-US" sz="2900" kern="1200" dirty="0"/>
+            <a:t>Proportion of each Race</a:t>
           </a:r>
         </a:p>
       </dsp:txBody>
@@ -4345,15 +4349,7 @@
           <a:p>
             <a:r>
               <a:rPr lang="en-US" dirty="0"/>
-              <a:t>Hello everyone. Today we will be presenting our data-driven analysis on exploring and predicting violent crime in Chicago. First off we will be discussing the motivations behind this project. After that, our exploratory data analysis, regression </a:t>
-            </a:r>
-            <a:r>
-              <a:rPr lang="en-US" dirty="0" err="1"/>
-              <a:t>regression</a:t>
-            </a:r>
-            <a:r>
-              <a:rPr lang="en-US" dirty="0"/>
-              <a:t>, and clustering results will be explained.</a:t>
+              <a:t>Hello everyone. Today we will be presenting our data-driven analysis on exploring and predicting violent crime in Chicago. First off we will be discussing the motivations behind this project. After that, our exploratory data analysis, regression, and clustering results will be explained.</a:t>
             </a:r>
           </a:p>
         </p:txBody>
@@ -4440,9 +4436,11 @@
           <a:p>
             <a:r>
               <a:rPr lang="en-CA" dirty="0"/>
-              <a:t>Crime in Chicago has been recorded since the last century by the city, and throughout this period, statistics show that the city has had a consistently higher rate of violent crimes compared to the U.S. average. As a result, the city has been under intense scrutiny for its high violent crime rates. In 2016, the murder rate in the U.S. rose about 13%, and almost half of that increase is solely due to violence in Chicago [1]. In fact, in recent years, Chicago had recorded more murders and victims of shooting than both Los Angeles and New York City combined [2]. Such high rates of violent crime naturally lead to a need for better police resource allocation to areas where violent crimes are most likely to occur.</a:t>
+              <a:t>Crime in Chicago has been recorded since the last century by the city, and throughout this period, statistics show that the city has had a consistently higher rate of violent crimes compared to the U.S. average. As a result, the city has been under intense scrutiny for its high violent crime rates. In 2016, almost half of the increase in crime in America was solely due to violence in Chicago. It’s also sad to see news that such as “Chicago goes 22 hours without anyone being shot” as actual news. Such high rates of violent crime naturally lead to a need for better police resource allocation to areas in the city where violent crimes are most likely to occur. This is where we believe data science help.</a:t>
             </a:r>
-            <a:endParaRPr lang="en-US" dirty="0"/>
+          </a:p>
+          <a:p>
+            <a:endParaRPr lang="en-CA" dirty="0"/>
           </a:p>
         </p:txBody>
       </p:sp>
@@ -4526,7 +4524,10 @@
           <a:bodyPr/>
           <a:lstStyle/>
           <a:p>
-            <a:endParaRPr lang="en-US" dirty="0"/>
+            <a:r>
+              <a:rPr lang="en-CA" dirty="0"/>
+              <a:t>We hypothesize that there may be multiple city-related predictors such as demographic, educational, health, and urban planning data that may be correlated with the rate of violent crime in Chicago. </a:t>
+            </a:r>
           </a:p>
         </p:txBody>
       </p:sp>
@@ -4557,6 +4558,481 @@
     <p:extLst>
       <p:ext uri="{BB962C8B-B14F-4D97-AF65-F5344CB8AC3E}">
         <p14:creationId xmlns:p14="http://schemas.microsoft.com/office/powerpoint/2010/main" val="2107359429"/>
+      </p:ext>
+    </p:extLst>
+  </p:cSld>
+  <p:clrMapOvr>
+    <a:masterClrMapping/>
+  </p:clrMapOvr>
+</p:notes>
+</file>
+
+<file path=ppt/notesSlides/notesSlide4.xml><?xml version="1.0" encoding="utf-8"?>
+<p:notes xmlns:a="http://schemas.openxmlformats.org/drawingml/2006/main" xmlns:r="http://schemas.openxmlformats.org/officeDocument/2006/relationships" xmlns:p="http://schemas.openxmlformats.org/presentationml/2006/main">
+  <p:cSld>
+    <p:spTree>
+      <p:nvGrpSpPr>
+        <p:cNvPr id="1" name=""/>
+        <p:cNvGrpSpPr/>
+        <p:nvPr/>
+      </p:nvGrpSpPr>
+      <p:grpSpPr>
+        <a:xfrm>
+          <a:off x="0" y="0"/>
+          <a:ext cx="0" cy="0"/>
+          <a:chOff x="0" y="0"/>
+          <a:chExt cx="0" cy="0"/>
+        </a:xfrm>
+      </p:grpSpPr>
+      <p:sp>
+        <p:nvSpPr>
+          <p:cNvPr id="2" name="Slide Image Placeholder 1"/>
+          <p:cNvSpPr>
+            <a:spLocks noGrp="1" noRot="1" noChangeAspect="1"/>
+          </p:cNvSpPr>
+          <p:nvPr>
+            <p:ph type="sldImg"/>
+          </p:nvPr>
+        </p:nvSpPr>
+        <p:spPr/>
+      </p:sp>
+      <p:sp>
+        <p:nvSpPr>
+          <p:cNvPr id="3" name="Notes Placeholder 2"/>
+          <p:cNvSpPr>
+            <a:spLocks noGrp="1"/>
+          </p:cNvSpPr>
+          <p:nvPr>
+            <p:ph type="body" idx="1"/>
+          </p:nvPr>
+        </p:nvSpPr>
+        <p:spPr/>
+        <p:txBody>
+          <a:bodyPr/>
+          <a:lstStyle/>
+          <a:p>
+            <a:r>
+              <a:rPr lang="en-CA" sz="1200" kern="1200" dirty="0">
+                <a:solidFill>
+                  <a:schemeClr val="tx1"/>
+                </a:solidFill>
+                <a:effectLst/>
+                <a:latin typeface="+mn-lt"/>
+                <a:ea typeface="+mn-ea"/>
+                <a:cs typeface="+mn-cs"/>
+              </a:rPr>
+              <a:t>Each of these predictors will be grouped by ‘community area’. Chicago has 77 official community areas, and these areas have been historically used in sociological research of Chicago, and is thus deemed an appropriate geographic unit of choice for this project.</a:t>
+            </a:r>
+            <a:endParaRPr lang="en-CA" dirty="0"/>
+          </a:p>
+          <a:p>
+            <a:endParaRPr lang="en-CA" dirty="0"/>
+          </a:p>
+          <a:p>
+            <a:r>
+              <a:rPr lang="en-CA" dirty="0"/>
+              <a:t>These include: *go to the next slide*</a:t>
+            </a:r>
+            <a:endParaRPr lang="en-US" dirty="0"/>
+          </a:p>
+          <a:p>
+            <a:endParaRPr lang="en-US" dirty="0"/>
+          </a:p>
+        </p:txBody>
+      </p:sp>
+      <p:sp>
+        <p:nvSpPr>
+          <p:cNvPr id="4" name="Slide Number Placeholder 3"/>
+          <p:cNvSpPr>
+            <a:spLocks noGrp="1"/>
+          </p:cNvSpPr>
+          <p:nvPr>
+            <p:ph type="sldNum" sz="quarter" idx="10"/>
+          </p:nvPr>
+        </p:nvSpPr>
+        <p:spPr/>
+        <p:txBody>
+          <a:bodyPr/>
+          <a:lstStyle/>
+          <a:p>
+            <a:fld id="{E0865CCC-22B7-4BA3-9105-7042E1A6B194}" type="slidenum">
+              <a:rPr lang="en-US" smtClean="0"/>
+              <a:t>4</a:t>
+            </a:fld>
+            <a:endParaRPr lang="en-US"/>
+          </a:p>
+        </p:txBody>
+      </p:sp>
+    </p:spTree>
+    <p:extLst>
+      <p:ext uri="{BB962C8B-B14F-4D97-AF65-F5344CB8AC3E}">
+        <p14:creationId xmlns:p14="http://schemas.microsoft.com/office/powerpoint/2010/main" val="38701309"/>
+      </p:ext>
+    </p:extLst>
+  </p:cSld>
+  <p:clrMapOvr>
+    <a:masterClrMapping/>
+  </p:clrMapOvr>
+</p:notes>
+</file>
+
+<file path=ppt/notesSlides/notesSlide5.xml><?xml version="1.0" encoding="utf-8"?>
+<p:notes xmlns:a="http://schemas.openxmlformats.org/drawingml/2006/main" xmlns:r="http://schemas.openxmlformats.org/officeDocument/2006/relationships" xmlns:p="http://schemas.openxmlformats.org/presentationml/2006/main">
+  <p:cSld>
+    <p:spTree>
+      <p:nvGrpSpPr>
+        <p:cNvPr id="1" name=""/>
+        <p:cNvGrpSpPr/>
+        <p:nvPr/>
+      </p:nvGrpSpPr>
+      <p:grpSpPr>
+        <a:xfrm>
+          <a:off x="0" y="0"/>
+          <a:ext cx="0" cy="0"/>
+          <a:chOff x="0" y="0"/>
+          <a:chExt cx="0" cy="0"/>
+        </a:xfrm>
+      </p:grpSpPr>
+      <p:sp>
+        <p:nvSpPr>
+          <p:cNvPr id="2" name="Slide Image Placeholder 1"/>
+          <p:cNvSpPr>
+            <a:spLocks noGrp="1" noRot="1" noChangeAspect="1"/>
+          </p:cNvSpPr>
+          <p:nvPr>
+            <p:ph type="sldImg"/>
+          </p:nvPr>
+        </p:nvSpPr>
+        <p:spPr/>
+      </p:sp>
+      <p:sp>
+        <p:nvSpPr>
+          <p:cNvPr id="3" name="Notes Placeholder 2"/>
+          <p:cNvSpPr>
+            <a:spLocks noGrp="1"/>
+          </p:cNvSpPr>
+          <p:nvPr>
+            <p:ph type="body" idx="1"/>
+          </p:nvPr>
+        </p:nvSpPr>
+        <p:spPr/>
+        <p:txBody>
+          <a:bodyPr/>
+          <a:lstStyle/>
+          <a:p>
+            <a:endParaRPr lang="en-US" dirty="0"/>
+          </a:p>
+        </p:txBody>
+      </p:sp>
+      <p:sp>
+        <p:nvSpPr>
+          <p:cNvPr id="4" name="Slide Number Placeholder 3"/>
+          <p:cNvSpPr>
+            <a:spLocks noGrp="1"/>
+          </p:cNvSpPr>
+          <p:nvPr>
+            <p:ph type="sldNum" sz="quarter" idx="10"/>
+          </p:nvPr>
+        </p:nvSpPr>
+        <p:spPr/>
+        <p:txBody>
+          <a:bodyPr/>
+          <a:lstStyle/>
+          <a:p>
+            <a:fld id="{E0865CCC-22B7-4BA3-9105-7042E1A6B194}" type="slidenum">
+              <a:rPr lang="en-US" smtClean="0"/>
+              <a:t>5</a:t>
+            </a:fld>
+            <a:endParaRPr lang="en-US"/>
+          </a:p>
+        </p:txBody>
+      </p:sp>
+    </p:spTree>
+    <p:extLst>
+      <p:ext uri="{BB962C8B-B14F-4D97-AF65-F5344CB8AC3E}">
+        <p14:creationId xmlns:p14="http://schemas.microsoft.com/office/powerpoint/2010/main" val="2471952247"/>
+      </p:ext>
+    </p:extLst>
+  </p:cSld>
+  <p:clrMapOvr>
+    <a:masterClrMapping/>
+  </p:clrMapOvr>
+</p:notes>
+</file>
+
+<file path=ppt/notesSlides/notesSlide6.xml><?xml version="1.0" encoding="utf-8"?>
+<p:notes xmlns:a="http://schemas.openxmlformats.org/drawingml/2006/main" xmlns:r="http://schemas.openxmlformats.org/officeDocument/2006/relationships" xmlns:p="http://schemas.openxmlformats.org/presentationml/2006/main">
+  <p:cSld>
+    <p:spTree>
+      <p:nvGrpSpPr>
+        <p:cNvPr id="1" name=""/>
+        <p:cNvGrpSpPr/>
+        <p:nvPr/>
+      </p:nvGrpSpPr>
+      <p:grpSpPr>
+        <a:xfrm>
+          <a:off x="0" y="0"/>
+          <a:ext cx="0" cy="0"/>
+          <a:chOff x="0" y="0"/>
+          <a:chExt cx="0" cy="0"/>
+        </a:xfrm>
+      </p:grpSpPr>
+      <p:sp>
+        <p:nvSpPr>
+          <p:cNvPr id="2" name="Slide Image Placeholder 1"/>
+          <p:cNvSpPr>
+            <a:spLocks noGrp="1" noRot="1" noChangeAspect="1"/>
+          </p:cNvSpPr>
+          <p:nvPr>
+            <p:ph type="sldImg"/>
+          </p:nvPr>
+        </p:nvSpPr>
+        <p:spPr/>
+      </p:sp>
+      <p:sp>
+        <p:nvSpPr>
+          <p:cNvPr id="3" name="Notes Placeholder 2"/>
+          <p:cNvSpPr>
+            <a:spLocks noGrp="1"/>
+          </p:cNvSpPr>
+          <p:nvPr>
+            <p:ph type="body" idx="1"/>
+          </p:nvPr>
+        </p:nvSpPr>
+        <p:spPr/>
+        <p:txBody>
+          <a:bodyPr/>
+          <a:lstStyle/>
+          <a:p>
+            <a:r>
+              <a:rPr lang="en-CA" dirty="0"/>
+              <a:t>The class variable is the rate of violent crime in an area. In order to scale the results so that communities with higher populations are not overrepresented, the class variable is calculated as the percent of violent crime per 1000 people in the specified community area.</a:t>
+            </a:r>
+          </a:p>
+          <a:p>
+            <a:endParaRPr lang="en-CA" dirty="0"/>
+          </a:p>
+          <a:p>
+            <a:r>
+              <a:rPr lang="en-CA" sz="1200" kern="1200" dirty="0">
+                <a:solidFill>
+                  <a:schemeClr val="tx1"/>
+                </a:solidFill>
+                <a:effectLst/>
+                <a:latin typeface="+mn-lt"/>
+                <a:ea typeface="+mn-ea"/>
+                <a:cs typeface="+mn-cs"/>
+              </a:rPr>
+              <a:t>Note that the multiplier of 1000 is not important in prediction, as all of the constants of a regression model will simply be scaled up. It is also not important in clustering or association rule mining, as the former normalizes all of its explanatory variables, and the latter bins them. This multiplier is simply included as it is a standard way to assess rate by population in social sciences </a:t>
+            </a:r>
+            <a:endParaRPr lang="en-US" dirty="0"/>
+          </a:p>
+        </p:txBody>
+      </p:sp>
+      <p:sp>
+        <p:nvSpPr>
+          <p:cNvPr id="4" name="Slide Number Placeholder 3"/>
+          <p:cNvSpPr>
+            <a:spLocks noGrp="1"/>
+          </p:cNvSpPr>
+          <p:nvPr>
+            <p:ph type="sldNum" sz="quarter" idx="10"/>
+          </p:nvPr>
+        </p:nvSpPr>
+        <p:spPr/>
+        <p:txBody>
+          <a:bodyPr/>
+          <a:lstStyle/>
+          <a:p>
+            <a:fld id="{E0865CCC-22B7-4BA3-9105-7042E1A6B194}" type="slidenum">
+              <a:rPr lang="en-US" smtClean="0"/>
+              <a:t>6</a:t>
+            </a:fld>
+            <a:endParaRPr lang="en-US"/>
+          </a:p>
+        </p:txBody>
+      </p:sp>
+    </p:spTree>
+    <p:extLst>
+      <p:ext uri="{BB962C8B-B14F-4D97-AF65-F5344CB8AC3E}">
+        <p14:creationId xmlns:p14="http://schemas.microsoft.com/office/powerpoint/2010/main" val="3300050391"/>
+      </p:ext>
+    </p:extLst>
+  </p:cSld>
+  <p:clrMapOvr>
+    <a:masterClrMapping/>
+  </p:clrMapOvr>
+</p:notes>
+</file>
+
+<file path=ppt/notesSlides/notesSlide7.xml><?xml version="1.0" encoding="utf-8"?>
+<p:notes xmlns:a="http://schemas.openxmlformats.org/drawingml/2006/main" xmlns:r="http://schemas.openxmlformats.org/officeDocument/2006/relationships" xmlns:p="http://schemas.openxmlformats.org/presentationml/2006/main">
+  <p:cSld>
+    <p:spTree>
+      <p:nvGrpSpPr>
+        <p:cNvPr id="1" name=""/>
+        <p:cNvGrpSpPr/>
+        <p:nvPr/>
+      </p:nvGrpSpPr>
+      <p:grpSpPr>
+        <a:xfrm>
+          <a:off x="0" y="0"/>
+          <a:ext cx="0" cy="0"/>
+          <a:chOff x="0" y="0"/>
+          <a:chExt cx="0" cy="0"/>
+        </a:xfrm>
+      </p:grpSpPr>
+      <p:sp>
+        <p:nvSpPr>
+          <p:cNvPr id="2" name="Slide Image Placeholder 1"/>
+          <p:cNvSpPr>
+            <a:spLocks noGrp="1" noRot="1" noChangeAspect="1"/>
+          </p:cNvSpPr>
+          <p:nvPr>
+            <p:ph type="sldImg"/>
+          </p:nvPr>
+        </p:nvSpPr>
+        <p:spPr/>
+      </p:sp>
+      <p:sp>
+        <p:nvSpPr>
+          <p:cNvPr id="3" name="Notes Placeholder 2"/>
+          <p:cNvSpPr>
+            <a:spLocks noGrp="1"/>
+          </p:cNvSpPr>
+          <p:nvPr>
+            <p:ph type="body" idx="1"/>
+          </p:nvPr>
+        </p:nvSpPr>
+        <p:spPr/>
+        <p:txBody>
+          <a:bodyPr/>
+          <a:lstStyle/>
+          <a:p>
+            <a:pPr marL="171450" indent="-171450">
+              <a:buFont typeface="Arial" panose="020B0604020202020204" pitchFamily="34" charset="0"/>
+              <a:buChar char="•"/>
+            </a:pPr>
+            <a:r>
+              <a:rPr lang="en-CA" dirty="0"/>
+              <a:t>Average quality of schools in a community area (</a:t>
+            </a:r>
+            <a:r>
+              <a:rPr lang="en-CA" sz="1200" kern="1200" dirty="0">
+                <a:solidFill>
+                  <a:schemeClr val="tx1"/>
+                </a:solidFill>
+                <a:effectLst/>
+                <a:latin typeface="+mn-lt"/>
+                <a:ea typeface="+mn-ea"/>
+                <a:cs typeface="+mn-cs"/>
+              </a:rPr>
+              <a:t>based on the Chicago Public School Board’s official “School Quality Rating” measurements for each school in the city</a:t>
+            </a:r>
+            <a:r>
+              <a:rPr lang="en-CA" dirty="0"/>
+              <a:t>)</a:t>
+            </a:r>
+          </a:p>
+          <a:p>
+            <a:pPr marL="171450" indent="-171450">
+              <a:buFont typeface="Arial" panose="020B0604020202020204" pitchFamily="34" charset="0"/>
+              <a:buChar char="•"/>
+            </a:pPr>
+            <a:r>
+              <a:rPr lang="en-CA" dirty="0"/>
+              <a:t>Average SSL rating of “strategic subjects” in a community area (‘strategic subject rating’ being defined by the CPD as how likely target people on ‘their list’ will be involved in a shooting in the near future)</a:t>
+            </a:r>
+          </a:p>
+          <a:p>
+            <a:pPr marL="171450" indent="-171450">
+              <a:buFont typeface="Arial" panose="020B0604020202020204" pitchFamily="34" charset="0"/>
+              <a:buChar char="•"/>
+            </a:pPr>
+            <a:r>
+              <a:rPr lang="en-CA" dirty="0"/>
+              <a:t>Normalized total park area, </a:t>
+            </a:r>
+          </a:p>
+          <a:p>
+            <a:pPr marL="171450" indent="-171450">
+              <a:buFont typeface="Arial" panose="020B0604020202020204" pitchFamily="34" charset="0"/>
+              <a:buChar char="•"/>
+            </a:pPr>
+            <a:r>
+              <a:rPr lang="en-CA" dirty="0"/>
+              <a:t>health statistics such as number of hospitals, </a:t>
+            </a:r>
+          </a:p>
+          <a:p>
+            <a:pPr marL="171450" indent="-171450">
+              <a:buFont typeface="Arial" panose="020B0604020202020204" pitchFamily="34" charset="0"/>
+              <a:buChar char="•"/>
+            </a:pPr>
+            <a:r>
+              <a:rPr lang="en-CA" dirty="0"/>
+              <a:t>teenage pregnancy rate,</a:t>
+            </a:r>
+          </a:p>
+          <a:p>
+            <a:pPr marL="171450" indent="-171450">
+              <a:buFont typeface="Arial" panose="020B0604020202020204" pitchFamily="34" charset="0"/>
+              <a:buChar char="•"/>
+            </a:pPr>
+            <a:r>
+              <a:rPr lang="en-CA" dirty="0"/>
+              <a:t>Infant mortality rate,</a:t>
+            </a:r>
+          </a:p>
+          <a:p>
+            <a:pPr marL="171450" indent="-171450">
+              <a:buFont typeface="Arial" panose="020B0604020202020204" pitchFamily="34" charset="0"/>
+              <a:buChar char="•"/>
+            </a:pPr>
+            <a:r>
+              <a:rPr lang="en-CA" dirty="0"/>
+              <a:t>and demographics of the neighborhood that the crime took place in such as poverty rate,</a:t>
+            </a:r>
+          </a:p>
+          <a:p>
+            <a:pPr marL="171450" indent="-171450">
+              <a:buFont typeface="Arial" panose="020B0604020202020204" pitchFamily="34" charset="0"/>
+              <a:buChar char="•"/>
+            </a:pPr>
+            <a:r>
+              <a:rPr lang="en-CA" dirty="0"/>
+              <a:t>And the proportion of each race for each community area</a:t>
+            </a:r>
+          </a:p>
+        </p:txBody>
+      </p:sp>
+      <p:sp>
+        <p:nvSpPr>
+          <p:cNvPr id="4" name="Slide Number Placeholder 3"/>
+          <p:cNvSpPr>
+            <a:spLocks noGrp="1"/>
+          </p:cNvSpPr>
+          <p:nvPr>
+            <p:ph type="sldNum" sz="quarter" idx="10"/>
+          </p:nvPr>
+        </p:nvSpPr>
+        <p:spPr/>
+        <p:txBody>
+          <a:bodyPr/>
+          <a:lstStyle/>
+          <a:p>
+            <a:fld id="{E0865CCC-22B7-4BA3-9105-7042E1A6B194}" type="slidenum">
+              <a:rPr lang="en-US" smtClean="0"/>
+              <a:t>7</a:t>
+            </a:fld>
+            <a:endParaRPr lang="en-US"/>
+          </a:p>
+        </p:txBody>
+      </p:sp>
+    </p:spTree>
+    <p:extLst>
+      <p:ext uri="{BB962C8B-B14F-4D97-AF65-F5344CB8AC3E}">
+        <p14:creationId xmlns:p14="http://schemas.microsoft.com/office/powerpoint/2010/main" val="3868844622"/>
       </p:ext>
     </p:extLst>
   </p:cSld>
@@ -8321,6 +8797,1665 @@
 <file path=ppt/slides/slide10.xml><?xml version="1.0" encoding="utf-8"?>
 <p:sld xmlns:a="http://schemas.openxmlformats.org/drawingml/2006/main" xmlns:r="http://schemas.openxmlformats.org/officeDocument/2006/relationships" xmlns:p="http://schemas.openxmlformats.org/presentationml/2006/main">
   <p:cSld>
+    <p:bg>
+      <p:bgPr>
+        <a:solidFill>
+          <a:schemeClr val="bg1">
+            <a:tint val="95000"/>
+            <a:satMod val="170000"/>
+          </a:schemeClr>
+        </a:solidFill>
+        <a:effectLst/>
+      </p:bgPr>
+    </p:bg>
+    <p:spTree>
+      <p:nvGrpSpPr>
+        <p:cNvPr id="1" name=""/>
+        <p:cNvGrpSpPr/>
+        <p:nvPr/>
+      </p:nvGrpSpPr>
+      <p:grpSpPr>
+        <a:xfrm>
+          <a:off x="0" y="0"/>
+          <a:ext cx="0" cy="0"/>
+          <a:chOff x="0" y="0"/>
+          <a:chExt cx="0" cy="0"/>
+        </a:xfrm>
+      </p:grpSpPr>
+      <p:sp>
+        <p:nvSpPr>
+          <p:cNvPr id="13" name="Freeform: Shape 6">
+            <a:extLst>
+              <a:ext uri="{FF2B5EF4-FFF2-40B4-BE49-F238E27FC236}">
+                <a16:creationId xmlns:a16="http://schemas.microsoft.com/office/drawing/2014/main" id="{66B332A4-D438-4773-A77F-5ED49A448D9D}"/>
+              </a:ext>
+              <a:ext uri="{C183D7F6-B498-43B3-948B-1728B52AA6E4}">
+                <adec:decorative xmlns:adec="http://schemas.microsoft.com/office/drawing/2017/decorative" val="1"/>
+              </a:ext>
+            </a:extLst>
+          </p:cNvPr>
+          <p:cNvSpPr>
+            <a:spLocks noGrp="1" noRot="1" noChangeAspect="1" noMove="1" noResize="1" noEditPoints="1" noAdjustHandles="1" noChangeArrowheads="1" noChangeShapeType="1" noTextEdit="1"/>
+          </p:cNvSpPr>
+          <p:nvPr>
+            <p:extLst>
+              <p:ext uri="{386F3935-93C4-4BCD-93E2-E3B085C9AB24}">
+                <p16:designElem xmlns:p16="http://schemas.microsoft.com/office/powerpoint/2015/main" val="1"/>
+              </p:ext>
+            </p:extLst>
+          </p:nvPr>
+        </p:nvSpPr>
+        <p:spPr>
+          <a:xfrm>
+            <a:off x="1953768" y="0"/>
+            <a:ext cx="8284464" cy="6858000"/>
+          </a:xfrm>
+          <a:custGeom>
+            <a:avLst/>
+            <a:gdLst>
+              <a:gd name="connsiteX0" fmla="*/ 1818109 w 8284464"/>
+              <a:gd name="connsiteY0" fmla="*/ 0 h 6858000"/>
+              <a:gd name="connsiteX1" fmla="*/ 6466355 w 8284464"/>
+              <a:gd name="connsiteY1" fmla="*/ 0 h 6858000"/>
+              <a:gd name="connsiteX2" fmla="*/ 6620596 w 8284464"/>
+              <a:gd name="connsiteY2" fmla="*/ 109683 h 6858000"/>
+              <a:gd name="connsiteX3" fmla="*/ 8284464 w 8284464"/>
+              <a:gd name="connsiteY3" fmla="*/ 3429000 h 6858000"/>
+              <a:gd name="connsiteX4" fmla="*/ 6620596 w 8284464"/>
+              <a:gd name="connsiteY4" fmla="*/ 6748318 h 6858000"/>
+              <a:gd name="connsiteX5" fmla="*/ 6466355 w 8284464"/>
+              <a:gd name="connsiteY5" fmla="*/ 6858000 h 6858000"/>
+              <a:gd name="connsiteX6" fmla="*/ 1818109 w 8284464"/>
+              <a:gd name="connsiteY6" fmla="*/ 6858000 h 6858000"/>
+              <a:gd name="connsiteX7" fmla="*/ 1663869 w 8284464"/>
+              <a:gd name="connsiteY7" fmla="*/ 6748318 h 6858000"/>
+              <a:gd name="connsiteX8" fmla="*/ 0 w 8284464"/>
+              <a:gd name="connsiteY8" fmla="*/ 3429000 h 6858000"/>
+              <a:gd name="connsiteX9" fmla="*/ 1663869 w 8284464"/>
+              <a:gd name="connsiteY9" fmla="*/ 109683 h 6858000"/>
+            </a:gdLst>
+            <a:ahLst/>
+            <a:cxnLst>
+              <a:cxn ang="0">
+                <a:pos x="connsiteX0" y="connsiteY0"/>
+              </a:cxn>
+              <a:cxn ang="0">
+                <a:pos x="connsiteX1" y="connsiteY1"/>
+              </a:cxn>
+              <a:cxn ang="0">
+                <a:pos x="connsiteX2" y="connsiteY2"/>
+              </a:cxn>
+              <a:cxn ang="0">
+                <a:pos x="connsiteX3" y="connsiteY3"/>
+              </a:cxn>
+              <a:cxn ang="0">
+                <a:pos x="connsiteX4" y="connsiteY4"/>
+              </a:cxn>
+              <a:cxn ang="0">
+                <a:pos x="connsiteX5" y="connsiteY5"/>
+              </a:cxn>
+              <a:cxn ang="0">
+                <a:pos x="connsiteX6" y="connsiteY6"/>
+              </a:cxn>
+              <a:cxn ang="0">
+                <a:pos x="connsiteX7" y="connsiteY7"/>
+              </a:cxn>
+              <a:cxn ang="0">
+                <a:pos x="connsiteX8" y="connsiteY8"/>
+              </a:cxn>
+              <a:cxn ang="0">
+                <a:pos x="connsiteX9" y="connsiteY9"/>
+              </a:cxn>
+            </a:cxnLst>
+            <a:rect l="l" t="t" r="r" b="b"/>
+            <a:pathLst>
+              <a:path w="8284464" h="6858000">
+                <a:moveTo>
+                  <a:pt x="1818109" y="0"/>
+                </a:moveTo>
+                <a:lnTo>
+                  <a:pt x="6466355" y="0"/>
+                </a:lnTo>
+                <a:lnTo>
+                  <a:pt x="6620596" y="109683"/>
+                </a:lnTo>
+                <a:cubicBezTo>
+                  <a:pt x="7630666" y="865069"/>
+                  <a:pt x="8284464" y="2070683"/>
+                  <a:pt x="8284464" y="3429000"/>
+                </a:cubicBezTo>
+                <a:cubicBezTo>
+                  <a:pt x="8284464" y="4787317"/>
+                  <a:pt x="7630666" y="5992931"/>
+                  <a:pt x="6620596" y="6748318"/>
+                </a:cubicBezTo>
+                <a:lnTo>
+                  <a:pt x="6466355" y="6858000"/>
+                </a:lnTo>
+                <a:lnTo>
+                  <a:pt x="1818109" y="6858000"/>
+                </a:lnTo>
+                <a:lnTo>
+                  <a:pt x="1663869" y="6748318"/>
+                </a:lnTo>
+                <a:cubicBezTo>
+                  <a:pt x="653798" y="5992931"/>
+                  <a:pt x="0" y="4787317"/>
+                  <a:pt x="0" y="3429000"/>
+                </a:cubicBezTo>
+                <a:cubicBezTo>
+                  <a:pt x="0" y="2070683"/>
+                  <a:pt x="653798" y="865069"/>
+                  <a:pt x="1663869" y="109683"/>
+                </a:cubicBezTo>
+                <a:close/>
+              </a:path>
+            </a:pathLst>
+          </a:custGeom>
+          <a:solidFill>
+            <a:srgbClr val="FFFFFF">
+              <a:alpha val="80000"/>
+            </a:srgbClr>
+          </a:solidFill>
+          <a:ln>
+            <a:noFill/>
+          </a:ln>
+        </p:spPr>
+        <p:style>
+          <a:lnRef idx="2">
+            <a:schemeClr val="accent1">
+              <a:shade val="50000"/>
+            </a:schemeClr>
+          </a:lnRef>
+          <a:fillRef idx="1">
+            <a:schemeClr val="accent1"/>
+          </a:fillRef>
+          <a:effectRef idx="0">
+            <a:schemeClr val="accent1"/>
+          </a:effectRef>
+          <a:fontRef idx="minor">
+            <a:schemeClr val="lt1"/>
+          </a:fontRef>
+        </p:style>
+        <p:txBody>
+          <a:bodyPr wrap="square" rtlCol="0" anchor="ctr">
+            <a:noAutofit/>
+          </a:bodyPr>
+          <a:lstStyle/>
+          <a:p>
+            <a:pPr algn="ctr"/>
+            <a:endParaRPr lang="en-US"/>
+          </a:p>
+        </p:txBody>
+      </p:sp>
+      <p:sp>
+        <p:nvSpPr>
+          <p:cNvPr id="14" name="Freeform: Shape 8">
+            <a:extLst>
+              <a:ext uri="{FF2B5EF4-FFF2-40B4-BE49-F238E27FC236}">
+                <a16:creationId xmlns:a16="http://schemas.microsoft.com/office/drawing/2014/main" id="{DF9AD32D-FF05-44F4-BD4D-9CEE89B71EB9}"/>
+              </a:ext>
+              <a:ext uri="{C183D7F6-B498-43B3-948B-1728B52AA6E4}">
+                <adec:decorative xmlns:adec="http://schemas.microsoft.com/office/drawing/2017/decorative" val="1"/>
+              </a:ext>
+            </a:extLst>
+          </p:cNvPr>
+          <p:cNvSpPr>
+            <a:spLocks noGrp="1" noRot="1" noChangeAspect="1" noMove="1" noResize="1" noEditPoints="1" noAdjustHandles="1" noChangeArrowheads="1" noChangeShapeType="1" noTextEdit="1"/>
+          </p:cNvSpPr>
+          <p:nvPr>
+            <p:extLst>
+              <p:ext uri="{386F3935-93C4-4BCD-93E2-E3B085C9AB24}">
+                <p16:designElem xmlns:p16="http://schemas.microsoft.com/office/powerpoint/2015/main" val="1"/>
+              </p:ext>
+            </p:extLst>
+          </p:nvPr>
+        </p:nvSpPr>
+        <p:spPr>
+          <a:xfrm>
+            <a:off x="2118360" y="0"/>
+            <a:ext cx="7955280" cy="6858000"/>
+          </a:xfrm>
+          <a:custGeom>
+            <a:avLst/>
+            <a:gdLst>
+              <a:gd name="connsiteX0" fmla="*/ 1962423 w 7955280"/>
+              <a:gd name="connsiteY0" fmla="*/ 0 h 6858000"/>
+              <a:gd name="connsiteX1" fmla="*/ 5992858 w 7955280"/>
+              <a:gd name="connsiteY1" fmla="*/ 0 h 6858000"/>
+              <a:gd name="connsiteX2" fmla="*/ 6040191 w 7955280"/>
+              <a:gd name="connsiteY2" fmla="*/ 27216 h 6858000"/>
+              <a:gd name="connsiteX3" fmla="*/ 7955280 w 7955280"/>
+              <a:gd name="connsiteY3" fmla="*/ 3429000 h 6858000"/>
+              <a:gd name="connsiteX4" fmla="*/ 6040191 w 7955280"/>
+              <a:gd name="connsiteY4" fmla="*/ 6830784 h 6858000"/>
+              <a:gd name="connsiteX5" fmla="*/ 5992858 w 7955280"/>
+              <a:gd name="connsiteY5" fmla="*/ 6858000 h 6858000"/>
+              <a:gd name="connsiteX6" fmla="*/ 1962423 w 7955280"/>
+              <a:gd name="connsiteY6" fmla="*/ 6858000 h 6858000"/>
+              <a:gd name="connsiteX7" fmla="*/ 1915089 w 7955280"/>
+              <a:gd name="connsiteY7" fmla="*/ 6830784 h 6858000"/>
+              <a:gd name="connsiteX8" fmla="*/ 0 w 7955280"/>
+              <a:gd name="connsiteY8" fmla="*/ 3429000 h 6858000"/>
+              <a:gd name="connsiteX9" fmla="*/ 1915089 w 7955280"/>
+              <a:gd name="connsiteY9" fmla="*/ 27216 h 6858000"/>
+            </a:gdLst>
+            <a:ahLst/>
+            <a:cxnLst>
+              <a:cxn ang="0">
+                <a:pos x="connsiteX0" y="connsiteY0"/>
+              </a:cxn>
+              <a:cxn ang="0">
+                <a:pos x="connsiteX1" y="connsiteY1"/>
+              </a:cxn>
+              <a:cxn ang="0">
+                <a:pos x="connsiteX2" y="connsiteY2"/>
+              </a:cxn>
+              <a:cxn ang="0">
+                <a:pos x="connsiteX3" y="connsiteY3"/>
+              </a:cxn>
+              <a:cxn ang="0">
+                <a:pos x="connsiteX4" y="connsiteY4"/>
+              </a:cxn>
+              <a:cxn ang="0">
+                <a:pos x="connsiteX5" y="connsiteY5"/>
+              </a:cxn>
+              <a:cxn ang="0">
+                <a:pos x="connsiteX6" y="connsiteY6"/>
+              </a:cxn>
+              <a:cxn ang="0">
+                <a:pos x="connsiteX7" y="connsiteY7"/>
+              </a:cxn>
+              <a:cxn ang="0">
+                <a:pos x="connsiteX8" y="connsiteY8"/>
+              </a:cxn>
+              <a:cxn ang="0">
+                <a:pos x="connsiteX9" y="connsiteY9"/>
+              </a:cxn>
+            </a:cxnLst>
+            <a:rect l="l" t="t" r="r" b="b"/>
+            <a:pathLst>
+              <a:path w="7955280" h="6858000">
+                <a:moveTo>
+                  <a:pt x="1962423" y="0"/>
+                </a:moveTo>
+                <a:lnTo>
+                  <a:pt x="5992858" y="0"/>
+                </a:lnTo>
+                <a:lnTo>
+                  <a:pt x="6040191" y="27216"/>
+                </a:lnTo>
+                <a:cubicBezTo>
+                  <a:pt x="7188332" y="724844"/>
+                  <a:pt x="7955280" y="1987357"/>
+                  <a:pt x="7955280" y="3429000"/>
+                </a:cubicBezTo>
+                <a:cubicBezTo>
+                  <a:pt x="7955280" y="4870644"/>
+                  <a:pt x="7188332" y="6133157"/>
+                  <a:pt x="6040191" y="6830784"/>
+                </a:cubicBezTo>
+                <a:lnTo>
+                  <a:pt x="5992858" y="6858000"/>
+                </a:lnTo>
+                <a:lnTo>
+                  <a:pt x="1962423" y="6858000"/>
+                </a:lnTo>
+                <a:lnTo>
+                  <a:pt x="1915089" y="6830784"/>
+                </a:lnTo>
+                <a:cubicBezTo>
+                  <a:pt x="766948" y="6133157"/>
+                  <a:pt x="0" y="4870644"/>
+                  <a:pt x="0" y="3429000"/>
+                </a:cubicBezTo>
+                <a:cubicBezTo>
+                  <a:pt x="0" y="1987357"/>
+                  <a:pt x="766948" y="724844"/>
+                  <a:pt x="1915089" y="27216"/>
+                </a:cubicBezTo>
+                <a:close/>
+              </a:path>
+            </a:pathLst>
+          </a:custGeom>
+          <a:solidFill>
+            <a:schemeClr val="tx1"/>
+          </a:solidFill>
+          <a:ln>
+            <a:noFill/>
+          </a:ln>
+        </p:spPr>
+        <p:style>
+          <a:lnRef idx="2">
+            <a:schemeClr val="accent1">
+              <a:shade val="50000"/>
+            </a:schemeClr>
+          </a:lnRef>
+          <a:fillRef idx="1">
+            <a:schemeClr val="accent1"/>
+          </a:fillRef>
+          <a:effectRef idx="0">
+            <a:schemeClr val="accent1"/>
+          </a:effectRef>
+          <a:fontRef idx="minor">
+            <a:schemeClr val="lt1"/>
+          </a:fontRef>
+        </p:style>
+        <p:txBody>
+          <a:bodyPr wrap="square" rtlCol="0" anchor="ctr">
+            <a:noAutofit/>
+          </a:bodyPr>
+          <a:lstStyle/>
+          <a:p>
+            <a:pPr algn="ctr"/>
+            <a:endParaRPr lang="en-US"/>
+          </a:p>
+        </p:txBody>
+      </p:sp>
+      <p:sp>
+        <p:nvSpPr>
+          <p:cNvPr id="2" name="Title 1">
+            <a:extLst>
+              <a:ext uri="{FF2B5EF4-FFF2-40B4-BE49-F238E27FC236}">
+                <a16:creationId xmlns:a16="http://schemas.microsoft.com/office/drawing/2014/main" id="{C38076D0-969F-4A0C-B6A6-6831501F016F}"/>
+              </a:ext>
+            </a:extLst>
+          </p:cNvPr>
+          <p:cNvSpPr>
+            <a:spLocks noGrp="1"/>
+          </p:cNvSpPr>
+          <p:nvPr>
+            <p:ph type="title"/>
+          </p:nvPr>
+        </p:nvSpPr>
+        <p:spPr>
+          <a:xfrm>
+            <a:off x="2555631" y="1441938"/>
+            <a:ext cx="7080738" cy="3974124"/>
+          </a:xfrm>
+        </p:spPr>
+        <p:txBody>
+          <a:bodyPr vert="horz" lIns="91440" tIns="45720" rIns="91440" bIns="45720" rtlCol="0" anchor="ctr">
+            <a:normAutofit/>
+          </a:bodyPr>
+          <a:lstStyle/>
+          <a:p>
+            <a:pPr algn="ctr"/>
+            <a:r>
+              <a:rPr lang="en-US" sz="5400">
+                <a:solidFill>
+                  <a:schemeClr val="bg1">
+                    <a:lumMod val="95000"/>
+                    <a:lumOff val="5000"/>
+                  </a:schemeClr>
+                </a:solidFill>
+              </a:rPr>
+              <a:t>Results</a:t>
+            </a:r>
+          </a:p>
+        </p:txBody>
+      </p:sp>
+    </p:spTree>
+    <p:extLst>
+      <p:ext uri="{BB962C8B-B14F-4D97-AF65-F5344CB8AC3E}">
+        <p14:creationId xmlns:p14="http://schemas.microsoft.com/office/powerpoint/2010/main" val="857294059"/>
+      </p:ext>
+    </p:extLst>
+  </p:cSld>
+  <p:clrMapOvr>
+    <a:overrideClrMapping bg1="dk1" tx1="lt1" bg2="dk2" tx2="lt2" accent1="accent1" accent2="accent2" accent3="accent3" accent4="accent4" accent5="accent5" accent6="accent6" hlink="hlink" folHlink="folHlink"/>
+  </p:clrMapOvr>
+</p:sld>
+</file>
+
+<file path=ppt/slides/slide11.xml><?xml version="1.0" encoding="utf-8"?>
+<p:sld xmlns:a="http://schemas.openxmlformats.org/drawingml/2006/main" xmlns:r="http://schemas.openxmlformats.org/officeDocument/2006/relationships" xmlns:p="http://schemas.openxmlformats.org/presentationml/2006/main">
+  <p:cSld>
+    <p:bg>
+      <p:bgPr>
+        <a:solidFill>
+          <a:schemeClr val="bg1"/>
+        </a:solidFill>
+        <a:effectLst/>
+      </p:bgPr>
+    </p:bg>
+    <p:spTree>
+      <p:nvGrpSpPr>
+        <p:cNvPr id="1" name=""/>
+        <p:cNvGrpSpPr/>
+        <p:nvPr/>
+      </p:nvGrpSpPr>
+      <p:grpSpPr>
+        <a:xfrm>
+          <a:off x="0" y="0"/>
+          <a:ext cx="0" cy="0"/>
+          <a:chOff x="0" y="0"/>
+          <a:chExt cx="0" cy="0"/>
+        </a:xfrm>
+      </p:grpSpPr>
+      <p:sp>
+        <p:nvSpPr>
+          <p:cNvPr id="72" name="Rectangle 71">
+            <a:extLst>
+              <a:ext uri="{FF2B5EF4-FFF2-40B4-BE49-F238E27FC236}">
+                <a16:creationId xmlns:a16="http://schemas.microsoft.com/office/drawing/2014/main" id="{823AC064-BC96-4F32-8AE1-B2FD38754823}"/>
+              </a:ext>
+              <a:ext uri="{C183D7F6-B498-43B3-948B-1728B52AA6E4}">
+                <adec:decorative xmlns:adec="http://schemas.microsoft.com/office/drawing/2017/decorative" val="1"/>
+              </a:ext>
+            </a:extLst>
+          </p:cNvPr>
+          <p:cNvSpPr>
+            <a:spLocks noGrp="1" noRot="1" noChangeAspect="1" noMove="1" noResize="1" noEditPoints="1" noAdjustHandles="1" noChangeArrowheads="1" noChangeShapeType="1" noTextEdit="1"/>
+          </p:cNvSpPr>
+          <p:nvPr>
+            <p:extLst>
+              <p:ext uri="{386F3935-93C4-4BCD-93E2-E3B085C9AB24}">
+                <p16:designElem xmlns:p16="http://schemas.microsoft.com/office/powerpoint/2015/main" val="1"/>
+              </p:ext>
+            </p:extLst>
+          </p:nvPr>
+        </p:nvSpPr>
+        <p:spPr bwMode="ltGray">
+          <a:xfrm>
+            <a:off x="396882" y="280374"/>
+            <a:ext cx="11438793" cy="1844256"/>
+          </a:xfrm>
+          <a:prstGeom prst="rect">
+            <a:avLst/>
+          </a:prstGeom>
+          <a:solidFill>
+            <a:srgbClr val="404040"/>
+          </a:solidFill>
+          <a:ln w="127000" cap="sq" cmpd="thinThick">
+            <a:solidFill>
+              <a:srgbClr val="404040"/>
+            </a:solidFill>
+          </a:ln>
+        </p:spPr>
+        <p:style>
+          <a:lnRef idx="2">
+            <a:schemeClr val="accent1">
+              <a:shade val="50000"/>
+            </a:schemeClr>
+          </a:lnRef>
+          <a:fillRef idx="1">
+            <a:schemeClr val="accent1"/>
+          </a:fillRef>
+          <a:effectRef idx="0">
+            <a:schemeClr val="accent1"/>
+          </a:effectRef>
+          <a:fontRef idx="minor">
+            <a:schemeClr val="lt1"/>
+          </a:fontRef>
+        </p:style>
+        <p:txBody>
+          <a:bodyPr rtlCol="0" anchor="ctr"/>
+          <a:lstStyle/>
+          <a:p>
+            <a:pPr algn="ctr"/>
+            <a:endParaRPr lang="en-US"/>
+          </a:p>
+        </p:txBody>
+      </p:sp>
+      <p:sp>
+        <p:nvSpPr>
+          <p:cNvPr id="21" name="Title 1">
+            <a:extLst>
+              <a:ext uri="{FF2B5EF4-FFF2-40B4-BE49-F238E27FC236}">
+                <a16:creationId xmlns:a16="http://schemas.microsoft.com/office/drawing/2014/main" id="{5BB60CD5-2DAC-4E12-AE42-24992565B5DF}"/>
+              </a:ext>
+            </a:extLst>
+          </p:cNvPr>
+          <p:cNvSpPr txBox="1">
+            <a:spLocks/>
+          </p:cNvSpPr>
+          <p:nvPr/>
+        </p:nvSpPr>
+        <p:spPr>
+          <a:xfrm>
+            <a:off x="546351" y="433545"/>
+            <a:ext cx="11139854" cy="930447"/>
+          </a:xfrm>
+          <a:prstGeom prst="rect">
+            <a:avLst/>
+          </a:prstGeom>
+        </p:spPr>
+        <p:txBody>
+          <a:bodyPr vert="horz" lIns="91440" tIns="45720" rIns="91440" bIns="45720" rtlCol="0" anchor="b">
+            <a:normAutofit/>
+          </a:bodyPr>
+          <a:lstStyle>
+            <a:lvl1pPr algn="l" defTabSz="914400" rtl="0" eaLnBrk="1" latinLnBrk="0" hangingPunct="1">
+              <a:lnSpc>
+                <a:spcPct val="90000"/>
+              </a:lnSpc>
+              <a:spcBef>
+                <a:spcPct val="0"/>
+              </a:spcBef>
+              <a:buNone/>
+              <a:defRPr sz="4400" kern="1200">
+                <a:solidFill>
+                  <a:schemeClr val="tx1"/>
+                </a:solidFill>
+                <a:latin typeface="+mj-lt"/>
+                <a:ea typeface="+mj-ea"/>
+                <a:cs typeface="+mj-cs"/>
+              </a:defRPr>
+            </a:lvl1pPr>
+          </a:lstStyle>
+          <a:p>
+            <a:pPr algn="ctr">
+              <a:spcAft>
+                <a:spcPts val="600"/>
+              </a:spcAft>
+            </a:pPr>
+            <a:r>
+              <a:rPr lang="en-US" sz="5400">
+                <a:solidFill>
+                  <a:srgbClr val="FFFFFF"/>
+                </a:solidFill>
+              </a:rPr>
+              <a:t>Exploratory Data Analysis</a:t>
+            </a:r>
+          </a:p>
+        </p:txBody>
+      </p:sp>
+      <p:cxnSp>
+        <p:nvCxnSpPr>
+          <p:cNvPr id="74" name="Straight Connector 73">
+            <a:extLst>
+              <a:ext uri="{FF2B5EF4-FFF2-40B4-BE49-F238E27FC236}">
+                <a16:creationId xmlns:a16="http://schemas.microsoft.com/office/drawing/2014/main" id="{7E7C77BC-7138-40B1-A15B-20F57A494629}"/>
+              </a:ext>
+              <a:ext uri="{C183D7F6-B498-43B3-948B-1728B52AA6E4}">
+                <adec:decorative xmlns:adec="http://schemas.microsoft.com/office/drawing/2017/decorative" val="1"/>
+              </a:ext>
+            </a:extLst>
+          </p:cNvPr>
+          <p:cNvCxnSpPr>
+            <a:cxnSpLocks noGrp="1" noRot="1" noChangeAspect="1" noMove="1" noResize="1" noEditPoints="1" noAdjustHandles="1" noChangeArrowheads="1" noChangeShapeType="1"/>
+          </p:cNvCxnSpPr>
+          <p:nvPr>
+            <p:extLst>
+              <p:ext uri="{386F3935-93C4-4BCD-93E2-E3B085C9AB24}">
+                <p16:designElem xmlns:p16="http://schemas.microsoft.com/office/powerpoint/2015/main" val="1"/>
+              </p:ext>
+            </p:extLst>
+          </p:nvPr>
+        </p:nvCxnSpPr>
+        <p:spPr>
+          <a:xfrm>
+            <a:off x="2230078" y="1522292"/>
+            <a:ext cx="7772400" cy="0"/>
+          </a:xfrm>
+          <a:prstGeom prst="line">
+            <a:avLst/>
+          </a:prstGeom>
+          <a:ln w="22225">
+            <a:solidFill>
+              <a:srgbClr val="D9D9D9"/>
+            </a:solidFill>
+          </a:ln>
+        </p:spPr>
+        <p:style>
+          <a:lnRef idx="1">
+            <a:schemeClr val="accent1"/>
+          </a:lnRef>
+          <a:fillRef idx="0">
+            <a:schemeClr val="accent1"/>
+          </a:fillRef>
+          <a:effectRef idx="0">
+            <a:schemeClr val="accent1"/>
+          </a:effectRef>
+          <a:fontRef idx="minor">
+            <a:schemeClr val="tx1"/>
+          </a:fontRef>
+        </p:style>
+      </p:cxnSp>
+      <p:pic>
+        <p:nvPicPr>
+          <p:cNvPr id="2050" name="Picture 2" descr="DNkGeVDJRnqNuLejd5y6luVWZZdFoVRbVLRRMja2gLvaP3L7vN7D7ENJiPMTyHR7QuNbzxie_PBEK-289NeUchU32p9Up6x_U7G5MVu-Jutp54f4J8-udJCXvQV2BXf6sSNYHXhX">
+            <a:extLst>
+              <a:ext uri="{FF2B5EF4-FFF2-40B4-BE49-F238E27FC236}">
+                <a16:creationId xmlns:a16="http://schemas.microsoft.com/office/drawing/2014/main" id="{243C780A-294E-4CE7-B2B0-8D7F3C25284E}"/>
+              </a:ext>
+            </a:extLst>
+          </p:cNvPr>
+          <p:cNvPicPr>
+            <a:picLocks noChangeAspect="1" noChangeArrowheads="1"/>
+          </p:cNvPicPr>
+          <p:nvPr/>
+        </p:nvPicPr>
+        <p:blipFill>
+          <a:blip r:embed="rId2">
+            <a:extLst>
+              <a:ext uri="{28A0092B-C50C-407E-A947-70E740481C1C}">
+                <a14:useLocalDpi xmlns:a14="http://schemas.microsoft.com/office/drawing/2010/main" val="0"/>
+              </a:ext>
+            </a:extLst>
+          </a:blip>
+          <a:srcRect/>
+          <a:stretch>
+            <a:fillRect/>
+          </a:stretch>
+        </p:blipFill>
+        <p:spPr bwMode="auto">
+          <a:xfrm>
+            <a:off x="331567" y="2809321"/>
+            <a:ext cx="5455917" cy="3232630"/>
+          </a:xfrm>
+          <a:prstGeom prst="rect">
+            <a:avLst/>
+          </a:prstGeom>
+          <a:noFill/>
+          <a:extLst>
+            <a:ext uri="{909E8E84-426E-40DD-AFC4-6F175D3DCCD1}">
+              <a14:hiddenFill xmlns:a14="http://schemas.microsoft.com/office/drawing/2010/main">
+                <a:solidFill>
+                  <a:srgbClr val="FFFFFF"/>
+                </a:solidFill>
+              </a14:hiddenFill>
+            </a:ext>
+            <a:ext uri="{91240B29-F687-4F45-9708-019B960494DF}">
+              <a14:hiddenLine xmlns:a14="http://schemas.microsoft.com/office/drawing/2010/main" w="9525">
+                <a:solidFill>
+                  <a:srgbClr val="000000"/>
+                </a:solidFill>
+                <a:miter lim="800000"/>
+                <a:headEnd/>
+                <a:tailEnd/>
+              </a14:hiddenLine>
+            </a:ext>
+          </a:extLst>
+        </p:spPr>
+      </p:pic>
+      <p:cxnSp>
+        <p:nvCxnSpPr>
+          <p:cNvPr id="76" name="Straight Connector 75">
+            <a:extLst>
+              <a:ext uri="{FF2B5EF4-FFF2-40B4-BE49-F238E27FC236}">
+                <a16:creationId xmlns:a16="http://schemas.microsoft.com/office/drawing/2014/main" id="{DB146403-F3D6-484B-B2ED-97F9565D0370}"/>
+              </a:ext>
+              <a:ext uri="{C183D7F6-B498-43B3-948B-1728B52AA6E4}">
+                <adec:decorative xmlns:adec="http://schemas.microsoft.com/office/drawing/2017/decorative" val="1"/>
+              </a:ext>
+            </a:extLst>
+          </p:cNvPr>
+          <p:cNvCxnSpPr>
+            <a:cxnSpLocks noGrp="1" noRot="1" noChangeAspect="1" noMove="1" noResize="1" noEditPoints="1" noAdjustHandles="1" noChangeArrowheads="1" noChangeShapeType="1"/>
+          </p:cNvCxnSpPr>
+          <p:nvPr>
+            <p:extLst>
+              <p:ext uri="{386F3935-93C4-4BCD-93E2-E3B085C9AB24}">
+                <p16:designElem xmlns:p16="http://schemas.microsoft.com/office/powerpoint/2015/main" val="1"/>
+              </p:ext>
+            </p:extLst>
+          </p:nvPr>
+        </p:nvCxnSpPr>
+        <p:spPr>
+          <a:xfrm>
+            <a:off x="6116278" y="2596836"/>
+            <a:ext cx="0" cy="3657600"/>
+          </a:xfrm>
+          <a:prstGeom prst="line">
+            <a:avLst/>
+          </a:prstGeom>
+          <a:ln w="101600" cmpd="dbl">
+            <a:solidFill>
+              <a:srgbClr val="595959"/>
+            </a:solidFill>
+          </a:ln>
+        </p:spPr>
+        <p:style>
+          <a:lnRef idx="1">
+            <a:schemeClr val="accent1"/>
+          </a:lnRef>
+          <a:fillRef idx="0">
+            <a:schemeClr val="accent1"/>
+          </a:fillRef>
+          <a:effectRef idx="0">
+            <a:schemeClr val="accent1"/>
+          </a:effectRef>
+          <a:fontRef idx="minor">
+            <a:schemeClr val="tx1"/>
+          </a:fontRef>
+        </p:style>
+      </p:cxnSp>
+      <p:pic>
+        <p:nvPicPr>
+          <p:cNvPr id="2051" name="Picture 3" descr="lBTcDXhb66at3TripLUUAYlj_9CbXLpWjodqkJlC9YBpjoxBAtIVK9-q18u2_ztjMpSV4f5bPhsWCTL_4o-uMKwhBF66c56exggF5zG-UzLgkWDC9R1YFF8-TyDGidDrC86SAHJa">
+            <a:extLst>
+              <a:ext uri="{FF2B5EF4-FFF2-40B4-BE49-F238E27FC236}">
+                <a16:creationId xmlns:a16="http://schemas.microsoft.com/office/drawing/2014/main" id="{70114AA9-231C-453F-864F-FE64648D7A3E}"/>
+              </a:ext>
+            </a:extLst>
+          </p:cNvPr>
+          <p:cNvPicPr>
+            <a:picLocks noChangeAspect="1" noChangeArrowheads="1"/>
+          </p:cNvPicPr>
+          <p:nvPr/>
+        </p:nvPicPr>
+        <p:blipFill>
+          <a:blip r:embed="rId3">
+            <a:extLst>
+              <a:ext uri="{28A0092B-C50C-407E-A947-70E740481C1C}">
+                <a14:useLocalDpi xmlns:a14="http://schemas.microsoft.com/office/drawing/2010/main" val="0"/>
+              </a:ext>
+            </a:extLst>
+          </a:blip>
+          <a:srcRect/>
+          <a:stretch>
+            <a:fillRect/>
+          </a:stretch>
+        </p:blipFill>
+        <p:spPr bwMode="auto">
+          <a:xfrm>
+            <a:off x="6445073" y="2495606"/>
+            <a:ext cx="5455917" cy="3860060"/>
+          </a:xfrm>
+          <a:prstGeom prst="rect">
+            <a:avLst/>
+          </a:prstGeom>
+          <a:noFill/>
+          <a:extLst>
+            <a:ext uri="{909E8E84-426E-40DD-AFC4-6F175D3DCCD1}">
+              <a14:hiddenFill xmlns:a14="http://schemas.microsoft.com/office/drawing/2010/main">
+                <a:solidFill>
+                  <a:srgbClr val="FFFFFF"/>
+                </a:solidFill>
+              </a14:hiddenFill>
+            </a:ext>
+            <a:ext uri="{91240B29-F687-4F45-9708-019B960494DF}">
+              <a14:hiddenLine xmlns:a14="http://schemas.microsoft.com/office/drawing/2010/main" w="9525">
+                <a:solidFill>
+                  <a:srgbClr val="000000"/>
+                </a:solidFill>
+                <a:miter lim="800000"/>
+                <a:headEnd/>
+                <a:tailEnd/>
+              </a14:hiddenLine>
+            </a:ext>
+          </a:extLst>
+        </p:spPr>
+      </p:pic>
+    </p:spTree>
+    <p:extLst>
+      <p:ext uri="{BB962C8B-B14F-4D97-AF65-F5344CB8AC3E}">
+        <p14:creationId xmlns:p14="http://schemas.microsoft.com/office/powerpoint/2010/main" val="296948255"/>
+      </p:ext>
+    </p:extLst>
+  </p:cSld>
+  <p:clrMapOvr>
+    <a:masterClrMapping/>
+  </p:clrMapOvr>
+</p:sld>
+</file>
+
+<file path=ppt/slides/slide12.xml><?xml version="1.0" encoding="utf-8"?>
+<p:sld xmlns:a="http://schemas.openxmlformats.org/drawingml/2006/main" xmlns:r="http://schemas.openxmlformats.org/officeDocument/2006/relationships" xmlns:p="http://schemas.openxmlformats.org/presentationml/2006/main">
+  <p:cSld>
+    <p:bg>
+      <p:bgPr>
+        <a:solidFill>
+          <a:schemeClr val="bg1"/>
+        </a:solidFill>
+        <a:effectLst/>
+      </p:bgPr>
+    </p:bg>
+    <p:spTree>
+      <p:nvGrpSpPr>
+        <p:cNvPr id="1" name=""/>
+        <p:cNvGrpSpPr/>
+        <p:nvPr/>
+      </p:nvGrpSpPr>
+      <p:grpSpPr>
+        <a:xfrm>
+          <a:off x="0" y="0"/>
+          <a:ext cx="0" cy="0"/>
+          <a:chOff x="0" y="0"/>
+          <a:chExt cx="0" cy="0"/>
+        </a:xfrm>
+      </p:grpSpPr>
+      <p:sp>
+        <p:nvSpPr>
+          <p:cNvPr id="11" name="Rectangle 10">
+            <a:extLst>
+              <a:ext uri="{FF2B5EF4-FFF2-40B4-BE49-F238E27FC236}">
+                <a16:creationId xmlns:a16="http://schemas.microsoft.com/office/drawing/2014/main" id="{823AC064-BC96-4F32-8AE1-B2FD38754823}"/>
+              </a:ext>
+              <a:ext uri="{C183D7F6-B498-43B3-948B-1728B52AA6E4}">
+                <adec:decorative xmlns:adec="http://schemas.microsoft.com/office/drawing/2017/decorative" val="1"/>
+              </a:ext>
+            </a:extLst>
+          </p:cNvPr>
+          <p:cNvSpPr>
+            <a:spLocks noGrp="1" noRot="1" noChangeAspect="1" noMove="1" noResize="1" noEditPoints="1" noAdjustHandles="1" noChangeArrowheads="1" noChangeShapeType="1" noTextEdit="1"/>
+          </p:cNvSpPr>
+          <p:nvPr>
+            <p:extLst>
+              <p:ext uri="{386F3935-93C4-4BCD-93E2-E3B085C9AB24}">
+                <p16:designElem xmlns:p16="http://schemas.microsoft.com/office/powerpoint/2015/main" val="1"/>
+              </p:ext>
+            </p:extLst>
+          </p:nvPr>
+        </p:nvSpPr>
+        <p:spPr bwMode="ltGray">
+          <a:xfrm>
+            <a:off x="396882" y="280374"/>
+            <a:ext cx="11438793" cy="1844256"/>
+          </a:xfrm>
+          <a:prstGeom prst="rect">
+            <a:avLst/>
+          </a:prstGeom>
+          <a:solidFill>
+            <a:srgbClr val="404040"/>
+          </a:solidFill>
+          <a:ln w="127000" cap="sq" cmpd="thinThick">
+            <a:solidFill>
+              <a:srgbClr val="404040"/>
+            </a:solidFill>
+          </a:ln>
+        </p:spPr>
+        <p:style>
+          <a:lnRef idx="2">
+            <a:schemeClr val="accent1">
+              <a:shade val="50000"/>
+            </a:schemeClr>
+          </a:lnRef>
+          <a:fillRef idx="1">
+            <a:schemeClr val="accent1"/>
+          </a:fillRef>
+          <a:effectRef idx="0">
+            <a:schemeClr val="accent1"/>
+          </a:effectRef>
+          <a:fontRef idx="minor">
+            <a:schemeClr val="lt1"/>
+          </a:fontRef>
+        </p:style>
+        <p:txBody>
+          <a:bodyPr rtlCol="0" anchor="ctr"/>
+          <a:lstStyle/>
+          <a:p>
+            <a:pPr algn="ctr"/>
+            <a:endParaRPr lang="en-US"/>
+          </a:p>
+        </p:txBody>
+      </p:sp>
+      <p:sp>
+        <p:nvSpPr>
+          <p:cNvPr id="4" name="Title 1">
+            <a:extLst>
+              <a:ext uri="{FF2B5EF4-FFF2-40B4-BE49-F238E27FC236}">
+                <a16:creationId xmlns:a16="http://schemas.microsoft.com/office/drawing/2014/main" id="{AC697768-F356-4452-A055-1C08ED8329CD}"/>
+              </a:ext>
+            </a:extLst>
+          </p:cNvPr>
+          <p:cNvSpPr txBox="1">
+            <a:spLocks noGrp="1"/>
+          </p:cNvSpPr>
+          <p:nvPr>
+            <p:ph type="title"/>
+          </p:nvPr>
+        </p:nvSpPr>
+        <p:spPr>
+          <a:xfrm>
+            <a:off x="546351" y="433545"/>
+            <a:ext cx="11139854" cy="930447"/>
+          </a:xfrm>
+          <a:prstGeom prst="rect">
+            <a:avLst/>
+          </a:prstGeom>
+        </p:spPr>
+        <p:txBody>
+          <a:bodyPr vert="horz" lIns="91440" tIns="45720" rIns="91440" bIns="45720" rtlCol="0" anchor="b">
+            <a:normAutofit/>
+          </a:bodyPr>
+          <a:lstStyle>
+            <a:lvl1pPr algn="l" defTabSz="914400" rtl="0" eaLnBrk="1" latinLnBrk="0" hangingPunct="1">
+              <a:lnSpc>
+                <a:spcPct val="90000"/>
+              </a:lnSpc>
+              <a:spcBef>
+                <a:spcPct val="0"/>
+              </a:spcBef>
+              <a:buNone/>
+              <a:defRPr sz="4400" kern="1200">
+                <a:solidFill>
+                  <a:schemeClr val="tx1"/>
+                </a:solidFill>
+                <a:latin typeface="+mj-lt"/>
+                <a:ea typeface="+mj-ea"/>
+                <a:cs typeface="+mj-cs"/>
+              </a:defRPr>
+            </a:lvl1pPr>
+          </a:lstStyle>
+          <a:p>
+            <a:pPr algn="ctr"/>
+            <a:r>
+              <a:rPr lang="en-US" sz="5400">
+                <a:solidFill>
+                  <a:srgbClr val="FFFFFF"/>
+                </a:solidFill>
+              </a:rPr>
+              <a:t>Exploratory Data Analysis</a:t>
+            </a:r>
+          </a:p>
+        </p:txBody>
+      </p:sp>
+      <p:cxnSp>
+        <p:nvCxnSpPr>
+          <p:cNvPr id="13" name="Straight Connector 12">
+            <a:extLst>
+              <a:ext uri="{FF2B5EF4-FFF2-40B4-BE49-F238E27FC236}">
+                <a16:creationId xmlns:a16="http://schemas.microsoft.com/office/drawing/2014/main" id="{7E7C77BC-7138-40B1-A15B-20F57A494629}"/>
+              </a:ext>
+              <a:ext uri="{C183D7F6-B498-43B3-948B-1728B52AA6E4}">
+                <adec:decorative xmlns:adec="http://schemas.microsoft.com/office/drawing/2017/decorative" val="1"/>
+              </a:ext>
+            </a:extLst>
+          </p:cNvPr>
+          <p:cNvCxnSpPr>
+            <a:cxnSpLocks noGrp="1" noRot="1" noChangeAspect="1" noMove="1" noResize="1" noEditPoints="1" noAdjustHandles="1" noChangeArrowheads="1" noChangeShapeType="1"/>
+          </p:cNvCxnSpPr>
+          <p:nvPr>
+            <p:extLst>
+              <p:ext uri="{386F3935-93C4-4BCD-93E2-E3B085C9AB24}">
+                <p16:designElem xmlns:p16="http://schemas.microsoft.com/office/powerpoint/2015/main" val="1"/>
+              </p:ext>
+            </p:extLst>
+          </p:nvPr>
+        </p:nvCxnSpPr>
+        <p:spPr>
+          <a:xfrm>
+            <a:off x="2230078" y="1522292"/>
+            <a:ext cx="7772400" cy="0"/>
+          </a:xfrm>
+          <a:prstGeom prst="line">
+            <a:avLst/>
+          </a:prstGeom>
+          <a:ln w="22225">
+            <a:solidFill>
+              <a:srgbClr val="D9D9D9"/>
+            </a:solidFill>
+          </a:ln>
+        </p:spPr>
+        <p:style>
+          <a:lnRef idx="1">
+            <a:schemeClr val="accent1"/>
+          </a:lnRef>
+          <a:fillRef idx="0">
+            <a:schemeClr val="accent1"/>
+          </a:fillRef>
+          <a:effectRef idx="0">
+            <a:schemeClr val="accent1"/>
+          </a:effectRef>
+          <a:fontRef idx="minor">
+            <a:schemeClr val="tx1"/>
+          </a:fontRef>
+        </p:style>
+      </p:cxnSp>
+      <p:pic>
+        <p:nvPicPr>
+          <p:cNvPr id="5" name="Picture 5" descr="F3rRoqd4VVNSEatM2ROprdLXORhjyrzNrXNAhou5gPjhBGyEyop2f-aAyLMBAz17jEfdzd78TiIDNWcrDlFDTKkm_FQbTRbPVvG7r-Cw8HSsOK8IiJVr7iI_-zSOr2l4r6Piwhlw">
+            <a:extLst>
+              <a:ext uri="{FF2B5EF4-FFF2-40B4-BE49-F238E27FC236}">
+                <a16:creationId xmlns:a16="http://schemas.microsoft.com/office/drawing/2014/main" id="{499A29E7-A4E4-4379-AEBB-1C0955DB2DD4}"/>
+              </a:ext>
+            </a:extLst>
+          </p:cNvPr>
+          <p:cNvPicPr>
+            <a:picLocks noChangeAspect="1" noChangeArrowheads="1"/>
+          </p:cNvPicPr>
+          <p:nvPr/>
+        </p:nvPicPr>
+        <p:blipFill>
+          <a:blip r:embed="rId2">
+            <a:extLst>
+              <a:ext uri="{28A0092B-C50C-407E-A947-70E740481C1C}">
+                <a14:useLocalDpi xmlns:a14="http://schemas.microsoft.com/office/drawing/2010/main" val="0"/>
+              </a:ext>
+            </a:extLst>
+          </a:blip>
+          <a:srcRect/>
+          <a:stretch>
+            <a:fillRect/>
+          </a:stretch>
+        </p:blipFill>
+        <p:spPr bwMode="auto">
+          <a:xfrm>
+            <a:off x="529375" y="2426818"/>
+            <a:ext cx="5060300" cy="3997637"/>
+          </a:xfrm>
+          <a:prstGeom prst="rect">
+            <a:avLst/>
+          </a:prstGeom>
+          <a:noFill/>
+          <a:extLst>
+            <a:ext uri="{909E8E84-426E-40DD-AFC4-6F175D3DCCD1}">
+              <a14:hiddenFill xmlns:a14="http://schemas.microsoft.com/office/drawing/2010/main">
+                <a:solidFill>
+                  <a:srgbClr val="FFFFFF"/>
+                </a:solidFill>
+              </a14:hiddenFill>
+            </a:ext>
+            <a:ext uri="{91240B29-F687-4F45-9708-019B960494DF}">
+              <a14:hiddenLine xmlns:a14="http://schemas.microsoft.com/office/drawing/2010/main" w="9525">
+                <a:solidFill>
+                  <a:srgbClr val="000000"/>
+                </a:solidFill>
+                <a:miter lim="800000"/>
+                <a:headEnd/>
+                <a:tailEnd/>
+              </a14:hiddenLine>
+            </a:ext>
+          </a:extLst>
+        </p:spPr>
+      </p:pic>
+      <p:cxnSp>
+        <p:nvCxnSpPr>
+          <p:cNvPr id="15" name="Straight Connector 14">
+            <a:extLst>
+              <a:ext uri="{FF2B5EF4-FFF2-40B4-BE49-F238E27FC236}">
+                <a16:creationId xmlns:a16="http://schemas.microsoft.com/office/drawing/2014/main" id="{DB146403-F3D6-484B-B2ED-97F9565D0370}"/>
+              </a:ext>
+              <a:ext uri="{C183D7F6-B498-43B3-948B-1728B52AA6E4}">
+                <adec:decorative xmlns:adec="http://schemas.microsoft.com/office/drawing/2017/decorative" val="1"/>
+              </a:ext>
+            </a:extLst>
+          </p:cNvPr>
+          <p:cNvCxnSpPr>
+            <a:cxnSpLocks noGrp="1" noRot="1" noChangeAspect="1" noMove="1" noResize="1" noEditPoints="1" noAdjustHandles="1" noChangeArrowheads="1" noChangeShapeType="1"/>
+          </p:cNvCxnSpPr>
+          <p:nvPr>
+            <p:extLst>
+              <p:ext uri="{386F3935-93C4-4BCD-93E2-E3B085C9AB24}">
+                <p16:designElem xmlns:p16="http://schemas.microsoft.com/office/powerpoint/2015/main" val="1"/>
+              </p:ext>
+            </p:extLst>
+          </p:nvPr>
+        </p:nvCxnSpPr>
+        <p:spPr>
+          <a:xfrm>
+            <a:off x="6116278" y="2596836"/>
+            <a:ext cx="0" cy="3657600"/>
+          </a:xfrm>
+          <a:prstGeom prst="line">
+            <a:avLst/>
+          </a:prstGeom>
+          <a:ln w="101600" cmpd="dbl">
+            <a:solidFill>
+              <a:srgbClr val="595959"/>
+            </a:solidFill>
+          </a:ln>
+        </p:spPr>
+        <p:style>
+          <a:lnRef idx="1">
+            <a:schemeClr val="accent1"/>
+          </a:lnRef>
+          <a:fillRef idx="0">
+            <a:schemeClr val="accent1"/>
+          </a:fillRef>
+          <a:effectRef idx="0">
+            <a:schemeClr val="accent1"/>
+          </a:effectRef>
+          <a:fontRef idx="minor">
+            <a:schemeClr val="tx1"/>
+          </a:fontRef>
+        </p:style>
+      </p:cxnSp>
+      <p:pic>
+        <p:nvPicPr>
+          <p:cNvPr id="6" name="Picture 4" descr="Jo5uub5U2NFZCptjmzOLQvGypHlhauKDthKS64rF0PzPtuzbdOW68FGj9mEtIy-cgjPkXuBC-6l8U8Eiw83OvWmVAhxQ8b9qZe_885Ce29Dz2Yekn7hSI5WBgID6nWL5TajLhneZ">
+            <a:extLst>
+              <a:ext uri="{FF2B5EF4-FFF2-40B4-BE49-F238E27FC236}">
+                <a16:creationId xmlns:a16="http://schemas.microsoft.com/office/drawing/2014/main" id="{702932AE-D44C-4102-87BF-A870EBEBA5D3}"/>
+              </a:ext>
+            </a:extLst>
+          </p:cNvPr>
+          <p:cNvPicPr>
+            <a:picLocks noChangeAspect="1" noChangeArrowheads="1"/>
+          </p:cNvPicPr>
+          <p:nvPr/>
+        </p:nvPicPr>
+        <p:blipFill>
+          <a:blip r:embed="rId3">
+            <a:extLst>
+              <a:ext uri="{28A0092B-C50C-407E-A947-70E740481C1C}">
+                <a14:useLocalDpi xmlns:a14="http://schemas.microsoft.com/office/drawing/2010/main" val="0"/>
+              </a:ext>
+            </a:extLst>
+          </a:blip>
+          <a:srcRect/>
+          <a:stretch>
+            <a:fillRect/>
+          </a:stretch>
+        </p:blipFill>
+        <p:spPr bwMode="auto">
+          <a:xfrm>
+            <a:off x="6445073" y="2495606"/>
+            <a:ext cx="5455917" cy="3860060"/>
+          </a:xfrm>
+          <a:prstGeom prst="rect">
+            <a:avLst/>
+          </a:prstGeom>
+          <a:noFill/>
+          <a:extLst>
+            <a:ext uri="{909E8E84-426E-40DD-AFC4-6F175D3DCCD1}">
+              <a14:hiddenFill xmlns:a14="http://schemas.microsoft.com/office/drawing/2010/main">
+                <a:solidFill>
+                  <a:srgbClr val="FFFFFF"/>
+                </a:solidFill>
+              </a14:hiddenFill>
+            </a:ext>
+            <a:ext uri="{91240B29-F687-4F45-9708-019B960494DF}">
+              <a14:hiddenLine xmlns:a14="http://schemas.microsoft.com/office/drawing/2010/main" w="9525">
+                <a:solidFill>
+                  <a:srgbClr val="000000"/>
+                </a:solidFill>
+                <a:miter lim="800000"/>
+                <a:headEnd/>
+                <a:tailEnd/>
+              </a14:hiddenLine>
+            </a:ext>
+          </a:extLst>
+        </p:spPr>
+      </p:pic>
+    </p:spTree>
+    <p:extLst>
+      <p:ext uri="{BB962C8B-B14F-4D97-AF65-F5344CB8AC3E}">
+        <p14:creationId xmlns:p14="http://schemas.microsoft.com/office/powerpoint/2010/main" val="2945677479"/>
+      </p:ext>
+    </p:extLst>
+  </p:cSld>
+  <p:clrMapOvr>
+    <a:masterClrMapping/>
+  </p:clrMapOvr>
+</p:sld>
+</file>
+
+<file path=ppt/slides/slide13.xml><?xml version="1.0" encoding="utf-8"?>
+<p:sld xmlns:a="http://schemas.openxmlformats.org/drawingml/2006/main" xmlns:r="http://schemas.openxmlformats.org/officeDocument/2006/relationships" xmlns:p="http://schemas.openxmlformats.org/presentationml/2006/main">
+  <p:cSld>
+    <p:spTree>
+      <p:nvGrpSpPr>
+        <p:cNvPr id="1" name=""/>
+        <p:cNvGrpSpPr/>
+        <p:nvPr/>
+      </p:nvGrpSpPr>
+      <p:grpSpPr>
+        <a:xfrm>
+          <a:off x="0" y="0"/>
+          <a:ext cx="0" cy="0"/>
+          <a:chOff x="0" y="0"/>
+          <a:chExt cx="0" cy="0"/>
+        </a:xfrm>
+      </p:grpSpPr>
+      <p:sp>
+        <p:nvSpPr>
+          <p:cNvPr id="10" name="Arrow: Pentagon 9">
+            <a:extLst>
+              <a:ext uri="{FF2B5EF4-FFF2-40B4-BE49-F238E27FC236}">
+                <a16:creationId xmlns:a16="http://schemas.microsoft.com/office/drawing/2014/main" id="{4152CCA5-9C4B-4114-9EBD-677C71326314}"/>
+              </a:ext>
+            </a:extLst>
+          </p:cNvPr>
+          <p:cNvSpPr/>
+          <p:nvPr/>
+        </p:nvSpPr>
+        <p:spPr>
+          <a:xfrm>
+            <a:off x="838200" y="426203"/>
+            <a:ext cx="3241190" cy="997403"/>
+          </a:xfrm>
+          <a:prstGeom prst="homePlate">
+            <a:avLst/>
+          </a:prstGeom>
+          <a:solidFill>
+            <a:schemeClr val="tx1">
+              <a:lumMod val="75000"/>
+              <a:lumOff val="25000"/>
+            </a:schemeClr>
+          </a:solidFill>
+          <a:ln>
+            <a:noFill/>
+          </a:ln>
+        </p:spPr>
+        <p:style>
+          <a:lnRef idx="2">
+            <a:schemeClr val="dk1">
+              <a:shade val="50000"/>
+            </a:schemeClr>
+          </a:lnRef>
+          <a:fillRef idx="1">
+            <a:schemeClr val="dk1"/>
+          </a:fillRef>
+          <a:effectRef idx="0">
+            <a:schemeClr val="dk1"/>
+          </a:effectRef>
+          <a:fontRef idx="minor">
+            <a:schemeClr val="lt1"/>
+          </a:fontRef>
+        </p:style>
+        <p:txBody>
+          <a:bodyPr rtlCol="0" anchor="ctr"/>
+          <a:lstStyle/>
+          <a:p>
+            <a:pPr algn="ctr"/>
+            <a:endParaRPr lang="en-US"/>
+          </a:p>
+        </p:txBody>
+      </p:sp>
+      <p:sp>
+        <p:nvSpPr>
+          <p:cNvPr id="2" name="Title 1">
+            <a:extLst>
+              <a:ext uri="{FF2B5EF4-FFF2-40B4-BE49-F238E27FC236}">
+                <a16:creationId xmlns:a16="http://schemas.microsoft.com/office/drawing/2014/main" id="{780A4787-8D34-4F32-BF2D-0C8BF7D28694}"/>
+              </a:ext>
+            </a:extLst>
+          </p:cNvPr>
+          <p:cNvSpPr>
+            <a:spLocks noGrp="1"/>
+          </p:cNvSpPr>
+          <p:nvPr>
+            <p:ph type="title"/>
+          </p:nvPr>
+        </p:nvSpPr>
+        <p:spPr>
+          <a:xfrm>
+            <a:off x="864247" y="262122"/>
+            <a:ext cx="2687664" cy="1325563"/>
+          </a:xfrm>
+        </p:spPr>
+        <p:txBody>
+          <a:bodyPr/>
+          <a:lstStyle/>
+          <a:p>
+            <a:r>
+              <a:rPr lang="en-US" dirty="0">
+                <a:solidFill>
+                  <a:schemeClr val="bg1"/>
+                </a:solidFill>
+              </a:rPr>
+              <a:t>Regression</a:t>
+            </a:r>
+          </a:p>
+        </p:txBody>
+      </p:sp>
+      <p:graphicFrame>
+        <p:nvGraphicFramePr>
+          <p:cNvPr id="6" name="Content Placeholder 5">
+            <a:extLst>
+              <a:ext uri="{FF2B5EF4-FFF2-40B4-BE49-F238E27FC236}">
+                <a16:creationId xmlns:a16="http://schemas.microsoft.com/office/drawing/2014/main" id="{F4DB5480-249E-4C52-A2DE-EB21F5503F17}"/>
+              </a:ext>
+            </a:extLst>
+          </p:cNvPr>
+          <p:cNvGraphicFramePr>
+            <a:graphicFrameLocks noGrp="1"/>
+          </p:cNvGraphicFramePr>
+          <p:nvPr>
+            <p:ph idx="1"/>
+            <p:extLst>
+              <p:ext uri="{D42A27DB-BD31-4B8C-83A1-F6EECF244321}">
+                <p14:modId xmlns:p14="http://schemas.microsoft.com/office/powerpoint/2010/main" val="1624688275"/>
+              </p:ext>
+            </p:extLst>
+          </p:nvPr>
+        </p:nvGraphicFramePr>
+        <p:xfrm>
+          <a:off x="838200" y="1547801"/>
+          <a:ext cx="10515600" cy="741680"/>
+        </p:xfrm>
+        <a:graphic>
+          <a:graphicData uri="http://schemas.openxmlformats.org/drawingml/2006/table">
+            <a:tbl>
+              <a:tblPr firstRow="1" bandRow="1">
+                <a:tableStyleId>{5C22544A-7EE6-4342-B048-85BDC9FD1C3A}</a:tableStyleId>
+              </a:tblPr>
+              <a:tblGrid>
+                <a:gridCol w="3505200">
+                  <a:extLst>
+                    <a:ext uri="{9D8B030D-6E8A-4147-A177-3AD203B41FA5}">
+                      <a16:colId xmlns:a16="http://schemas.microsoft.com/office/drawing/2014/main" val="506676923"/>
+                    </a:ext>
+                  </a:extLst>
+                </a:gridCol>
+                <a:gridCol w="3505200">
+                  <a:extLst>
+                    <a:ext uri="{9D8B030D-6E8A-4147-A177-3AD203B41FA5}">
+                      <a16:colId xmlns:a16="http://schemas.microsoft.com/office/drawing/2014/main" val="2067933038"/>
+                    </a:ext>
+                  </a:extLst>
+                </a:gridCol>
+                <a:gridCol w="3505200">
+                  <a:extLst>
+                    <a:ext uri="{9D8B030D-6E8A-4147-A177-3AD203B41FA5}">
+                      <a16:colId xmlns:a16="http://schemas.microsoft.com/office/drawing/2014/main" val="3355065598"/>
+                    </a:ext>
+                  </a:extLst>
+                </a:gridCol>
+              </a:tblGrid>
+              <a:tr h="370840">
+                <a:tc>
+                  <a:txBody>
+                    <a:bodyPr/>
+                    <a:lstStyle/>
+                    <a:p>
+                      <a:pPr algn="ctr"/>
+                      <a:r>
+                        <a:rPr lang="en-US" dirty="0"/>
+                        <a:t>RMSE</a:t>
+                      </a:r>
+                    </a:p>
+                  </a:txBody>
+                  <a:tcPr>
+                    <a:solidFill>
+                      <a:schemeClr val="bg2">
+                        <a:lumMod val="50000"/>
+                      </a:schemeClr>
+                    </a:solidFill>
+                  </a:tcPr>
+                </a:tc>
+                <a:tc>
+                  <a:txBody>
+                    <a:bodyPr/>
+                    <a:lstStyle/>
+                    <a:p>
+                      <a:pPr algn="ctr"/>
+                      <a:r>
+                        <a:rPr lang="en-CA" sz="1800" b="1" kern="1200" dirty="0">
+                          <a:solidFill>
+                            <a:schemeClr val="lt1"/>
+                          </a:solidFill>
+                          <a:effectLst/>
+                          <a:latin typeface="+mn-lt"/>
+                          <a:ea typeface="+mn-ea"/>
+                          <a:cs typeface="+mn-cs"/>
+                        </a:rPr>
+                        <a:t>R</a:t>
+                      </a:r>
+                      <a:r>
+                        <a:rPr lang="en-CA" sz="1800" b="1" kern="1200" baseline="30000" dirty="0">
+                          <a:solidFill>
+                            <a:schemeClr val="lt1"/>
+                          </a:solidFill>
+                          <a:effectLst/>
+                          <a:latin typeface="+mn-lt"/>
+                          <a:ea typeface="+mn-ea"/>
+                          <a:cs typeface="+mn-cs"/>
+                        </a:rPr>
+                        <a:t>2</a:t>
+                      </a:r>
+                      <a:endParaRPr lang="en-US" dirty="0"/>
+                    </a:p>
+                  </a:txBody>
+                  <a:tcPr>
+                    <a:solidFill>
+                      <a:schemeClr val="bg2">
+                        <a:lumMod val="50000"/>
+                      </a:schemeClr>
+                    </a:solidFill>
+                  </a:tcPr>
+                </a:tc>
+                <a:tc>
+                  <a:txBody>
+                    <a:bodyPr/>
+                    <a:lstStyle/>
+                    <a:p>
+                      <a:pPr algn="ctr"/>
+                      <a:r>
+                        <a:rPr lang="en-US" dirty="0"/>
+                        <a:t>MAE</a:t>
+                      </a:r>
+                    </a:p>
+                  </a:txBody>
+                  <a:tcPr>
+                    <a:solidFill>
+                      <a:schemeClr val="bg2">
+                        <a:lumMod val="50000"/>
+                      </a:schemeClr>
+                    </a:solidFill>
+                  </a:tcPr>
+                </a:tc>
+                <a:extLst>
+                  <a:ext uri="{0D108BD9-81ED-4DB2-BD59-A6C34878D82A}">
+                    <a16:rowId xmlns:a16="http://schemas.microsoft.com/office/drawing/2014/main" val="569118160"/>
+                  </a:ext>
+                </a:extLst>
+              </a:tr>
+              <a:tr h="370840">
+                <a:tc>
+                  <a:txBody>
+                    <a:bodyPr/>
+                    <a:lstStyle/>
+                    <a:p>
+                      <a:pPr algn="ctr"/>
+                      <a:r>
+                        <a:rPr lang="en-CA" sz="1800" kern="1200" dirty="0">
+                          <a:solidFill>
+                            <a:schemeClr val="dk1"/>
+                          </a:solidFill>
+                          <a:effectLst/>
+                          <a:latin typeface="+mn-lt"/>
+                          <a:ea typeface="+mn-ea"/>
+                          <a:cs typeface="+mn-cs"/>
+                        </a:rPr>
+                        <a:t>285.24</a:t>
+                      </a:r>
+                      <a:endParaRPr lang="en-US" dirty="0"/>
+                    </a:p>
+                  </a:txBody>
+                  <a:tcPr>
+                    <a:solidFill>
+                      <a:schemeClr val="bg1">
+                        <a:lumMod val="95000"/>
+                      </a:schemeClr>
+                    </a:solidFill>
+                  </a:tcPr>
+                </a:tc>
+                <a:tc>
+                  <a:txBody>
+                    <a:bodyPr/>
+                    <a:lstStyle/>
+                    <a:p>
+                      <a:pPr algn="ctr"/>
+                      <a:r>
+                        <a:rPr lang="en-CA" sz="1800" kern="1200" dirty="0">
+                          <a:solidFill>
+                            <a:schemeClr val="dk1"/>
+                          </a:solidFill>
+                          <a:effectLst/>
+                          <a:latin typeface="+mn-lt"/>
+                          <a:ea typeface="+mn-ea"/>
+                          <a:cs typeface="+mn-cs"/>
+                        </a:rPr>
+                        <a:t>0.822</a:t>
+                      </a:r>
+                      <a:endParaRPr lang="en-US" dirty="0"/>
+                    </a:p>
+                  </a:txBody>
+                  <a:tcPr>
+                    <a:solidFill>
+                      <a:schemeClr val="bg1">
+                        <a:lumMod val="95000"/>
+                      </a:schemeClr>
+                    </a:solidFill>
+                  </a:tcPr>
+                </a:tc>
+                <a:tc>
+                  <a:txBody>
+                    <a:bodyPr/>
+                    <a:lstStyle/>
+                    <a:p>
+                      <a:pPr algn="ctr"/>
+                      <a:r>
+                        <a:rPr lang="en-CA" sz="1800" kern="1200" dirty="0">
+                          <a:solidFill>
+                            <a:schemeClr val="dk1"/>
+                          </a:solidFill>
+                          <a:effectLst/>
+                          <a:latin typeface="+mn-lt"/>
+                          <a:ea typeface="+mn-ea"/>
+                          <a:cs typeface="+mn-cs"/>
+                        </a:rPr>
+                        <a:t>206.54</a:t>
+                      </a:r>
+                      <a:endParaRPr lang="en-US" dirty="0"/>
+                    </a:p>
+                  </a:txBody>
+                  <a:tcPr>
+                    <a:solidFill>
+                      <a:schemeClr val="bg1">
+                        <a:lumMod val="95000"/>
+                      </a:schemeClr>
+                    </a:solidFill>
+                  </a:tcPr>
+                </a:tc>
+                <a:extLst>
+                  <a:ext uri="{0D108BD9-81ED-4DB2-BD59-A6C34878D82A}">
+                    <a16:rowId xmlns:a16="http://schemas.microsoft.com/office/drawing/2014/main" val="2385636558"/>
+                  </a:ext>
+                </a:extLst>
+              </a:tr>
+            </a:tbl>
+          </a:graphicData>
+        </a:graphic>
+      </p:graphicFrame>
+      <p:pic>
+        <p:nvPicPr>
+          <p:cNvPr id="7" name="Picture 6">
+            <a:extLst>
+              <a:ext uri="{FF2B5EF4-FFF2-40B4-BE49-F238E27FC236}">
+                <a16:creationId xmlns:a16="http://schemas.microsoft.com/office/drawing/2014/main" id="{419B0B31-A19A-4F96-8A9B-982F509F9BDC}"/>
+              </a:ext>
+            </a:extLst>
+          </p:cNvPr>
+          <p:cNvPicPr/>
+          <p:nvPr/>
+        </p:nvPicPr>
+        <p:blipFill>
+          <a:blip r:embed="rId2">
+            <a:extLst>
+              <a:ext uri="{28A0092B-C50C-407E-A947-70E740481C1C}">
+                <a14:useLocalDpi xmlns:a14="http://schemas.microsoft.com/office/drawing/2010/main" val="0"/>
+              </a:ext>
+            </a:extLst>
+          </a:blip>
+          <a:srcRect/>
+          <a:stretch>
+            <a:fillRect/>
+          </a:stretch>
+        </p:blipFill>
+        <p:spPr bwMode="auto">
+          <a:xfrm>
+            <a:off x="8441422" y="2728766"/>
+            <a:ext cx="3750578" cy="3338541"/>
+          </a:xfrm>
+          <a:prstGeom prst="rect">
+            <a:avLst/>
+          </a:prstGeom>
+          <a:noFill/>
+          <a:ln>
+            <a:noFill/>
+          </a:ln>
+        </p:spPr>
+      </p:pic>
+      <p:pic>
+        <p:nvPicPr>
+          <p:cNvPr id="8" name="Picture 7">
+            <a:extLst>
+              <a:ext uri="{FF2B5EF4-FFF2-40B4-BE49-F238E27FC236}">
+                <a16:creationId xmlns:a16="http://schemas.microsoft.com/office/drawing/2014/main" id="{376E9695-49CD-4B05-AE53-695B1E66C4B6}"/>
+              </a:ext>
+            </a:extLst>
+          </p:cNvPr>
+          <p:cNvPicPr/>
+          <p:nvPr/>
+        </p:nvPicPr>
+        <p:blipFill>
+          <a:blip r:embed="rId3">
+            <a:extLst>
+              <a:ext uri="{28A0092B-C50C-407E-A947-70E740481C1C}">
+                <a14:useLocalDpi xmlns:a14="http://schemas.microsoft.com/office/drawing/2010/main" val="0"/>
+              </a:ext>
+            </a:extLst>
+          </a:blip>
+          <a:srcRect/>
+          <a:stretch>
+            <a:fillRect/>
+          </a:stretch>
+        </p:blipFill>
+        <p:spPr bwMode="auto">
+          <a:xfrm>
+            <a:off x="272771" y="2507695"/>
+            <a:ext cx="4145796" cy="3780687"/>
+          </a:xfrm>
+          <a:prstGeom prst="rect">
+            <a:avLst/>
+          </a:prstGeom>
+          <a:noFill/>
+          <a:ln>
+            <a:noFill/>
+          </a:ln>
+        </p:spPr>
+      </p:pic>
+      <p:pic>
+        <p:nvPicPr>
+          <p:cNvPr id="9" name="Picture 8">
+            <a:extLst>
+              <a:ext uri="{FF2B5EF4-FFF2-40B4-BE49-F238E27FC236}">
+                <a16:creationId xmlns:a16="http://schemas.microsoft.com/office/drawing/2014/main" id="{C22438D3-32F5-4FC8-BE3D-9AAA852DBE59}"/>
+              </a:ext>
+            </a:extLst>
+          </p:cNvPr>
+          <p:cNvPicPr/>
+          <p:nvPr/>
+        </p:nvPicPr>
+        <p:blipFill>
+          <a:blip r:embed="rId4">
+            <a:extLst>
+              <a:ext uri="{28A0092B-C50C-407E-A947-70E740481C1C}">
+                <a14:useLocalDpi xmlns:a14="http://schemas.microsoft.com/office/drawing/2010/main" val="0"/>
+              </a:ext>
+            </a:extLst>
+          </a:blip>
+          <a:srcRect/>
+          <a:stretch>
+            <a:fillRect/>
+          </a:stretch>
+        </p:blipFill>
+        <p:spPr bwMode="auto">
+          <a:xfrm>
+            <a:off x="4197178" y="2507694"/>
+            <a:ext cx="4244244" cy="3780687"/>
+          </a:xfrm>
+          <a:prstGeom prst="rect">
+            <a:avLst/>
+          </a:prstGeom>
+          <a:noFill/>
+          <a:ln>
+            <a:noFill/>
+          </a:ln>
+        </p:spPr>
+      </p:pic>
+    </p:spTree>
+    <p:extLst>
+      <p:ext uri="{BB962C8B-B14F-4D97-AF65-F5344CB8AC3E}">
+        <p14:creationId xmlns:p14="http://schemas.microsoft.com/office/powerpoint/2010/main" val="2021892969"/>
+      </p:ext>
+    </p:extLst>
+  </p:cSld>
+  <p:clrMapOvr>
+    <a:masterClrMapping/>
+  </p:clrMapOvr>
+</p:sld>
+</file>
+
+<file path=ppt/slides/slide14.xml><?xml version="1.0" encoding="utf-8"?>
+<p:sld xmlns:a="http://schemas.openxmlformats.org/drawingml/2006/main" xmlns:r="http://schemas.openxmlformats.org/officeDocument/2006/relationships" xmlns:p="http://schemas.openxmlformats.org/presentationml/2006/main">
+  <p:cSld>
     <p:spTree>
       <p:nvGrpSpPr>
         <p:cNvPr id="1" name=""/>
@@ -8793,7 +10928,7 @@
 </p:sld>
 </file>
 
-<file path=ppt/slides/slide11.xml><?xml version="1.0" encoding="utf-8"?>
+<file path=ppt/slides/slide15.xml><?xml version="1.0" encoding="utf-8"?>
 <p:sld xmlns:a="http://schemas.openxmlformats.org/drawingml/2006/main" xmlns:r="http://schemas.openxmlformats.org/officeDocument/2006/relationships" xmlns:p="http://schemas.openxmlformats.org/presentationml/2006/main">
   <p:cSld>
     <p:spTree>
@@ -8893,43 +11028,6 @@
           <a:chExt cx="0" cy="0"/>
         </a:xfrm>
       </p:grpSpPr>
-      <p:sp>
-        <p:nvSpPr>
-          <p:cNvPr id="2" name="Title 1">
-            <a:extLst>
-              <a:ext uri="{FF2B5EF4-FFF2-40B4-BE49-F238E27FC236}">
-                <a16:creationId xmlns:a16="http://schemas.microsoft.com/office/drawing/2014/main" id="{936D299A-1F02-4746-A84A-4FB477A8C7C1}"/>
-              </a:ext>
-            </a:extLst>
-          </p:cNvPr>
-          <p:cNvSpPr>
-            <a:spLocks noGrp="1"/>
-          </p:cNvSpPr>
-          <p:nvPr>
-            <p:ph type="title"/>
-          </p:nvPr>
-        </p:nvSpPr>
-        <p:spPr>
-          <a:xfrm>
-            <a:off x="838200" y="365125"/>
-            <a:ext cx="2958737" cy="1070003"/>
-          </a:xfrm>
-          <a:solidFill>
-            <a:schemeClr val="bg1"/>
-          </a:solidFill>
-        </p:spPr>
-        <p:txBody>
-          <a:bodyPr/>
-          <a:lstStyle/>
-          <a:p>
-            <a:r>
-              <a:rPr lang="en-US"/>
-              <a:t>Background</a:t>
-            </a:r>
-            <a:endParaRPr lang="en-US" dirty="0"/>
-          </a:p>
-        </p:txBody>
-      </p:sp>
       <p:pic>
         <p:nvPicPr>
           <p:cNvPr id="6" name="Picture 5">
@@ -9004,6 +11102,119 @@
           </a:effectLst>
         </p:spPr>
       </p:pic>
+      <p:sp>
+        <p:nvSpPr>
+          <p:cNvPr id="7" name="Arrow: Pentagon 6">
+            <a:extLst>
+              <a:ext uri="{FF2B5EF4-FFF2-40B4-BE49-F238E27FC236}">
+                <a16:creationId xmlns:a16="http://schemas.microsoft.com/office/drawing/2014/main" id="{C286BF65-B591-41F1-BA2F-BD2136A0F0BD}"/>
+              </a:ext>
+            </a:extLst>
+          </p:cNvPr>
+          <p:cNvSpPr/>
+          <p:nvPr/>
+        </p:nvSpPr>
+        <p:spPr>
+          <a:xfrm>
+            <a:off x="712550" y="273646"/>
+            <a:ext cx="3241190" cy="997403"/>
+          </a:xfrm>
+          <a:prstGeom prst="homePlate">
+            <a:avLst/>
+          </a:prstGeom>
+          <a:solidFill>
+            <a:schemeClr val="tx1">
+              <a:lumMod val="75000"/>
+              <a:lumOff val="25000"/>
+            </a:schemeClr>
+          </a:solidFill>
+          <a:ln>
+            <a:noFill/>
+          </a:ln>
+        </p:spPr>
+        <p:style>
+          <a:lnRef idx="2">
+            <a:schemeClr val="dk1">
+              <a:shade val="50000"/>
+            </a:schemeClr>
+          </a:lnRef>
+          <a:fillRef idx="1">
+            <a:schemeClr val="dk1"/>
+          </a:fillRef>
+          <a:effectRef idx="0">
+            <a:schemeClr val="dk1"/>
+          </a:effectRef>
+          <a:fontRef idx="minor">
+            <a:schemeClr val="lt1"/>
+          </a:fontRef>
+        </p:style>
+        <p:txBody>
+          <a:bodyPr rtlCol="0" anchor="ctr"/>
+          <a:lstStyle/>
+          <a:p>
+            <a:pPr algn="ctr"/>
+            <a:endParaRPr lang="en-US"/>
+          </a:p>
+        </p:txBody>
+      </p:sp>
+      <p:sp>
+        <p:nvSpPr>
+          <p:cNvPr id="9" name="Title 1">
+            <a:extLst>
+              <a:ext uri="{FF2B5EF4-FFF2-40B4-BE49-F238E27FC236}">
+                <a16:creationId xmlns:a16="http://schemas.microsoft.com/office/drawing/2014/main" id="{78D62A9D-E109-4726-82B5-DC6CA0B30993}"/>
+              </a:ext>
+            </a:extLst>
+          </p:cNvPr>
+          <p:cNvSpPr txBox="1">
+            <a:spLocks/>
+          </p:cNvSpPr>
+          <p:nvPr/>
+        </p:nvSpPr>
+        <p:spPr>
+          <a:xfrm>
+            <a:off x="738596" y="109565"/>
+            <a:ext cx="3049385" cy="1325563"/>
+          </a:xfrm>
+          <a:prstGeom prst="rect">
+            <a:avLst/>
+          </a:prstGeom>
+        </p:spPr>
+        <p:txBody>
+          <a:bodyPr vert="horz" lIns="91440" tIns="45720" rIns="91440" bIns="45720" rtlCol="0" anchor="ctr">
+            <a:normAutofit/>
+          </a:bodyPr>
+          <a:lstStyle>
+            <a:lvl1pPr algn="l" defTabSz="914400" rtl="0" eaLnBrk="1" latinLnBrk="0" hangingPunct="1">
+              <a:lnSpc>
+                <a:spcPct val="90000"/>
+              </a:lnSpc>
+              <a:spcBef>
+                <a:spcPct val="0"/>
+              </a:spcBef>
+              <a:buNone/>
+              <a:defRPr sz="4400" kern="1200">
+                <a:solidFill>
+                  <a:schemeClr val="tx1"/>
+                </a:solidFill>
+                <a:latin typeface="+mj-lt"/>
+                <a:ea typeface="+mj-ea"/>
+                <a:cs typeface="+mj-cs"/>
+              </a:defRPr>
+            </a:lvl1pPr>
+          </a:lstStyle>
+          <a:p>
+            <a:r>
+              <a:rPr lang="en-US" dirty="0">
+                <a:solidFill>
+                  <a:schemeClr val="bg1"/>
+                </a:solidFill>
+              </a:rPr>
+              <a:t>Background</a:t>
+            </a:r>
+          </a:p>
+        </p:txBody>
+      </p:sp>
     </p:spTree>
     <p:extLst>
       <p:ext uri="{BB962C8B-B14F-4D97-AF65-F5344CB8AC3E}">
@@ -9362,7 +11573,7 @@
         </p:blipFill>
         <p:spPr bwMode="auto">
           <a:xfrm>
-            <a:off x="5838252" y="2722161"/>
+            <a:off x="5856540" y="2722161"/>
             <a:ext cx="2743200" cy="2743200"/>
           </a:xfrm>
           <a:custGeom>
@@ -9686,6 +11897,92 @@
           <p:cNvPr id="2" name="Title 1">
             <a:extLst>
               <a:ext uri="{FF2B5EF4-FFF2-40B4-BE49-F238E27FC236}">
+                <a16:creationId xmlns:a16="http://schemas.microsoft.com/office/drawing/2014/main" id="{9D2D1930-DA40-4305-8854-A7DF3BCBF177}"/>
+              </a:ext>
+            </a:extLst>
+          </p:cNvPr>
+          <p:cNvSpPr>
+            <a:spLocks noGrp="1"/>
+          </p:cNvSpPr>
+          <p:nvPr>
+            <p:ph type="title"/>
+          </p:nvPr>
+        </p:nvSpPr>
+        <p:spPr/>
+        <p:txBody>
+          <a:bodyPr/>
+          <a:lstStyle/>
+          <a:p>
+            <a:r>
+              <a:rPr lang="en-US" dirty="0"/>
+              <a:t>Community Areas</a:t>
+            </a:r>
+          </a:p>
+        </p:txBody>
+      </p:sp>
+      <p:sp>
+        <p:nvSpPr>
+          <p:cNvPr id="3" name="Content Placeholder 2">
+            <a:extLst>
+              <a:ext uri="{FF2B5EF4-FFF2-40B4-BE49-F238E27FC236}">
+                <a16:creationId xmlns:a16="http://schemas.microsoft.com/office/drawing/2014/main" id="{02F0DAA1-5D23-4108-8663-DB7141F32B93}"/>
+              </a:ext>
+            </a:extLst>
+          </p:cNvPr>
+          <p:cNvSpPr>
+            <a:spLocks noGrp="1"/>
+          </p:cNvSpPr>
+          <p:nvPr>
+            <p:ph idx="1"/>
+          </p:nvPr>
+        </p:nvSpPr>
+        <p:spPr/>
+        <p:txBody>
+          <a:bodyPr/>
+          <a:lstStyle/>
+          <a:p>
+            <a:r>
+              <a:rPr lang="en-US" dirty="0"/>
+              <a:t>TODO: show R map of the community areas</a:t>
+            </a:r>
+          </a:p>
+        </p:txBody>
+      </p:sp>
+    </p:spTree>
+    <p:extLst>
+      <p:ext uri="{BB962C8B-B14F-4D97-AF65-F5344CB8AC3E}">
+        <p14:creationId xmlns:p14="http://schemas.microsoft.com/office/powerpoint/2010/main" val="2104976122"/>
+      </p:ext>
+    </p:extLst>
+  </p:cSld>
+  <p:clrMapOvr>
+    <a:masterClrMapping/>
+  </p:clrMapOvr>
+</p:sld>
+</file>
+
+<file path=ppt/slides/slide5.xml><?xml version="1.0" encoding="utf-8"?>
+<p:sld xmlns:a="http://schemas.openxmlformats.org/drawingml/2006/main" xmlns:r="http://schemas.openxmlformats.org/officeDocument/2006/relationships" xmlns:p="http://schemas.openxmlformats.org/presentationml/2006/main">
+  <p:cSld>
+    <p:spTree>
+      <p:nvGrpSpPr>
+        <p:cNvPr id="1" name=""/>
+        <p:cNvGrpSpPr/>
+        <p:nvPr/>
+      </p:nvGrpSpPr>
+      <p:grpSpPr>
+        <a:xfrm>
+          <a:off x="0" y="0"/>
+          <a:ext cx="0" cy="0"/>
+          <a:chOff x="0" y="0"/>
+          <a:chExt cx="0" cy="0"/>
+        </a:xfrm>
+      </p:grpSpPr>
+      <p:sp>
+        <p:nvSpPr>
+          <p:cNvPr id="2" name="Title 1">
+            <a:extLst>
+              <a:ext uri="{FF2B5EF4-FFF2-40B4-BE49-F238E27FC236}">
                 <a16:creationId xmlns:a16="http://schemas.microsoft.com/office/drawing/2014/main" id="{3FD7E4DC-72DD-4347-ADA7-08612B735C6D}"/>
               </a:ext>
             </a:extLst>
@@ -9731,7 +12028,7 @@
           <p:nvPr/>
         </p:nvPicPr>
         <p:blipFill>
-          <a:blip r:embed="rId2"/>
+          <a:blip r:embed="rId3"/>
           <a:stretch>
             <a:fillRect/>
           </a:stretch>
@@ -9766,7 +12063,118 @@
 </p:sld>
 </file>
 
-<file path=ppt/slides/slide5.xml><?xml version="1.0" encoding="utf-8"?>
+<file path=ppt/slides/slide6.xml><?xml version="1.0" encoding="utf-8"?>
+<p:sld xmlns:a="http://schemas.openxmlformats.org/drawingml/2006/main" xmlns:r="http://schemas.openxmlformats.org/officeDocument/2006/relationships" xmlns:p="http://schemas.openxmlformats.org/presentationml/2006/main">
+  <p:cSld>
+    <p:spTree>
+      <p:nvGrpSpPr>
+        <p:cNvPr id="1" name=""/>
+        <p:cNvGrpSpPr/>
+        <p:nvPr/>
+      </p:nvGrpSpPr>
+      <p:grpSpPr>
+        <a:xfrm>
+          <a:off x="0" y="0"/>
+          <a:ext cx="0" cy="0"/>
+          <a:chOff x="0" y="0"/>
+          <a:chExt cx="0" cy="0"/>
+        </a:xfrm>
+      </p:grpSpPr>
+      <p:sp>
+        <p:nvSpPr>
+          <p:cNvPr id="2" name="Title 1">
+            <a:extLst>
+              <a:ext uri="{FF2B5EF4-FFF2-40B4-BE49-F238E27FC236}">
+                <a16:creationId xmlns:a16="http://schemas.microsoft.com/office/drawing/2014/main" id="{5F7414DD-0439-4280-9790-659A308BD4DB}"/>
+              </a:ext>
+            </a:extLst>
+          </p:cNvPr>
+          <p:cNvSpPr>
+            <a:spLocks noGrp="1"/>
+          </p:cNvSpPr>
+          <p:nvPr>
+            <p:ph type="title"/>
+          </p:nvPr>
+        </p:nvSpPr>
+        <p:spPr/>
+        <p:txBody>
+          <a:bodyPr/>
+          <a:lstStyle/>
+          <a:p>
+            <a:r>
+              <a:rPr lang="en-US" dirty="0"/>
+              <a:t>Class Variable</a:t>
+            </a:r>
+          </a:p>
+        </p:txBody>
+      </p:sp>
+      <p:sp>
+        <p:nvSpPr>
+          <p:cNvPr id="3" name="Content Placeholder 2">
+            <a:extLst>
+              <a:ext uri="{FF2B5EF4-FFF2-40B4-BE49-F238E27FC236}">
+                <a16:creationId xmlns:a16="http://schemas.microsoft.com/office/drawing/2014/main" id="{3267B0C2-59B0-4815-94F7-2BD62E8D9368}"/>
+              </a:ext>
+            </a:extLst>
+          </p:cNvPr>
+          <p:cNvSpPr>
+            <a:spLocks noGrp="1"/>
+          </p:cNvSpPr>
+          <p:nvPr>
+            <p:ph idx="1"/>
+          </p:nvPr>
+        </p:nvSpPr>
+        <p:spPr/>
+        <p:txBody>
+          <a:bodyPr/>
+          <a:lstStyle/>
+          <a:p>
+            <a:r>
+              <a:rPr lang="en-US" dirty="0"/>
+              <a:t>Rate of violent crime in an area</a:t>
+            </a:r>
+          </a:p>
+          <a:p>
+            <a:r>
+              <a:rPr lang="en-US" dirty="0"/>
+              <a:t>Code: </a:t>
+            </a:r>
+            <a:r>
+              <a:rPr lang="en-US" dirty="0" err="1"/>
+              <a:t>violentCrimeForCommunityArea</a:t>
+            </a:r>
+            <a:r>
+              <a:rPr lang="en-US" dirty="0"/>
+              <a:t> * 1000 / </a:t>
+            </a:r>
+            <a:r>
+              <a:rPr lang="en-US" dirty="0" err="1"/>
+              <a:t>populationOfCommunityArea</a:t>
+            </a:r>
+            <a:endParaRPr lang="en-US" dirty="0"/>
+          </a:p>
+          <a:p>
+            <a:endParaRPr lang="en-US" dirty="0"/>
+          </a:p>
+          <a:p>
+            <a:endParaRPr lang="en-US" dirty="0"/>
+          </a:p>
+        </p:txBody>
+      </p:sp>
+    </p:spTree>
+    <p:extLst>
+      <p:ext uri="{BB962C8B-B14F-4D97-AF65-F5344CB8AC3E}">
+        <p14:creationId xmlns:p14="http://schemas.microsoft.com/office/powerpoint/2010/main" val="3913767897"/>
+      </p:ext>
+    </p:extLst>
+  </p:cSld>
+  <p:clrMapOvr>
+    <a:masterClrMapping/>
+  </p:clrMapOvr>
+</p:sld>
+</file>
+
+<file path=ppt/slides/slide7.xml><?xml version="1.0" encoding="utf-8"?>
 <p:sld xmlns:a="http://schemas.openxmlformats.org/drawingml/2006/main" xmlns:r="http://schemas.openxmlformats.org/officeDocument/2006/relationships" xmlns:p="http://schemas.openxmlformats.org/presentationml/2006/main">
   <p:cSld>
     <p:bg>
@@ -10440,7 +12848,7 @@
             <p:ph idx="1"/>
             <p:extLst>
               <p:ext uri="{D42A27DB-BD31-4B8C-83A1-F6EECF244321}">
-                <p14:modId xmlns:p14="http://schemas.microsoft.com/office/powerpoint/2010/main" val="2834611475"/>
+                <p14:modId xmlns:p14="http://schemas.microsoft.com/office/powerpoint/2010/main" val="573396693"/>
               </p:ext>
             </p:extLst>
           </p:nvPr>
@@ -10451,7 +12859,7 @@
         </p:xfrm>
         <a:graphic>
           <a:graphicData uri="http://schemas.openxmlformats.org/drawingml/2006/diagram">
-            <dgm:relIds xmlns:dgm="http://schemas.openxmlformats.org/drawingml/2006/diagram" xmlns:r="http://schemas.openxmlformats.org/officeDocument/2006/relationships" r:dm="rId2" r:lo="rId3" r:qs="rId4" r:cs="rId5"/>
+            <dgm:relIds xmlns:dgm="http://schemas.openxmlformats.org/drawingml/2006/diagram" xmlns:r="http://schemas.openxmlformats.org/officeDocument/2006/relationships" r:dm="rId3" r:lo="rId4" r:qs="rId5" r:cs="rId6"/>
           </a:graphicData>
         </a:graphic>
       </p:graphicFrame>
@@ -10468,1187 +12876,7 @@
 </p:sld>
 </file>
 
-<file path=ppt/slides/slide6.xml><?xml version="1.0" encoding="utf-8"?>
-<p:sld xmlns:a="http://schemas.openxmlformats.org/drawingml/2006/main" xmlns:r="http://schemas.openxmlformats.org/officeDocument/2006/relationships" xmlns:p="http://schemas.openxmlformats.org/presentationml/2006/main">
-  <p:cSld>
-    <p:bg>
-      <p:bgPr>
-        <a:solidFill>
-          <a:schemeClr val="bg1">
-            <a:tint val="95000"/>
-            <a:satMod val="170000"/>
-          </a:schemeClr>
-        </a:solidFill>
-        <a:effectLst/>
-      </p:bgPr>
-    </p:bg>
-    <p:spTree>
-      <p:nvGrpSpPr>
-        <p:cNvPr id="1" name=""/>
-        <p:cNvGrpSpPr/>
-        <p:nvPr/>
-      </p:nvGrpSpPr>
-      <p:grpSpPr>
-        <a:xfrm>
-          <a:off x="0" y="0"/>
-          <a:ext cx="0" cy="0"/>
-          <a:chOff x="0" y="0"/>
-          <a:chExt cx="0" cy="0"/>
-        </a:xfrm>
-      </p:grpSpPr>
-      <p:sp>
-        <p:nvSpPr>
-          <p:cNvPr id="13" name="Freeform: Shape 6">
-            <a:extLst>
-              <a:ext uri="{FF2B5EF4-FFF2-40B4-BE49-F238E27FC236}">
-                <a16:creationId xmlns:a16="http://schemas.microsoft.com/office/drawing/2014/main" id="{66B332A4-D438-4773-A77F-5ED49A448D9D}"/>
-              </a:ext>
-              <a:ext uri="{C183D7F6-B498-43B3-948B-1728B52AA6E4}">
-                <adec:decorative xmlns:adec="http://schemas.microsoft.com/office/drawing/2017/decorative" val="1"/>
-              </a:ext>
-            </a:extLst>
-          </p:cNvPr>
-          <p:cNvSpPr>
-            <a:spLocks noGrp="1" noRot="1" noChangeAspect="1" noMove="1" noResize="1" noEditPoints="1" noAdjustHandles="1" noChangeArrowheads="1" noChangeShapeType="1" noTextEdit="1"/>
-          </p:cNvSpPr>
-          <p:nvPr>
-            <p:extLst>
-              <p:ext uri="{386F3935-93C4-4BCD-93E2-E3B085C9AB24}">
-                <p16:designElem xmlns:p16="http://schemas.microsoft.com/office/powerpoint/2015/main" val="1"/>
-              </p:ext>
-            </p:extLst>
-          </p:nvPr>
-        </p:nvSpPr>
-        <p:spPr>
-          <a:xfrm>
-            <a:off x="1953768" y="0"/>
-            <a:ext cx="8284464" cy="6858000"/>
-          </a:xfrm>
-          <a:custGeom>
-            <a:avLst/>
-            <a:gdLst>
-              <a:gd name="connsiteX0" fmla="*/ 1818109 w 8284464"/>
-              <a:gd name="connsiteY0" fmla="*/ 0 h 6858000"/>
-              <a:gd name="connsiteX1" fmla="*/ 6466355 w 8284464"/>
-              <a:gd name="connsiteY1" fmla="*/ 0 h 6858000"/>
-              <a:gd name="connsiteX2" fmla="*/ 6620596 w 8284464"/>
-              <a:gd name="connsiteY2" fmla="*/ 109683 h 6858000"/>
-              <a:gd name="connsiteX3" fmla="*/ 8284464 w 8284464"/>
-              <a:gd name="connsiteY3" fmla="*/ 3429000 h 6858000"/>
-              <a:gd name="connsiteX4" fmla="*/ 6620596 w 8284464"/>
-              <a:gd name="connsiteY4" fmla="*/ 6748318 h 6858000"/>
-              <a:gd name="connsiteX5" fmla="*/ 6466355 w 8284464"/>
-              <a:gd name="connsiteY5" fmla="*/ 6858000 h 6858000"/>
-              <a:gd name="connsiteX6" fmla="*/ 1818109 w 8284464"/>
-              <a:gd name="connsiteY6" fmla="*/ 6858000 h 6858000"/>
-              <a:gd name="connsiteX7" fmla="*/ 1663869 w 8284464"/>
-              <a:gd name="connsiteY7" fmla="*/ 6748318 h 6858000"/>
-              <a:gd name="connsiteX8" fmla="*/ 0 w 8284464"/>
-              <a:gd name="connsiteY8" fmla="*/ 3429000 h 6858000"/>
-              <a:gd name="connsiteX9" fmla="*/ 1663869 w 8284464"/>
-              <a:gd name="connsiteY9" fmla="*/ 109683 h 6858000"/>
-            </a:gdLst>
-            <a:ahLst/>
-            <a:cxnLst>
-              <a:cxn ang="0">
-                <a:pos x="connsiteX0" y="connsiteY0"/>
-              </a:cxn>
-              <a:cxn ang="0">
-                <a:pos x="connsiteX1" y="connsiteY1"/>
-              </a:cxn>
-              <a:cxn ang="0">
-                <a:pos x="connsiteX2" y="connsiteY2"/>
-              </a:cxn>
-              <a:cxn ang="0">
-                <a:pos x="connsiteX3" y="connsiteY3"/>
-              </a:cxn>
-              <a:cxn ang="0">
-                <a:pos x="connsiteX4" y="connsiteY4"/>
-              </a:cxn>
-              <a:cxn ang="0">
-                <a:pos x="connsiteX5" y="connsiteY5"/>
-              </a:cxn>
-              <a:cxn ang="0">
-                <a:pos x="connsiteX6" y="connsiteY6"/>
-              </a:cxn>
-              <a:cxn ang="0">
-                <a:pos x="connsiteX7" y="connsiteY7"/>
-              </a:cxn>
-              <a:cxn ang="0">
-                <a:pos x="connsiteX8" y="connsiteY8"/>
-              </a:cxn>
-              <a:cxn ang="0">
-                <a:pos x="connsiteX9" y="connsiteY9"/>
-              </a:cxn>
-            </a:cxnLst>
-            <a:rect l="l" t="t" r="r" b="b"/>
-            <a:pathLst>
-              <a:path w="8284464" h="6858000">
-                <a:moveTo>
-                  <a:pt x="1818109" y="0"/>
-                </a:moveTo>
-                <a:lnTo>
-                  <a:pt x="6466355" y="0"/>
-                </a:lnTo>
-                <a:lnTo>
-                  <a:pt x="6620596" y="109683"/>
-                </a:lnTo>
-                <a:cubicBezTo>
-                  <a:pt x="7630666" y="865069"/>
-                  <a:pt x="8284464" y="2070683"/>
-                  <a:pt x="8284464" y="3429000"/>
-                </a:cubicBezTo>
-                <a:cubicBezTo>
-                  <a:pt x="8284464" y="4787317"/>
-                  <a:pt x="7630666" y="5992931"/>
-                  <a:pt x="6620596" y="6748318"/>
-                </a:cubicBezTo>
-                <a:lnTo>
-                  <a:pt x="6466355" y="6858000"/>
-                </a:lnTo>
-                <a:lnTo>
-                  <a:pt x="1818109" y="6858000"/>
-                </a:lnTo>
-                <a:lnTo>
-                  <a:pt x="1663869" y="6748318"/>
-                </a:lnTo>
-                <a:cubicBezTo>
-                  <a:pt x="653798" y="5992931"/>
-                  <a:pt x="0" y="4787317"/>
-                  <a:pt x="0" y="3429000"/>
-                </a:cubicBezTo>
-                <a:cubicBezTo>
-                  <a:pt x="0" y="2070683"/>
-                  <a:pt x="653798" y="865069"/>
-                  <a:pt x="1663869" y="109683"/>
-                </a:cubicBezTo>
-                <a:close/>
-              </a:path>
-            </a:pathLst>
-          </a:custGeom>
-          <a:solidFill>
-            <a:srgbClr val="FFFFFF">
-              <a:alpha val="80000"/>
-            </a:srgbClr>
-          </a:solidFill>
-          <a:ln>
-            <a:noFill/>
-          </a:ln>
-        </p:spPr>
-        <p:style>
-          <a:lnRef idx="2">
-            <a:schemeClr val="accent1">
-              <a:shade val="50000"/>
-            </a:schemeClr>
-          </a:lnRef>
-          <a:fillRef idx="1">
-            <a:schemeClr val="accent1"/>
-          </a:fillRef>
-          <a:effectRef idx="0">
-            <a:schemeClr val="accent1"/>
-          </a:effectRef>
-          <a:fontRef idx="minor">
-            <a:schemeClr val="lt1"/>
-          </a:fontRef>
-        </p:style>
-        <p:txBody>
-          <a:bodyPr wrap="square" rtlCol="0" anchor="ctr">
-            <a:noAutofit/>
-          </a:bodyPr>
-          <a:lstStyle/>
-          <a:p>
-            <a:pPr algn="ctr"/>
-            <a:endParaRPr lang="en-US"/>
-          </a:p>
-        </p:txBody>
-      </p:sp>
-      <p:sp>
-        <p:nvSpPr>
-          <p:cNvPr id="14" name="Freeform: Shape 8">
-            <a:extLst>
-              <a:ext uri="{FF2B5EF4-FFF2-40B4-BE49-F238E27FC236}">
-                <a16:creationId xmlns:a16="http://schemas.microsoft.com/office/drawing/2014/main" id="{DF9AD32D-FF05-44F4-BD4D-9CEE89B71EB9}"/>
-              </a:ext>
-              <a:ext uri="{C183D7F6-B498-43B3-948B-1728B52AA6E4}">
-                <adec:decorative xmlns:adec="http://schemas.microsoft.com/office/drawing/2017/decorative" val="1"/>
-              </a:ext>
-            </a:extLst>
-          </p:cNvPr>
-          <p:cNvSpPr>
-            <a:spLocks noGrp="1" noRot="1" noChangeAspect="1" noMove="1" noResize="1" noEditPoints="1" noAdjustHandles="1" noChangeArrowheads="1" noChangeShapeType="1" noTextEdit="1"/>
-          </p:cNvSpPr>
-          <p:nvPr>
-            <p:extLst>
-              <p:ext uri="{386F3935-93C4-4BCD-93E2-E3B085C9AB24}">
-                <p16:designElem xmlns:p16="http://schemas.microsoft.com/office/powerpoint/2015/main" val="1"/>
-              </p:ext>
-            </p:extLst>
-          </p:nvPr>
-        </p:nvSpPr>
-        <p:spPr>
-          <a:xfrm>
-            <a:off x="2118360" y="0"/>
-            <a:ext cx="7955280" cy="6858000"/>
-          </a:xfrm>
-          <a:custGeom>
-            <a:avLst/>
-            <a:gdLst>
-              <a:gd name="connsiteX0" fmla="*/ 1962423 w 7955280"/>
-              <a:gd name="connsiteY0" fmla="*/ 0 h 6858000"/>
-              <a:gd name="connsiteX1" fmla="*/ 5992858 w 7955280"/>
-              <a:gd name="connsiteY1" fmla="*/ 0 h 6858000"/>
-              <a:gd name="connsiteX2" fmla="*/ 6040191 w 7955280"/>
-              <a:gd name="connsiteY2" fmla="*/ 27216 h 6858000"/>
-              <a:gd name="connsiteX3" fmla="*/ 7955280 w 7955280"/>
-              <a:gd name="connsiteY3" fmla="*/ 3429000 h 6858000"/>
-              <a:gd name="connsiteX4" fmla="*/ 6040191 w 7955280"/>
-              <a:gd name="connsiteY4" fmla="*/ 6830784 h 6858000"/>
-              <a:gd name="connsiteX5" fmla="*/ 5992858 w 7955280"/>
-              <a:gd name="connsiteY5" fmla="*/ 6858000 h 6858000"/>
-              <a:gd name="connsiteX6" fmla="*/ 1962423 w 7955280"/>
-              <a:gd name="connsiteY6" fmla="*/ 6858000 h 6858000"/>
-              <a:gd name="connsiteX7" fmla="*/ 1915089 w 7955280"/>
-              <a:gd name="connsiteY7" fmla="*/ 6830784 h 6858000"/>
-              <a:gd name="connsiteX8" fmla="*/ 0 w 7955280"/>
-              <a:gd name="connsiteY8" fmla="*/ 3429000 h 6858000"/>
-              <a:gd name="connsiteX9" fmla="*/ 1915089 w 7955280"/>
-              <a:gd name="connsiteY9" fmla="*/ 27216 h 6858000"/>
-            </a:gdLst>
-            <a:ahLst/>
-            <a:cxnLst>
-              <a:cxn ang="0">
-                <a:pos x="connsiteX0" y="connsiteY0"/>
-              </a:cxn>
-              <a:cxn ang="0">
-                <a:pos x="connsiteX1" y="connsiteY1"/>
-              </a:cxn>
-              <a:cxn ang="0">
-                <a:pos x="connsiteX2" y="connsiteY2"/>
-              </a:cxn>
-              <a:cxn ang="0">
-                <a:pos x="connsiteX3" y="connsiteY3"/>
-              </a:cxn>
-              <a:cxn ang="0">
-                <a:pos x="connsiteX4" y="connsiteY4"/>
-              </a:cxn>
-              <a:cxn ang="0">
-                <a:pos x="connsiteX5" y="connsiteY5"/>
-              </a:cxn>
-              <a:cxn ang="0">
-                <a:pos x="connsiteX6" y="connsiteY6"/>
-              </a:cxn>
-              <a:cxn ang="0">
-                <a:pos x="connsiteX7" y="connsiteY7"/>
-              </a:cxn>
-              <a:cxn ang="0">
-                <a:pos x="connsiteX8" y="connsiteY8"/>
-              </a:cxn>
-              <a:cxn ang="0">
-                <a:pos x="connsiteX9" y="connsiteY9"/>
-              </a:cxn>
-            </a:cxnLst>
-            <a:rect l="l" t="t" r="r" b="b"/>
-            <a:pathLst>
-              <a:path w="7955280" h="6858000">
-                <a:moveTo>
-                  <a:pt x="1962423" y="0"/>
-                </a:moveTo>
-                <a:lnTo>
-                  <a:pt x="5992858" y="0"/>
-                </a:lnTo>
-                <a:lnTo>
-                  <a:pt x="6040191" y="27216"/>
-                </a:lnTo>
-                <a:cubicBezTo>
-                  <a:pt x="7188332" y="724844"/>
-                  <a:pt x="7955280" y="1987357"/>
-                  <a:pt x="7955280" y="3429000"/>
-                </a:cubicBezTo>
-                <a:cubicBezTo>
-                  <a:pt x="7955280" y="4870644"/>
-                  <a:pt x="7188332" y="6133157"/>
-                  <a:pt x="6040191" y="6830784"/>
-                </a:cubicBezTo>
-                <a:lnTo>
-                  <a:pt x="5992858" y="6858000"/>
-                </a:lnTo>
-                <a:lnTo>
-                  <a:pt x="1962423" y="6858000"/>
-                </a:lnTo>
-                <a:lnTo>
-                  <a:pt x="1915089" y="6830784"/>
-                </a:lnTo>
-                <a:cubicBezTo>
-                  <a:pt x="766948" y="6133157"/>
-                  <a:pt x="0" y="4870644"/>
-                  <a:pt x="0" y="3429000"/>
-                </a:cubicBezTo>
-                <a:cubicBezTo>
-                  <a:pt x="0" y="1987357"/>
-                  <a:pt x="766948" y="724844"/>
-                  <a:pt x="1915089" y="27216"/>
-                </a:cubicBezTo>
-                <a:close/>
-              </a:path>
-            </a:pathLst>
-          </a:custGeom>
-          <a:solidFill>
-            <a:schemeClr val="tx1"/>
-          </a:solidFill>
-          <a:ln>
-            <a:noFill/>
-          </a:ln>
-        </p:spPr>
-        <p:style>
-          <a:lnRef idx="2">
-            <a:schemeClr val="accent1">
-              <a:shade val="50000"/>
-            </a:schemeClr>
-          </a:lnRef>
-          <a:fillRef idx="1">
-            <a:schemeClr val="accent1"/>
-          </a:fillRef>
-          <a:effectRef idx="0">
-            <a:schemeClr val="accent1"/>
-          </a:effectRef>
-          <a:fontRef idx="minor">
-            <a:schemeClr val="lt1"/>
-          </a:fontRef>
-        </p:style>
-        <p:txBody>
-          <a:bodyPr wrap="square" rtlCol="0" anchor="ctr">
-            <a:noAutofit/>
-          </a:bodyPr>
-          <a:lstStyle/>
-          <a:p>
-            <a:pPr algn="ctr"/>
-            <a:endParaRPr lang="en-US"/>
-          </a:p>
-        </p:txBody>
-      </p:sp>
-      <p:sp>
-        <p:nvSpPr>
-          <p:cNvPr id="2" name="Title 1">
-            <a:extLst>
-              <a:ext uri="{FF2B5EF4-FFF2-40B4-BE49-F238E27FC236}">
-                <a16:creationId xmlns:a16="http://schemas.microsoft.com/office/drawing/2014/main" id="{C38076D0-969F-4A0C-B6A6-6831501F016F}"/>
-              </a:ext>
-            </a:extLst>
-          </p:cNvPr>
-          <p:cNvSpPr>
-            <a:spLocks noGrp="1"/>
-          </p:cNvSpPr>
-          <p:nvPr>
-            <p:ph type="title"/>
-          </p:nvPr>
-        </p:nvSpPr>
-        <p:spPr>
-          <a:xfrm>
-            <a:off x="2555631" y="1441938"/>
-            <a:ext cx="7080738" cy="3974124"/>
-          </a:xfrm>
-        </p:spPr>
-        <p:txBody>
-          <a:bodyPr vert="horz" lIns="91440" tIns="45720" rIns="91440" bIns="45720" rtlCol="0" anchor="ctr">
-            <a:normAutofit/>
-          </a:bodyPr>
-          <a:lstStyle/>
-          <a:p>
-            <a:pPr algn="ctr"/>
-            <a:r>
-              <a:rPr lang="en-US" sz="5400">
-                <a:solidFill>
-                  <a:schemeClr val="bg1">
-                    <a:lumMod val="95000"/>
-                    <a:lumOff val="5000"/>
-                  </a:schemeClr>
-                </a:solidFill>
-              </a:rPr>
-              <a:t>Results</a:t>
-            </a:r>
-          </a:p>
-        </p:txBody>
-      </p:sp>
-    </p:spTree>
-    <p:extLst>
-      <p:ext uri="{BB962C8B-B14F-4D97-AF65-F5344CB8AC3E}">
-        <p14:creationId xmlns:p14="http://schemas.microsoft.com/office/powerpoint/2010/main" val="857294059"/>
-      </p:ext>
-    </p:extLst>
-  </p:cSld>
-  <p:clrMapOvr>
-    <a:overrideClrMapping bg1="dk1" tx1="lt1" bg2="dk2" tx2="lt2" accent1="accent1" accent2="accent2" accent3="accent3" accent4="accent4" accent5="accent5" accent6="accent6" hlink="hlink" folHlink="folHlink"/>
-  </p:clrMapOvr>
-</p:sld>
-</file>
-
-<file path=ppt/slides/slide7.xml><?xml version="1.0" encoding="utf-8"?>
-<p:sld xmlns:a="http://schemas.openxmlformats.org/drawingml/2006/main" xmlns:r="http://schemas.openxmlformats.org/officeDocument/2006/relationships" xmlns:p="http://schemas.openxmlformats.org/presentationml/2006/main">
-  <p:cSld>
-    <p:bg>
-      <p:bgPr>
-        <a:solidFill>
-          <a:schemeClr val="bg1"/>
-        </a:solidFill>
-        <a:effectLst/>
-      </p:bgPr>
-    </p:bg>
-    <p:spTree>
-      <p:nvGrpSpPr>
-        <p:cNvPr id="1" name=""/>
-        <p:cNvGrpSpPr/>
-        <p:nvPr/>
-      </p:nvGrpSpPr>
-      <p:grpSpPr>
-        <a:xfrm>
-          <a:off x="0" y="0"/>
-          <a:ext cx="0" cy="0"/>
-          <a:chOff x="0" y="0"/>
-          <a:chExt cx="0" cy="0"/>
-        </a:xfrm>
-      </p:grpSpPr>
-      <p:sp>
-        <p:nvSpPr>
-          <p:cNvPr id="72" name="Rectangle 71">
-            <a:extLst>
-              <a:ext uri="{FF2B5EF4-FFF2-40B4-BE49-F238E27FC236}">
-                <a16:creationId xmlns:a16="http://schemas.microsoft.com/office/drawing/2014/main" id="{823AC064-BC96-4F32-8AE1-B2FD38754823}"/>
-              </a:ext>
-              <a:ext uri="{C183D7F6-B498-43B3-948B-1728B52AA6E4}">
-                <adec:decorative xmlns:adec="http://schemas.microsoft.com/office/drawing/2017/decorative" val="1"/>
-              </a:ext>
-            </a:extLst>
-          </p:cNvPr>
-          <p:cNvSpPr>
-            <a:spLocks noGrp="1" noRot="1" noChangeAspect="1" noMove="1" noResize="1" noEditPoints="1" noAdjustHandles="1" noChangeArrowheads="1" noChangeShapeType="1" noTextEdit="1"/>
-          </p:cNvSpPr>
-          <p:nvPr>
-            <p:extLst>
-              <p:ext uri="{386F3935-93C4-4BCD-93E2-E3B085C9AB24}">
-                <p16:designElem xmlns:p16="http://schemas.microsoft.com/office/powerpoint/2015/main" val="1"/>
-              </p:ext>
-            </p:extLst>
-          </p:nvPr>
-        </p:nvSpPr>
-        <p:spPr bwMode="ltGray">
-          <a:xfrm>
-            <a:off x="396882" y="280374"/>
-            <a:ext cx="11438793" cy="1844256"/>
-          </a:xfrm>
-          <a:prstGeom prst="rect">
-            <a:avLst/>
-          </a:prstGeom>
-          <a:solidFill>
-            <a:srgbClr val="404040"/>
-          </a:solidFill>
-          <a:ln w="127000" cap="sq" cmpd="thinThick">
-            <a:solidFill>
-              <a:srgbClr val="404040"/>
-            </a:solidFill>
-          </a:ln>
-        </p:spPr>
-        <p:style>
-          <a:lnRef idx="2">
-            <a:schemeClr val="accent1">
-              <a:shade val="50000"/>
-            </a:schemeClr>
-          </a:lnRef>
-          <a:fillRef idx="1">
-            <a:schemeClr val="accent1"/>
-          </a:fillRef>
-          <a:effectRef idx="0">
-            <a:schemeClr val="accent1"/>
-          </a:effectRef>
-          <a:fontRef idx="minor">
-            <a:schemeClr val="lt1"/>
-          </a:fontRef>
-        </p:style>
-        <p:txBody>
-          <a:bodyPr rtlCol="0" anchor="ctr"/>
-          <a:lstStyle/>
-          <a:p>
-            <a:pPr algn="ctr"/>
-            <a:endParaRPr lang="en-US"/>
-          </a:p>
-        </p:txBody>
-      </p:sp>
-      <p:sp>
-        <p:nvSpPr>
-          <p:cNvPr id="21" name="Title 1">
-            <a:extLst>
-              <a:ext uri="{FF2B5EF4-FFF2-40B4-BE49-F238E27FC236}">
-                <a16:creationId xmlns:a16="http://schemas.microsoft.com/office/drawing/2014/main" id="{5BB60CD5-2DAC-4E12-AE42-24992565B5DF}"/>
-              </a:ext>
-            </a:extLst>
-          </p:cNvPr>
-          <p:cNvSpPr txBox="1">
-            <a:spLocks/>
-          </p:cNvSpPr>
-          <p:nvPr/>
-        </p:nvSpPr>
-        <p:spPr>
-          <a:xfrm>
-            <a:off x="546351" y="433545"/>
-            <a:ext cx="11139854" cy="930447"/>
-          </a:xfrm>
-          <a:prstGeom prst="rect">
-            <a:avLst/>
-          </a:prstGeom>
-        </p:spPr>
-        <p:txBody>
-          <a:bodyPr vert="horz" lIns="91440" tIns="45720" rIns="91440" bIns="45720" rtlCol="0" anchor="b">
-            <a:normAutofit/>
-          </a:bodyPr>
-          <a:lstStyle>
-            <a:lvl1pPr algn="l" defTabSz="914400" rtl="0" eaLnBrk="1" latinLnBrk="0" hangingPunct="1">
-              <a:lnSpc>
-                <a:spcPct val="90000"/>
-              </a:lnSpc>
-              <a:spcBef>
-                <a:spcPct val="0"/>
-              </a:spcBef>
-              <a:buNone/>
-              <a:defRPr sz="4400" kern="1200">
-                <a:solidFill>
-                  <a:schemeClr val="tx1"/>
-                </a:solidFill>
-                <a:latin typeface="+mj-lt"/>
-                <a:ea typeface="+mj-ea"/>
-                <a:cs typeface="+mj-cs"/>
-              </a:defRPr>
-            </a:lvl1pPr>
-          </a:lstStyle>
-          <a:p>
-            <a:pPr algn="ctr">
-              <a:spcAft>
-                <a:spcPts val="600"/>
-              </a:spcAft>
-            </a:pPr>
-            <a:r>
-              <a:rPr lang="en-US" sz="5400">
-                <a:solidFill>
-                  <a:srgbClr val="FFFFFF"/>
-                </a:solidFill>
-              </a:rPr>
-              <a:t>Exploratory Data Analysis</a:t>
-            </a:r>
-          </a:p>
-        </p:txBody>
-      </p:sp>
-      <p:cxnSp>
-        <p:nvCxnSpPr>
-          <p:cNvPr id="74" name="Straight Connector 73">
-            <a:extLst>
-              <a:ext uri="{FF2B5EF4-FFF2-40B4-BE49-F238E27FC236}">
-                <a16:creationId xmlns:a16="http://schemas.microsoft.com/office/drawing/2014/main" id="{7E7C77BC-7138-40B1-A15B-20F57A494629}"/>
-              </a:ext>
-              <a:ext uri="{C183D7F6-B498-43B3-948B-1728B52AA6E4}">
-                <adec:decorative xmlns:adec="http://schemas.microsoft.com/office/drawing/2017/decorative" val="1"/>
-              </a:ext>
-            </a:extLst>
-          </p:cNvPr>
-          <p:cNvCxnSpPr>
-            <a:cxnSpLocks noGrp="1" noRot="1" noChangeAspect="1" noMove="1" noResize="1" noEditPoints="1" noAdjustHandles="1" noChangeArrowheads="1" noChangeShapeType="1"/>
-          </p:cNvCxnSpPr>
-          <p:nvPr>
-            <p:extLst>
-              <p:ext uri="{386F3935-93C4-4BCD-93E2-E3B085C9AB24}">
-                <p16:designElem xmlns:p16="http://schemas.microsoft.com/office/powerpoint/2015/main" val="1"/>
-              </p:ext>
-            </p:extLst>
-          </p:nvPr>
-        </p:nvCxnSpPr>
-        <p:spPr>
-          <a:xfrm>
-            <a:off x="2230078" y="1522292"/>
-            <a:ext cx="7772400" cy="0"/>
-          </a:xfrm>
-          <a:prstGeom prst="line">
-            <a:avLst/>
-          </a:prstGeom>
-          <a:ln w="22225">
-            <a:solidFill>
-              <a:srgbClr val="D9D9D9"/>
-            </a:solidFill>
-          </a:ln>
-        </p:spPr>
-        <p:style>
-          <a:lnRef idx="1">
-            <a:schemeClr val="accent1"/>
-          </a:lnRef>
-          <a:fillRef idx="0">
-            <a:schemeClr val="accent1"/>
-          </a:fillRef>
-          <a:effectRef idx="0">
-            <a:schemeClr val="accent1"/>
-          </a:effectRef>
-          <a:fontRef idx="minor">
-            <a:schemeClr val="tx1"/>
-          </a:fontRef>
-        </p:style>
-      </p:cxnSp>
-      <p:pic>
-        <p:nvPicPr>
-          <p:cNvPr id="2050" name="Picture 2" descr="DNkGeVDJRnqNuLejd5y6luVWZZdFoVRbVLRRMja2gLvaP3L7vN7D7ENJiPMTyHR7QuNbzxie_PBEK-289NeUchU32p9Up6x_U7G5MVu-Jutp54f4J8-udJCXvQV2BXf6sSNYHXhX">
-            <a:extLst>
-              <a:ext uri="{FF2B5EF4-FFF2-40B4-BE49-F238E27FC236}">
-                <a16:creationId xmlns:a16="http://schemas.microsoft.com/office/drawing/2014/main" id="{243C780A-294E-4CE7-B2B0-8D7F3C25284E}"/>
-              </a:ext>
-            </a:extLst>
-          </p:cNvPr>
-          <p:cNvPicPr>
-            <a:picLocks noChangeAspect="1" noChangeArrowheads="1"/>
-          </p:cNvPicPr>
-          <p:nvPr/>
-        </p:nvPicPr>
-        <p:blipFill>
-          <a:blip r:embed="rId2">
-            <a:extLst>
-              <a:ext uri="{28A0092B-C50C-407E-A947-70E740481C1C}">
-                <a14:useLocalDpi xmlns:a14="http://schemas.microsoft.com/office/drawing/2010/main" val="0"/>
-              </a:ext>
-            </a:extLst>
-          </a:blip>
-          <a:srcRect/>
-          <a:stretch>
-            <a:fillRect/>
-          </a:stretch>
-        </p:blipFill>
-        <p:spPr bwMode="auto">
-          <a:xfrm>
-            <a:off x="331567" y="2809321"/>
-            <a:ext cx="5455917" cy="3232630"/>
-          </a:xfrm>
-          <a:prstGeom prst="rect">
-            <a:avLst/>
-          </a:prstGeom>
-          <a:noFill/>
-          <a:extLst>
-            <a:ext uri="{909E8E84-426E-40DD-AFC4-6F175D3DCCD1}">
-              <a14:hiddenFill xmlns:a14="http://schemas.microsoft.com/office/drawing/2010/main">
-                <a:solidFill>
-                  <a:srgbClr val="FFFFFF"/>
-                </a:solidFill>
-              </a14:hiddenFill>
-            </a:ext>
-            <a:ext uri="{91240B29-F687-4F45-9708-019B960494DF}">
-              <a14:hiddenLine xmlns:a14="http://schemas.microsoft.com/office/drawing/2010/main" w="9525">
-                <a:solidFill>
-                  <a:srgbClr val="000000"/>
-                </a:solidFill>
-                <a:miter lim="800000"/>
-                <a:headEnd/>
-                <a:tailEnd/>
-              </a14:hiddenLine>
-            </a:ext>
-          </a:extLst>
-        </p:spPr>
-      </p:pic>
-      <p:cxnSp>
-        <p:nvCxnSpPr>
-          <p:cNvPr id="76" name="Straight Connector 75">
-            <a:extLst>
-              <a:ext uri="{FF2B5EF4-FFF2-40B4-BE49-F238E27FC236}">
-                <a16:creationId xmlns:a16="http://schemas.microsoft.com/office/drawing/2014/main" id="{DB146403-F3D6-484B-B2ED-97F9565D0370}"/>
-              </a:ext>
-              <a:ext uri="{C183D7F6-B498-43B3-948B-1728B52AA6E4}">
-                <adec:decorative xmlns:adec="http://schemas.microsoft.com/office/drawing/2017/decorative" val="1"/>
-              </a:ext>
-            </a:extLst>
-          </p:cNvPr>
-          <p:cNvCxnSpPr>
-            <a:cxnSpLocks noGrp="1" noRot="1" noChangeAspect="1" noMove="1" noResize="1" noEditPoints="1" noAdjustHandles="1" noChangeArrowheads="1" noChangeShapeType="1"/>
-          </p:cNvCxnSpPr>
-          <p:nvPr>
-            <p:extLst>
-              <p:ext uri="{386F3935-93C4-4BCD-93E2-E3B085C9AB24}">
-                <p16:designElem xmlns:p16="http://schemas.microsoft.com/office/powerpoint/2015/main" val="1"/>
-              </p:ext>
-            </p:extLst>
-          </p:nvPr>
-        </p:nvCxnSpPr>
-        <p:spPr>
-          <a:xfrm>
-            <a:off x="6116278" y="2596836"/>
-            <a:ext cx="0" cy="3657600"/>
-          </a:xfrm>
-          <a:prstGeom prst="line">
-            <a:avLst/>
-          </a:prstGeom>
-          <a:ln w="101600" cmpd="dbl">
-            <a:solidFill>
-              <a:srgbClr val="595959"/>
-            </a:solidFill>
-          </a:ln>
-        </p:spPr>
-        <p:style>
-          <a:lnRef idx="1">
-            <a:schemeClr val="accent1"/>
-          </a:lnRef>
-          <a:fillRef idx="0">
-            <a:schemeClr val="accent1"/>
-          </a:fillRef>
-          <a:effectRef idx="0">
-            <a:schemeClr val="accent1"/>
-          </a:effectRef>
-          <a:fontRef idx="minor">
-            <a:schemeClr val="tx1"/>
-          </a:fontRef>
-        </p:style>
-      </p:cxnSp>
-      <p:pic>
-        <p:nvPicPr>
-          <p:cNvPr id="2051" name="Picture 3" descr="lBTcDXhb66at3TripLUUAYlj_9CbXLpWjodqkJlC9YBpjoxBAtIVK9-q18u2_ztjMpSV4f5bPhsWCTL_4o-uMKwhBF66c56exggF5zG-UzLgkWDC9R1YFF8-TyDGidDrC86SAHJa">
-            <a:extLst>
-              <a:ext uri="{FF2B5EF4-FFF2-40B4-BE49-F238E27FC236}">
-                <a16:creationId xmlns:a16="http://schemas.microsoft.com/office/drawing/2014/main" id="{70114AA9-231C-453F-864F-FE64648D7A3E}"/>
-              </a:ext>
-            </a:extLst>
-          </p:cNvPr>
-          <p:cNvPicPr>
-            <a:picLocks noChangeAspect="1" noChangeArrowheads="1"/>
-          </p:cNvPicPr>
-          <p:nvPr/>
-        </p:nvPicPr>
-        <p:blipFill>
-          <a:blip r:embed="rId3">
-            <a:extLst>
-              <a:ext uri="{28A0092B-C50C-407E-A947-70E740481C1C}">
-                <a14:useLocalDpi xmlns:a14="http://schemas.microsoft.com/office/drawing/2010/main" val="0"/>
-              </a:ext>
-            </a:extLst>
-          </a:blip>
-          <a:srcRect/>
-          <a:stretch>
-            <a:fillRect/>
-          </a:stretch>
-        </p:blipFill>
-        <p:spPr bwMode="auto">
-          <a:xfrm>
-            <a:off x="6445073" y="2495606"/>
-            <a:ext cx="5455917" cy="3860060"/>
-          </a:xfrm>
-          <a:prstGeom prst="rect">
-            <a:avLst/>
-          </a:prstGeom>
-          <a:noFill/>
-          <a:extLst>
-            <a:ext uri="{909E8E84-426E-40DD-AFC4-6F175D3DCCD1}">
-              <a14:hiddenFill xmlns:a14="http://schemas.microsoft.com/office/drawing/2010/main">
-                <a:solidFill>
-                  <a:srgbClr val="FFFFFF"/>
-                </a:solidFill>
-              </a14:hiddenFill>
-            </a:ext>
-            <a:ext uri="{91240B29-F687-4F45-9708-019B960494DF}">
-              <a14:hiddenLine xmlns:a14="http://schemas.microsoft.com/office/drawing/2010/main" w="9525">
-                <a:solidFill>
-                  <a:srgbClr val="000000"/>
-                </a:solidFill>
-                <a:miter lim="800000"/>
-                <a:headEnd/>
-                <a:tailEnd/>
-              </a14:hiddenLine>
-            </a:ext>
-          </a:extLst>
-        </p:spPr>
-      </p:pic>
-    </p:spTree>
-    <p:extLst>
-      <p:ext uri="{BB962C8B-B14F-4D97-AF65-F5344CB8AC3E}">
-        <p14:creationId xmlns:p14="http://schemas.microsoft.com/office/powerpoint/2010/main" val="296948255"/>
-      </p:ext>
-    </p:extLst>
-  </p:cSld>
-  <p:clrMapOvr>
-    <a:masterClrMapping/>
-  </p:clrMapOvr>
-</p:sld>
-</file>
-
 <file path=ppt/slides/slide8.xml><?xml version="1.0" encoding="utf-8"?>
-<p:sld xmlns:a="http://schemas.openxmlformats.org/drawingml/2006/main" xmlns:r="http://schemas.openxmlformats.org/officeDocument/2006/relationships" xmlns:p="http://schemas.openxmlformats.org/presentationml/2006/main">
-  <p:cSld>
-    <p:bg>
-      <p:bgPr>
-        <a:solidFill>
-          <a:schemeClr val="bg1"/>
-        </a:solidFill>
-        <a:effectLst/>
-      </p:bgPr>
-    </p:bg>
-    <p:spTree>
-      <p:nvGrpSpPr>
-        <p:cNvPr id="1" name=""/>
-        <p:cNvGrpSpPr/>
-        <p:nvPr/>
-      </p:nvGrpSpPr>
-      <p:grpSpPr>
-        <a:xfrm>
-          <a:off x="0" y="0"/>
-          <a:ext cx="0" cy="0"/>
-          <a:chOff x="0" y="0"/>
-          <a:chExt cx="0" cy="0"/>
-        </a:xfrm>
-      </p:grpSpPr>
-      <p:sp>
-        <p:nvSpPr>
-          <p:cNvPr id="11" name="Rectangle 10">
-            <a:extLst>
-              <a:ext uri="{FF2B5EF4-FFF2-40B4-BE49-F238E27FC236}">
-                <a16:creationId xmlns:a16="http://schemas.microsoft.com/office/drawing/2014/main" id="{823AC064-BC96-4F32-8AE1-B2FD38754823}"/>
-              </a:ext>
-              <a:ext uri="{C183D7F6-B498-43B3-948B-1728B52AA6E4}">
-                <adec:decorative xmlns:adec="http://schemas.microsoft.com/office/drawing/2017/decorative" val="1"/>
-              </a:ext>
-            </a:extLst>
-          </p:cNvPr>
-          <p:cNvSpPr>
-            <a:spLocks noGrp="1" noRot="1" noChangeAspect="1" noMove="1" noResize="1" noEditPoints="1" noAdjustHandles="1" noChangeArrowheads="1" noChangeShapeType="1" noTextEdit="1"/>
-          </p:cNvSpPr>
-          <p:nvPr>
-            <p:extLst>
-              <p:ext uri="{386F3935-93C4-4BCD-93E2-E3B085C9AB24}">
-                <p16:designElem xmlns:p16="http://schemas.microsoft.com/office/powerpoint/2015/main" val="1"/>
-              </p:ext>
-            </p:extLst>
-          </p:nvPr>
-        </p:nvSpPr>
-        <p:spPr bwMode="ltGray">
-          <a:xfrm>
-            <a:off x="396882" y="280374"/>
-            <a:ext cx="11438793" cy="1844256"/>
-          </a:xfrm>
-          <a:prstGeom prst="rect">
-            <a:avLst/>
-          </a:prstGeom>
-          <a:solidFill>
-            <a:srgbClr val="404040"/>
-          </a:solidFill>
-          <a:ln w="127000" cap="sq" cmpd="thinThick">
-            <a:solidFill>
-              <a:srgbClr val="404040"/>
-            </a:solidFill>
-          </a:ln>
-        </p:spPr>
-        <p:style>
-          <a:lnRef idx="2">
-            <a:schemeClr val="accent1">
-              <a:shade val="50000"/>
-            </a:schemeClr>
-          </a:lnRef>
-          <a:fillRef idx="1">
-            <a:schemeClr val="accent1"/>
-          </a:fillRef>
-          <a:effectRef idx="0">
-            <a:schemeClr val="accent1"/>
-          </a:effectRef>
-          <a:fontRef idx="minor">
-            <a:schemeClr val="lt1"/>
-          </a:fontRef>
-        </p:style>
-        <p:txBody>
-          <a:bodyPr rtlCol="0" anchor="ctr"/>
-          <a:lstStyle/>
-          <a:p>
-            <a:pPr algn="ctr"/>
-            <a:endParaRPr lang="en-US"/>
-          </a:p>
-        </p:txBody>
-      </p:sp>
-      <p:sp>
-        <p:nvSpPr>
-          <p:cNvPr id="4" name="Title 1">
-            <a:extLst>
-              <a:ext uri="{FF2B5EF4-FFF2-40B4-BE49-F238E27FC236}">
-                <a16:creationId xmlns:a16="http://schemas.microsoft.com/office/drawing/2014/main" id="{AC697768-F356-4452-A055-1C08ED8329CD}"/>
-              </a:ext>
-            </a:extLst>
-          </p:cNvPr>
-          <p:cNvSpPr txBox="1">
-            <a:spLocks noGrp="1"/>
-          </p:cNvSpPr>
-          <p:nvPr>
-            <p:ph type="title"/>
-          </p:nvPr>
-        </p:nvSpPr>
-        <p:spPr>
-          <a:xfrm>
-            <a:off x="546351" y="433545"/>
-            <a:ext cx="11139854" cy="930447"/>
-          </a:xfrm>
-          <a:prstGeom prst="rect">
-            <a:avLst/>
-          </a:prstGeom>
-        </p:spPr>
-        <p:txBody>
-          <a:bodyPr vert="horz" lIns="91440" tIns="45720" rIns="91440" bIns="45720" rtlCol="0" anchor="b">
-            <a:normAutofit/>
-          </a:bodyPr>
-          <a:lstStyle>
-            <a:lvl1pPr algn="l" defTabSz="914400" rtl="0" eaLnBrk="1" latinLnBrk="0" hangingPunct="1">
-              <a:lnSpc>
-                <a:spcPct val="90000"/>
-              </a:lnSpc>
-              <a:spcBef>
-                <a:spcPct val="0"/>
-              </a:spcBef>
-              <a:buNone/>
-              <a:defRPr sz="4400" kern="1200">
-                <a:solidFill>
-                  <a:schemeClr val="tx1"/>
-                </a:solidFill>
-                <a:latin typeface="+mj-lt"/>
-                <a:ea typeface="+mj-ea"/>
-                <a:cs typeface="+mj-cs"/>
-              </a:defRPr>
-            </a:lvl1pPr>
-          </a:lstStyle>
-          <a:p>
-            <a:pPr algn="ctr"/>
-            <a:r>
-              <a:rPr lang="en-US" sz="5400">
-                <a:solidFill>
-                  <a:srgbClr val="FFFFFF"/>
-                </a:solidFill>
-              </a:rPr>
-              <a:t>Exploratory Data Analysis</a:t>
-            </a:r>
-          </a:p>
-        </p:txBody>
-      </p:sp>
-      <p:cxnSp>
-        <p:nvCxnSpPr>
-          <p:cNvPr id="13" name="Straight Connector 12">
-            <a:extLst>
-              <a:ext uri="{FF2B5EF4-FFF2-40B4-BE49-F238E27FC236}">
-                <a16:creationId xmlns:a16="http://schemas.microsoft.com/office/drawing/2014/main" id="{7E7C77BC-7138-40B1-A15B-20F57A494629}"/>
-              </a:ext>
-              <a:ext uri="{C183D7F6-B498-43B3-948B-1728B52AA6E4}">
-                <adec:decorative xmlns:adec="http://schemas.microsoft.com/office/drawing/2017/decorative" val="1"/>
-              </a:ext>
-            </a:extLst>
-          </p:cNvPr>
-          <p:cNvCxnSpPr>
-            <a:cxnSpLocks noGrp="1" noRot="1" noChangeAspect="1" noMove="1" noResize="1" noEditPoints="1" noAdjustHandles="1" noChangeArrowheads="1" noChangeShapeType="1"/>
-          </p:cNvCxnSpPr>
-          <p:nvPr>
-            <p:extLst>
-              <p:ext uri="{386F3935-93C4-4BCD-93E2-E3B085C9AB24}">
-                <p16:designElem xmlns:p16="http://schemas.microsoft.com/office/powerpoint/2015/main" val="1"/>
-              </p:ext>
-            </p:extLst>
-          </p:nvPr>
-        </p:nvCxnSpPr>
-        <p:spPr>
-          <a:xfrm>
-            <a:off x="2230078" y="1522292"/>
-            <a:ext cx="7772400" cy="0"/>
-          </a:xfrm>
-          <a:prstGeom prst="line">
-            <a:avLst/>
-          </a:prstGeom>
-          <a:ln w="22225">
-            <a:solidFill>
-              <a:srgbClr val="D9D9D9"/>
-            </a:solidFill>
-          </a:ln>
-        </p:spPr>
-        <p:style>
-          <a:lnRef idx="1">
-            <a:schemeClr val="accent1"/>
-          </a:lnRef>
-          <a:fillRef idx="0">
-            <a:schemeClr val="accent1"/>
-          </a:fillRef>
-          <a:effectRef idx="0">
-            <a:schemeClr val="accent1"/>
-          </a:effectRef>
-          <a:fontRef idx="minor">
-            <a:schemeClr val="tx1"/>
-          </a:fontRef>
-        </p:style>
-      </p:cxnSp>
-      <p:pic>
-        <p:nvPicPr>
-          <p:cNvPr id="5" name="Picture 5" descr="F3rRoqd4VVNSEatM2ROprdLXORhjyrzNrXNAhou5gPjhBGyEyop2f-aAyLMBAz17jEfdzd78TiIDNWcrDlFDTKkm_FQbTRbPVvG7r-Cw8HSsOK8IiJVr7iI_-zSOr2l4r6Piwhlw">
-            <a:extLst>
-              <a:ext uri="{FF2B5EF4-FFF2-40B4-BE49-F238E27FC236}">
-                <a16:creationId xmlns:a16="http://schemas.microsoft.com/office/drawing/2014/main" id="{499A29E7-A4E4-4379-AEBB-1C0955DB2DD4}"/>
-              </a:ext>
-            </a:extLst>
-          </p:cNvPr>
-          <p:cNvPicPr>
-            <a:picLocks noChangeAspect="1" noChangeArrowheads="1"/>
-          </p:cNvPicPr>
-          <p:nvPr/>
-        </p:nvPicPr>
-        <p:blipFill>
-          <a:blip r:embed="rId2">
-            <a:extLst>
-              <a:ext uri="{28A0092B-C50C-407E-A947-70E740481C1C}">
-                <a14:useLocalDpi xmlns:a14="http://schemas.microsoft.com/office/drawing/2010/main" val="0"/>
-              </a:ext>
-            </a:extLst>
-          </a:blip>
-          <a:srcRect/>
-          <a:stretch>
-            <a:fillRect/>
-          </a:stretch>
-        </p:blipFill>
-        <p:spPr bwMode="auto">
-          <a:xfrm>
-            <a:off x="529375" y="2426818"/>
-            <a:ext cx="5060300" cy="3997637"/>
-          </a:xfrm>
-          <a:prstGeom prst="rect">
-            <a:avLst/>
-          </a:prstGeom>
-          <a:noFill/>
-          <a:extLst>
-            <a:ext uri="{909E8E84-426E-40DD-AFC4-6F175D3DCCD1}">
-              <a14:hiddenFill xmlns:a14="http://schemas.microsoft.com/office/drawing/2010/main">
-                <a:solidFill>
-                  <a:srgbClr val="FFFFFF"/>
-                </a:solidFill>
-              </a14:hiddenFill>
-            </a:ext>
-            <a:ext uri="{91240B29-F687-4F45-9708-019B960494DF}">
-              <a14:hiddenLine xmlns:a14="http://schemas.microsoft.com/office/drawing/2010/main" w="9525">
-                <a:solidFill>
-                  <a:srgbClr val="000000"/>
-                </a:solidFill>
-                <a:miter lim="800000"/>
-                <a:headEnd/>
-                <a:tailEnd/>
-              </a14:hiddenLine>
-            </a:ext>
-          </a:extLst>
-        </p:spPr>
-      </p:pic>
-      <p:cxnSp>
-        <p:nvCxnSpPr>
-          <p:cNvPr id="15" name="Straight Connector 14">
-            <a:extLst>
-              <a:ext uri="{FF2B5EF4-FFF2-40B4-BE49-F238E27FC236}">
-                <a16:creationId xmlns:a16="http://schemas.microsoft.com/office/drawing/2014/main" id="{DB146403-F3D6-484B-B2ED-97F9565D0370}"/>
-              </a:ext>
-              <a:ext uri="{C183D7F6-B498-43B3-948B-1728B52AA6E4}">
-                <adec:decorative xmlns:adec="http://schemas.microsoft.com/office/drawing/2017/decorative" val="1"/>
-              </a:ext>
-            </a:extLst>
-          </p:cNvPr>
-          <p:cNvCxnSpPr>
-            <a:cxnSpLocks noGrp="1" noRot="1" noChangeAspect="1" noMove="1" noResize="1" noEditPoints="1" noAdjustHandles="1" noChangeArrowheads="1" noChangeShapeType="1"/>
-          </p:cNvCxnSpPr>
-          <p:nvPr>
-            <p:extLst>
-              <p:ext uri="{386F3935-93C4-4BCD-93E2-E3B085C9AB24}">
-                <p16:designElem xmlns:p16="http://schemas.microsoft.com/office/powerpoint/2015/main" val="1"/>
-              </p:ext>
-            </p:extLst>
-          </p:nvPr>
-        </p:nvCxnSpPr>
-        <p:spPr>
-          <a:xfrm>
-            <a:off x="6116278" y="2596836"/>
-            <a:ext cx="0" cy="3657600"/>
-          </a:xfrm>
-          <a:prstGeom prst="line">
-            <a:avLst/>
-          </a:prstGeom>
-          <a:ln w="101600" cmpd="dbl">
-            <a:solidFill>
-              <a:srgbClr val="595959"/>
-            </a:solidFill>
-          </a:ln>
-        </p:spPr>
-        <p:style>
-          <a:lnRef idx="1">
-            <a:schemeClr val="accent1"/>
-          </a:lnRef>
-          <a:fillRef idx="0">
-            <a:schemeClr val="accent1"/>
-          </a:fillRef>
-          <a:effectRef idx="0">
-            <a:schemeClr val="accent1"/>
-          </a:effectRef>
-          <a:fontRef idx="minor">
-            <a:schemeClr val="tx1"/>
-          </a:fontRef>
-        </p:style>
-      </p:cxnSp>
-      <p:pic>
-        <p:nvPicPr>
-          <p:cNvPr id="6" name="Picture 4" descr="Jo5uub5U2NFZCptjmzOLQvGypHlhauKDthKS64rF0PzPtuzbdOW68FGj9mEtIy-cgjPkXuBC-6l8U8Eiw83OvWmVAhxQ8b9qZe_885Ce29Dz2Yekn7hSI5WBgID6nWL5TajLhneZ">
-            <a:extLst>
-              <a:ext uri="{FF2B5EF4-FFF2-40B4-BE49-F238E27FC236}">
-                <a16:creationId xmlns:a16="http://schemas.microsoft.com/office/drawing/2014/main" id="{702932AE-D44C-4102-87BF-A870EBEBA5D3}"/>
-              </a:ext>
-            </a:extLst>
-          </p:cNvPr>
-          <p:cNvPicPr>
-            <a:picLocks noChangeAspect="1" noChangeArrowheads="1"/>
-          </p:cNvPicPr>
-          <p:nvPr/>
-        </p:nvPicPr>
-        <p:blipFill>
-          <a:blip r:embed="rId3">
-            <a:extLst>
-              <a:ext uri="{28A0092B-C50C-407E-A947-70E740481C1C}">
-                <a14:useLocalDpi xmlns:a14="http://schemas.microsoft.com/office/drawing/2010/main" val="0"/>
-              </a:ext>
-            </a:extLst>
-          </a:blip>
-          <a:srcRect/>
-          <a:stretch>
-            <a:fillRect/>
-          </a:stretch>
-        </p:blipFill>
-        <p:spPr bwMode="auto">
-          <a:xfrm>
-            <a:off x="6445073" y="2495606"/>
-            <a:ext cx="5455917" cy="3860060"/>
-          </a:xfrm>
-          <a:prstGeom prst="rect">
-            <a:avLst/>
-          </a:prstGeom>
-          <a:noFill/>
-          <a:extLst>
-            <a:ext uri="{909E8E84-426E-40DD-AFC4-6F175D3DCCD1}">
-              <a14:hiddenFill xmlns:a14="http://schemas.microsoft.com/office/drawing/2010/main">
-                <a:solidFill>
-                  <a:srgbClr val="FFFFFF"/>
-                </a:solidFill>
-              </a14:hiddenFill>
-            </a:ext>
-            <a:ext uri="{91240B29-F687-4F45-9708-019B960494DF}">
-              <a14:hiddenLine xmlns:a14="http://schemas.microsoft.com/office/drawing/2010/main" w="9525">
-                <a:solidFill>
-                  <a:srgbClr val="000000"/>
-                </a:solidFill>
-                <a:miter lim="800000"/>
-                <a:headEnd/>
-                <a:tailEnd/>
-              </a14:hiddenLine>
-            </a:ext>
-          </a:extLst>
-        </p:spPr>
-      </p:pic>
-    </p:spTree>
-    <p:extLst>
-      <p:ext uri="{BB962C8B-B14F-4D97-AF65-F5344CB8AC3E}">
-        <p14:creationId xmlns:p14="http://schemas.microsoft.com/office/powerpoint/2010/main" val="2945677479"/>
-      </p:ext>
-    </p:extLst>
-  </p:cSld>
-  <p:clrMapOvr>
-    <a:masterClrMapping/>
-  </p:clrMapOvr>
-</p:sld>
-</file>
-
-<file path=ppt/slides/slide9.xml><?xml version="1.0" encoding="utf-8"?>
 <p:sld xmlns:a="http://schemas.openxmlformats.org/drawingml/2006/main" xmlns:r="http://schemas.openxmlformats.org/officeDocument/2006/relationships" xmlns:p="http://schemas.openxmlformats.org/presentationml/2006/main">
   <p:cSld>
     <p:spTree>
@@ -11667,10 +12895,10 @@
       </p:grpSpPr>
       <p:sp>
         <p:nvSpPr>
-          <p:cNvPr id="10" name="Arrow: Pentagon 9">
+          <p:cNvPr id="5" name="Arrow: Pentagon 4">
             <a:extLst>
               <a:ext uri="{FF2B5EF4-FFF2-40B4-BE49-F238E27FC236}">
-                <a16:creationId xmlns:a16="http://schemas.microsoft.com/office/drawing/2014/main" id="{4152CCA5-9C4B-4114-9EBD-677C71326314}"/>
+                <a16:creationId xmlns:a16="http://schemas.microsoft.com/office/drawing/2014/main" id="{F65A382E-2AE7-4FB2-B2E0-454E0E17C28E}"/>
               </a:ext>
             </a:extLst>
           </p:cNvPr>
@@ -11679,8 +12907,8 @@
         </p:nvSpPr>
         <p:spPr>
           <a:xfrm>
-            <a:off x="838200" y="426203"/>
-            <a:ext cx="3241190" cy="997403"/>
+            <a:off x="712550" y="399376"/>
+            <a:ext cx="8660050" cy="1417042"/>
           </a:xfrm>
           <a:prstGeom prst="homePlate">
             <a:avLst/>
@@ -11725,7 +12953,7 @@
           <p:cNvPr id="2" name="Title 1">
             <a:extLst>
               <a:ext uri="{FF2B5EF4-FFF2-40B4-BE49-F238E27FC236}">
-                <a16:creationId xmlns:a16="http://schemas.microsoft.com/office/drawing/2014/main" id="{780A4787-8D34-4F32-BF2D-0C8BF7D28694}"/>
+                <a16:creationId xmlns:a16="http://schemas.microsoft.com/office/drawing/2014/main" id="{E40BEE9B-30C9-43EF-8F7C-E2425A521663}"/>
               </a:ext>
             </a:extLst>
           </p:cNvPr>
@@ -11738,8 +12966,8 @@
         </p:nvSpPr>
         <p:spPr>
           <a:xfrm>
-            <a:off x="864247" y="262122"/>
-            <a:ext cx="2687664" cy="1325563"/>
+            <a:off x="838200" y="399377"/>
+            <a:ext cx="7025640" cy="1417042"/>
           </a:xfrm>
         </p:spPr>
         <p:txBody>
@@ -11752,17 +12980,17 @@
                   <a:schemeClr val="bg1"/>
                 </a:solidFill>
               </a:rPr>
-              <a:t>Regression</a:t>
+              <a:t>Sample Rows of Class Variable</a:t>
             </a:r>
           </a:p>
         </p:txBody>
       </p:sp>
       <p:graphicFrame>
         <p:nvGraphicFramePr>
-          <p:cNvPr id="6" name="Content Placeholder 5">
+          <p:cNvPr id="7" name="Content Placeholder 6">
             <a:extLst>
               <a:ext uri="{FF2B5EF4-FFF2-40B4-BE49-F238E27FC236}">
-                <a16:creationId xmlns:a16="http://schemas.microsoft.com/office/drawing/2014/main" id="{F4DB5480-249E-4C52-A2DE-EB21F5503F17}"/>
+                <a16:creationId xmlns:a16="http://schemas.microsoft.com/office/drawing/2014/main" id="{206C4B9C-2045-409A-B7C6-0E11175848F3}"/>
               </a:ext>
             </a:extLst>
           </p:cNvPr>
@@ -11773,45 +13001,45 @@
             <p:ph idx="1"/>
             <p:extLst>
               <p:ext uri="{D42A27DB-BD31-4B8C-83A1-F6EECF244321}">
-                <p14:modId xmlns:p14="http://schemas.microsoft.com/office/powerpoint/2010/main" val="1624688275"/>
+                <p14:modId xmlns:p14="http://schemas.microsoft.com/office/powerpoint/2010/main" val="2639520277"/>
               </p:ext>
             </p:extLst>
           </p:nvPr>
         </p:nvGraphicFramePr>
         <p:xfrm>
-          <a:off x="838200" y="1547801"/>
-          <a:ext cx="10515600" cy="741680"/>
+          <a:off x="838200" y="2889467"/>
+          <a:ext cx="10694589" cy="3336163"/>
         </p:xfrm>
         <a:graphic>
           <a:graphicData uri="http://schemas.openxmlformats.org/drawingml/2006/table">
             <a:tbl>
               <a:tblPr firstRow="1" bandRow="1">
-                <a:tableStyleId>{5C22544A-7EE6-4342-B048-85BDC9FD1C3A}</a:tableStyleId>
+                <a:tableStyleId>{F5AB1C69-6EDB-4FF4-983F-18BD219EF322}</a:tableStyleId>
               </a:tblPr>
               <a:tblGrid>
-                <a:gridCol w="3505200">
+                <a:gridCol w="3564863">
                   <a:extLst>
                     <a:ext uri="{9D8B030D-6E8A-4147-A177-3AD203B41FA5}">
-                      <a16:colId xmlns:a16="http://schemas.microsoft.com/office/drawing/2014/main" val="506676923"/>
+                      <a16:colId xmlns:a16="http://schemas.microsoft.com/office/drawing/2014/main" val="523669202"/>
                     </a:ext>
                   </a:extLst>
                 </a:gridCol>
-                <a:gridCol w="3505200">
+                <a:gridCol w="3564863">
                   <a:extLst>
                     <a:ext uri="{9D8B030D-6E8A-4147-A177-3AD203B41FA5}">
-                      <a16:colId xmlns:a16="http://schemas.microsoft.com/office/drawing/2014/main" val="2067933038"/>
+                      <a16:colId xmlns:a16="http://schemas.microsoft.com/office/drawing/2014/main" val="975967824"/>
                     </a:ext>
                   </a:extLst>
                 </a:gridCol>
-                <a:gridCol w="3505200">
+                <a:gridCol w="3564863">
                   <a:extLst>
                     <a:ext uri="{9D8B030D-6E8A-4147-A177-3AD203B41FA5}">
-                      <a16:colId xmlns:a16="http://schemas.microsoft.com/office/drawing/2014/main" val="3355065598"/>
+                      <a16:colId xmlns:a16="http://schemas.microsoft.com/office/drawing/2014/main" val="1263643241"/>
                     </a:ext>
                   </a:extLst>
                 </a:gridCol>
               </a:tblGrid>
-              <a:tr h="370840">
+              <a:tr h="611923">
                 <a:tc>
                   <a:txBody>
                     <a:bodyPr/>
@@ -11819,15 +13047,16 @@
                     <a:p>
                       <a:pPr algn="ctr"/>
                       <a:r>
-                        <a:rPr lang="en-US" dirty="0"/>
-                        <a:t>RMSE</a:t>
+                        <a:rPr lang="en-US" sz="1600" dirty="0"/>
+                        <a:t>Community</a:t>
                       </a:r>
                     </a:p>
                   </a:txBody>
-                  <a:tcPr>
+                  <a:tcPr anchor="ctr">
                     <a:solidFill>
-                      <a:schemeClr val="bg2">
-                        <a:lumMod val="50000"/>
+                      <a:schemeClr val="tx1">
+                        <a:lumMod val="65000"/>
+                        <a:lumOff val="35000"/>
                       </a:schemeClr>
                     </a:solidFill>
                   </a:tcPr>
@@ -11839,36 +13068,17 @@
                     <a:p>
                       <a:pPr algn="ctr"/>
                       <a:r>
-                        <a:rPr lang="en-CA" sz="1800" b="1" kern="1200" dirty="0">
-                          <a:solidFill>
-                            <a:schemeClr val="lt1"/>
-                          </a:solidFill>
-                          <a:effectLst/>
-                          <a:latin typeface="+mn-lt"/>
-                          <a:ea typeface="+mn-ea"/>
-                          <a:cs typeface="+mn-cs"/>
-                        </a:rPr>
-                        <a:t>R</a:t>
+                        <a:rPr lang="en-US" sz="1600"/>
+                        <a:t>Community Area Number</a:t>
                       </a:r>
-                      <a:r>
-                        <a:rPr lang="en-CA" sz="1800" b="1" kern="1200" baseline="30000" dirty="0">
-                          <a:solidFill>
-                            <a:schemeClr val="lt1"/>
-                          </a:solidFill>
-                          <a:effectLst/>
-                          <a:latin typeface="+mn-lt"/>
-                          <a:ea typeface="+mn-ea"/>
-                          <a:cs typeface="+mn-cs"/>
-                        </a:rPr>
-                        <a:t>2</a:t>
-                      </a:r>
-                      <a:endParaRPr lang="en-US" dirty="0"/>
+                      <a:endParaRPr lang="en-US" sz="1600" dirty="0"/>
                     </a:p>
                   </a:txBody>
-                  <a:tcPr>
+                  <a:tcPr anchor="ctr">
                     <a:solidFill>
-                      <a:schemeClr val="bg2">
-                        <a:lumMod val="50000"/>
+                      <a:schemeClr val="tx1">
+                        <a:lumMod val="65000"/>
+                        <a:lumOff val="35000"/>
                       </a:schemeClr>
                     </a:solidFill>
                   </a:tcPr>
@@ -11880,26 +13090,784 @@
                     <a:p>
                       <a:pPr algn="ctr"/>
                       <a:r>
-                        <a:rPr lang="en-US" dirty="0"/>
-                        <a:t>MAE</a:t>
+                        <a:rPr lang="en-US" sz="1600"/>
+                        <a:t>Violent Crime Rate</a:t>
                       </a:r>
+                      <a:endParaRPr lang="en-US" sz="1600" dirty="0"/>
                     </a:p>
                   </a:txBody>
-                  <a:tcPr>
+                  <a:tcPr anchor="ctr">
                     <a:solidFill>
-                      <a:schemeClr val="bg2">
-                        <a:lumMod val="50000"/>
+                      <a:schemeClr val="tx1">
+                        <a:lumMod val="65000"/>
+                        <a:lumOff val="35000"/>
                       </a:schemeClr>
                     </a:solidFill>
                   </a:tcPr>
                 </a:tc>
                 <a:extLst>
                   <a:ext uri="{0D108BD9-81ED-4DB2-BD59-A6C34878D82A}">
-                    <a16:rowId xmlns:a16="http://schemas.microsoft.com/office/drawing/2014/main" val="569118160"/>
+                    <a16:rowId xmlns:a16="http://schemas.microsoft.com/office/drawing/2014/main" val="935922143"/>
                   </a:ext>
                 </a:extLst>
               </a:tr>
-              <a:tr h="370840">
+              <a:tr h="544848">
+                <a:tc>
+                  <a:txBody>
+                    <a:bodyPr/>
+                    <a:lstStyle/>
+                    <a:p>
+                      <a:pPr marL="0" marR="0" algn="ctr">
+                        <a:lnSpc>
+                          <a:spcPct val="200000"/>
+                        </a:lnSpc>
+                        <a:spcBef>
+                          <a:spcPts val="0"/>
+                        </a:spcBef>
+                        <a:spcAft>
+                          <a:spcPts val="0"/>
+                        </a:spcAft>
+                      </a:pPr>
+                      <a:r>
+                        <a:rPr lang="en-CA" sz="1400">
+                          <a:solidFill>
+                            <a:srgbClr val="000000"/>
+                          </a:solidFill>
+                          <a:effectLst/>
+                          <a:latin typeface="Calibri (Body)"/>
+                          <a:ea typeface="MS Mincho" panose="02020609040205080304" pitchFamily="49" charset="-128"/>
+                          <a:cs typeface="Times New Roman" panose="02020603050405020304" pitchFamily="18" charset="0"/>
+                        </a:rPr>
+                        <a:t>ROGERS PARK</a:t>
+                      </a:r>
+                      <a:endParaRPr lang="en-US" sz="1400">
+                        <a:effectLst/>
+                        <a:latin typeface="Calibri (Body)"/>
+                        <a:ea typeface="MS Mincho" panose="02020609040205080304" pitchFamily="49" charset="-128"/>
+                        <a:cs typeface="Times New Roman" panose="02020603050405020304" pitchFamily="18" charset="0"/>
+                      </a:endParaRPr>
+                    </a:p>
+                  </a:txBody>
+                  <a:tcPr marL="68580" marR="68580" marT="0" marB="0" anchor="ctr"/>
+                </a:tc>
+                <a:tc>
+                  <a:txBody>
+                    <a:bodyPr/>
+                    <a:lstStyle/>
+                    <a:p>
+                      <a:pPr marL="0" marR="0" algn="ctr">
+                        <a:lnSpc>
+                          <a:spcPct val="200000"/>
+                        </a:lnSpc>
+                        <a:spcBef>
+                          <a:spcPts val="0"/>
+                        </a:spcBef>
+                        <a:spcAft>
+                          <a:spcPts val="0"/>
+                        </a:spcAft>
+                      </a:pPr>
+                      <a:r>
+                        <a:rPr lang="en-CA" sz="1400">
+                          <a:solidFill>
+                            <a:srgbClr val="000000"/>
+                          </a:solidFill>
+                          <a:effectLst/>
+                          <a:latin typeface="Calibri (Body)"/>
+                          <a:ea typeface="MS Mincho" panose="02020609040205080304" pitchFamily="49" charset="-128"/>
+                          <a:cs typeface="Times New Roman" panose="02020603050405020304" pitchFamily="18" charset="0"/>
+                        </a:rPr>
+                        <a:t>1</a:t>
+                      </a:r>
+                      <a:endParaRPr lang="en-US" sz="1400">
+                        <a:effectLst/>
+                        <a:latin typeface="Calibri (Body)"/>
+                        <a:ea typeface="MS Mincho" panose="02020609040205080304" pitchFamily="49" charset="-128"/>
+                        <a:cs typeface="Times New Roman" panose="02020603050405020304" pitchFamily="18" charset="0"/>
+                      </a:endParaRPr>
+                    </a:p>
+                  </a:txBody>
+                  <a:tcPr marL="68580" marR="68580" marT="0" marB="0" anchor="ctr"/>
+                </a:tc>
+                <a:tc>
+                  <a:txBody>
+                    <a:bodyPr/>
+                    <a:lstStyle/>
+                    <a:p>
+                      <a:pPr marL="0" marR="0" algn="ctr">
+                        <a:lnSpc>
+                          <a:spcPct val="200000"/>
+                        </a:lnSpc>
+                        <a:spcBef>
+                          <a:spcPts val="0"/>
+                        </a:spcBef>
+                        <a:spcAft>
+                          <a:spcPts val="0"/>
+                        </a:spcAft>
+                      </a:pPr>
+                      <a:r>
+                        <a:rPr lang="en-CA" sz="1400">
+                          <a:solidFill>
+                            <a:srgbClr val="000000"/>
+                          </a:solidFill>
+                          <a:effectLst/>
+                          <a:latin typeface="Calibri (Body)"/>
+                          <a:ea typeface="MS Mincho" panose="02020609040205080304" pitchFamily="49" charset="-128"/>
+                          <a:cs typeface="Times New Roman" panose="02020603050405020304" pitchFamily="18" charset="0"/>
+                        </a:rPr>
+                        <a:t>612.3729</a:t>
+                      </a:r>
+                      <a:endParaRPr lang="en-US" sz="1400">
+                        <a:effectLst/>
+                        <a:latin typeface="Calibri (Body)"/>
+                        <a:ea typeface="MS Mincho" panose="02020609040205080304" pitchFamily="49" charset="-128"/>
+                        <a:cs typeface="Times New Roman" panose="02020603050405020304" pitchFamily="18" charset="0"/>
+                      </a:endParaRPr>
+                    </a:p>
+                  </a:txBody>
+                  <a:tcPr marL="68580" marR="68580" marT="0" marB="0" anchor="ctr"/>
+                </a:tc>
+                <a:extLst>
+                  <a:ext uri="{0D108BD9-81ED-4DB2-BD59-A6C34878D82A}">
+                    <a16:rowId xmlns:a16="http://schemas.microsoft.com/office/drawing/2014/main" val="2909196701"/>
+                  </a:ext>
+                </a:extLst>
+              </a:tr>
+              <a:tr h="544848">
+                <a:tc>
+                  <a:txBody>
+                    <a:bodyPr/>
+                    <a:lstStyle/>
+                    <a:p>
+                      <a:pPr marL="0" marR="0" algn="ctr">
+                        <a:lnSpc>
+                          <a:spcPct val="200000"/>
+                        </a:lnSpc>
+                        <a:spcBef>
+                          <a:spcPts val="0"/>
+                        </a:spcBef>
+                        <a:spcAft>
+                          <a:spcPts val="0"/>
+                        </a:spcAft>
+                      </a:pPr>
+                      <a:r>
+                        <a:rPr lang="en-CA" sz="1400">
+                          <a:solidFill>
+                            <a:srgbClr val="000000"/>
+                          </a:solidFill>
+                          <a:effectLst/>
+                          <a:latin typeface="Calibri (Body)"/>
+                          <a:ea typeface="MS Mincho" panose="02020609040205080304" pitchFamily="49" charset="-128"/>
+                          <a:cs typeface="Times New Roman" panose="02020603050405020304" pitchFamily="18" charset="0"/>
+                        </a:rPr>
+                        <a:t>WEST RIDGE</a:t>
+                      </a:r>
+                      <a:endParaRPr lang="en-US" sz="1400">
+                        <a:effectLst/>
+                        <a:latin typeface="Calibri (Body)"/>
+                        <a:ea typeface="MS Mincho" panose="02020609040205080304" pitchFamily="49" charset="-128"/>
+                        <a:cs typeface="Times New Roman" panose="02020603050405020304" pitchFamily="18" charset="0"/>
+                      </a:endParaRPr>
+                    </a:p>
+                  </a:txBody>
+                  <a:tcPr marL="68580" marR="68580" marT="0" marB="0" anchor="ctr"/>
+                </a:tc>
+                <a:tc>
+                  <a:txBody>
+                    <a:bodyPr/>
+                    <a:lstStyle/>
+                    <a:p>
+                      <a:pPr marL="0" marR="0" algn="ctr">
+                        <a:lnSpc>
+                          <a:spcPct val="200000"/>
+                        </a:lnSpc>
+                        <a:spcBef>
+                          <a:spcPts val="0"/>
+                        </a:spcBef>
+                        <a:spcAft>
+                          <a:spcPts val="0"/>
+                        </a:spcAft>
+                      </a:pPr>
+                      <a:r>
+                        <a:rPr lang="en-CA" sz="1400">
+                          <a:solidFill>
+                            <a:srgbClr val="000000"/>
+                          </a:solidFill>
+                          <a:effectLst/>
+                          <a:latin typeface="Calibri (Body)"/>
+                          <a:ea typeface="MS Mincho" panose="02020609040205080304" pitchFamily="49" charset="-128"/>
+                          <a:cs typeface="Times New Roman" panose="02020603050405020304" pitchFamily="18" charset="0"/>
+                        </a:rPr>
+                        <a:t>2</a:t>
+                      </a:r>
+                      <a:endParaRPr lang="en-US" sz="1400">
+                        <a:effectLst/>
+                        <a:latin typeface="Calibri (Body)"/>
+                        <a:ea typeface="MS Mincho" panose="02020609040205080304" pitchFamily="49" charset="-128"/>
+                        <a:cs typeface="Times New Roman" panose="02020603050405020304" pitchFamily="18" charset="0"/>
+                      </a:endParaRPr>
+                    </a:p>
+                  </a:txBody>
+                  <a:tcPr marL="68580" marR="68580" marT="0" marB="0" anchor="ctr"/>
+                </a:tc>
+                <a:tc>
+                  <a:txBody>
+                    <a:bodyPr/>
+                    <a:lstStyle/>
+                    <a:p>
+                      <a:pPr marL="0" marR="0" algn="ctr">
+                        <a:lnSpc>
+                          <a:spcPct val="200000"/>
+                        </a:lnSpc>
+                        <a:spcBef>
+                          <a:spcPts val="0"/>
+                        </a:spcBef>
+                        <a:spcAft>
+                          <a:spcPts val="0"/>
+                        </a:spcAft>
+                      </a:pPr>
+                      <a:r>
+                        <a:rPr lang="en-CA" sz="1400">
+                          <a:solidFill>
+                            <a:srgbClr val="000000"/>
+                          </a:solidFill>
+                          <a:effectLst/>
+                          <a:latin typeface="Calibri (Body)"/>
+                          <a:ea typeface="MS Mincho" panose="02020609040205080304" pitchFamily="49" charset="-128"/>
+                          <a:cs typeface="Times New Roman" panose="02020603050405020304" pitchFamily="18" charset="0"/>
+                        </a:rPr>
+                        <a:t>318.6595</a:t>
+                      </a:r>
+                      <a:endParaRPr lang="en-US" sz="1400">
+                        <a:effectLst/>
+                        <a:latin typeface="Calibri (Body)"/>
+                        <a:ea typeface="MS Mincho" panose="02020609040205080304" pitchFamily="49" charset="-128"/>
+                        <a:cs typeface="Times New Roman" panose="02020603050405020304" pitchFamily="18" charset="0"/>
+                      </a:endParaRPr>
+                    </a:p>
+                  </a:txBody>
+                  <a:tcPr marL="68580" marR="68580" marT="0" marB="0" anchor="ctr"/>
+                </a:tc>
+                <a:extLst>
+                  <a:ext uri="{0D108BD9-81ED-4DB2-BD59-A6C34878D82A}">
+                    <a16:rowId xmlns:a16="http://schemas.microsoft.com/office/drawing/2014/main" val="415623582"/>
+                  </a:ext>
+                </a:extLst>
+              </a:tr>
+              <a:tr h="544848">
+                <a:tc>
+                  <a:txBody>
+                    <a:bodyPr/>
+                    <a:lstStyle/>
+                    <a:p>
+                      <a:pPr marL="0" marR="0" algn="ctr">
+                        <a:lnSpc>
+                          <a:spcPct val="200000"/>
+                        </a:lnSpc>
+                        <a:spcBef>
+                          <a:spcPts val="0"/>
+                        </a:spcBef>
+                        <a:spcAft>
+                          <a:spcPts val="0"/>
+                        </a:spcAft>
+                      </a:pPr>
+                      <a:r>
+                        <a:rPr lang="en-CA" sz="1400">
+                          <a:solidFill>
+                            <a:srgbClr val="000000"/>
+                          </a:solidFill>
+                          <a:effectLst/>
+                          <a:latin typeface="Calibri (Body)"/>
+                          <a:ea typeface="MS Mincho" panose="02020609040205080304" pitchFamily="49" charset="-128"/>
+                          <a:cs typeface="Times New Roman" panose="02020603050405020304" pitchFamily="18" charset="0"/>
+                        </a:rPr>
+                        <a:t>UPTOWN</a:t>
+                      </a:r>
+                      <a:endParaRPr lang="en-US" sz="1400">
+                        <a:effectLst/>
+                        <a:latin typeface="Calibri (Body)"/>
+                        <a:ea typeface="MS Mincho" panose="02020609040205080304" pitchFamily="49" charset="-128"/>
+                        <a:cs typeface="Times New Roman" panose="02020603050405020304" pitchFamily="18" charset="0"/>
+                      </a:endParaRPr>
+                    </a:p>
+                  </a:txBody>
+                  <a:tcPr marL="68580" marR="68580" marT="0" marB="0" anchor="ctr"/>
+                </a:tc>
+                <a:tc>
+                  <a:txBody>
+                    <a:bodyPr/>
+                    <a:lstStyle/>
+                    <a:p>
+                      <a:pPr marL="0" marR="0" algn="ctr">
+                        <a:lnSpc>
+                          <a:spcPct val="200000"/>
+                        </a:lnSpc>
+                        <a:spcBef>
+                          <a:spcPts val="0"/>
+                        </a:spcBef>
+                        <a:spcAft>
+                          <a:spcPts val="0"/>
+                        </a:spcAft>
+                      </a:pPr>
+                      <a:r>
+                        <a:rPr lang="en-CA" sz="1400">
+                          <a:solidFill>
+                            <a:srgbClr val="000000"/>
+                          </a:solidFill>
+                          <a:effectLst/>
+                          <a:latin typeface="Calibri (Body)"/>
+                          <a:ea typeface="MS Mincho" panose="02020609040205080304" pitchFamily="49" charset="-128"/>
+                          <a:cs typeface="Times New Roman" panose="02020603050405020304" pitchFamily="18" charset="0"/>
+                        </a:rPr>
+                        <a:t>3</a:t>
+                      </a:r>
+                      <a:endParaRPr lang="en-US" sz="1400" dirty="0">
+                        <a:effectLst/>
+                        <a:latin typeface="Calibri (Body)"/>
+                        <a:ea typeface="MS Mincho" panose="02020609040205080304" pitchFamily="49" charset="-128"/>
+                        <a:cs typeface="Times New Roman" panose="02020603050405020304" pitchFamily="18" charset="0"/>
+                      </a:endParaRPr>
+                    </a:p>
+                  </a:txBody>
+                  <a:tcPr marL="68580" marR="68580" marT="0" marB="0" anchor="ctr"/>
+                </a:tc>
+                <a:tc>
+                  <a:txBody>
+                    <a:bodyPr/>
+                    <a:lstStyle/>
+                    <a:p>
+                      <a:pPr marL="0" marR="0" algn="ctr">
+                        <a:lnSpc>
+                          <a:spcPct val="200000"/>
+                        </a:lnSpc>
+                        <a:spcBef>
+                          <a:spcPts val="0"/>
+                        </a:spcBef>
+                        <a:spcAft>
+                          <a:spcPts val="0"/>
+                        </a:spcAft>
+                      </a:pPr>
+                      <a:r>
+                        <a:rPr lang="en-CA" sz="1400">
+                          <a:solidFill>
+                            <a:srgbClr val="000000"/>
+                          </a:solidFill>
+                          <a:effectLst/>
+                          <a:latin typeface="Calibri (Body)"/>
+                          <a:ea typeface="MS Mincho" panose="02020609040205080304" pitchFamily="49" charset="-128"/>
+                          <a:cs typeface="Times New Roman" panose="02020603050405020304" pitchFamily="18" charset="0"/>
+                        </a:rPr>
+                        <a:t>512.4375</a:t>
+                      </a:r>
+                      <a:endParaRPr lang="en-US" sz="1400">
+                        <a:effectLst/>
+                        <a:latin typeface="Calibri (Body)"/>
+                        <a:ea typeface="MS Mincho" panose="02020609040205080304" pitchFamily="49" charset="-128"/>
+                        <a:cs typeface="Times New Roman" panose="02020603050405020304" pitchFamily="18" charset="0"/>
+                      </a:endParaRPr>
+                    </a:p>
+                  </a:txBody>
+                  <a:tcPr marL="68580" marR="68580" marT="0" marB="0" anchor="ctr"/>
+                </a:tc>
+                <a:extLst>
+                  <a:ext uri="{0D108BD9-81ED-4DB2-BD59-A6C34878D82A}">
+                    <a16:rowId xmlns:a16="http://schemas.microsoft.com/office/drawing/2014/main" val="4129344431"/>
+                  </a:ext>
+                </a:extLst>
+              </a:tr>
+              <a:tr h="544848">
+                <a:tc>
+                  <a:txBody>
+                    <a:bodyPr/>
+                    <a:lstStyle/>
+                    <a:p>
+                      <a:pPr marL="0" marR="0" algn="ctr">
+                        <a:lnSpc>
+                          <a:spcPct val="200000"/>
+                        </a:lnSpc>
+                        <a:spcBef>
+                          <a:spcPts val="0"/>
+                        </a:spcBef>
+                        <a:spcAft>
+                          <a:spcPts val="0"/>
+                        </a:spcAft>
+                      </a:pPr>
+                      <a:r>
+                        <a:rPr lang="en-CA" sz="1400">
+                          <a:solidFill>
+                            <a:srgbClr val="000000"/>
+                          </a:solidFill>
+                          <a:effectLst/>
+                          <a:latin typeface="Calibri (Body)"/>
+                          <a:ea typeface="MS Mincho" panose="02020609040205080304" pitchFamily="49" charset="-128"/>
+                          <a:cs typeface="Times New Roman" panose="02020603050405020304" pitchFamily="18" charset="0"/>
+                        </a:rPr>
+                        <a:t>LINCOLN SQUARE</a:t>
+                      </a:r>
+                      <a:endParaRPr lang="en-US" sz="1400">
+                        <a:effectLst/>
+                        <a:latin typeface="Calibri (Body)"/>
+                        <a:ea typeface="MS Mincho" panose="02020609040205080304" pitchFamily="49" charset="-128"/>
+                        <a:cs typeface="Times New Roman" panose="02020603050405020304" pitchFamily="18" charset="0"/>
+                      </a:endParaRPr>
+                    </a:p>
+                  </a:txBody>
+                  <a:tcPr marL="68580" marR="68580" marT="0" marB="0" anchor="ctr"/>
+                </a:tc>
+                <a:tc>
+                  <a:txBody>
+                    <a:bodyPr/>
+                    <a:lstStyle/>
+                    <a:p>
+                      <a:pPr marL="0" marR="0" algn="ctr">
+                        <a:lnSpc>
+                          <a:spcPct val="200000"/>
+                        </a:lnSpc>
+                        <a:spcBef>
+                          <a:spcPts val="0"/>
+                        </a:spcBef>
+                        <a:spcAft>
+                          <a:spcPts val="0"/>
+                        </a:spcAft>
+                      </a:pPr>
+                      <a:r>
+                        <a:rPr lang="en-CA" sz="1400">
+                          <a:solidFill>
+                            <a:srgbClr val="000000"/>
+                          </a:solidFill>
+                          <a:effectLst/>
+                          <a:latin typeface="Calibri (Body)"/>
+                          <a:ea typeface="MS Mincho" panose="02020609040205080304" pitchFamily="49" charset="-128"/>
+                          <a:cs typeface="Times New Roman" panose="02020603050405020304" pitchFamily="18" charset="0"/>
+                        </a:rPr>
+                        <a:t>4</a:t>
+                      </a:r>
+                      <a:endParaRPr lang="en-US" sz="1400" dirty="0">
+                        <a:effectLst/>
+                        <a:latin typeface="Calibri (Body)"/>
+                        <a:ea typeface="MS Mincho" panose="02020609040205080304" pitchFamily="49" charset="-128"/>
+                        <a:cs typeface="Times New Roman" panose="02020603050405020304" pitchFamily="18" charset="0"/>
+                      </a:endParaRPr>
+                    </a:p>
+                  </a:txBody>
+                  <a:tcPr marL="68580" marR="68580" marT="0" marB="0" anchor="ctr"/>
+                </a:tc>
+                <a:tc>
+                  <a:txBody>
+                    <a:bodyPr/>
+                    <a:lstStyle/>
+                    <a:p>
+                      <a:pPr marL="0" marR="0" algn="ctr">
+                        <a:lnSpc>
+                          <a:spcPct val="200000"/>
+                        </a:lnSpc>
+                        <a:spcBef>
+                          <a:spcPts val="0"/>
+                        </a:spcBef>
+                        <a:spcAft>
+                          <a:spcPts val="0"/>
+                        </a:spcAft>
+                      </a:pPr>
+                      <a:r>
+                        <a:rPr lang="en-CA" sz="1400">
+                          <a:solidFill>
+                            <a:srgbClr val="000000"/>
+                          </a:solidFill>
+                          <a:effectLst/>
+                          <a:latin typeface="Calibri (Body)"/>
+                          <a:ea typeface="MS Mincho" panose="02020609040205080304" pitchFamily="49" charset="-128"/>
+                          <a:cs typeface="Times New Roman" panose="02020603050405020304" pitchFamily="18" charset="0"/>
+                        </a:rPr>
+                        <a:t>297.2172</a:t>
+                      </a:r>
+                      <a:endParaRPr lang="en-US" sz="1400" dirty="0">
+                        <a:effectLst/>
+                        <a:latin typeface="Calibri (Body)"/>
+                        <a:ea typeface="MS Mincho" panose="02020609040205080304" pitchFamily="49" charset="-128"/>
+                        <a:cs typeface="Times New Roman" panose="02020603050405020304" pitchFamily="18" charset="0"/>
+                      </a:endParaRPr>
+                    </a:p>
+                  </a:txBody>
+                  <a:tcPr marL="68580" marR="68580" marT="0" marB="0" anchor="ctr"/>
+                </a:tc>
+                <a:extLst>
+                  <a:ext uri="{0D108BD9-81ED-4DB2-BD59-A6C34878D82A}">
+                    <a16:rowId xmlns:a16="http://schemas.microsoft.com/office/drawing/2014/main" val="1777055642"/>
+                  </a:ext>
+                </a:extLst>
+              </a:tr>
+              <a:tr h="544848">
+                <a:tc>
+                  <a:txBody>
+                    <a:bodyPr/>
+                    <a:lstStyle/>
+                    <a:p>
+                      <a:pPr marL="0" marR="0" algn="ctr">
+                        <a:lnSpc>
+                          <a:spcPct val="200000"/>
+                        </a:lnSpc>
+                        <a:spcBef>
+                          <a:spcPts val="0"/>
+                        </a:spcBef>
+                        <a:spcAft>
+                          <a:spcPts val="0"/>
+                        </a:spcAft>
+                      </a:pPr>
+                      <a:r>
+                        <a:rPr lang="en-CA" sz="1400">
+                          <a:solidFill>
+                            <a:srgbClr val="000000"/>
+                          </a:solidFill>
+                          <a:effectLst/>
+                          <a:latin typeface="Calibri (Body)"/>
+                          <a:ea typeface="MS Mincho" panose="02020609040205080304" pitchFamily="49" charset="-128"/>
+                          <a:cs typeface="Times New Roman" panose="02020603050405020304" pitchFamily="18" charset="0"/>
+                        </a:rPr>
+                        <a:t>NORTH CENTER</a:t>
+                      </a:r>
+                      <a:endParaRPr lang="en-US" sz="1400">
+                        <a:effectLst/>
+                        <a:latin typeface="Calibri (Body)"/>
+                        <a:ea typeface="MS Mincho" panose="02020609040205080304" pitchFamily="49" charset="-128"/>
+                        <a:cs typeface="Times New Roman" panose="02020603050405020304" pitchFamily="18" charset="0"/>
+                      </a:endParaRPr>
+                    </a:p>
+                  </a:txBody>
+                  <a:tcPr marL="68580" marR="68580" marT="0" marB="0" anchor="ctr"/>
+                </a:tc>
+                <a:tc>
+                  <a:txBody>
+                    <a:bodyPr/>
+                    <a:lstStyle/>
+                    <a:p>
+                      <a:pPr marL="0" marR="0" algn="ctr">
+                        <a:lnSpc>
+                          <a:spcPct val="200000"/>
+                        </a:lnSpc>
+                        <a:spcBef>
+                          <a:spcPts val="0"/>
+                        </a:spcBef>
+                        <a:spcAft>
+                          <a:spcPts val="0"/>
+                        </a:spcAft>
+                      </a:pPr>
+                      <a:r>
+                        <a:rPr lang="en-CA" sz="1400" dirty="0">
+                          <a:solidFill>
+                            <a:srgbClr val="000000"/>
+                          </a:solidFill>
+                          <a:effectLst/>
+                          <a:latin typeface="Calibri (Body)"/>
+                          <a:ea typeface="MS Mincho" panose="02020609040205080304" pitchFamily="49" charset="-128"/>
+                          <a:cs typeface="Times New Roman" panose="02020603050405020304" pitchFamily="18" charset="0"/>
+                        </a:rPr>
+                        <a:t>5</a:t>
+                      </a:r>
+                      <a:endParaRPr lang="en-US" sz="1400" dirty="0">
+                        <a:effectLst/>
+                        <a:latin typeface="Calibri (Body)"/>
+                        <a:ea typeface="MS Mincho" panose="02020609040205080304" pitchFamily="49" charset="-128"/>
+                        <a:cs typeface="Times New Roman" panose="02020603050405020304" pitchFamily="18" charset="0"/>
+                      </a:endParaRPr>
+                    </a:p>
+                  </a:txBody>
+                  <a:tcPr marL="68580" marR="68580" marT="0" marB="0" anchor="ctr"/>
+                </a:tc>
+                <a:tc>
+                  <a:txBody>
+                    <a:bodyPr/>
+                    <a:lstStyle/>
+                    <a:p>
+                      <a:pPr marL="0" marR="0" algn="ctr">
+                        <a:lnSpc>
+                          <a:spcPct val="200000"/>
+                        </a:lnSpc>
+                        <a:spcBef>
+                          <a:spcPts val="0"/>
+                        </a:spcBef>
+                        <a:spcAft>
+                          <a:spcPts val="0"/>
+                        </a:spcAft>
+                      </a:pPr>
+                      <a:r>
+                        <a:rPr lang="en-CA" sz="1400" dirty="0">
+                          <a:solidFill>
+                            <a:srgbClr val="000000"/>
+                          </a:solidFill>
+                          <a:effectLst/>
+                          <a:latin typeface="Calibri (Body)"/>
+                          <a:ea typeface="MS Mincho" panose="02020609040205080304" pitchFamily="49" charset="-128"/>
+                          <a:cs typeface="Times New Roman" panose="02020603050405020304" pitchFamily="18" charset="0"/>
+                        </a:rPr>
+                        <a:t>239.0875</a:t>
+                      </a:r>
+                      <a:endParaRPr lang="en-US" sz="1400" dirty="0">
+                        <a:effectLst/>
+                        <a:latin typeface="Calibri (Body)"/>
+                        <a:ea typeface="MS Mincho" panose="02020609040205080304" pitchFamily="49" charset="-128"/>
+                        <a:cs typeface="Times New Roman" panose="02020603050405020304" pitchFamily="18" charset="0"/>
+                      </a:endParaRPr>
+                    </a:p>
+                  </a:txBody>
+                  <a:tcPr marL="68580" marR="68580" marT="0" marB="0" anchor="ctr"/>
+                </a:tc>
+                <a:extLst>
+                  <a:ext uri="{0D108BD9-81ED-4DB2-BD59-A6C34878D82A}">
+                    <a16:rowId xmlns:a16="http://schemas.microsoft.com/office/drawing/2014/main" val="38041109"/>
+                  </a:ext>
+                </a:extLst>
+              </a:tr>
+            </a:tbl>
+          </a:graphicData>
+        </a:graphic>
+      </p:graphicFrame>
+    </p:spTree>
+    <p:extLst>
+      <p:ext uri="{BB962C8B-B14F-4D97-AF65-F5344CB8AC3E}">
+        <p14:creationId xmlns:p14="http://schemas.microsoft.com/office/powerpoint/2010/main" val="456343645"/>
+      </p:ext>
+    </p:extLst>
+  </p:cSld>
+  <p:clrMapOvr>
+    <a:masterClrMapping/>
+  </p:clrMapOvr>
+</p:sld>
+</file>
+
+<file path=ppt/slides/slide9.xml><?xml version="1.0" encoding="utf-8"?>
+<p:sld xmlns:a="http://schemas.openxmlformats.org/drawingml/2006/main" xmlns:r="http://schemas.openxmlformats.org/officeDocument/2006/relationships" xmlns:p="http://schemas.openxmlformats.org/presentationml/2006/main">
+  <p:cSld>
+    <p:spTree>
+      <p:nvGrpSpPr>
+        <p:cNvPr id="1" name=""/>
+        <p:cNvGrpSpPr/>
+        <p:nvPr/>
+      </p:nvGrpSpPr>
+      <p:grpSpPr>
+        <a:xfrm>
+          <a:off x="0" y="0"/>
+          <a:ext cx="0" cy="0"/>
+          <a:chOff x="0" y="0"/>
+          <a:chExt cx="0" cy="0"/>
+        </a:xfrm>
+      </p:grpSpPr>
+      <p:graphicFrame>
+        <p:nvGraphicFramePr>
+          <p:cNvPr id="7" name="Content Placeholder 6">
+            <a:extLst>
+              <a:ext uri="{FF2B5EF4-FFF2-40B4-BE49-F238E27FC236}">
+                <a16:creationId xmlns:a16="http://schemas.microsoft.com/office/drawing/2014/main" id="{206C4B9C-2045-409A-B7C6-0E11175848F3}"/>
+              </a:ext>
+            </a:extLst>
+          </p:cNvPr>
+          <p:cNvGraphicFramePr>
+            <a:graphicFrameLocks noGrp="1"/>
+          </p:cNvGraphicFramePr>
+          <p:nvPr>
+            <p:ph idx="1"/>
+            <p:extLst>
+              <p:ext uri="{D42A27DB-BD31-4B8C-83A1-F6EECF244321}">
+                <p14:modId xmlns:p14="http://schemas.microsoft.com/office/powerpoint/2010/main" val="3726819226"/>
+              </p:ext>
+            </p:extLst>
+          </p:nvPr>
+        </p:nvGraphicFramePr>
+        <p:xfrm>
+          <a:off x="74676" y="2698876"/>
+          <a:ext cx="12042648" cy="3401165"/>
+        </p:xfrm>
+        <a:graphic>
+          <a:graphicData uri="http://schemas.openxmlformats.org/drawingml/2006/table">
+            <a:tbl>
+              <a:tblPr firstRow="1" bandRow="1">
+                <a:tableStyleId>{F5AB1C69-6EDB-4FF4-983F-18BD219EF322}</a:tableStyleId>
+              </a:tblPr>
+              <a:tblGrid>
+                <a:gridCol w="1003554">
+                  <a:extLst>
+                    <a:ext uri="{9D8B030D-6E8A-4147-A177-3AD203B41FA5}">
+                      <a16:colId xmlns:a16="http://schemas.microsoft.com/office/drawing/2014/main" val="523669202"/>
+                    </a:ext>
+                  </a:extLst>
+                </a:gridCol>
+                <a:gridCol w="1003554">
+                  <a:extLst>
+                    <a:ext uri="{9D8B030D-6E8A-4147-A177-3AD203B41FA5}">
+                      <a16:colId xmlns:a16="http://schemas.microsoft.com/office/drawing/2014/main" val="975967824"/>
+                    </a:ext>
+                  </a:extLst>
+                </a:gridCol>
+                <a:gridCol w="1003554">
+                  <a:extLst>
+                    <a:ext uri="{9D8B030D-6E8A-4147-A177-3AD203B41FA5}">
+                      <a16:colId xmlns:a16="http://schemas.microsoft.com/office/drawing/2014/main" val="1263643241"/>
+                    </a:ext>
+                  </a:extLst>
+                </a:gridCol>
+                <a:gridCol w="1003554">
+                  <a:extLst>
+                    <a:ext uri="{9D8B030D-6E8A-4147-A177-3AD203B41FA5}">
+                      <a16:colId xmlns:a16="http://schemas.microsoft.com/office/drawing/2014/main" val="3430801892"/>
+                    </a:ext>
+                  </a:extLst>
+                </a:gridCol>
+                <a:gridCol w="1003554">
+                  <a:extLst>
+                    <a:ext uri="{9D8B030D-6E8A-4147-A177-3AD203B41FA5}">
+                      <a16:colId xmlns:a16="http://schemas.microsoft.com/office/drawing/2014/main" val="416089458"/>
+                    </a:ext>
+                  </a:extLst>
+                </a:gridCol>
+                <a:gridCol w="1003554">
+                  <a:extLst>
+                    <a:ext uri="{9D8B030D-6E8A-4147-A177-3AD203B41FA5}">
+                      <a16:colId xmlns:a16="http://schemas.microsoft.com/office/drawing/2014/main" val="177072767"/>
+                    </a:ext>
+                  </a:extLst>
+                </a:gridCol>
+                <a:gridCol w="1003554">
+                  <a:extLst>
+                    <a:ext uri="{9D8B030D-6E8A-4147-A177-3AD203B41FA5}">
+                      <a16:colId xmlns:a16="http://schemas.microsoft.com/office/drawing/2014/main" val="2458322973"/>
+                    </a:ext>
+                  </a:extLst>
+                </a:gridCol>
+                <a:gridCol w="1003554">
+                  <a:extLst>
+                    <a:ext uri="{9D8B030D-6E8A-4147-A177-3AD203B41FA5}">
+                      <a16:colId xmlns:a16="http://schemas.microsoft.com/office/drawing/2014/main" val="336383087"/>
+                    </a:ext>
+                  </a:extLst>
+                </a:gridCol>
+                <a:gridCol w="1003554">
+                  <a:extLst>
+                    <a:ext uri="{9D8B030D-6E8A-4147-A177-3AD203B41FA5}">
+                      <a16:colId xmlns:a16="http://schemas.microsoft.com/office/drawing/2014/main" val="1704848317"/>
+                    </a:ext>
+                  </a:extLst>
+                </a:gridCol>
+                <a:gridCol w="1003554">
+                  <a:extLst>
+                    <a:ext uri="{9D8B030D-6E8A-4147-A177-3AD203B41FA5}">
+                      <a16:colId xmlns:a16="http://schemas.microsoft.com/office/drawing/2014/main" val="2416237266"/>
+                    </a:ext>
+                  </a:extLst>
+                </a:gridCol>
+                <a:gridCol w="1003554">
+                  <a:extLst>
+                    <a:ext uri="{9D8B030D-6E8A-4147-A177-3AD203B41FA5}">
+                      <a16:colId xmlns:a16="http://schemas.microsoft.com/office/drawing/2014/main" val="3173392808"/>
+                    </a:ext>
+                  </a:extLst>
+                </a:gridCol>
+                <a:gridCol w="1003554">
+                  <a:extLst>
+                    <a:ext uri="{9D8B030D-6E8A-4147-A177-3AD203B41FA5}">
+                      <a16:colId xmlns:a16="http://schemas.microsoft.com/office/drawing/2014/main" val="3530777207"/>
+                    </a:ext>
+                  </a:extLst>
+                </a:gridCol>
+              </a:tblGrid>
+              <a:tr h="515641">
                 <a:tc>
                   <a:txBody>
                     <a:bodyPr/>
@@ -11907,24 +13875,16 @@
                     <a:p>
                       <a:pPr algn="ctr"/>
                       <a:r>
-                        <a:rPr lang="en-CA" sz="1800" kern="1200" dirty="0">
-                          <a:solidFill>
-                            <a:schemeClr val="dk1"/>
-                          </a:solidFill>
-                          <a:effectLst/>
-                          <a:latin typeface="+mn-lt"/>
-                          <a:ea typeface="+mn-ea"/>
-                          <a:cs typeface="+mn-cs"/>
-                        </a:rPr>
-                        <a:t>285.24</a:t>
+                        <a:rPr lang="en-US" sz="1600" dirty="0"/>
+                        <a:t>School Rating</a:t>
                       </a:r>
-                      <a:endParaRPr lang="en-US" dirty="0"/>
                     </a:p>
                   </a:txBody>
-                  <a:tcPr>
+                  <a:tcPr anchor="ctr">
                     <a:solidFill>
-                      <a:schemeClr val="bg1">
-                        <a:lumMod val="95000"/>
+                      <a:schemeClr val="tx1">
+                        <a:lumMod val="65000"/>
+                        <a:lumOff val="35000"/>
                       </a:schemeClr>
                     </a:solidFill>
                   </a:tcPr>
@@ -11936,24 +13896,16 @@
                     <a:p>
                       <a:pPr algn="ctr"/>
                       <a:r>
-                        <a:rPr lang="en-CA" sz="1800" kern="1200" dirty="0">
-                          <a:solidFill>
-                            <a:schemeClr val="dk1"/>
-                          </a:solidFill>
-                          <a:effectLst/>
-                          <a:latin typeface="+mn-lt"/>
-                          <a:ea typeface="+mn-ea"/>
-                          <a:cs typeface="+mn-cs"/>
-                        </a:rPr>
-                        <a:t>0.822</a:t>
+                        <a:rPr lang="en-US" sz="1600" dirty="0"/>
+                        <a:t>SSL Rating</a:t>
                       </a:r>
-                      <a:endParaRPr lang="en-US" dirty="0"/>
                     </a:p>
                   </a:txBody>
-                  <a:tcPr>
+                  <a:tcPr anchor="ctr">
                     <a:solidFill>
-                      <a:schemeClr val="bg1">
-                        <a:lumMod val="95000"/>
+                      <a:schemeClr val="tx1">
+                        <a:lumMod val="65000"/>
+                        <a:lumOff val="35000"/>
                       </a:schemeClr>
                     </a:solidFill>
                   </a:tcPr>
@@ -11965,31 +13917,2528 @@
                     <a:p>
                       <a:pPr algn="ctr"/>
                       <a:r>
-                        <a:rPr lang="en-CA" sz="1800" kern="1200" dirty="0">
-                          <a:solidFill>
-                            <a:schemeClr val="dk1"/>
-                          </a:solidFill>
-                          <a:effectLst/>
-                          <a:latin typeface="+mn-lt"/>
-                          <a:ea typeface="+mn-ea"/>
-                          <a:cs typeface="+mn-cs"/>
-                        </a:rPr>
-                        <a:t>206.54</a:t>
+                        <a:rPr lang="en-US" sz="1600" dirty="0"/>
+                        <a:t>Park Area</a:t>
                       </a:r>
-                      <a:endParaRPr lang="en-US" dirty="0"/>
                     </a:p>
                   </a:txBody>
-                  <a:tcPr>
+                  <a:tcPr anchor="ctr">
                     <a:solidFill>
-                      <a:schemeClr val="bg1">
-                        <a:lumMod val="95000"/>
+                      <a:schemeClr val="tx1">
+                        <a:lumMod val="65000"/>
+                        <a:lumOff val="35000"/>
+                      </a:schemeClr>
+                    </a:solidFill>
+                  </a:tcPr>
+                </a:tc>
+                <a:tc>
+                  <a:txBody>
+                    <a:bodyPr/>
+                    <a:lstStyle/>
+                    <a:p>
+                      <a:pPr algn="ctr"/>
+                      <a:r>
+                        <a:rPr lang="en-US" sz="1600" dirty="0"/>
+                        <a:t>Number of Hospitals</a:t>
+                      </a:r>
+                    </a:p>
+                  </a:txBody>
+                  <a:tcPr anchor="ctr">
+                    <a:solidFill>
+                      <a:schemeClr val="tx1">
+                        <a:lumMod val="65000"/>
+                        <a:lumOff val="35000"/>
+                      </a:schemeClr>
+                    </a:solidFill>
+                  </a:tcPr>
+                </a:tc>
+                <a:tc>
+                  <a:txBody>
+                    <a:bodyPr/>
+                    <a:lstStyle/>
+                    <a:p>
+                      <a:pPr algn="ctr"/>
+                      <a:r>
+                        <a:rPr lang="en-US" sz="1600" dirty="0"/>
+                        <a:t>Teen Mom Rate</a:t>
+                      </a:r>
+                    </a:p>
+                  </a:txBody>
+                  <a:tcPr anchor="ctr">
+                    <a:solidFill>
+                      <a:schemeClr val="tx1">
+                        <a:lumMod val="65000"/>
+                        <a:lumOff val="35000"/>
+                      </a:schemeClr>
+                    </a:solidFill>
+                  </a:tcPr>
+                </a:tc>
+                <a:tc>
+                  <a:txBody>
+                    <a:bodyPr/>
+                    <a:lstStyle/>
+                    <a:p>
+                      <a:pPr algn="ctr"/>
+                      <a:r>
+                        <a:rPr lang="en-US" sz="1600" dirty="0"/>
+                        <a:t>Infant Death Rate</a:t>
+                      </a:r>
+                    </a:p>
+                  </a:txBody>
+                  <a:tcPr anchor="ctr">
+                    <a:solidFill>
+                      <a:schemeClr val="tx1">
+                        <a:lumMod val="65000"/>
+                        <a:lumOff val="35000"/>
+                      </a:schemeClr>
+                    </a:solidFill>
+                  </a:tcPr>
+                </a:tc>
+                <a:tc>
+                  <a:txBody>
+                    <a:bodyPr/>
+                    <a:lstStyle/>
+                    <a:p>
+                      <a:pPr algn="ctr"/>
+                      <a:r>
+                        <a:rPr lang="en-US" sz="1600"/>
+                        <a:t>Hispanic</a:t>
+                      </a:r>
+                      <a:endParaRPr lang="en-US" sz="1600" dirty="0"/>
+                    </a:p>
+                  </a:txBody>
+                  <a:tcPr anchor="ctr">
+                    <a:solidFill>
+                      <a:schemeClr val="tx1">
+                        <a:lumMod val="65000"/>
+                        <a:lumOff val="35000"/>
+                      </a:schemeClr>
+                    </a:solidFill>
+                  </a:tcPr>
+                </a:tc>
+                <a:tc>
+                  <a:txBody>
+                    <a:bodyPr/>
+                    <a:lstStyle/>
+                    <a:p>
+                      <a:pPr algn="ctr"/>
+                      <a:r>
+                        <a:rPr lang="en-US" sz="1600" dirty="0"/>
+                        <a:t>Black</a:t>
+                      </a:r>
+                    </a:p>
+                  </a:txBody>
+                  <a:tcPr anchor="ctr">
+                    <a:solidFill>
+                      <a:schemeClr val="tx1">
+                        <a:lumMod val="65000"/>
+                        <a:lumOff val="35000"/>
+                      </a:schemeClr>
+                    </a:solidFill>
+                  </a:tcPr>
+                </a:tc>
+                <a:tc>
+                  <a:txBody>
+                    <a:bodyPr/>
+                    <a:lstStyle/>
+                    <a:p>
+                      <a:pPr algn="ctr"/>
+                      <a:r>
+                        <a:rPr lang="en-US" sz="1600" dirty="0"/>
+                        <a:t>Asian</a:t>
+                      </a:r>
+                    </a:p>
+                  </a:txBody>
+                  <a:tcPr anchor="ctr">
+                    <a:solidFill>
+                      <a:schemeClr val="tx1">
+                        <a:lumMod val="65000"/>
+                        <a:lumOff val="35000"/>
+                      </a:schemeClr>
+                    </a:solidFill>
+                  </a:tcPr>
+                </a:tc>
+                <a:tc>
+                  <a:txBody>
+                    <a:bodyPr/>
+                    <a:lstStyle/>
+                    <a:p>
+                      <a:pPr algn="ctr"/>
+                      <a:r>
+                        <a:rPr lang="en-US" sz="1600" dirty="0"/>
+                        <a:t>White</a:t>
+                      </a:r>
+                    </a:p>
+                  </a:txBody>
+                  <a:tcPr anchor="ctr">
+                    <a:solidFill>
+                      <a:schemeClr val="tx1">
+                        <a:lumMod val="65000"/>
+                        <a:lumOff val="35000"/>
+                      </a:schemeClr>
+                    </a:solidFill>
+                  </a:tcPr>
+                </a:tc>
+                <a:tc>
+                  <a:txBody>
+                    <a:bodyPr/>
+                    <a:lstStyle/>
+                    <a:p>
+                      <a:pPr algn="ctr"/>
+                      <a:r>
+                        <a:rPr lang="en-US" sz="1600" dirty="0"/>
+                        <a:t>Other</a:t>
+                      </a:r>
+                    </a:p>
+                  </a:txBody>
+                  <a:tcPr anchor="ctr">
+                    <a:solidFill>
+                      <a:schemeClr val="tx1">
+                        <a:lumMod val="65000"/>
+                        <a:lumOff val="35000"/>
+                      </a:schemeClr>
+                    </a:solidFill>
+                  </a:tcPr>
+                </a:tc>
+                <a:tc>
+                  <a:txBody>
+                    <a:bodyPr/>
+                    <a:lstStyle/>
+                    <a:p>
+                      <a:pPr algn="ctr"/>
+                      <a:r>
+                        <a:rPr lang="en-US" sz="1600" dirty="0"/>
+                        <a:t>Poverty Rate</a:t>
+                      </a:r>
+                    </a:p>
+                  </a:txBody>
+                  <a:tcPr anchor="ctr">
+                    <a:solidFill>
+                      <a:schemeClr val="tx1">
+                        <a:lumMod val="65000"/>
+                        <a:lumOff val="35000"/>
                       </a:schemeClr>
                     </a:solidFill>
                   </a:tcPr>
                 </a:tc>
                 <a:extLst>
                   <a:ext uri="{0D108BD9-81ED-4DB2-BD59-A6C34878D82A}">
-                    <a16:rowId xmlns:a16="http://schemas.microsoft.com/office/drawing/2014/main" val="2385636558"/>
+                    <a16:rowId xmlns:a16="http://schemas.microsoft.com/office/drawing/2014/main" val="935922143"/>
+                  </a:ext>
+                </a:extLst>
+              </a:tr>
+              <a:tr h="515641">
+                <a:tc>
+                  <a:txBody>
+                    <a:bodyPr/>
+                    <a:lstStyle/>
+                    <a:p>
+                      <a:pPr marL="0" marR="0" algn="ctr">
+                        <a:lnSpc>
+                          <a:spcPct val="200000"/>
+                        </a:lnSpc>
+                        <a:spcBef>
+                          <a:spcPts val="0"/>
+                        </a:spcBef>
+                        <a:spcAft>
+                          <a:spcPts val="0"/>
+                        </a:spcAft>
+                      </a:pPr>
+                      <a:r>
+                        <a:rPr lang="en-CA" sz="1400" dirty="0">
+                          <a:solidFill>
+                            <a:srgbClr val="000000"/>
+                          </a:solidFill>
+                          <a:effectLst/>
+                          <a:latin typeface="Calibri (Body)"/>
+                          <a:ea typeface="MS Mincho" panose="02020609040205080304" pitchFamily="49" charset="-128"/>
+                          <a:cs typeface="Times New Roman" panose="02020603050405020304" pitchFamily="18" charset="0"/>
+                        </a:rPr>
+                        <a:t>3.571429</a:t>
+                      </a:r>
+                      <a:endParaRPr lang="en-US" sz="1600" dirty="0">
+                        <a:effectLst/>
+                        <a:latin typeface="Calibri (Body)"/>
+                        <a:ea typeface="MS Mincho" panose="02020609040205080304" pitchFamily="49" charset="-128"/>
+                        <a:cs typeface="Times New Roman" panose="02020603050405020304" pitchFamily="18" charset="0"/>
+                      </a:endParaRPr>
+                    </a:p>
+                  </a:txBody>
+                  <a:tcPr marL="68580" marR="68580" marT="0" marB="0" anchor="ctr"/>
+                </a:tc>
+                <a:tc>
+                  <a:txBody>
+                    <a:bodyPr/>
+                    <a:lstStyle/>
+                    <a:p>
+                      <a:pPr marL="0" marR="0" algn="ctr">
+                        <a:lnSpc>
+                          <a:spcPct val="200000"/>
+                        </a:lnSpc>
+                        <a:spcBef>
+                          <a:spcPts val="0"/>
+                        </a:spcBef>
+                        <a:spcAft>
+                          <a:spcPts val="0"/>
+                        </a:spcAft>
+                      </a:pPr>
+                      <a:r>
+                        <a:rPr lang="en-CA" sz="1400">
+                          <a:solidFill>
+                            <a:srgbClr val="000000"/>
+                          </a:solidFill>
+                          <a:effectLst/>
+                          <a:latin typeface="Calibri (Body)"/>
+                          <a:ea typeface="MS Mincho" panose="02020609040205080304" pitchFamily="49" charset="-128"/>
+                          <a:cs typeface="Times New Roman" panose="02020603050405020304" pitchFamily="18" charset="0"/>
+                        </a:rPr>
+                        <a:t>277.6664</a:t>
+                      </a:r>
+                      <a:endParaRPr lang="en-US" sz="1600">
+                        <a:effectLst/>
+                        <a:latin typeface="Calibri (Body)"/>
+                        <a:ea typeface="MS Mincho" panose="02020609040205080304" pitchFamily="49" charset="-128"/>
+                        <a:cs typeface="Times New Roman" panose="02020603050405020304" pitchFamily="18" charset="0"/>
+                      </a:endParaRPr>
+                    </a:p>
+                  </a:txBody>
+                  <a:tcPr marL="68580" marR="68580" marT="0" marB="0" anchor="ctr"/>
+                </a:tc>
+                <a:tc>
+                  <a:txBody>
+                    <a:bodyPr/>
+                    <a:lstStyle/>
+                    <a:p>
+                      <a:pPr marL="0" marR="0" algn="ctr">
+                        <a:lnSpc>
+                          <a:spcPct val="200000"/>
+                        </a:lnSpc>
+                        <a:spcBef>
+                          <a:spcPts val="0"/>
+                        </a:spcBef>
+                        <a:spcAft>
+                          <a:spcPts val="0"/>
+                        </a:spcAft>
+                      </a:pPr>
+                      <a:r>
+                        <a:rPr lang="en-CA" sz="1400">
+                          <a:solidFill>
+                            <a:srgbClr val="000000"/>
+                          </a:solidFill>
+                          <a:effectLst/>
+                          <a:latin typeface="Calibri (Body)"/>
+                          <a:ea typeface="MS Mincho" panose="02020609040205080304" pitchFamily="49" charset="-128"/>
+                          <a:cs typeface="Times New Roman" panose="02020603050405020304" pitchFamily="18" charset="0"/>
+                        </a:rPr>
+                        <a:t>287364.9</a:t>
+                      </a:r>
+                      <a:endParaRPr lang="en-US" sz="1600">
+                        <a:effectLst/>
+                        <a:latin typeface="Calibri (Body)"/>
+                        <a:ea typeface="MS Mincho" panose="02020609040205080304" pitchFamily="49" charset="-128"/>
+                        <a:cs typeface="Times New Roman" panose="02020603050405020304" pitchFamily="18" charset="0"/>
+                      </a:endParaRPr>
+                    </a:p>
+                  </a:txBody>
+                  <a:tcPr marL="68580" marR="68580" marT="0" marB="0" anchor="ctr"/>
+                </a:tc>
+                <a:tc>
+                  <a:txBody>
+                    <a:bodyPr/>
+                    <a:lstStyle/>
+                    <a:p>
+                      <a:pPr marL="0" marR="0" algn="ctr">
+                        <a:lnSpc>
+                          <a:spcPct val="200000"/>
+                        </a:lnSpc>
+                        <a:spcBef>
+                          <a:spcPts val="0"/>
+                        </a:spcBef>
+                        <a:spcAft>
+                          <a:spcPts val="0"/>
+                        </a:spcAft>
+                      </a:pPr>
+                      <a:r>
+                        <a:rPr lang="en-CA" sz="1400">
+                          <a:solidFill>
+                            <a:srgbClr val="000000"/>
+                          </a:solidFill>
+                          <a:effectLst/>
+                          <a:latin typeface="Calibri (Body)"/>
+                          <a:ea typeface="MS Mincho" panose="02020609040205080304" pitchFamily="49" charset="-128"/>
+                          <a:cs typeface="Times New Roman" panose="02020603050405020304" pitchFamily="18" charset="0"/>
+                        </a:rPr>
+                        <a:t>0</a:t>
+                      </a:r>
+                      <a:endParaRPr lang="en-US" sz="1600">
+                        <a:effectLst/>
+                        <a:latin typeface="Calibri (Body)"/>
+                        <a:ea typeface="MS Mincho" panose="02020609040205080304" pitchFamily="49" charset="-128"/>
+                        <a:cs typeface="Times New Roman" panose="02020603050405020304" pitchFamily="18" charset="0"/>
+                      </a:endParaRPr>
+                    </a:p>
+                  </a:txBody>
+                  <a:tcPr marL="68580" marR="68580" marT="0" marB="0" anchor="ctr"/>
+                </a:tc>
+                <a:tc>
+                  <a:txBody>
+                    <a:bodyPr/>
+                    <a:lstStyle/>
+                    <a:p>
+                      <a:pPr marL="0" marR="0" algn="ctr">
+                        <a:lnSpc>
+                          <a:spcPct val="200000"/>
+                        </a:lnSpc>
+                        <a:spcBef>
+                          <a:spcPts val="0"/>
+                        </a:spcBef>
+                        <a:spcAft>
+                          <a:spcPts val="0"/>
+                        </a:spcAft>
+                      </a:pPr>
+                      <a:r>
+                        <a:rPr lang="en-CA" sz="1400">
+                          <a:solidFill>
+                            <a:srgbClr val="000000"/>
+                          </a:solidFill>
+                          <a:effectLst/>
+                          <a:latin typeface="Calibri (Body)"/>
+                          <a:ea typeface="MS Mincho" panose="02020609040205080304" pitchFamily="49" charset="-128"/>
+                          <a:cs typeface="Times New Roman" panose="02020603050405020304" pitchFamily="18" charset="0"/>
+                        </a:rPr>
+                        <a:t>51.61818</a:t>
+                      </a:r>
+                      <a:endParaRPr lang="en-US" sz="1600">
+                        <a:effectLst/>
+                        <a:latin typeface="Calibri (Body)"/>
+                        <a:ea typeface="MS Mincho" panose="02020609040205080304" pitchFamily="49" charset="-128"/>
+                        <a:cs typeface="Times New Roman" panose="02020603050405020304" pitchFamily="18" charset="0"/>
+                      </a:endParaRPr>
+                    </a:p>
+                  </a:txBody>
+                  <a:tcPr marL="68580" marR="68580" marT="0" marB="0" anchor="ctr"/>
+                </a:tc>
+                <a:tc>
+                  <a:txBody>
+                    <a:bodyPr/>
+                    <a:lstStyle/>
+                    <a:p>
+                      <a:pPr marL="0" marR="0" algn="ctr">
+                        <a:lnSpc>
+                          <a:spcPct val="200000"/>
+                        </a:lnSpc>
+                        <a:spcBef>
+                          <a:spcPts val="0"/>
+                        </a:spcBef>
+                        <a:spcAft>
+                          <a:spcPts val="0"/>
+                        </a:spcAft>
+                      </a:pPr>
+                      <a:r>
+                        <a:rPr lang="en-CA" sz="1400">
+                          <a:solidFill>
+                            <a:srgbClr val="000000"/>
+                          </a:solidFill>
+                          <a:effectLst/>
+                          <a:latin typeface="Calibri (Body)"/>
+                          <a:ea typeface="MS Mincho" panose="02020609040205080304" pitchFamily="49" charset="-128"/>
+                          <a:cs typeface="Times New Roman" panose="02020603050405020304" pitchFamily="18" charset="0"/>
+                        </a:rPr>
+                        <a:t>0.24</a:t>
+                      </a:r>
+                      <a:endParaRPr lang="en-US" sz="1400">
+                        <a:effectLst/>
+                        <a:latin typeface="Calibri (Body)"/>
+                        <a:ea typeface="MS Mincho" panose="02020609040205080304" pitchFamily="49" charset="-128"/>
+                        <a:cs typeface="Times New Roman" panose="02020603050405020304" pitchFamily="18" charset="0"/>
+                      </a:endParaRPr>
+                    </a:p>
+                  </a:txBody>
+                  <a:tcPr marL="68580" marR="68580" marT="0" marB="0" anchor="ctr"/>
+                </a:tc>
+                <a:tc>
+                  <a:txBody>
+                    <a:bodyPr/>
+                    <a:lstStyle/>
+                    <a:p>
+                      <a:pPr marL="0" marR="0" algn="ctr">
+                        <a:lnSpc>
+                          <a:spcPct val="200000"/>
+                        </a:lnSpc>
+                        <a:spcBef>
+                          <a:spcPts val="0"/>
+                        </a:spcBef>
+                        <a:spcAft>
+                          <a:spcPts val="0"/>
+                        </a:spcAft>
+                      </a:pPr>
+                      <a:r>
+                        <a:rPr lang="en-CA" sz="1400">
+                          <a:solidFill>
+                            <a:srgbClr val="000000"/>
+                          </a:solidFill>
+                          <a:effectLst/>
+                          <a:latin typeface="Calibri (Body)"/>
+                          <a:ea typeface="MS Mincho" panose="02020609040205080304" pitchFamily="49" charset="-128"/>
+                          <a:cs typeface="Times New Roman" panose="02020603050405020304" pitchFamily="18" charset="0"/>
+                        </a:rPr>
+                        <a:t>0.24</a:t>
+                      </a:r>
+                      <a:endParaRPr lang="en-US" sz="1400">
+                        <a:effectLst/>
+                        <a:latin typeface="Calibri (Body)"/>
+                        <a:ea typeface="MS Mincho" panose="02020609040205080304" pitchFamily="49" charset="-128"/>
+                        <a:cs typeface="Times New Roman" panose="02020603050405020304" pitchFamily="18" charset="0"/>
+                      </a:endParaRPr>
+                    </a:p>
+                  </a:txBody>
+                  <a:tcPr marL="68580" marR="68580" marT="0" marB="0" anchor="ctr"/>
+                </a:tc>
+                <a:tc>
+                  <a:txBody>
+                    <a:bodyPr/>
+                    <a:lstStyle/>
+                    <a:p>
+                      <a:pPr marL="0" marR="0" algn="ctr">
+                        <a:lnSpc>
+                          <a:spcPct val="200000"/>
+                        </a:lnSpc>
+                        <a:spcBef>
+                          <a:spcPts val="0"/>
+                        </a:spcBef>
+                        <a:spcAft>
+                          <a:spcPts val="0"/>
+                        </a:spcAft>
+                      </a:pPr>
+                      <a:r>
+                        <a:rPr lang="en-CA" sz="1400">
+                          <a:solidFill>
+                            <a:srgbClr val="000000"/>
+                          </a:solidFill>
+                          <a:effectLst/>
+                          <a:latin typeface="Calibri (Body)"/>
+                          <a:ea typeface="MS Mincho" panose="02020609040205080304" pitchFamily="49" charset="-128"/>
+                          <a:cs typeface="Times New Roman" panose="02020603050405020304" pitchFamily="18" charset="0"/>
+                        </a:rPr>
+                        <a:t>0.45</a:t>
+                      </a:r>
+                      <a:endParaRPr lang="en-US" sz="1400">
+                        <a:effectLst/>
+                        <a:latin typeface="Calibri (Body)"/>
+                        <a:ea typeface="MS Mincho" panose="02020609040205080304" pitchFamily="49" charset="-128"/>
+                        <a:cs typeface="Times New Roman" panose="02020603050405020304" pitchFamily="18" charset="0"/>
+                      </a:endParaRPr>
+                    </a:p>
+                  </a:txBody>
+                  <a:tcPr marL="68580" marR="68580" marT="0" marB="0" anchor="ctr"/>
+                </a:tc>
+                <a:tc>
+                  <a:txBody>
+                    <a:bodyPr/>
+                    <a:lstStyle/>
+                    <a:p>
+                      <a:pPr marL="0" marR="0" algn="ctr">
+                        <a:lnSpc>
+                          <a:spcPct val="200000"/>
+                        </a:lnSpc>
+                        <a:spcBef>
+                          <a:spcPts val="0"/>
+                        </a:spcBef>
+                        <a:spcAft>
+                          <a:spcPts val="0"/>
+                        </a:spcAft>
+                      </a:pPr>
+                      <a:r>
+                        <a:rPr lang="en-CA" sz="1400">
+                          <a:solidFill>
+                            <a:srgbClr val="000000"/>
+                          </a:solidFill>
+                          <a:effectLst/>
+                          <a:latin typeface="Calibri (Body)"/>
+                          <a:ea typeface="MS Mincho" panose="02020609040205080304" pitchFamily="49" charset="-128"/>
+                          <a:cs typeface="Times New Roman" panose="02020603050405020304" pitchFamily="18" charset="0"/>
+                        </a:rPr>
+                        <a:t>0.05</a:t>
+                      </a:r>
+                      <a:endParaRPr lang="en-US" sz="1400">
+                        <a:effectLst/>
+                        <a:latin typeface="Calibri (Body)"/>
+                        <a:ea typeface="MS Mincho" panose="02020609040205080304" pitchFamily="49" charset="-128"/>
+                        <a:cs typeface="Times New Roman" panose="02020603050405020304" pitchFamily="18" charset="0"/>
+                      </a:endParaRPr>
+                    </a:p>
+                  </a:txBody>
+                  <a:tcPr marL="68580" marR="68580" marT="0" marB="0" anchor="ctr"/>
+                </a:tc>
+                <a:tc>
+                  <a:txBody>
+                    <a:bodyPr/>
+                    <a:lstStyle/>
+                    <a:p>
+                      <a:pPr marL="0" marR="0" algn="ctr">
+                        <a:lnSpc>
+                          <a:spcPct val="200000"/>
+                        </a:lnSpc>
+                        <a:spcBef>
+                          <a:spcPts val="0"/>
+                        </a:spcBef>
+                        <a:spcAft>
+                          <a:spcPts val="0"/>
+                        </a:spcAft>
+                      </a:pPr>
+                      <a:r>
+                        <a:rPr lang="en-CA" sz="1400">
+                          <a:solidFill>
+                            <a:srgbClr val="000000"/>
+                          </a:solidFill>
+                          <a:effectLst/>
+                          <a:latin typeface="Calibri (Body)"/>
+                          <a:ea typeface="MS Mincho" panose="02020609040205080304" pitchFamily="49" charset="-128"/>
+                          <a:cs typeface="Times New Roman" panose="02020603050405020304" pitchFamily="18" charset="0"/>
+                        </a:rPr>
+                        <a:t>0.03</a:t>
+                      </a:r>
+                      <a:endParaRPr lang="en-US" sz="1400">
+                        <a:effectLst/>
+                        <a:latin typeface="Calibri (Body)"/>
+                        <a:ea typeface="MS Mincho" panose="02020609040205080304" pitchFamily="49" charset="-128"/>
+                        <a:cs typeface="Times New Roman" panose="02020603050405020304" pitchFamily="18" charset="0"/>
+                      </a:endParaRPr>
+                    </a:p>
+                  </a:txBody>
+                  <a:tcPr marL="68580" marR="68580" marT="0" marB="0" anchor="ctr"/>
+                </a:tc>
+                <a:tc>
+                  <a:txBody>
+                    <a:bodyPr/>
+                    <a:lstStyle/>
+                    <a:p>
+                      <a:pPr marL="0" marR="0" algn="ctr">
+                        <a:lnSpc>
+                          <a:spcPct val="200000"/>
+                        </a:lnSpc>
+                        <a:spcBef>
+                          <a:spcPts val="0"/>
+                        </a:spcBef>
+                        <a:spcAft>
+                          <a:spcPts val="0"/>
+                        </a:spcAft>
+                      </a:pPr>
+                      <a:r>
+                        <a:rPr lang="en-CA" sz="1400">
+                          <a:solidFill>
+                            <a:srgbClr val="000000"/>
+                          </a:solidFill>
+                          <a:effectLst/>
+                          <a:latin typeface="Calibri (Body)"/>
+                          <a:ea typeface="MS Mincho" panose="02020609040205080304" pitchFamily="49" charset="-128"/>
+                          <a:cs typeface="Times New Roman" panose="02020603050405020304" pitchFamily="18" charset="0"/>
+                        </a:rPr>
+                        <a:t>0.319509</a:t>
+                      </a:r>
+                      <a:endParaRPr lang="en-US" sz="1400">
+                        <a:effectLst/>
+                        <a:latin typeface="Calibri (Body)"/>
+                        <a:ea typeface="MS Mincho" panose="02020609040205080304" pitchFamily="49" charset="-128"/>
+                        <a:cs typeface="Times New Roman" panose="02020603050405020304" pitchFamily="18" charset="0"/>
+                      </a:endParaRPr>
+                    </a:p>
+                  </a:txBody>
+                  <a:tcPr marL="68580" marR="68580" marT="0" marB="0" anchor="ctr"/>
+                </a:tc>
+                <a:tc>
+                  <a:txBody>
+                    <a:bodyPr/>
+                    <a:lstStyle/>
+                    <a:p>
+                      <a:pPr marL="0" marR="0" algn="ctr">
+                        <a:lnSpc>
+                          <a:spcPct val="200000"/>
+                        </a:lnSpc>
+                        <a:spcBef>
+                          <a:spcPts val="0"/>
+                        </a:spcBef>
+                        <a:spcAft>
+                          <a:spcPts val="0"/>
+                        </a:spcAft>
+                      </a:pPr>
+                      <a:r>
+                        <a:rPr lang="en-CA" sz="1400">
+                          <a:solidFill>
+                            <a:srgbClr val="000000"/>
+                          </a:solidFill>
+                          <a:effectLst/>
+                          <a:latin typeface="Calibri (Body)"/>
+                          <a:ea typeface="MS Mincho" panose="02020609040205080304" pitchFamily="49" charset="-128"/>
+                          <a:cs typeface="Times New Roman" panose="02020603050405020304" pitchFamily="18" charset="0"/>
+                        </a:rPr>
+                        <a:t>0.24</a:t>
+                      </a:r>
+                      <a:endParaRPr lang="en-US" sz="1400">
+                        <a:effectLst/>
+                        <a:latin typeface="Calibri (Body)"/>
+                        <a:ea typeface="MS Mincho" panose="02020609040205080304" pitchFamily="49" charset="-128"/>
+                        <a:cs typeface="Times New Roman" panose="02020603050405020304" pitchFamily="18" charset="0"/>
+                      </a:endParaRPr>
+                    </a:p>
+                  </a:txBody>
+                  <a:tcPr marL="68580" marR="68580" marT="0" marB="0" anchor="ctr"/>
+                </a:tc>
+                <a:extLst>
+                  <a:ext uri="{0D108BD9-81ED-4DB2-BD59-A6C34878D82A}">
+                    <a16:rowId xmlns:a16="http://schemas.microsoft.com/office/drawing/2014/main" val="2909196701"/>
+                  </a:ext>
+                </a:extLst>
+              </a:tr>
+              <a:tr h="515641">
+                <a:tc>
+                  <a:txBody>
+                    <a:bodyPr/>
+                    <a:lstStyle/>
+                    <a:p>
+                      <a:pPr marL="0" marR="0" algn="ctr">
+                        <a:lnSpc>
+                          <a:spcPct val="200000"/>
+                        </a:lnSpc>
+                        <a:spcBef>
+                          <a:spcPts val="0"/>
+                        </a:spcBef>
+                        <a:spcAft>
+                          <a:spcPts val="0"/>
+                        </a:spcAft>
+                      </a:pPr>
+                      <a:r>
+                        <a:rPr lang="en-CA" sz="1400">
+                          <a:solidFill>
+                            <a:srgbClr val="000000"/>
+                          </a:solidFill>
+                          <a:effectLst/>
+                          <a:latin typeface="Calibri (Body)"/>
+                          <a:ea typeface="MS Mincho" panose="02020609040205080304" pitchFamily="49" charset="-128"/>
+                          <a:cs typeface="Times New Roman" panose="02020603050405020304" pitchFamily="18" charset="0"/>
+                        </a:rPr>
+                        <a:t>3.5</a:t>
+                      </a:r>
+                      <a:endParaRPr lang="en-US" sz="1600">
+                        <a:effectLst/>
+                        <a:latin typeface="Calibri (Body)"/>
+                        <a:ea typeface="MS Mincho" panose="02020609040205080304" pitchFamily="49" charset="-128"/>
+                        <a:cs typeface="Times New Roman" panose="02020603050405020304" pitchFamily="18" charset="0"/>
+                      </a:endParaRPr>
+                    </a:p>
+                  </a:txBody>
+                  <a:tcPr marL="68580" marR="68580" marT="0" marB="0" anchor="ctr"/>
+                </a:tc>
+                <a:tc>
+                  <a:txBody>
+                    <a:bodyPr/>
+                    <a:lstStyle/>
+                    <a:p>
+                      <a:pPr marL="0" marR="0" algn="ctr">
+                        <a:lnSpc>
+                          <a:spcPct val="200000"/>
+                        </a:lnSpc>
+                        <a:spcBef>
+                          <a:spcPts val="0"/>
+                        </a:spcBef>
+                        <a:spcAft>
+                          <a:spcPts val="0"/>
+                        </a:spcAft>
+                      </a:pPr>
+                      <a:r>
+                        <a:rPr lang="en-CA" sz="1400" dirty="0">
+                          <a:solidFill>
+                            <a:srgbClr val="000000"/>
+                          </a:solidFill>
+                          <a:effectLst/>
+                          <a:latin typeface="Calibri (Body)"/>
+                          <a:ea typeface="MS Mincho" panose="02020609040205080304" pitchFamily="49" charset="-128"/>
+                          <a:cs typeface="Times New Roman" panose="02020603050405020304" pitchFamily="18" charset="0"/>
+                        </a:rPr>
+                        <a:t>286.1914</a:t>
+                      </a:r>
+                      <a:endParaRPr lang="en-US" sz="1600" dirty="0">
+                        <a:effectLst/>
+                        <a:latin typeface="Calibri (Body)"/>
+                        <a:ea typeface="MS Mincho" panose="02020609040205080304" pitchFamily="49" charset="-128"/>
+                        <a:cs typeface="Times New Roman" panose="02020603050405020304" pitchFamily="18" charset="0"/>
+                      </a:endParaRPr>
+                    </a:p>
+                  </a:txBody>
+                  <a:tcPr marL="68580" marR="68580" marT="0" marB="0" anchor="ctr"/>
+                </a:tc>
+                <a:tc>
+                  <a:txBody>
+                    <a:bodyPr/>
+                    <a:lstStyle/>
+                    <a:p>
+                      <a:pPr marL="0" marR="0" algn="ctr">
+                        <a:lnSpc>
+                          <a:spcPct val="200000"/>
+                        </a:lnSpc>
+                        <a:spcBef>
+                          <a:spcPts val="0"/>
+                        </a:spcBef>
+                        <a:spcAft>
+                          <a:spcPts val="0"/>
+                        </a:spcAft>
+                      </a:pPr>
+                      <a:r>
+                        <a:rPr lang="en-CA" sz="1400">
+                          <a:solidFill>
+                            <a:srgbClr val="000000"/>
+                          </a:solidFill>
+                          <a:effectLst/>
+                          <a:latin typeface="Calibri (Body)"/>
+                          <a:ea typeface="MS Mincho" panose="02020609040205080304" pitchFamily="49" charset="-128"/>
+                          <a:cs typeface="Times New Roman" panose="02020603050405020304" pitchFamily="18" charset="0"/>
+                        </a:rPr>
+                        <a:t>725446.2</a:t>
+                      </a:r>
+                      <a:endParaRPr lang="en-US" sz="1600">
+                        <a:effectLst/>
+                        <a:latin typeface="Calibri (Body)"/>
+                        <a:ea typeface="MS Mincho" panose="02020609040205080304" pitchFamily="49" charset="-128"/>
+                        <a:cs typeface="Times New Roman" panose="02020603050405020304" pitchFamily="18" charset="0"/>
+                      </a:endParaRPr>
+                    </a:p>
+                  </a:txBody>
+                  <a:tcPr marL="68580" marR="68580" marT="0" marB="0" anchor="ctr"/>
+                </a:tc>
+                <a:tc>
+                  <a:txBody>
+                    <a:bodyPr/>
+                    <a:lstStyle/>
+                    <a:p>
+                      <a:pPr marL="0" marR="0" algn="ctr">
+                        <a:lnSpc>
+                          <a:spcPct val="200000"/>
+                        </a:lnSpc>
+                        <a:spcBef>
+                          <a:spcPts val="0"/>
+                        </a:spcBef>
+                        <a:spcAft>
+                          <a:spcPts val="0"/>
+                        </a:spcAft>
+                      </a:pPr>
+                      <a:r>
+                        <a:rPr lang="en-CA" sz="1400" dirty="0">
+                          <a:solidFill>
+                            <a:srgbClr val="000000"/>
+                          </a:solidFill>
+                          <a:effectLst/>
+                          <a:latin typeface="Calibri (Body)"/>
+                          <a:ea typeface="MS Mincho" panose="02020609040205080304" pitchFamily="49" charset="-128"/>
+                          <a:cs typeface="Times New Roman" panose="02020603050405020304" pitchFamily="18" charset="0"/>
+                        </a:rPr>
+                        <a:t>0</a:t>
+                      </a:r>
+                      <a:endParaRPr lang="en-US" sz="1600" dirty="0">
+                        <a:effectLst/>
+                        <a:latin typeface="Calibri (Body)"/>
+                        <a:ea typeface="MS Mincho" panose="02020609040205080304" pitchFamily="49" charset="-128"/>
+                        <a:cs typeface="Times New Roman" panose="02020603050405020304" pitchFamily="18" charset="0"/>
+                      </a:endParaRPr>
+                    </a:p>
+                  </a:txBody>
+                  <a:tcPr marL="68580" marR="68580" marT="0" marB="0" anchor="ctr"/>
+                </a:tc>
+                <a:tc>
+                  <a:txBody>
+                    <a:bodyPr/>
+                    <a:lstStyle/>
+                    <a:p>
+                      <a:pPr marL="0" marR="0" algn="ctr">
+                        <a:lnSpc>
+                          <a:spcPct val="200000"/>
+                        </a:lnSpc>
+                        <a:spcBef>
+                          <a:spcPts val="0"/>
+                        </a:spcBef>
+                        <a:spcAft>
+                          <a:spcPts val="0"/>
+                        </a:spcAft>
+                      </a:pPr>
+                      <a:r>
+                        <a:rPr lang="en-CA" sz="1400">
+                          <a:solidFill>
+                            <a:srgbClr val="000000"/>
+                          </a:solidFill>
+                          <a:effectLst/>
+                          <a:latin typeface="Calibri (Body)"/>
+                          <a:ea typeface="MS Mincho" panose="02020609040205080304" pitchFamily="49" charset="-128"/>
+                          <a:cs typeface="Times New Roman" panose="02020603050405020304" pitchFamily="18" charset="0"/>
+                        </a:rPr>
+                        <a:t>31.52727</a:t>
+                      </a:r>
+                      <a:endParaRPr lang="en-US" sz="1600">
+                        <a:effectLst/>
+                        <a:latin typeface="Calibri (Body)"/>
+                        <a:ea typeface="MS Mincho" panose="02020609040205080304" pitchFamily="49" charset="-128"/>
+                        <a:cs typeface="Times New Roman" panose="02020603050405020304" pitchFamily="18" charset="0"/>
+                      </a:endParaRPr>
+                    </a:p>
+                  </a:txBody>
+                  <a:tcPr marL="68580" marR="68580" marT="0" marB="0" anchor="ctr"/>
+                </a:tc>
+                <a:tc>
+                  <a:txBody>
+                    <a:bodyPr/>
+                    <a:lstStyle/>
+                    <a:p>
+                      <a:pPr marL="0" marR="0" algn="ctr">
+                        <a:lnSpc>
+                          <a:spcPct val="200000"/>
+                        </a:lnSpc>
+                        <a:spcBef>
+                          <a:spcPts val="0"/>
+                        </a:spcBef>
+                        <a:spcAft>
+                          <a:spcPts val="0"/>
+                        </a:spcAft>
+                      </a:pPr>
+                      <a:r>
+                        <a:rPr lang="en-CA" sz="1400">
+                          <a:solidFill>
+                            <a:srgbClr val="000000"/>
+                          </a:solidFill>
+                          <a:effectLst/>
+                          <a:latin typeface="Calibri (Body)"/>
+                          <a:ea typeface="MS Mincho" panose="02020609040205080304" pitchFamily="49" charset="-128"/>
+                          <a:cs typeface="Times New Roman" panose="02020603050405020304" pitchFamily="18" charset="0"/>
+                        </a:rPr>
+                        <a:t>0.2</a:t>
+                      </a:r>
+                      <a:endParaRPr lang="en-US" sz="1400">
+                        <a:effectLst/>
+                        <a:latin typeface="Calibri (Body)"/>
+                        <a:ea typeface="MS Mincho" panose="02020609040205080304" pitchFamily="49" charset="-128"/>
+                        <a:cs typeface="Times New Roman" panose="02020603050405020304" pitchFamily="18" charset="0"/>
+                      </a:endParaRPr>
+                    </a:p>
+                  </a:txBody>
+                  <a:tcPr marL="68580" marR="68580" marT="0" marB="0" anchor="ctr"/>
+                </a:tc>
+                <a:tc>
+                  <a:txBody>
+                    <a:bodyPr/>
+                    <a:lstStyle/>
+                    <a:p>
+                      <a:pPr marL="0" marR="0" algn="ctr">
+                        <a:lnSpc>
+                          <a:spcPct val="200000"/>
+                        </a:lnSpc>
+                        <a:spcBef>
+                          <a:spcPts val="0"/>
+                        </a:spcBef>
+                        <a:spcAft>
+                          <a:spcPts val="0"/>
+                        </a:spcAft>
+                      </a:pPr>
+                      <a:r>
+                        <a:rPr lang="en-CA" sz="1400" dirty="0">
+                          <a:solidFill>
+                            <a:srgbClr val="000000"/>
+                          </a:solidFill>
+                          <a:effectLst/>
+                          <a:latin typeface="Calibri (Body)"/>
+                          <a:ea typeface="MS Mincho" panose="02020609040205080304" pitchFamily="49" charset="-128"/>
+                          <a:cs typeface="Times New Roman" panose="02020603050405020304" pitchFamily="18" charset="0"/>
+                        </a:rPr>
+                        <a:t>0.13</a:t>
+                      </a:r>
+                      <a:endParaRPr lang="en-US" sz="1400" dirty="0">
+                        <a:effectLst/>
+                        <a:latin typeface="Calibri (Body)"/>
+                        <a:ea typeface="MS Mincho" panose="02020609040205080304" pitchFamily="49" charset="-128"/>
+                        <a:cs typeface="Times New Roman" panose="02020603050405020304" pitchFamily="18" charset="0"/>
+                      </a:endParaRPr>
+                    </a:p>
+                  </a:txBody>
+                  <a:tcPr marL="68580" marR="68580" marT="0" marB="0" anchor="ctr"/>
+                </a:tc>
+                <a:tc>
+                  <a:txBody>
+                    <a:bodyPr/>
+                    <a:lstStyle/>
+                    <a:p>
+                      <a:pPr marL="0" marR="0" algn="ctr">
+                        <a:lnSpc>
+                          <a:spcPct val="200000"/>
+                        </a:lnSpc>
+                        <a:spcBef>
+                          <a:spcPts val="0"/>
+                        </a:spcBef>
+                        <a:spcAft>
+                          <a:spcPts val="0"/>
+                        </a:spcAft>
+                      </a:pPr>
+                      <a:r>
+                        <a:rPr lang="en-CA" sz="1400">
+                          <a:solidFill>
+                            <a:srgbClr val="000000"/>
+                          </a:solidFill>
+                          <a:effectLst/>
+                          <a:latin typeface="Calibri (Body)"/>
+                          <a:ea typeface="MS Mincho" panose="02020609040205080304" pitchFamily="49" charset="-128"/>
+                          <a:cs typeface="Times New Roman" panose="02020603050405020304" pitchFamily="18" charset="0"/>
+                        </a:rPr>
+                        <a:t>0.41</a:t>
+                      </a:r>
+                      <a:endParaRPr lang="en-US" sz="1400">
+                        <a:effectLst/>
+                        <a:latin typeface="Calibri (Body)"/>
+                        <a:ea typeface="MS Mincho" panose="02020609040205080304" pitchFamily="49" charset="-128"/>
+                        <a:cs typeface="Times New Roman" panose="02020603050405020304" pitchFamily="18" charset="0"/>
+                      </a:endParaRPr>
+                    </a:p>
+                  </a:txBody>
+                  <a:tcPr marL="68580" marR="68580" marT="0" marB="0" anchor="ctr"/>
+                </a:tc>
+                <a:tc>
+                  <a:txBody>
+                    <a:bodyPr/>
+                    <a:lstStyle/>
+                    <a:p>
+                      <a:pPr marL="0" marR="0" algn="ctr">
+                        <a:lnSpc>
+                          <a:spcPct val="200000"/>
+                        </a:lnSpc>
+                        <a:spcBef>
+                          <a:spcPts val="0"/>
+                        </a:spcBef>
+                        <a:spcAft>
+                          <a:spcPts val="0"/>
+                        </a:spcAft>
+                      </a:pPr>
+                      <a:r>
+                        <a:rPr lang="en-CA" sz="1400">
+                          <a:solidFill>
+                            <a:srgbClr val="000000"/>
+                          </a:solidFill>
+                          <a:effectLst/>
+                          <a:latin typeface="Calibri (Body)"/>
+                          <a:ea typeface="MS Mincho" panose="02020609040205080304" pitchFamily="49" charset="-128"/>
+                          <a:cs typeface="Times New Roman" panose="02020603050405020304" pitchFamily="18" charset="0"/>
+                        </a:rPr>
+                        <a:t>0.21</a:t>
+                      </a:r>
+                      <a:endParaRPr lang="en-US" sz="1400">
+                        <a:effectLst/>
+                        <a:latin typeface="Calibri (Body)"/>
+                        <a:ea typeface="MS Mincho" panose="02020609040205080304" pitchFamily="49" charset="-128"/>
+                        <a:cs typeface="Times New Roman" panose="02020603050405020304" pitchFamily="18" charset="0"/>
+                      </a:endParaRPr>
+                    </a:p>
+                  </a:txBody>
+                  <a:tcPr marL="68580" marR="68580" marT="0" marB="0" anchor="ctr"/>
+                </a:tc>
+                <a:tc>
+                  <a:txBody>
+                    <a:bodyPr/>
+                    <a:lstStyle/>
+                    <a:p>
+                      <a:pPr marL="0" marR="0" algn="ctr">
+                        <a:lnSpc>
+                          <a:spcPct val="200000"/>
+                        </a:lnSpc>
+                        <a:spcBef>
+                          <a:spcPts val="0"/>
+                        </a:spcBef>
+                        <a:spcAft>
+                          <a:spcPts val="0"/>
+                        </a:spcAft>
+                      </a:pPr>
+                      <a:r>
+                        <a:rPr lang="en-CA" sz="1400" dirty="0">
+                          <a:solidFill>
+                            <a:srgbClr val="000000"/>
+                          </a:solidFill>
+                          <a:effectLst/>
+                          <a:latin typeface="Calibri (Body)"/>
+                          <a:ea typeface="MS Mincho" panose="02020609040205080304" pitchFamily="49" charset="-128"/>
+                          <a:cs typeface="Times New Roman" panose="02020603050405020304" pitchFamily="18" charset="0"/>
+                        </a:rPr>
+                        <a:t>0.04</a:t>
+                      </a:r>
+                      <a:endParaRPr lang="en-US" sz="1400" dirty="0">
+                        <a:effectLst/>
+                        <a:latin typeface="Calibri (Body)"/>
+                        <a:ea typeface="MS Mincho" panose="02020609040205080304" pitchFamily="49" charset="-128"/>
+                        <a:cs typeface="Times New Roman" panose="02020603050405020304" pitchFamily="18" charset="0"/>
+                      </a:endParaRPr>
+                    </a:p>
+                  </a:txBody>
+                  <a:tcPr marL="68580" marR="68580" marT="0" marB="0" anchor="ctr"/>
+                </a:tc>
+                <a:tc>
+                  <a:txBody>
+                    <a:bodyPr/>
+                    <a:lstStyle/>
+                    <a:p>
+                      <a:pPr marL="0" marR="0" algn="ctr">
+                        <a:lnSpc>
+                          <a:spcPct val="200000"/>
+                        </a:lnSpc>
+                        <a:spcBef>
+                          <a:spcPts val="0"/>
+                        </a:spcBef>
+                        <a:spcAft>
+                          <a:spcPts val="0"/>
+                        </a:spcAft>
+                      </a:pPr>
+                      <a:r>
+                        <a:rPr lang="en-CA" sz="1400">
+                          <a:solidFill>
+                            <a:srgbClr val="000000"/>
+                          </a:solidFill>
+                          <a:effectLst/>
+                          <a:latin typeface="Calibri (Body)"/>
+                          <a:ea typeface="MS Mincho" panose="02020609040205080304" pitchFamily="49" charset="-128"/>
+                          <a:cs typeface="Times New Roman" panose="02020603050405020304" pitchFamily="18" charset="0"/>
+                        </a:rPr>
+                        <a:t>0.372624</a:t>
+                      </a:r>
+                      <a:endParaRPr lang="en-US" sz="1400">
+                        <a:effectLst/>
+                        <a:latin typeface="Calibri (Body)"/>
+                        <a:ea typeface="MS Mincho" panose="02020609040205080304" pitchFamily="49" charset="-128"/>
+                        <a:cs typeface="Times New Roman" panose="02020603050405020304" pitchFamily="18" charset="0"/>
+                      </a:endParaRPr>
+                    </a:p>
+                  </a:txBody>
+                  <a:tcPr marL="68580" marR="68580" marT="0" marB="0" anchor="ctr"/>
+                </a:tc>
+                <a:tc>
+                  <a:txBody>
+                    <a:bodyPr/>
+                    <a:lstStyle/>
+                    <a:p>
+                      <a:pPr marL="0" marR="0" algn="ctr">
+                        <a:lnSpc>
+                          <a:spcPct val="200000"/>
+                        </a:lnSpc>
+                        <a:spcBef>
+                          <a:spcPts val="0"/>
+                        </a:spcBef>
+                        <a:spcAft>
+                          <a:spcPts val="0"/>
+                        </a:spcAft>
+                      </a:pPr>
+                      <a:r>
+                        <a:rPr lang="en-CA" sz="1400">
+                          <a:solidFill>
+                            <a:srgbClr val="000000"/>
+                          </a:solidFill>
+                          <a:effectLst/>
+                          <a:latin typeface="Calibri (Body)"/>
+                          <a:ea typeface="MS Mincho" panose="02020609040205080304" pitchFamily="49" charset="-128"/>
+                          <a:cs typeface="Times New Roman" panose="02020603050405020304" pitchFamily="18" charset="0"/>
+                        </a:rPr>
+                        <a:t>0.2</a:t>
+                      </a:r>
+                      <a:endParaRPr lang="en-US" sz="1400">
+                        <a:effectLst/>
+                        <a:latin typeface="Calibri (Body)"/>
+                        <a:ea typeface="MS Mincho" panose="02020609040205080304" pitchFamily="49" charset="-128"/>
+                        <a:cs typeface="Times New Roman" panose="02020603050405020304" pitchFamily="18" charset="0"/>
+                      </a:endParaRPr>
+                    </a:p>
+                  </a:txBody>
+                  <a:tcPr marL="68580" marR="68580" marT="0" marB="0" anchor="ctr"/>
+                </a:tc>
+                <a:extLst>
+                  <a:ext uri="{0D108BD9-81ED-4DB2-BD59-A6C34878D82A}">
+                    <a16:rowId xmlns:a16="http://schemas.microsoft.com/office/drawing/2014/main" val="415623582"/>
+                  </a:ext>
+                </a:extLst>
+              </a:tr>
+              <a:tr h="515641">
+                <a:tc>
+                  <a:txBody>
+                    <a:bodyPr/>
+                    <a:lstStyle/>
+                    <a:p>
+                      <a:pPr marL="0" marR="0" algn="ctr">
+                        <a:lnSpc>
+                          <a:spcPct val="200000"/>
+                        </a:lnSpc>
+                        <a:spcBef>
+                          <a:spcPts val="0"/>
+                        </a:spcBef>
+                        <a:spcAft>
+                          <a:spcPts val="0"/>
+                        </a:spcAft>
+                      </a:pPr>
+                      <a:r>
+                        <a:rPr lang="en-CA" sz="1400">
+                          <a:solidFill>
+                            <a:srgbClr val="000000"/>
+                          </a:solidFill>
+                          <a:effectLst/>
+                          <a:latin typeface="Calibri (Body)"/>
+                          <a:ea typeface="MS Mincho" panose="02020609040205080304" pitchFamily="49" charset="-128"/>
+                          <a:cs typeface="Times New Roman" panose="02020603050405020304" pitchFamily="18" charset="0"/>
+                        </a:rPr>
+                        <a:t>3.428571</a:t>
+                      </a:r>
+                      <a:endParaRPr lang="en-US" sz="1600">
+                        <a:effectLst/>
+                        <a:latin typeface="Calibri (Body)"/>
+                        <a:ea typeface="MS Mincho" panose="02020609040205080304" pitchFamily="49" charset="-128"/>
+                        <a:cs typeface="Times New Roman" panose="02020603050405020304" pitchFamily="18" charset="0"/>
+                      </a:endParaRPr>
+                    </a:p>
+                  </a:txBody>
+                  <a:tcPr marL="68580" marR="68580" marT="0" marB="0" anchor="ctr"/>
+                </a:tc>
+                <a:tc>
+                  <a:txBody>
+                    <a:bodyPr/>
+                    <a:lstStyle/>
+                    <a:p>
+                      <a:pPr marL="0" marR="0" algn="ctr">
+                        <a:lnSpc>
+                          <a:spcPct val="200000"/>
+                        </a:lnSpc>
+                        <a:spcBef>
+                          <a:spcPts val="0"/>
+                        </a:spcBef>
+                        <a:spcAft>
+                          <a:spcPts val="0"/>
+                        </a:spcAft>
+                      </a:pPr>
+                      <a:r>
+                        <a:rPr lang="en-CA" sz="1400">
+                          <a:solidFill>
+                            <a:srgbClr val="000000"/>
+                          </a:solidFill>
+                          <a:effectLst/>
+                          <a:latin typeface="Calibri (Body)"/>
+                          <a:ea typeface="MS Mincho" panose="02020609040205080304" pitchFamily="49" charset="-128"/>
+                          <a:cs typeface="Times New Roman" panose="02020603050405020304" pitchFamily="18" charset="0"/>
+                        </a:rPr>
+                        <a:t>266.0711</a:t>
+                      </a:r>
+                      <a:endParaRPr lang="en-US" sz="1600">
+                        <a:effectLst/>
+                        <a:latin typeface="Calibri (Body)"/>
+                        <a:ea typeface="MS Mincho" panose="02020609040205080304" pitchFamily="49" charset="-128"/>
+                        <a:cs typeface="Times New Roman" panose="02020603050405020304" pitchFamily="18" charset="0"/>
+                      </a:endParaRPr>
+                    </a:p>
+                  </a:txBody>
+                  <a:tcPr marL="68580" marR="68580" marT="0" marB="0" anchor="ctr"/>
+                </a:tc>
+                <a:tc>
+                  <a:txBody>
+                    <a:bodyPr/>
+                    <a:lstStyle/>
+                    <a:p>
+                      <a:pPr marL="0" marR="0" algn="ctr">
+                        <a:lnSpc>
+                          <a:spcPct val="200000"/>
+                        </a:lnSpc>
+                        <a:spcBef>
+                          <a:spcPts val="0"/>
+                        </a:spcBef>
+                        <a:spcAft>
+                          <a:spcPts val="0"/>
+                        </a:spcAft>
+                      </a:pPr>
+                      <a:r>
+                        <a:rPr lang="en-CA" sz="1400">
+                          <a:solidFill>
+                            <a:srgbClr val="000000"/>
+                          </a:solidFill>
+                          <a:effectLst/>
+                          <a:latin typeface="Calibri (Body)"/>
+                          <a:ea typeface="MS Mincho" panose="02020609040205080304" pitchFamily="49" charset="-128"/>
+                          <a:cs typeface="Times New Roman" panose="02020603050405020304" pitchFamily="18" charset="0"/>
+                        </a:rPr>
+                        <a:t>1437616</a:t>
+                      </a:r>
+                      <a:endParaRPr lang="en-US" sz="1600">
+                        <a:effectLst/>
+                        <a:latin typeface="Calibri (Body)"/>
+                        <a:ea typeface="MS Mincho" panose="02020609040205080304" pitchFamily="49" charset="-128"/>
+                        <a:cs typeface="Times New Roman" panose="02020603050405020304" pitchFamily="18" charset="0"/>
+                      </a:endParaRPr>
+                    </a:p>
+                  </a:txBody>
+                  <a:tcPr marL="68580" marR="68580" marT="0" marB="0" anchor="ctr"/>
+                </a:tc>
+                <a:tc>
+                  <a:txBody>
+                    <a:bodyPr/>
+                    <a:lstStyle/>
+                    <a:p>
+                      <a:pPr marL="0" marR="0" algn="ctr">
+                        <a:lnSpc>
+                          <a:spcPct val="200000"/>
+                        </a:lnSpc>
+                        <a:spcBef>
+                          <a:spcPts val="0"/>
+                        </a:spcBef>
+                        <a:spcAft>
+                          <a:spcPts val="0"/>
+                        </a:spcAft>
+                      </a:pPr>
+                      <a:r>
+                        <a:rPr lang="en-CA" sz="1400">
+                          <a:solidFill>
+                            <a:srgbClr val="000000"/>
+                          </a:solidFill>
+                          <a:effectLst/>
+                          <a:latin typeface="Calibri (Body)"/>
+                          <a:ea typeface="MS Mincho" panose="02020609040205080304" pitchFamily="49" charset="-128"/>
+                          <a:cs typeface="Times New Roman" panose="02020603050405020304" pitchFamily="18" charset="0"/>
+                        </a:rPr>
+                        <a:t>4</a:t>
+                      </a:r>
+                      <a:endParaRPr lang="en-US" sz="1600">
+                        <a:effectLst/>
+                        <a:latin typeface="Calibri (Body)"/>
+                        <a:ea typeface="MS Mincho" panose="02020609040205080304" pitchFamily="49" charset="-128"/>
+                        <a:cs typeface="Times New Roman" panose="02020603050405020304" pitchFamily="18" charset="0"/>
+                      </a:endParaRPr>
+                    </a:p>
+                  </a:txBody>
+                  <a:tcPr marL="68580" marR="68580" marT="0" marB="0" anchor="ctr"/>
+                </a:tc>
+                <a:tc>
+                  <a:txBody>
+                    <a:bodyPr/>
+                    <a:lstStyle/>
+                    <a:p>
+                      <a:pPr marL="0" marR="0" algn="ctr">
+                        <a:lnSpc>
+                          <a:spcPct val="200000"/>
+                        </a:lnSpc>
+                        <a:spcBef>
+                          <a:spcPts val="0"/>
+                        </a:spcBef>
+                        <a:spcAft>
+                          <a:spcPts val="0"/>
+                        </a:spcAft>
+                      </a:pPr>
+                      <a:r>
+                        <a:rPr lang="en-CA" sz="1400">
+                          <a:solidFill>
+                            <a:srgbClr val="000000"/>
+                          </a:solidFill>
+                          <a:effectLst/>
+                          <a:latin typeface="Calibri (Body)"/>
+                          <a:ea typeface="MS Mincho" panose="02020609040205080304" pitchFamily="49" charset="-128"/>
+                          <a:cs typeface="Times New Roman" panose="02020603050405020304" pitchFamily="18" charset="0"/>
+                        </a:rPr>
+                        <a:t>51.02727</a:t>
+                      </a:r>
+                      <a:endParaRPr lang="en-US" sz="1600">
+                        <a:effectLst/>
+                        <a:latin typeface="Calibri (Body)"/>
+                        <a:ea typeface="MS Mincho" panose="02020609040205080304" pitchFamily="49" charset="-128"/>
+                        <a:cs typeface="Times New Roman" panose="02020603050405020304" pitchFamily="18" charset="0"/>
+                      </a:endParaRPr>
+                    </a:p>
+                  </a:txBody>
+                  <a:tcPr marL="68580" marR="68580" marT="0" marB="0" anchor="ctr"/>
+                </a:tc>
+                <a:tc>
+                  <a:txBody>
+                    <a:bodyPr/>
+                    <a:lstStyle/>
+                    <a:p>
+                      <a:pPr marL="0" marR="0" algn="ctr">
+                        <a:lnSpc>
+                          <a:spcPct val="200000"/>
+                        </a:lnSpc>
+                        <a:spcBef>
+                          <a:spcPts val="0"/>
+                        </a:spcBef>
+                        <a:spcAft>
+                          <a:spcPts val="0"/>
+                        </a:spcAft>
+                      </a:pPr>
+                      <a:r>
+                        <a:rPr lang="en-CA" sz="1400">
+                          <a:solidFill>
+                            <a:srgbClr val="000000"/>
+                          </a:solidFill>
+                          <a:effectLst/>
+                          <a:latin typeface="Calibri (Body)"/>
+                          <a:ea typeface="MS Mincho" panose="02020609040205080304" pitchFamily="49" charset="-128"/>
+                          <a:cs typeface="Times New Roman" panose="02020603050405020304" pitchFamily="18" charset="0"/>
+                        </a:rPr>
+                        <a:t>0.16</a:t>
+                      </a:r>
+                      <a:endParaRPr lang="en-US" sz="1400">
+                        <a:effectLst/>
+                        <a:latin typeface="Calibri (Body)"/>
+                        <a:ea typeface="MS Mincho" panose="02020609040205080304" pitchFamily="49" charset="-128"/>
+                        <a:cs typeface="Times New Roman" panose="02020603050405020304" pitchFamily="18" charset="0"/>
+                      </a:endParaRPr>
+                    </a:p>
+                  </a:txBody>
+                  <a:tcPr marL="68580" marR="68580" marT="0" marB="0" anchor="ctr"/>
+                </a:tc>
+                <a:tc>
+                  <a:txBody>
+                    <a:bodyPr/>
+                    <a:lstStyle/>
+                    <a:p>
+                      <a:pPr marL="0" marR="0" algn="ctr">
+                        <a:lnSpc>
+                          <a:spcPct val="200000"/>
+                        </a:lnSpc>
+                        <a:spcBef>
+                          <a:spcPts val="0"/>
+                        </a:spcBef>
+                        <a:spcAft>
+                          <a:spcPts val="0"/>
+                        </a:spcAft>
+                      </a:pPr>
+                      <a:r>
+                        <a:rPr lang="en-CA" sz="1400">
+                          <a:solidFill>
+                            <a:srgbClr val="000000"/>
+                          </a:solidFill>
+                          <a:effectLst/>
+                          <a:latin typeface="Calibri (Body)"/>
+                          <a:ea typeface="MS Mincho" panose="02020609040205080304" pitchFamily="49" charset="-128"/>
+                          <a:cs typeface="Times New Roman" panose="02020603050405020304" pitchFamily="18" charset="0"/>
+                        </a:rPr>
+                        <a:t>0.19</a:t>
+                      </a:r>
+                      <a:endParaRPr lang="en-US" sz="1400">
+                        <a:effectLst/>
+                        <a:latin typeface="Calibri (Body)"/>
+                        <a:ea typeface="MS Mincho" panose="02020609040205080304" pitchFamily="49" charset="-128"/>
+                        <a:cs typeface="Times New Roman" panose="02020603050405020304" pitchFamily="18" charset="0"/>
+                      </a:endParaRPr>
+                    </a:p>
+                  </a:txBody>
+                  <a:tcPr marL="68580" marR="68580" marT="0" marB="0" anchor="ctr"/>
+                </a:tc>
+                <a:tc>
+                  <a:txBody>
+                    <a:bodyPr/>
+                    <a:lstStyle/>
+                    <a:p>
+                      <a:pPr marL="0" marR="0" algn="ctr">
+                        <a:lnSpc>
+                          <a:spcPct val="200000"/>
+                        </a:lnSpc>
+                        <a:spcBef>
+                          <a:spcPts val="0"/>
+                        </a:spcBef>
+                        <a:spcAft>
+                          <a:spcPts val="0"/>
+                        </a:spcAft>
+                      </a:pPr>
+                      <a:r>
+                        <a:rPr lang="en-CA" sz="1400">
+                          <a:solidFill>
+                            <a:srgbClr val="000000"/>
+                          </a:solidFill>
+                          <a:effectLst/>
+                          <a:latin typeface="Calibri (Body)"/>
+                          <a:ea typeface="MS Mincho" panose="02020609040205080304" pitchFamily="49" charset="-128"/>
+                          <a:cs typeface="Times New Roman" panose="02020603050405020304" pitchFamily="18" charset="0"/>
+                        </a:rPr>
+                        <a:t>0.51</a:t>
+                      </a:r>
+                      <a:endParaRPr lang="en-US" sz="1400">
+                        <a:effectLst/>
+                        <a:latin typeface="Calibri (Body)"/>
+                        <a:ea typeface="MS Mincho" panose="02020609040205080304" pitchFamily="49" charset="-128"/>
+                        <a:cs typeface="Times New Roman" panose="02020603050405020304" pitchFamily="18" charset="0"/>
+                      </a:endParaRPr>
+                    </a:p>
+                  </a:txBody>
+                  <a:tcPr marL="68580" marR="68580" marT="0" marB="0" anchor="ctr"/>
+                </a:tc>
+                <a:tc>
+                  <a:txBody>
+                    <a:bodyPr/>
+                    <a:lstStyle/>
+                    <a:p>
+                      <a:pPr marL="0" marR="0" algn="ctr">
+                        <a:lnSpc>
+                          <a:spcPct val="200000"/>
+                        </a:lnSpc>
+                        <a:spcBef>
+                          <a:spcPts val="0"/>
+                        </a:spcBef>
+                        <a:spcAft>
+                          <a:spcPts val="0"/>
+                        </a:spcAft>
+                      </a:pPr>
+                      <a:r>
+                        <a:rPr lang="en-CA" sz="1400">
+                          <a:solidFill>
+                            <a:srgbClr val="000000"/>
+                          </a:solidFill>
+                          <a:effectLst/>
+                          <a:latin typeface="Calibri (Body)"/>
+                          <a:ea typeface="MS Mincho" panose="02020609040205080304" pitchFamily="49" charset="-128"/>
+                          <a:cs typeface="Times New Roman" panose="02020603050405020304" pitchFamily="18" charset="0"/>
+                        </a:rPr>
+                        <a:t>0.11</a:t>
+                      </a:r>
+                      <a:endParaRPr lang="en-US" sz="1400">
+                        <a:effectLst/>
+                        <a:latin typeface="Calibri (Body)"/>
+                        <a:ea typeface="MS Mincho" panose="02020609040205080304" pitchFamily="49" charset="-128"/>
+                        <a:cs typeface="Times New Roman" panose="02020603050405020304" pitchFamily="18" charset="0"/>
+                      </a:endParaRPr>
+                    </a:p>
+                  </a:txBody>
+                  <a:tcPr marL="68580" marR="68580" marT="0" marB="0" anchor="ctr"/>
+                </a:tc>
+                <a:tc>
+                  <a:txBody>
+                    <a:bodyPr/>
+                    <a:lstStyle/>
+                    <a:p>
+                      <a:pPr marL="0" marR="0" algn="ctr">
+                        <a:lnSpc>
+                          <a:spcPct val="200000"/>
+                        </a:lnSpc>
+                        <a:spcBef>
+                          <a:spcPts val="0"/>
+                        </a:spcBef>
+                        <a:spcAft>
+                          <a:spcPts val="0"/>
+                        </a:spcAft>
+                      </a:pPr>
+                      <a:r>
+                        <a:rPr lang="en-CA" sz="1400" dirty="0">
+                          <a:solidFill>
+                            <a:srgbClr val="000000"/>
+                          </a:solidFill>
+                          <a:effectLst/>
+                          <a:latin typeface="Calibri (Body)"/>
+                          <a:ea typeface="MS Mincho" panose="02020609040205080304" pitchFamily="49" charset="-128"/>
+                          <a:cs typeface="Times New Roman" panose="02020603050405020304" pitchFamily="18" charset="0"/>
+                        </a:rPr>
+                        <a:t>0.03</a:t>
+                      </a:r>
+                      <a:endParaRPr lang="en-US" sz="1400" dirty="0">
+                        <a:effectLst/>
+                        <a:latin typeface="Calibri (Body)"/>
+                        <a:ea typeface="MS Mincho" panose="02020609040205080304" pitchFamily="49" charset="-128"/>
+                        <a:cs typeface="Times New Roman" panose="02020603050405020304" pitchFamily="18" charset="0"/>
+                      </a:endParaRPr>
+                    </a:p>
+                  </a:txBody>
+                  <a:tcPr marL="68580" marR="68580" marT="0" marB="0" anchor="ctr"/>
+                </a:tc>
+                <a:tc>
+                  <a:txBody>
+                    <a:bodyPr/>
+                    <a:lstStyle/>
+                    <a:p>
+                      <a:pPr marL="0" marR="0" algn="ctr">
+                        <a:lnSpc>
+                          <a:spcPct val="200000"/>
+                        </a:lnSpc>
+                        <a:spcBef>
+                          <a:spcPts val="0"/>
+                        </a:spcBef>
+                        <a:spcAft>
+                          <a:spcPts val="0"/>
+                        </a:spcAft>
+                      </a:pPr>
+                      <a:r>
+                        <a:rPr lang="en-CA" sz="1400">
+                          <a:solidFill>
+                            <a:srgbClr val="000000"/>
+                          </a:solidFill>
+                          <a:effectLst/>
+                          <a:latin typeface="Calibri (Body)"/>
+                          <a:ea typeface="MS Mincho" panose="02020609040205080304" pitchFamily="49" charset="-128"/>
+                          <a:cs typeface="Times New Roman" panose="02020603050405020304" pitchFamily="18" charset="0"/>
+                        </a:rPr>
+                        <a:t>0.278424</a:t>
+                      </a:r>
+                      <a:endParaRPr lang="en-US" sz="1400">
+                        <a:effectLst/>
+                        <a:latin typeface="Calibri (Body)"/>
+                        <a:ea typeface="MS Mincho" panose="02020609040205080304" pitchFamily="49" charset="-128"/>
+                        <a:cs typeface="Times New Roman" panose="02020603050405020304" pitchFamily="18" charset="0"/>
+                      </a:endParaRPr>
+                    </a:p>
+                  </a:txBody>
+                  <a:tcPr marL="68580" marR="68580" marT="0" marB="0" anchor="ctr"/>
+                </a:tc>
+                <a:tc>
+                  <a:txBody>
+                    <a:bodyPr/>
+                    <a:lstStyle/>
+                    <a:p>
+                      <a:pPr marL="0" marR="0" algn="ctr">
+                        <a:lnSpc>
+                          <a:spcPct val="200000"/>
+                        </a:lnSpc>
+                        <a:spcBef>
+                          <a:spcPts val="0"/>
+                        </a:spcBef>
+                        <a:spcAft>
+                          <a:spcPts val="0"/>
+                        </a:spcAft>
+                      </a:pPr>
+                      <a:r>
+                        <a:rPr lang="en-CA" sz="1400">
+                          <a:solidFill>
+                            <a:srgbClr val="000000"/>
+                          </a:solidFill>
+                          <a:effectLst/>
+                          <a:latin typeface="Calibri (Body)"/>
+                          <a:ea typeface="MS Mincho" panose="02020609040205080304" pitchFamily="49" charset="-128"/>
+                          <a:cs typeface="Times New Roman" panose="02020603050405020304" pitchFamily="18" charset="0"/>
+                        </a:rPr>
+                        <a:t>0.16</a:t>
+                      </a:r>
+                      <a:endParaRPr lang="en-US" sz="1400">
+                        <a:effectLst/>
+                        <a:latin typeface="Calibri (Body)"/>
+                        <a:ea typeface="MS Mincho" panose="02020609040205080304" pitchFamily="49" charset="-128"/>
+                        <a:cs typeface="Times New Roman" panose="02020603050405020304" pitchFamily="18" charset="0"/>
+                      </a:endParaRPr>
+                    </a:p>
+                  </a:txBody>
+                  <a:tcPr marL="68580" marR="68580" marT="0" marB="0" anchor="ctr"/>
+                </a:tc>
+                <a:extLst>
+                  <a:ext uri="{0D108BD9-81ED-4DB2-BD59-A6C34878D82A}">
+                    <a16:rowId xmlns:a16="http://schemas.microsoft.com/office/drawing/2014/main" val="4129344431"/>
+                  </a:ext>
+                </a:extLst>
+              </a:tr>
+              <a:tr h="515641">
+                <a:tc>
+                  <a:txBody>
+                    <a:bodyPr/>
+                    <a:lstStyle/>
+                    <a:p>
+                      <a:pPr marL="0" marR="0" algn="ctr">
+                        <a:lnSpc>
+                          <a:spcPct val="200000"/>
+                        </a:lnSpc>
+                        <a:spcBef>
+                          <a:spcPts val="0"/>
+                        </a:spcBef>
+                        <a:spcAft>
+                          <a:spcPts val="0"/>
+                        </a:spcAft>
+                      </a:pPr>
+                      <a:r>
+                        <a:rPr lang="en-CA" sz="1400">
+                          <a:solidFill>
+                            <a:srgbClr val="000000"/>
+                          </a:solidFill>
+                          <a:effectLst/>
+                          <a:latin typeface="Calibri (Body)"/>
+                          <a:ea typeface="MS Mincho" panose="02020609040205080304" pitchFamily="49" charset="-128"/>
+                          <a:cs typeface="Times New Roman" panose="02020603050405020304" pitchFamily="18" charset="0"/>
+                        </a:rPr>
+                        <a:t>4.2</a:t>
+                      </a:r>
+                      <a:endParaRPr lang="en-US" sz="1600">
+                        <a:effectLst/>
+                        <a:latin typeface="Calibri (Body)"/>
+                        <a:ea typeface="MS Mincho" panose="02020609040205080304" pitchFamily="49" charset="-128"/>
+                        <a:cs typeface="Times New Roman" panose="02020603050405020304" pitchFamily="18" charset="0"/>
+                      </a:endParaRPr>
+                    </a:p>
+                  </a:txBody>
+                  <a:tcPr marL="68580" marR="68580" marT="0" marB="0" anchor="ctr"/>
+                </a:tc>
+                <a:tc>
+                  <a:txBody>
+                    <a:bodyPr/>
+                    <a:lstStyle/>
+                    <a:p>
+                      <a:pPr marL="0" marR="0" algn="ctr">
+                        <a:lnSpc>
+                          <a:spcPct val="200000"/>
+                        </a:lnSpc>
+                        <a:spcBef>
+                          <a:spcPts val="0"/>
+                        </a:spcBef>
+                        <a:spcAft>
+                          <a:spcPts val="0"/>
+                        </a:spcAft>
+                      </a:pPr>
+                      <a:r>
+                        <a:rPr lang="en-CA" sz="1400">
+                          <a:solidFill>
+                            <a:srgbClr val="000000"/>
+                          </a:solidFill>
+                          <a:effectLst/>
+                          <a:latin typeface="Calibri (Body)"/>
+                          <a:ea typeface="MS Mincho" panose="02020609040205080304" pitchFamily="49" charset="-128"/>
+                          <a:cs typeface="Times New Roman" panose="02020603050405020304" pitchFamily="18" charset="0"/>
+                        </a:rPr>
+                        <a:t>281.7773</a:t>
+                      </a:r>
+                      <a:endParaRPr lang="en-US" sz="1600">
+                        <a:effectLst/>
+                        <a:latin typeface="Calibri (Body)"/>
+                        <a:ea typeface="MS Mincho" panose="02020609040205080304" pitchFamily="49" charset="-128"/>
+                        <a:cs typeface="Times New Roman" panose="02020603050405020304" pitchFamily="18" charset="0"/>
+                      </a:endParaRPr>
+                    </a:p>
+                  </a:txBody>
+                  <a:tcPr marL="68580" marR="68580" marT="0" marB="0" anchor="ctr"/>
+                </a:tc>
+                <a:tc>
+                  <a:txBody>
+                    <a:bodyPr/>
+                    <a:lstStyle/>
+                    <a:p>
+                      <a:pPr marL="0" marR="0" algn="ctr">
+                        <a:lnSpc>
+                          <a:spcPct val="200000"/>
+                        </a:lnSpc>
+                        <a:spcBef>
+                          <a:spcPts val="0"/>
+                        </a:spcBef>
+                        <a:spcAft>
+                          <a:spcPts val="0"/>
+                        </a:spcAft>
+                      </a:pPr>
+                      <a:r>
+                        <a:rPr lang="en-CA" sz="1400">
+                          <a:solidFill>
+                            <a:srgbClr val="000000"/>
+                          </a:solidFill>
+                          <a:effectLst/>
+                          <a:latin typeface="Calibri (Body)"/>
+                          <a:ea typeface="MS Mincho" panose="02020609040205080304" pitchFamily="49" charset="-128"/>
+                          <a:cs typeface="Times New Roman" panose="02020603050405020304" pitchFamily="18" charset="0"/>
+                        </a:rPr>
+                        <a:t>419080.8</a:t>
+                      </a:r>
+                      <a:endParaRPr lang="en-US" sz="1600">
+                        <a:effectLst/>
+                        <a:latin typeface="Calibri (Body)"/>
+                        <a:ea typeface="MS Mincho" panose="02020609040205080304" pitchFamily="49" charset="-128"/>
+                        <a:cs typeface="Times New Roman" panose="02020603050405020304" pitchFamily="18" charset="0"/>
+                      </a:endParaRPr>
+                    </a:p>
+                  </a:txBody>
+                  <a:tcPr marL="68580" marR="68580" marT="0" marB="0" anchor="ctr"/>
+                </a:tc>
+                <a:tc>
+                  <a:txBody>
+                    <a:bodyPr/>
+                    <a:lstStyle/>
+                    <a:p>
+                      <a:pPr marL="0" marR="0" algn="ctr">
+                        <a:lnSpc>
+                          <a:spcPct val="200000"/>
+                        </a:lnSpc>
+                        <a:spcBef>
+                          <a:spcPts val="0"/>
+                        </a:spcBef>
+                        <a:spcAft>
+                          <a:spcPts val="0"/>
+                        </a:spcAft>
+                      </a:pPr>
+                      <a:r>
+                        <a:rPr lang="en-CA" sz="1400" dirty="0">
+                          <a:solidFill>
+                            <a:srgbClr val="000000"/>
+                          </a:solidFill>
+                          <a:effectLst/>
+                          <a:latin typeface="Calibri (Body)"/>
+                          <a:ea typeface="MS Mincho" panose="02020609040205080304" pitchFamily="49" charset="-128"/>
+                          <a:cs typeface="Times New Roman" panose="02020603050405020304" pitchFamily="18" charset="0"/>
+                        </a:rPr>
+                        <a:t>3</a:t>
+                      </a:r>
+                      <a:endParaRPr lang="en-US" sz="1600" dirty="0">
+                        <a:effectLst/>
+                        <a:latin typeface="Calibri (Body)"/>
+                        <a:ea typeface="MS Mincho" panose="02020609040205080304" pitchFamily="49" charset="-128"/>
+                        <a:cs typeface="Times New Roman" panose="02020603050405020304" pitchFamily="18" charset="0"/>
+                      </a:endParaRPr>
+                    </a:p>
+                  </a:txBody>
+                  <a:tcPr marL="68580" marR="68580" marT="0" marB="0" anchor="ctr"/>
+                </a:tc>
+                <a:tc>
+                  <a:txBody>
+                    <a:bodyPr/>
+                    <a:lstStyle/>
+                    <a:p>
+                      <a:pPr marL="0" marR="0" algn="ctr">
+                        <a:lnSpc>
+                          <a:spcPct val="200000"/>
+                        </a:lnSpc>
+                        <a:spcBef>
+                          <a:spcPts val="0"/>
+                        </a:spcBef>
+                        <a:spcAft>
+                          <a:spcPts val="0"/>
+                        </a:spcAft>
+                      </a:pPr>
+                      <a:r>
+                        <a:rPr lang="en-CA" sz="1400" dirty="0">
+                          <a:solidFill>
+                            <a:srgbClr val="000000"/>
+                          </a:solidFill>
+                          <a:effectLst/>
+                          <a:latin typeface="Calibri (Body)"/>
+                          <a:ea typeface="MS Mincho" panose="02020609040205080304" pitchFamily="49" charset="-128"/>
+                          <a:cs typeface="Times New Roman" panose="02020603050405020304" pitchFamily="18" charset="0"/>
+                        </a:rPr>
+                        <a:t>37.98182</a:t>
+                      </a:r>
+                      <a:endParaRPr lang="en-US" sz="1600" dirty="0">
+                        <a:effectLst/>
+                        <a:latin typeface="Calibri (Body)"/>
+                        <a:ea typeface="MS Mincho" panose="02020609040205080304" pitchFamily="49" charset="-128"/>
+                        <a:cs typeface="Times New Roman" panose="02020603050405020304" pitchFamily="18" charset="0"/>
+                      </a:endParaRPr>
+                    </a:p>
+                  </a:txBody>
+                  <a:tcPr marL="68580" marR="68580" marT="0" marB="0" anchor="ctr"/>
+                </a:tc>
+                <a:tc>
+                  <a:txBody>
+                    <a:bodyPr/>
+                    <a:lstStyle/>
+                    <a:p>
+                      <a:pPr marL="0" marR="0" algn="ctr">
+                        <a:lnSpc>
+                          <a:spcPct val="200000"/>
+                        </a:lnSpc>
+                        <a:spcBef>
+                          <a:spcPts val="0"/>
+                        </a:spcBef>
+                        <a:spcAft>
+                          <a:spcPts val="0"/>
+                        </a:spcAft>
+                      </a:pPr>
+                      <a:r>
+                        <a:rPr lang="en-CA" sz="1400">
+                          <a:solidFill>
+                            <a:srgbClr val="000000"/>
+                          </a:solidFill>
+                          <a:effectLst/>
+                          <a:latin typeface="Calibri (Body)"/>
+                          <a:ea typeface="MS Mincho" panose="02020609040205080304" pitchFamily="49" charset="-128"/>
+                          <a:cs typeface="Times New Roman" panose="02020603050405020304" pitchFamily="18" charset="0"/>
+                        </a:rPr>
+                        <a:t>0.18</a:t>
+                      </a:r>
+                      <a:endParaRPr lang="en-US" sz="1400">
+                        <a:effectLst/>
+                        <a:latin typeface="Calibri (Body)"/>
+                        <a:ea typeface="MS Mincho" panose="02020609040205080304" pitchFamily="49" charset="-128"/>
+                        <a:cs typeface="Times New Roman" panose="02020603050405020304" pitchFamily="18" charset="0"/>
+                      </a:endParaRPr>
+                    </a:p>
+                  </a:txBody>
+                  <a:tcPr marL="68580" marR="68580" marT="0" marB="0" anchor="ctr"/>
+                </a:tc>
+                <a:tc>
+                  <a:txBody>
+                    <a:bodyPr/>
+                    <a:lstStyle/>
+                    <a:p>
+                      <a:pPr marL="0" marR="0" algn="ctr">
+                        <a:lnSpc>
+                          <a:spcPct val="200000"/>
+                        </a:lnSpc>
+                        <a:spcBef>
+                          <a:spcPts val="0"/>
+                        </a:spcBef>
+                        <a:spcAft>
+                          <a:spcPts val="0"/>
+                        </a:spcAft>
+                      </a:pPr>
+                      <a:r>
+                        <a:rPr lang="en-CA" sz="1400">
+                          <a:solidFill>
+                            <a:srgbClr val="000000"/>
+                          </a:solidFill>
+                          <a:effectLst/>
+                          <a:latin typeface="Calibri (Body)"/>
+                          <a:ea typeface="MS Mincho" panose="02020609040205080304" pitchFamily="49" charset="-128"/>
+                          <a:cs typeface="Times New Roman" panose="02020603050405020304" pitchFamily="18" charset="0"/>
+                        </a:rPr>
+                        <a:t>0.06</a:t>
+                      </a:r>
+                      <a:endParaRPr lang="en-US" sz="1400">
+                        <a:effectLst/>
+                        <a:latin typeface="Calibri (Body)"/>
+                        <a:ea typeface="MS Mincho" panose="02020609040205080304" pitchFamily="49" charset="-128"/>
+                        <a:cs typeface="Times New Roman" panose="02020603050405020304" pitchFamily="18" charset="0"/>
+                      </a:endParaRPr>
+                    </a:p>
+                  </a:txBody>
+                  <a:tcPr marL="68580" marR="68580" marT="0" marB="0" anchor="ctr"/>
+                </a:tc>
+                <a:tc>
+                  <a:txBody>
+                    <a:bodyPr/>
+                    <a:lstStyle/>
+                    <a:p>
+                      <a:pPr marL="0" marR="0" algn="ctr">
+                        <a:lnSpc>
+                          <a:spcPct val="200000"/>
+                        </a:lnSpc>
+                        <a:spcBef>
+                          <a:spcPts val="0"/>
+                        </a:spcBef>
+                        <a:spcAft>
+                          <a:spcPts val="0"/>
+                        </a:spcAft>
+                      </a:pPr>
+                      <a:r>
+                        <a:rPr lang="en-CA" sz="1400">
+                          <a:solidFill>
+                            <a:srgbClr val="000000"/>
+                          </a:solidFill>
+                          <a:effectLst/>
+                          <a:latin typeface="Calibri (Body)"/>
+                          <a:ea typeface="MS Mincho" panose="02020609040205080304" pitchFamily="49" charset="-128"/>
+                          <a:cs typeface="Times New Roman" panose="02020603050405020304" pitchFamily="18" charset="0"/>
+                        </a:rPr>
+                        <a:t>0.62</a:t>
+                      </a:r>
+                      <a:endParaRPr lang="en-US" sz="1400">
+                        <a:effectLst/>
+                        <a:latin typeface="Calibri (Body)"/>
+                        <a:ea typeface="MS Mincho" panose="02020609040205080304" pitchFamily="49" charset="-128"/>
+                        <a:cs typeface="Times New Roman" panose="02020603050405020304" pitchFamily="18" charset="0"/>
+                      </a:endParaRPr>
+                    </a:p>
+                  </a:txBody>
+                  <a:tcPr marL="68580" marR="68580" marT="0" marB="0" anchor="ctr"/>
+                </a:tc>
+                <a:tc>
+                  <a:txBody>
+                    <a:bodyPr/>
+                    <a:lstStyle/>
+                    <a:p>
+                      <a:pPr marL="0" marR="0" algn="ctr">
+                        <a:lnSpc>
+                          <a:spcPct val="200000"/>
+                        </a:lnSpc>
+                        <a:spcBef>
+                          <a:spcPts val="0"/>
+                        </a:spcBef>
+                        <a:spcAft>
+                          <a:spcPts val="0"/>
+                        </a:spcAft>
+                      </a:pPr>
+                      <a:r>
+                        <a:rPr lang="en-CA" sz="1400">
+                          <a:solidFill>
+                            <a:srgbClr val="000000"/>
+                          </a:solidFill>
+                          <a:effectLst/>
+                          <a:latin typeface="Calibri (Body)"/>
+                          <a:ea typeface="MS Mincho" panose="02020609040205080304" pitchFamily="49" charset="-128"/>
+                          <a:cs typeface="Times New Roman" panose="02020603050405020304" pitchFamily="18" charset="0"/>
+                        </a:rPr>
+                        <a:t>0.1</a:t>
+                      </a:r>
+                      <a:endParaRPr lang="en-US" sz="1400">
+                        <a:effectLst/>
+                        <a:latin typeface="Calibri (Body)"/>
+                        <a:ea typeface="MS Mincho" panose="02020609040205080304" pitchFamily="49" charset="-128"/>
+                        <a:cs typeface="Times New Roman" panose="02020603050405020304" pitchFamily="18" charset="0"/>
+                      </a:endParaRPr>
+                    </a:p>
+                  </a:txBody>
+                  <a:tcPr marL="68580" marR="68580" marT="0" marB="0" anchor="ctr"/>
+                </a:tc>
+                <a:tc>
+                  <a:txBody>
+                    <a:bodyPr/>
+                    <a:lstStyle/>
+                    <a:p>
+                      <a:pPr marL="0" marR="0" algn="ctr">
+                        <a:lnSpc>
+                          <a:spcPct val="200000"/>
+                        </a:lnSpc>
+                        <a:spcBef>
+                          <a:spcPts val="0"/>
+                        </a:spcBef>
+                        <a:spcAft>
+                          <a:spcPts val="0"/>
+                        </a:spcAft>
+                      </a:pPr>
+                      <a:r>
+                        <a:rPr lang="en-CA" sz="1400" dirty="0">
+                          <a:solidFill>
+                            <a:srgbClr val="000000"/>
+                          </a:solidFill>
+                          <a:effectLst/>
+                          <a:latin typeface="Calibri (Body)"/>
+                          <a:ea typeface="MS Mincho" panose="02020609040205080304" pitchFamily="49" charset="-128"/>
+                          <a:cs typeface="Times New Roman" panose="02020603050405020304" pitchFamily="18" charset="0"/>
+                        </a:rPr>
+                        <a:t>0.04</a:t>
+                      </a:r>
+                      <a:endParaRPr lang="en-US" sz="1400" dirty="0">
+                        <a:effectLst/>
+                        <a:latin typeface="Calibri (Body)"/>
+                        <a:ea typeface="MS Mincho" panose="02020609040205080304" pitchFamily="49" charset="-128"/>
+                        <a:cs typeface="Times New Roman" panose="02020603050405020304" pitchFamily="18" charset="0"/>
+                      </a:endParaRPr>
+                    </a:p>
+                  </a:txBody>
+                  <a:tcPr marL="68580" marR="68580" marT="0" marB="0" anchor="ctr"/>
+                </a:tc>
+                <a:tc>
+                  <a:txBody>
+                    <a:bodyPr/>
+                    <a:lstStyle/>
+                    <a:p>
+                      <a:pPr marL="0" marR="0" algn="ctr">
+                        <a:lnSpc>
+                          <a:spcPct val="200000"/>
+                        </a:lnSpc>
+                        <a:spcBef>
+                          <a:spcPts val="0"/>
+                        </a:spcBef>
+                        <a:spcAft>
+                          <a:spcPts val="0"/>
+                        </a:spcAft>
+                      </a:pPr>
+                      <a:r>
+                        <a:rPr lang="en-CA" sz="1400">
+                          <a:solidFill>
+                            <a:srgbClr val="000000"/>
+                          </a:solidFill>
+                          <a:effectLst/>
+                          <a:latin typeface="Calibri (Body)"/>
+                          <a:ea typeface="MS Mincho" panose="02020609040205080304" pitchFamily="49" charset="-128"/>
+                          <a:cs typeface="Times New Roman" panose="02020603050405020304" pitchFamily="18" charset="0"/>
+                        </a:rPr>
+                        <a:t>0.168878</a:t>
+                      </a:r>
+                      <a:endParaRPr lang="en-US" sz="1400">
+                        <a:effectLst/>
+                        <a:latin typeface="Calibri (Body)"/>
+                        <a:ea typeface="MS Mincho" panose="02020609040205080304" pitchFamily="49" charset="-128"/>
+                        <a:cs typeface="Times New Roman" panose="02020603050405020304" pitchFamily="18" charset="0"/>
+                      </a:endParaRPr>
+                    </a:p>
+                  </a:txBody>
+                  <a:tcPr marL="68580" marR="68580" marT="0" marB="0" anchor="ctr"/>
+                </a:tc>
+                <a:tc>
+                  <a:txBody>
+                    <a:bodyPr/>
+                    <a:lstStyle/>
+                    <a:p>
+                      <a:pPr marL="0" marR="0" algn="ctr">
+                        <a:lnSpc>
+                          <a:spcPct val="200000"/>
+                        </a:lnSpc>
+                        <a:spcBef>
+                          <a:spcPts val="0"/>
+                        </a:spcBef>
+                        <a:spcAft>
+                          <a:spcPts val="0"/>
+                        </a:spcAft>
+                      </a:pPr>
+                      <a:r>
+                        <a:rPr lang="en-CA" sz="1400" dirty="0">
+                          <a:solidFill>
+                            <a:srgbClr val="000000"/>
+                          </a:solidFill>
+                          <a:effectLst/>
+                          <a:latin typeface="Calibri (Body)"/>
+                          <a:ea typeface="MS Mincho" panose="02020609040205080304" pitchFamily="49" charset="-128"/>
+                          <a:cs typeface="Times New Roman" panose="02020603050405020304" pitchFamily="18" charset="0"/>
+                        </a:rPr>
+                        <a:t>0.18</a:t>
+                      </a:r>
+                      <a:endParaRPr lang="en-US" sz="1400" dirty="0">
+                        <a:effectLst/>
+                        <a:latin typeface="Calibri (Body)"/>
+                        <a:ea typeface="MS Mincho" panose="02020609040205080304" pitchFamily="49" charset="-128"/>
+                        <a:cs typeface="Times New Roman" panose="02020603050405020304" pitchFamily="18" charset="0"/>
+                      </a:endParaRPr>
+                    </a:p>
+                  </a:txBody>
+                  <a:tcPr marL="68580" marR="68580" marT="0" marB="0" anchor="ctr"/>
+                </a:tc>
+                <a:extLst>
+                  <a:ext uri="{0D108BD9-81ED-4DB2-BD59-A6C34878D82A}">
+                    <a16:rowId xmlns:a16="http://schemas.microsoft.com/office/drawing/2014/main" val="1777055642"/>
+                  </a:ext>
+                </a:extLst>
+              </a:tr>
+              <a:tr h="515641">
+                <a:tc>
+                  <a:txBody>
+                    <a:bodyPr/>
+                    <a:lstStyle/>
+                    <a:p>
+                      <a:pPr marL="0" marR="0" algn="ctr">
+                        <a:lnSpc>
+                          <a:spcPct val="200000"/>
+                        </a:lnSpc>
+                        <a:spcBef>
+                          <a:spcPts val="0"/>
+                        </a:spcBef>
+                        <a:spcAft>
+                          <a:spcPts val="0"/>
+                        </a:spcAft>
+                      </a:pPr>
+                      <a:r>
+                        <a:rPr lang="en-CA" sz="1400">
+                          <a:solidFill>
+                            <a:srgbClr val="000000"/>
+                          </a:solidFill>
+                          <a:effectLst/>
+                          <a:latin typeface="Calibri (Body)"/>
+                          <a:ea typeface="MS Mincho" panose="02020609040205080304" pitchFamily="49" charset="-128"/>
+                          <a:cs typeface="Times New Roman" panose="02020603050405020304" pitchFamily="18" charset="0"/>
+                        </a:rPr>
+                        <a:t>3.428571</a:t>
+                      </a:r>
+                      <a:endParaRPr lang="en-US" sz="1600">
+                        <a:effectLst/>
+                        <a:latin typeface="Calibri (Body)"/>
+                        <a:ea typeface="MS Mincho" panose="02020609040205080304" pitchFamily="49" charset="-128"/>
+                        <a:cs typeface="Times New Roman" panose="02020603050405020304" pitchFamily="18" charset="0"/>
+                      </a:endParaRPr>
+                    </a:p>
+                  </a:txBody>
+                  <a:tcPr marL="68580" marR="68580" marT="0" marB="0" anchor="ctr"/>
+                </a:tc>
+                <a:tc>
+                  <a:txBody>
+                    <a:bodyPr/>
+                    <a:lstStyle/>
+                    <a:p>
+                      <a:pPr marL="0" marR="0" algn="ctr">
+                        <a:lnSpc>
+                          <a:spcPct val="200000"/>
+                        </a:lnSpc>
+                        <a:spcBef>
+                          <a:spcPts val="0"/>
+                        </a:spcBef>
+                        <a:spcAft>
+                          <a:spcPts val="0"/>
+                        </a:spcAft>
+                      </a:pPr>
+                      <a:r>
+                        <a:rPr lang="en-CA" sz="1400">
+                          <a:solidFill>
+                            <a:srgbClr val="000000"/>
+                          </a:solidFill>
+                          <a:effectLst/>
+                          <a:latin typeface="Calibri (Body)"/>
+                          <a:ea typeface="MS Mincho" panose="02020609040205080304" pitchFamily="49" charset="-128"/>
+                          <a:cs typeface="Times New Roman" panose="02020603050405020304" pitchFamily="18" charset="0"/>
+                        </a:rPr>
+                        <a:t>282.6642</a:t>
+                      </a:r>
+                      <a:endParaRPr lang="en-US" sz="1600">
+                        <a:effectLst/>
+                        <a:latin typeface="Calibri (Body)"/>
+                        <a:ea typeface="MS Mincho" panose="02020609040205080304" pitchFamily="49" charset="-128"/>
+                        <a:cs typeface="Times New Roman" panose="02020603050405020304" pitchFamily="18" charset="0"/>
+                      </a:endParaRPr>
+                    </a:p>
+                  </a:txBody>
+                  <a:tcPr marL="68580" marR="68580" marT="0" marB="0" anchor="ctr"/>
+                </a:tc>
+                <a:tc>
+                  <a:txBody>
+                    <a:bodyPr/>
+                    <a:lstStyle/>
+                    <a:p>
+                      <a:pPr marL="0" marR="0" algn="ctr">
+                        <a:lnSpc>
+                          <a:spcPct val="200000"/>
+                        </a:lnSpc>
+                        <a:spcBef>
+                          <a:spcPts val="0"/>
+                        </a:spcBef>
+                        <a:spcAft>
+                          <a:spcPts val="0"/>
+                        </a:spcAft>
+                      </a:pPr>
+                      <a:r>
+                        <a:rPr lang="en-CA" sz="1400">
+                          <a:solidFill>
+                            <a:srgbClr val="000000"/>
+                          </a:solidFill>
+                          <a:effectLst/>
+                          <a:latin typeface="Calibri (Body)"/>
+                          <a:ea typeface="MS Mincho" panose="02020609040205080304" pitchFamily="49" charset="-128"/>
+                          <a:cs typeface="Times New Roman" panose="02020603050405020304" pitchFamily="18" charset="0"/>
+                        </a:rPr>
+                        <a:t>161026.1</a:t>
+                      </a:r>
+                      <a:endParaRPr lang="en-US" sz="1600">
+                        <a:effectLst/>
+                        <a:latin typeface="Calibri (Body)"/>
+                        <a:ea typeface="MS Mincho" panose="02020609040205080304" pitchFamily="49" charset="-128"/>
+                        <a:cs typeface="Times New Roman" panose="02020603050405020304" pitchFamily="18" charset="0"/>
+                      </a:endParaRPr>
+                    </a:p>
+                  </a:txBody>
+                  <a:tcPr marL="68580" marR="68580" marT="0" marB="0" anchor="ctr"/>
+                </a:tc>
+                <a:tc>
+                  <a:txBody>
+                    <a:bodyPr/>
+                    <a:lstStyle/>
+                    <a:p>
+                      <a:pPr marL="0" marR="0" algn="ctr">
+                        <a:lnSpc>
+                          <a:spcPct val="200000"/>
+                        </a:lnSpc>
+                        <a:spcBef>
+                          <a:spcPts val="0"/>
+                        </a:spcBef>
+                        <a:spcAft>
+                          <a:spcPts val="0"/>
+                        </a:spcAft>
+                      </a:pPr>
+                      <a:r>
+                        <a:rPr lang="en-CA" sz="1400">
+                          <a:solidFill>
+                            <a:srgbClr val="000000"/>
+                          </a:solidFill>
+                          <a:effectLst/>
+                          <a:latin typeface="Calibri (Body)"/>
+                          <a:ea typeface="MS Mincho" panose="02020609040205080304" pitchFamily="49" charset="-128"/>
+                          <a:cs typeface="Times New Roman" panose="02020603050405020304" pitchFamily="18" charset="0"/>
+                        </a:rPr>
+                        <a:t>0</a:t>
+                      </a:r>
+                      <a:endParaRPr lang="en-US" sz="1600">
+                        <a:effectLst/>
+                        <a:latin typeface="Calibri (Body)"/>
+                        <a:ea typeface="MS Mincho" panose="02020609040205080304" pitchFamily="49" charset="-128"/>
+                        <a:cs typeface="Times New Roman" panose="02020603050405020304" pitchFamily="18" charset="0"/>
+                      </a:endParaRPr>
+                    </a:p>
+                  </a:txBody>
+                  <a:tcPr marL="68580" marR="68580" marT="0" marB="0" anchor="ctr"/>
+                </a:tc>
+                <a:tc>
+                  <a:txBody>
+                    <a:bodyPr/>
+                    <a:lstStyle/>
+                    <a:p>
+                      <a:pPr marL="0" marR="0" algn="ctr">
+                        <a:lnSpc>
+                          <a:spcPct val="200000"/>
+                        </a:lnSpc>
+                        <a:spcBef>
+                          <a:spcPts val="0"/>
+                        </a:spcBef>
+                        <a:spcAft>
+                          <a:spcPts val="0"/>
+                        </a:spcAft>
+                      </a:pPr>
+                      <a:r>
+                        <a:rPr lang="en-CA" sz="1400">
+                          <a:solidFill>
+                            <a:srgbClr val="000000"/>
+                          </a:solidFill>
+                          <a:effectLst/>
+                          <a:latin typeface="Calibri (Body)"/>
+                          <a:ea typeface="MS Mincho" panose="02020609040205080304" pitchFamily="49" charset="-128"/>
+                          <a:cs typeface="Times New Roman" panose="02020603050405020304" pitchFamily="18" charset="0"/>
+                        </a:rPr>
+                        <a:t>37.07273</a:t>
+                      </a:r>
+                      <a:endParaRPr lang="en-US" sz="1600">
+                        <a:effectLst/>
+                        <a:latin typeface="Calibri (Body)"/>
+                        <a:ea typeface="MS Mincho" panose="02020609040205080304" pitchFamily="49" charset="-128"/>
+                        <a:cs typeface="Times New Roman" panose="02020603050405020304" pitchFamily="18" charset="0"/>
+                      </a:endParaRPr>
+                    </a:p>
+                  </a:txBody>
+                  <a:tcPr marL="68580" marR="68580" marT="0" marB="0" anchor="ctr"/>
+                </a:tc>
+                <a:tc>
+                  <a:txBody>
+                    <a:bodyPr/>
+                    <a:lstStyle/>
+                    <a:p>
+                      <a:pPr marL="0" marR="0" algn="ctr">
+                        <a:lnSpc>
+                          <a:spcPct val="200000"/>
+                        </a:lnSpc>
+                        <a:spcBef>
+                          <a:spcPts val="0"/>
+                        </a:spcBef>
+                        <a:spcAft>
+                          <a:spcPts val="0"/>
+                        </a:spcAft>
+                      </a:pPr>
+                      <a:r>
+                        <a:rPr lang="en-CA" sz="1400">
+                          <a:solidFill>
+                            <a:srgbClr val="000000"/>
+                          </a:solidFill>
+                          <a:effectLst/>
+                          <a:latin typeface="Calibri (Body)"/>
+                          <a:ea typeface="MS Mincho" panose="02020609040205080304" pitchFamily="49" charset="-128"/>
+                          <a:cs typeface="Times New Roman" panose="02020603050405020304" pitchFamily="18" charset="0"/>
+                        </a:rPr>
+                        <a:t>0.11</a:t>
+                      </a:r>
+                      <a:endParaRPr lang="en-US" sz="1400">
+                        <a:effectLst/>
+                        <a:latin typeface="Calibri (Body)"/>
+                        <a:ea typeface="MS Mincho" panose="02020609040205080304" pitchFamily="49" charset="-128"/>
+                        <a:cs typeface="Times New Roman" panose="02020603050405020304" pitchFamily="18" charset="0"/>
+                      </a:endParaRPr>
+                    </a:p>
+                  </a:txBody>
+                  <a:tcPr marL="68580" marR="68580" marT="0" marB="0" anchor="ctr"/>
+                </a:tc>
+                <a:tc>
+                  <a:txBody>
+                    <a:bodyPr/>
+                    <a:lstStyle/>
+                    <a:p>
+                      <a:pPr marL="0" marR="0" algn="ctr">
+                        <a:lnSpc>
+                          <a:spcPct val="200000"/>
+                        </a:lnSpc>
+                        <a:spcBef>
+                          <a:spcPts val="0"/>
+                        </a:spcBef>
+                        <a:spcAft>
+                          <a:spcPts val="0"/>
+                        </a:spcAft>
+                      </a:pPr>
+                      <a:r>
+                        <a:rPr lang="en-CA" sz="1400">
+                          <a:solidFill>
+                            <a:srgbClr val="000000"/>
+                          </a:solidFill>
+                          <a:effectLst/>
+                          <a:latin typeface="Calibri (Body)"/>
+                          <a:ea typeface="MS Mincho" panose="02020609040205080304" pitchFamily="49" charset="-128"/>
+                          <a:cs typeface="Times New Roman" panose="02020603050405020304" pitchFamily="18" charset="0"/>
+                        </a:rPr>
+                        <a:t>0.09</a:t>
+                      </a:r>
+                      <a:endParaRPr lang="en-US" sz="1400">
+                        <a:effectLst/>
+                        <a:latin typeface="Calibri (Body)"/>
+                        <a:ea typeface="MS Mincho" panose="02020609040205080304" pitchFamily="49" charset="-128"/>
+                        <a:cs typeface="Times New Roman" panose="02020603050405020304" pitchFamily="18" charset="0"/>
+                      </a:endParaRPr>
+                    </a:p>
+                  </a:txBody>
+                  <a:tcPr marL="68580" marR="68580" marT="0" marB="0" anchor="ctr"/>
+                </a:tc>
+                <a:tc>
+                  <a:txBody>
+                    <a:bodyPr/>
+                    <a:lstStyle/>
+                    <a:p>
+                      <a:pPr marL="0" marR="0" algn="ctr">
+                        <a:lnSpc>
+                          <a:spcPct val="200000"/>
+                        </a:lnSpc>
+                        <a:spcBef>
+                          <a:spcPts val="0"/>
+                        </a:spcBef>
+                        <a:spcAft>
+                          <a:spcPts val="0"/>
+                        </a:spcAft>
+                      </a:pPr>
+                      <a:r>
+                        <a:rPr lang="en-CA" sz="1400">
+                          <a:solidFill>
+                            <a:srgbClr val="000000"/>
+                          </a:solidFill>
+                          <a:effectLst/>
+                          <a:latin typeface="Calibri (Body)"/>
+                          <a:ea typeface="MS Mincho" panose="02020609040205080304" pitchFamily="49" charset="-128"/>
+                          <a:cs typeface="Times New Roman" panose="02020603050405020304" pitchFamily="18" charset="0"/>
+                        </a:rPr>
+                        <a:t>0.73</a:t>
+                      </a:r>
+                      <a:endParaRPr lang="en-US" sz="1400">
+                        <a:effectLst/>
+                        <a:latin typeface="Calibri (Body)"/>
+                        <a:ea typeface="MS Mincho" panose="02020609040205080304" pitchFamily="49" charset="-128"/>
+                        <a:cs typeface="Times New Roman" panose="02020603050405020304" pitchFamily="18" charset="0"/>
+                      </a:endParaRPr>
+                    </a:p>
+                  </a:txBody>
+                  <a:tcPr marL="68580" marR="68580" marT="0" marB="0" anchor="ctr"/>
+                </a:tc>
+                <a:tc>
+                  <a:txBody>
+                    <a:bodyPr/>
+                    <a:lstStyle/>
+                    <a:p>
+                      <a:pPr marL="0" marR="0" algn="ctr">
+                        <a:lnSpc>
+                          <a:spcPct val="200000"/>
+                        </a:lnSpc>
+                        <a:spcBef>
+                          <a:spcPts val="0"/>
+                        </a:spcBef>
+                        <a:spcAft>
+                          <a:spcPts val="0"/>
+                        </a:spcAft>
+                      </a:pPr>
+                      <a:r>
+                        <a:rPr lang="en-CA" sz="1400">
+                          <a:solidFill>
+                            <a:srgbClr val="000000"/>
+                          </a:solidFill>
+                          <a:effectLst/>
+                          <a:latin typeface="Calibri (Body)"/>
+                          <a:ea typeface="MS Mincho" panose="02020609040205080304" pitchFamily="49" charset="-128"/>
+                          <a:cs typeface="Times New Roman" panose="02020603050405020304" pitchFamily="18" charset="0"/>
+                        </a:rPr>
+                        <a:t>0.04</a:t>
+                      </a:r>
+                      <a:endParaRPr lang="en-US" sz="1400">
+                        <a:effectLst/>
+                        <a:latin typeface="Calibri (Body)"/>
+                        <a:ea typeface="MS Mincho" panose="02020609040205080304" pitchFamily="49" charset="-128"/>
+                        <a:cs typeface="Times New Roman" panose="02020603050405020304" pitchFamily="18" charset="0"/>
+                      </a:endParaRPr>
+                    </a:p>
+                  </a:txBody>
+                  <a:tcPr marL="68580" marR="68580" marT="0" marB="0" anchor="ctr"/>
+                </a:tc>
+                <a:tc>
+                  <a:txBody>
+                    <a:bodyPr/>
+                    <a:lstStyle/>
+                    <a:p>
+                      <a:pPr marL="0" marR="0" algn="ctr">
+                        <a:lnSpc>
+                          <a:spcPct val="200000"/>
+                        </a:lnSpc>
+                        <a:spcBef>
+                          <a:spcPts val="0"/>
+                        </a:spcBef>
+                        <a:spcAft>
+                          <a:spcPts val="0"/>
+                        </a:spcAft>
+                      </a:pPr>
+                      <a:r>
+                        <a:rPr lang="en-CA" sz="1400">
+                          <a:solidFill>
+                            <a:srgbClr val="000000"/>
+                          </a:solidFill>
+                          <a:effectLst/>
+                          <a:latin typeface="Calibri (Body)"/>
+                          <a:ea typeface="MS Mincho" panose="02020609040205080304" pitchFamily="49" charset="-128"/>
+                          <a:cs typeface="Times New Roman" panose="02020603050405020304" pitchFamily="18" charset="0"/>
+                        </a:rPr>
+                        <a:t>0.03</a:t>
+                      </a:r>
+                      <a:endParaRPr lang="en-US" sz="1400">
+                        <a:effectLst/>
+                        <a:latin typeface="Calibri (Body)"/>
+                        <a:ea typeface="MS Mincho" panose="02020609040205080304" pitchFamily="49" charset="-128"/>
+                        <a:cs typeface="Times New Roman" panose="02020603050405020304" pitchFamily="18" charset="0"/>
+                      </a:endParaRPr>
+                    </a:p>
+                  </a:txBody>
+                  <a:tcPr marL="68580" marR="68580" marT="0" marB="0" anchor="ctr"/>
+                </a:tc>
+                <a:tc>
+                  <a:txBody>
+                    <a:bodyPr/>
+                    <a:lstStyle/>
+                    <a:p>
+                      <a:pPr marL="0" marR="0" algn="ctr">
+                        <a:lnSpc>
+                          <a:spcPct val="200000"/>
+                        </a:lnSpc>
+                        <a:spcBef>
+                          <a:spcPts val="0"/>
+                        </a:spcBef>
+                        <a:spcAft>
+                          <a:spcPts val="0"/>
+                        </a:spcAft>
+                      </a:pPr>
+                      <a:r>
+                        <a:rPr lang="en-CA" sz="1400">
+                          <a:solidFill>
+                            <a:srgbClr val="000000"/>
+                          </a:solidFill>
+                          <a:effectLst/>
+                          <a:latin typeface="Calibri (Body)"/>
+                          <a:ea typeface="MS Mincho" panose="02020609040205080304" pitchFamily="49" charset="-128"/>
+                          <a:cs typeface="Times New Roman" panose="02020603050405020304" pitchFamily="18" charset="0"/>
+                        </a:rPr>
+                        <a:t>0.058669</a:t>
+                      </a:r>
+                      <a:endParaRPr lang="en-US" sz="1400">
+                        <a:effectLst/>
+                        <a:latin typeface="Calibri (Body)"/>
+                        <a:ea typeface="MS Mincho" panose="02020609040205080304" pitchFamily="49" charset="-128"/>
+                        <a:cs typeface="Times New Roman" panose="02020603050405020304" pitchFamily="18" charset="0"/>
+                      </a:endParaRPr>
+                    </a:p>
+                  </a:txBody>
+                  <a:tcPr marL="68580" marR="68580" marT="0" marB="0" anchor="ctr"/>
+                </a:tc>
+                <a:tc>
+                  <a:txBody>
+                    <a:bodyPr/>
+                    <a:lstStyle/>
+                    <a:p>
+                      <a:pPr marL="0" marR="0" algn="ctr">
+                        <a:lnSpc>
+                          <a:spcPct val="200000"/>
+                        </a:lnSpc>
+                        <a:spcBef>
+                          <a:spcPts val="0"/>
+                        </a:spcBef>
+                        <a:spcAft>
+                          <a:spcPts val="0"/>
+                        </a:spcAft>
+                      </a:pPr>
+                      <a:r>
+                        <a:rPr lang="en-CA" sz="1400" dirty="0">
+                          <a:solidFill>
+                            <a:srgbClr val="000000"/>
+                          </a:solidFill>
+                          <a:effectLst/>
+                          <a:latin typeface="Calibri (Body)"/>
+                          <a:ea typeface="MS Mincho" panose="02020609040205080304" pitchFamily="49" charset="-128"/>
+                          <a:cs typeface="Times New Roman" panose="02020603050405020304" pitchFamily="18" charset="0"/>
+                        </a:rPr>
+                        <a:t>0.11</a:t>
+                      </a:r>
+                      <a:endParaRPr lang="en-US" sz="1400" dirty="0">
+                        <a:effectLst/>
+                        <a:latin typeface="Calibri (Body)"/>
+                        <a:ea typeface="MS Mincho" panose="02020609040205080304" pitchFamily="49" charset="-128"/>
+                        <a:cs typeface="Times New Roman" panose="02020603050405020304" pitchFamily="18" charset="0"/>
+                      </a:endParaRPr>
+                    </a:p>
+                  </a:txBody>
+                  <a:tcPr marL="68580" marR="68580" marT="0" marB="0" anchor="ctr"/>
+                </a:tc>
+                <a:extLst>
+                  <a:ext uri="{0D108BD9-81ED-4DB2-BD59-A6C34878D82A}">
+                    <a16:rowId xmlns:a16="http://schemas.microsoft.com/office/drawing/2014/main" val="38041109"/>
                   </a:ext>
                 </a:extLst>
               </a:tr>
@@ -11997,127 +16446,123 @@
           </a:graphicData>
         </a:graphic>
       </p:graphicFrame>
-      <p:pic>
-        <p:nvPicPr>
-          <p:cNvPr id="7" name="Picture 6">
+      <p:sp>
+        <p:nvSpPr>
+          <p:cNvPr id="6" name="Arrow: Pentagon 5">
             <a:extLst>
               <a:ext uri="{FF2B5EF4-FFF2-40B4-BE49-F238E27FC236}">
-                <a16:creationId xmlns:a16="http://schemas.microsoft.com/office/drawing/2014/main" id="{419B0B31-A19A-4F96-8A9B-982F509F9BDC}"/>
+                <a16:creationId xmlns:a16="http://schemas.microsoft.com/office/drawing/2014/main" id="{38170810-73E8-4BD0-A5A3-1D3484E64791}"/>
               </a:ext>
             </a:extLst>
           </p:cNvPr>
-          <p:cNvPicPr/>
+          <p:cNvSpPr/>
           <p:nvPr/>
-        </p:nvPicPr>
-        <p:blipFill>
-          <a:blip r:embed="rId2">
+        </p:nvSpPr>
+        <p:spPr>
+          <a:xfrm>
+            <a:off x="712550" y="399376"/>
+            <a:ext cx="8660050" cy="1417042"/>
+          </a:xfrm>
+          <a:prstGeom prst="homePlate">
+            <a:avLst/>
+          </a:prstGeom>
+          <a:solidFill>
+            <a:schemeClr val="tx1">
+              <a:lumMod val="75000"/>
+              <a:lumOff val="25000"/>
+            </a:schemeClr>
+          </a:solidFill>
+          <a:ln>
+            <a:noFill/>
+          </a:ln>
+        </p:spPr>
+        <p:style>
+          <a:lnRef idx="2">
+            <a:schemeClr val="dk1">
+              <a:shade val="50000"/>
+            </a:schemeClr>
+          </a:lnRef>
+          <a:fillRef idx="1">
+            <a:schemeClr val="dk1"/>
+          </a:fillRef>
+          <a:effectRef idx="0">
+            <a:schemeClr val="dk1"/>
+          </a:effectRef>
+          <a:fontRef idx="minor">
+            <a:schemeClr val="lt1"/>
+          </a:fontRef>
+        </p:style>
+        <p:txBody>
+          <a:bodyPr rtlCol="0" anchor="ctr"/>
+          <a:lstStyle/>
+          <a:p>
+            <a:pPr algn="ctr"/>
+            <a:endParaRPr lang="en-US"/>
+          </a:p>
+        </p:txBody>
+      </p:sp>
+      <p:sp>
+        <p:nvSpPr>
+          <p:cNvPr id="8" name="Title 1">
             <a:extLst>
-              <a:ext uri="{28A0092B-C50C-407E-A947-70E740481C1C}">
-                <a14:useLocalDpi xmlns:a14="http://schemas.microsoft.com/office/drawing/2010/main" val="0"/>
+              <a:ext uri="{FF2B5EF4-FFF2-40B4-BE49-F238E27FC236}">
+                <a16:creationId xmlns:a16="http://schemas.microsoft.com/office/drawing/2014/main" id="{83BB0B58-1BD2-4D87-8796-E1DD4FCEE6DA}"/>
               </a:ext>
             </a:extLst>
-          </a:blip>
-          <a:srcRect/>
-          <a:stretch>
-            <a:fillRect/>
-          </a:stretch>
-        </p:blipFill>
-        <p:spPr bwMode="auto">
+          </p:cNvPr>
+          <p:cNvSpPr txBox="1">
+            <a:spLocks/>
+          </p:cNvSpPr>
+          <p:nvPr/>
+        </p:nvSpPr>
+        <p:spPr>
           <a:xfrm>
-            <a:off x="8441422" y="2728766"/>
-            <a:ext cx="3750578" cy="3338541"/>
+            <a:off x="838200" y="399377"/>
+            <a:ext cx="7025640" cy="1417042"/>
           </a:xfrm>
           <a:prstGeom prst="rect">
             <a:avLst/>
           </a:prstGeom>
-          <a:noFill/>
-          <a:ln>
-            <a:noFill/>
-          </a:ln>
         </p:spPr>
-      </p:pic>
-      <p:pic>
-        <p:nvPicPr>
-          <p:cNvPr id="8" name="Picture 7">
-            <a:extLst>
-              <a:ext uri="{FF2B5EF4-FFF2-40B4-BE49-F238E27FC236}">
-                <a16:creationId xmlns:a16="http://schemas.microsoft.com/office/drawing/2014/main" id="{376E9695-49CD-4B05-AE53-695B1E66C4B6}"/>
-              </a:ext>
-            </a:extLst>
-          </p:cNvPr>
-          <p:cNvPicPr/>
-          <p:nvPr/>
-        </p:nvPicPr>
-        <p:blipFill>
-          <a:blip r:embed="rId3">
-            <a:extLst>
-              <a:ext uri="{28A0092B-C50C-407E-A947-70E740481C1C}">
-                <a14:useLocalDpi xmlns:a14="http://schemas.microsoft.com/office/drawing/2010/main" val="0"/>
-              </a:ext>
-            </a:extLst>
-          </a:blip>
-          <a:srcRect/>
-          <a:stretch>
-            <a:fillRect/>
-          </a:stretch>
-        </p:blipFill>
-        <p:spPr bwMode="auto">
-          <a:xfrm>
-            <a:off x="272771" y="2507695"/>
-            <a:ext cx="4145796" cy="3780687"/>
-          </a:xfrm>
-          <a:prstGeom prst="rect">
-            <a:avLst/>
-          </a:prstGeom>
-          <a:noFill/>
-          <a:ln>
-            <a:noFill/>
-          </a:ln>
-        </p:spPr>
-      </p:pic>
-      <p:pic>
-        <p:nvPicPr>
-          <p:cNvPr id="9" name="Picture 8">
-            <a:extLst>
-              <a:ext uri="{FF2B5EF4-FFF2-40B4-BE49-F238E27FC236}">
-                <a16:creationId xmlns:a16="http://schemas.microsoft.com/office/drawing/2014/main" id="{C22438D3-32F5-4FC8-BE3D-9AAA852DBE59}"/>
-              </a:ext>
-            </a:extLst>
-          </p:cNvPr>
-          <p:cNvPicPr/>
-          <p:nvPr/>
-        </p:nvPicPr>
-        <p:blipFill>
-          <a:blip r:embed="rId4">
-            <a:extLst>
-              <a:ext uri="{28A0092B-C50C-407E-A947-70E740481C1C}">
-                <a14:useLocalDpi xmlns:a14="http://schemas.microsoft.com/office/drawing/2010/main" val="0"/>
-              </a:ext>
-            </a:extLst>
-          </a:blip>
-          <a:srcRect/>
-          <a:stretch>
-            <a:fillRect/>
-          </a:stretch>
-        </p:blipFill>
-        <p:spPr bwMode="auto">
-          <a:xfrm>
-            <a:off x="4197178" y="2507694"/>
-            <a:ext cx="4244244" cy="3780687"/>
-          </a:xfrm>
-          <a:prstGeom prst="rect">
-            <a:avLst/>
-          </a:prstGeom>
-          <a:noFill/>
-          <a:ln>
-            <a:noFill/>
-          </a:ln>
-        </p:spPr>
-      </p:pic>
+        <p:txBody>
+          <a:bodyPr vert="horz" lIns="91440" tIns="45720" rIns="91440" bIns="45720" rtlCol="0" anchor="ctr">
+            <a:normAutofit/>
+          </a:bodyPr>
+          <a:lstStyle>
+            <a:lvl1pPr algn="l" defTabSz="914400" rtl="0" eaLnBrk="1" latinLnBrk="0" hangingPunct="1">
+              <a:lnSpc>
+                <a:spcPct val="90000"/>
+              </a:lnSpc>
+              <a:spcBef>
+                <a:spcPct val="0"/>
+              </a:spcBef>
+              <a:buNone/>
+              <a:defRPr sz="4400" kern="1200">
+                <a:solidFill>
+                  <a:schemeClr val="tx1"/>
+                </a:solidFill>
+                <a:latin typeface="+mj-lt"/>
+                <a:ea typeface="+mj-ea"/>
+                <a:cs typeface="+mj-cs"/>
+              </a:defRPr>
+            </a:lvl1pPr>
+          </a:lstStyle>
+          <a:p>
+            <a:r>
+              <a:rPr lang="en-US" dirty="0">
+                <a:solidFill>
+                  <a:schemeClr val="bg1"/>
+                </a:solidFill>
+              </a:rPr>
+              <a:t>Sample Rows of Predictors</a:t>
+            </a:r>
+          </a:p>
+        </p:txBody>
+      </p:sp>
     </p:spTree>
     <p:extLst>
       <p:ext uri="{BB962C8B-B14F-4D97-AF65-F5344CB8AC3E}">
-        <p14:creationId xmlns:p14="http://schemas.microsoft.com/office/powerpoint/2010/main" val="2021892969"/>
+        <p14:creationId xmlns:p14="http://schemas.microsoft.com/office/powerpoint/2010/main" val="1017227834"/>
       </p:ext>
     </p:extLst>
   </p:cSld>

--- a/presentation/oralpresentation.pptx
+++ b/presentation/oralpresentation.pptx
@@ -11116,8 +11116,8 @@
         </p:nvSpPr>
         <p:spPr>
           <a:xfrm>
-            <a:off x="712550" y="273646"/>
-            <a:ext cx="3241190" cy="997403"/>
+            <a:off x="620486" y="230027"/>
+            <a:ext cx="4196801" cy="1084637"/>
           </a:xfrm>
           <a:prstGeom prst="homePlate">
             <a:avLst/>
@@ -11174,7 +11174,7 @@
         <p:spPr>
           <a:xfrm>
             <a:off x="738596" y="109565"/>
-            <a:ext cx="3049385" cy="1325563"/>
+            <a:ext cx="3061047" cy="1325563"/>
           </a:xfrm>
           <a:prstGeom prst="rect">
             <a:avLst/>
@@ -12082,6 +12082,61 @@
       </p:grpSpPr>
       <p:sp>
         <p:nvSpPr>
+          <p:cNvPr id="7" name="Arrow: Pentagon 6">
+            <a:extLst>
+              <a:ext uri="{FF2B5EF4-FFF2-40B4-BE49-F238E27FC236}">
+                <a16:creationId xmlns:a16="http://schemas.microsoft.com/office/drawing/2014/main" id="{2F39BCA2-DBF4-454E-94A5-ECBE494051D7}"/>
+              </a:ext>
+            </a:extLst>
+          </p:cNvPr>
+          <p:cNvSpPr/>
+          <p:nvPr/>
+        </p:nvSpPr>
+        <p:spPr>
+          <a:xfrm>
+            <a:off x="718141" y="365124"/>
+            <a:ext cx="4253354" cy="1259489"/>
+          </a:xfrm>
+          <a:prstGeom prst="homePlate">
+            <a:avLst/>
+          </a:prstGeom>
+          <a:solidFill>
+            <a:schemeClr val="tx1">
+              <a:lumMod val="75000"/>
+              <a:lumOff val="25000"/>
+            </a:schemeClr>
+          </a:solidFill>
+          <a:ln>
+            <a:noFill/>
+          </a:ln>
+        </p:spPr>
+        <p:style>
+          <a:lnRef idx="2">
+            <a:schemeClr val="dk1">
+              <a:shade val="50000"/>
+            </a:schemeClr>
+          </a:lnRef>
+          <a:fillRef idx="1">
+            <a:schemeClr val="dk1"/>
+          </a:fillRef>
+          <a:effectRef idx="0">
+            <a:schemeClr val="dk1"/>
+          </a:effectRef>
+          <a:fontRef idx="minor">
+            <a:schemeClr val="lt1"/>
+          </a:fontRef>
+        </p:style>
+        <p:txBody>
+          <a:bodyPr rtlCol="0" anchor="ctr"/>
+          <a:lstStyle/>
+          <a:p>
+            <a:pPr algn="ctr"/>
+            <a:endParaRPr lang="en-US"/>
+          </a:p>
+        </p:txBody>
+      </p:sp>
+      <p:sp>
+        <p:nvSpPr>
           <p:cNvPr id="2" name="Title 1">
             <a:extLst>
               <a:ext uri="{FF2B5EF4-FFF2-40B4-BE49-F238E27FC236}">
@@ -12096,71 +12151,57 @@
             <p:ph type="title"/>
           </p:nvPr>
         </p:nvSpPr>
-        <p:spPr/>
+        <p:spPr>
+          <a:xfrm>
+            <a:off x="838200" y="365125"/>
+            <a:ext cx="3272161" cy="1325563"/>
+          </a:xfrm>
+        </p:spPr>
         <p:txBody>
           <a:bodyPr/>
           <a:lstStyle/>
           <a:p>
             <a:r>
-              <a:rPr lang="en-US" dirty="0"/>
+              <a:rPr lang="en-US" dirty="0">
+                <a:solidFill>
+                  <a:schemeClr val="bg1"/>
+                </a:solidFill>
+              </a:rPr>
               <a:t>Class Variable</a:t>
             </a:r>
           </a:p>
         </p:txBody>
       </p:sp>
-      <p:sp>
-        <p:nvSpPr>
-          <p:cNvPr id="3" name="Content Placeholder 2">
+      <p:pic>
+        <p:nvPicPr>
+          <p:cNvPr id="9" name="Picture 8">
             <a:extLst>
               <a:ext uri="{FF2B5EF4-FFF2-40B4-BE49-F238E27FC236}">
-                <a16:creationId xmlns:a16="http://schemas.microsoft.com/office/drawing/2014/main" id="{3267B0C2-59B0-4815-94F7-2BD62E8D9368}"/>
+                <a16:creationId xmlns:a16="http://schemas.microsoft.com/office/drawing/2014/main" id="{D1527C6E-DA3A-4F1B-9942-7FD8B65F8063}"/>
               </a:ext>
             </a:extLst>
           </p:cNvPr>
-          <p:cNvSpPr>
-            <a:spLocks noGrp="1"/>
-          </p:cNvSpPr>
-          <p:nvPr>
-            <p:ph idx="1"/>
-          </p:nvPr>
-        </p:nvSpPr>
-        <p:spPr/>
-        <p:txBody>
-          <a:bodyPr/>
-          <a:lstStyle/>
-          <a:p>
-            <a:r>
-              <a:rPr lang="en-US" dirty="0"/>
-              <a:t>Rate of violent crime in an area</a:t>
-            </a:r>
-          </a:p>
-          <a:p>
-            <a:r>
-              <a:rPr lang="en-US" dirty="0"/>
-              <a:t>Code: </a:t>
-            </a:r>
-            <a:r>
-              <a:rPr lang="en-US" dirty="0" err="1"/>
-              <a:t>violentCrimeForCommunityArea</a:t>
-            </a:r>
-            <a:r>
-              <a:rPr lang="en-US" dirty="0"/>
-              <a:t> * 1000 / </a:t>
-            </a:r>
-            <a:r>
-              <a:rPr lang="en-US" dirty="0" err="1"/>
-              <a:t>populationOfCommunityArea</a:t>
-            </a:r>
-            <a:endParaRPr lang="en-US" dirty="0"/>
-          </a:p>
-          <a:p>
-            <a:endParaRPr lang="en-US" dirty="0"/>
-          </a:p>
-          <a:p>
-            <a:endParaRPr lang="en-US" dirty="0"/>
-          </a:p>
-        </p:txBody>
-      </p:sp>
+          <p:cNvPicPr>
+            <a:picLocks noChangeAspect="1"/>
+          </p:cNvPicPr>
+          <p:nvPr/>
+        </p:nvPicPr>
+        <p:blipFill>
+          <a:blip r:embed="rId3"/>
+          <a:stretch>
+            <a:fillRect/>
+          </a:stretch>
+        </p:blipFill>
+        <p:spPr>
+          <a:xfrm>
+            <a:off x="303320" y="2801653"/>
+            <a:ext cx="11585359" cy="2160215"/>
+          </a:xfrm>
+          <a:prstGeom prst="rect">
+            <a:avLst/>
+          </a:prstGeom>
+        </p:spPr>
+      </p:pic>
     </p:spTree>
     <p:extLst>
       <p:ext uri="{BB962C8B-B14F-4D97-AF65-F5344CB8AC3E}">

--- a/presentation/oralpresentation.pptx
+++ b/presentation/oralpresentation.pptx
@@ -5,7 +5,7 @@
     <p:sldMasterId id="2147483648" r:id="rId1"/>
   </p:sldMasterIdLst>
   <p:notesMasterIdLst>
-    <p:notesMasterId r:id="rId17"/>
+    <p:notesMasterId r:id="rId18"/>
   </p:notesMasterIdLst>
   <p:sldIdLst>
     <p:sldId id="256" r:id="rId2"/>
@@ -23,6 +23,7 @@
     <p:sldId id="261" r:id="rId14"/>
     <p:sldId id="266" r:id="rId15"/>
     <p:sldId id="262" r:id="rId16"/>
+    <p:sldId id="272" r:id="rId17"/>
   </p:sldIdLst>
   <p:sldSz cx="12192000" cy="6858000"/>
   <p:notesSz cx="6858000" cy="9144000"/>
@@ -5042,6 +5043,90 @@
 </p:notes>
 </file>
 
+<file path=ppt/notesSlides/notesSlide8.xml><?xml version="1.0" encoding="utf-8"?>
+<p:notes xmlns:a="http://schemas.openxmlformats.org/drawingml/2006/main" xmlns:r="http://schemas.openxmlformats.org/officeDocument/2006/relationships" xmlns:p="http://schemas.openxmlformats.org/presentationml/2006/main">
+  <p:cSld>
+    <p:spTree>
+      <p:nvGrpSpPr>
+        <p:cNvPr id="1" name=""/>
+        <p:cNvGrpSpPr/>
+        <p:nvPr/>
+      </p:nvGrpSpPr>
+      <p:grpSpPr>
+        <a:xfrm>
+          <a:off x="0" y="0"/>
+          <a:ext cx="0" cy="0"/>
+          <a:chOff x="0" y="0"/>
+          <a:chExt cx="0" cy="0"/>
+        </a:xfrm>
+      </p:grpSpPr>
+      <p:sp>
+        <p:nvSpPr>
+          <p:cNvPr id="2" name="Slide Image Placeholder 1"/>
+          <p:cNvSpPr>
+            <a:spLocks noGrp="1" noRot="1" noChangeAspect="1"/>
+          </p:cNvSpPr>
+          <p:nvPr>
+            <p:ph type="sldImg"/>
+          </p:nvPr>
+        </p:nvSpPr>
+        <p:spPr/>
+      </p:sp>
+      <p:sp>
+        <p:nvSpPr>
+          <p:cNvPr id="3" name="Notes Placeholder 2"/>
+          <p:cNvSpPr>
+            <a:spLocks noGrp="1"/>
+          </p:cNvSpPr>
+          <p:nvPr>
+            <p:ph type="body" idx="1"/>
+          </p:nvPr>
+        </p:nvSpPr>
+        <p:spPr/>
+        <p:txBody>
+          <a:bodyPr/>
+          <a:lstStyle/>
+          <a:p>
+            <a:endParaRPr lang="en-US" dirty="0"/>
+          </a:p>
+        </p:txBody>
+      </p:sp>
+      <p:sp>
+        <p:nvSpPr>
+          <p:cNvPr id="4" name="Slide Number Placeholder 3"/>
+          <p:cNvSpPr>
+            <a:spLocks noGrp="1"/>
+          </p:cNvSpPr>
+          <p:nvPr>
+            <p:ph type="sldNum" sz="quarter" idx="10"/>
+          </p:nvPr>
+        </p:nvSpPr>
+        <p:spPr/>
+        <p:txBody>
+          <a:bodyPr/>
+          <a:lstStyle/>
+          <a:p>
+            <a:fld id="{E0865CCC-22B7-4BA3-9105-7042E1A6B194}" type="slidenum">
+              <a:rPr lang="en-US" smtClean="0"/>
+              <a:t>16</a:t>
+            </a:fld>
+            <a:endParaRPr lang="en-US"/>
+          </a:p>
+        </p:txBody>
+      </p:sp>
+    </p:spTree>
+    <p:extLst>
+      <p:ext uri="{BB962C8B-B14F-4D97-AF65-F5344CB8AC3E}">
+        <p14:creationId xmlns:p14="http://schemas.microsoft.com/office/powerpoint/2010/main" val="55330715"/>
+      </p:ext>
+    </p:extLst>
+  </p:cSld>
+  <p:clrMapOvr>
+    <a:masterClrMapping/>
+  </p:clrMapOvr>
+</p:notes>
+</file>
+
 <file path=ppt/slideLayouts/slideLayout1.xml><?xml version="1.0" encoding="utf-8"?>
 <p:sldLayout xmlns:a="http://schemas.openxmlformats.org/drawingml/2006/main" xmlns:r="http://schemas.openxmlformats.org/officeDocument/2006/relationships" xmlns:p="http://schemas.openxmlformats.org/presentationml/2006/main" type="title" preserve="1">
   <p:cSld name="Title Slide">
@@ -11011,6 +11096,275 @@
 </p:sld>
 </file>
 
+<file path=ppt/slides/slide16.xml><?xml version="1.0" encoding="utf-8"?>
+<p:sld xmlns:a="http://schemas.openxmlformats.org/drawingml/2006/main" xmlns:r="http://schemas.openxmlformats.org/officeDocument/2006/relationships" xmlns:p="http://schemas.openxmlformats.org/presentationml/2006/main">
+  <p:cSld>
+    <p:bg>
+      <p:bgPr>
+        <a:solidFill>
+          <a:schemeClr val="tx1"/>
+        </a:solidFill>
+        <a:effectLst/>
+      </p:bgPr>
+    </p:bg>
+    <p:spTree>
+      <p:nvGrpSpPr>
+        <p:cNvPr id="1" name=""/>
+        <p:cNvGrpSpPr/>
+        <p:nvPr/>
+      </p:nvGrpSpPr>
+      <p:grpSpPr>
+        <a:xfrm>
+          <a:off x="0" y="0"/>
+          <a:ext cx="0" cy="0"/>
+          <a:chOff x="0" y="0"/>
+          <a:chExt cx="0" cy="0"/>
+        </a:xfrm>
+      </p:grpSpPr>
+      <p:sp>
+        <p:nvSpPr>
+          <p:cNvPr id="14" name="Rectangle 13">
+            <a:extLst>
+              <a:ext uri="{FF2B5EF4-FFF2-40B4-BE49-F238E27FC236}">
+                <a16:creationId xmlns:a16="http://schemas.microsoft.com/office/drawing/2014/main" id="{2A8AA5BC-4F7A-4226-8F99-6D824B226A97}"/>
+              </a:ext>
+              <a:ext uri="{C183D7F6-B498-43B3-948B-1728B52AA6E4}">
+                <adec:decorative xmlns:adec="http://schemas.microsoft.com/office/drawing/2017/decorative" val="1"/>
+              </a:ext>
+            </a:extLst>
+          </p:cNvPr>
+          <p:cNvSpPr>
+            <a:spLocks noGrp="1" noRot="1" noChangeAspect="1" noMove="1" noResize="1" noEditPoints="1" noAdjustHandles="1" noChangeArrowheads="1" noChangeShapeType="1" noTextEdit="1"/>
+          </p:cNvSpPr>
+          <p:nvPr>
+            <p:extLst>
+              <p:ext uri="{386F3935-93C4-4BCD-93E2-E3B085C9AB24}">
+                <p16:designElem xmlns:p16="http://schemas.microsoft.com/office/powerpoint/2015/main" val="1"/>
+              </p:ext>
+            </p:extLst>
+          </p:nvPr>
+        </p:nvSpPr>
+        <p:spPr>
+          <a:xfrm>
+            <a:off x="0" y="-3324"/>
+            <a:ext cx="12192000" cy="6861324"/>
+          </a:xfrm>
+          <a:prstGeom prst="rect">
+            <a:avLst/>
+          </a:prstGeom>
+          <a:solidFill>
+            <a:schemeClr val="tx1"/>
+          </a:solidFill>
+          <a:ln>
+            <a:noFill/>
+          </a:ln>
+        </p:spPr>
+        <p:style>
+          <a:lnRef idx="2">
+            <a:schemeClr val="accent1">
+              <a:shade val="50000"/>
+            </a:schemeClr>
+          </a:lnRef>
+          <a:fillRef idx="1">
+            <a:schemeClr val="accent1"/>
+          </a:fillRef>
+          <a:effectRef idx="0">
+            <a:schemeClr val="accent1"/>
+          </a:effectRef>
+          <a:fontRef idx="minor">
+            <a:schemeClr val="lt1"/>
+          </a:fontRef>
+        </p:style>
+        <p:txBody>
+          <a:bodyPr rtlCol="0" anchor="ctr"/>
+          <a:lstStyle/>
+          <a:p>
+            <a:pPr algn="ctr"/>
+            <a:endParaRPr lang="en-US"/>
+          </a:p>
+        </p:txBody>
+      </p:sp>
+      <p:sp>
+        <p:nvSpPr>
+          <p:cNvPr id="16" name="Rectangle 15">
+            <a:extLst>
+              <a:ext uri="{FF2B5EF4-FFF2-40B4-BE49-F238E27FC236}">
+                <a16:creationId xmlns:a16="http://schemas.microsoft.com/office/drawing/2014/main" id="{3E5445C6-DD42-4979-86FF-03730E8C6DB0}"/>
+              </a:ext>
+              <a:ext uri="{C183D7F6-B498-43B3-948B-1728B52AA6E4}">
+                <adec:decorative xmlns:adec="http://schemas.microsoft.com/office/drawing/2017/decorative" val="1"/>
+              </a:ext>
+            </a:extLst>
+          </p:cNvPr>
+          <p:cNvSpPr>
+            <a:spLocks noGrp="1" noRot="1" noChangeAspect="1" noMove="1" noResize="1" noEditPoints="1" noAdjustHandles="1" noChangeArrowheads="1" noChangeShapeType="1" noTextEdit="1"/>
+          </p:cNvSpPr>
+          <p:nvPr>
+            <p:extLst>
+              <p:ext uri="{386F3935-93C4-4BCD-93E2-E3B085C9AB24}">
+                <p16:designElem xmlns:p16="http://schemas.microsoft.com/office/powerpoint/2015/main" val="1"/>
+              </p:ext>
+            </p:extLst>
+          </p:nvPr>
+        </p:nvSpPr>
+        <p:spPr bwMode="ltGray">
+          <a:xfrm>
+            <a:off x="321734" y="321733"/>
+            <a:ext cx="11573488" cy="6214534"/>
+          </a:xfrm>
+          <a:prstGeom prst="rect">
+            <a:avLst/>
+          </a:prstGeom>
+          <a:solidFill>
+            <a:schemeClr val="bg1">
+              <a:lumMod val="75000"/>
+              <a:lumOff val="25000"/>
+            </a:schemeClr>
+          </a:solidFill>
+          <a:ln w="127000" cap="sq" cmpd="thinThick">
+            <a:solidFill>
+              <a:schemeClr val="bg1">
+                <a:lumMod val="75000"/>
+                <a:lumOff val="25000"/>
+              </a:schemeClr>
+            </a:solidFill>
+          </a:ln>
+        </p:spPr>
+        <p:style>
+          <a:lnRef idx="2">
+            <a:schemeClr val="accent1">
+              <a:shade val="50000"/>
+            </a:schemeClr>
+          </a:lnRef>
+          <a:fillRef idx="1">
+            <a:schemeClr val="accent1"/>
+          </a:fillRef>
+          <a:effectRef idx="0">
+            <a:schemeClr val="accent1"/>
+          </a:effectRef>
+          <a:fontRef idx="minor">
+            <a:schemeClr val="lt1"/>
+          </a:fontRef>
+        </p:style>
+        <p:txBody>
+          <a:bodyPr rtlCol="0" anchor="ctr"/>
+          <a:lstStyle/>
+          <a:p>
+            <a:pPr algn="ctr"/>
+            <a:endParaRPr lang="en-US"/>
+          </a:p>
+        </p:txBody>
+      </p:sp>
+      <p:sp>
+        <p:nvSpPr>
+          <p:cNvPr id="2" name="Title 1">
+            <a:extLst>
+              <a:ext uri="{FF2B5EF4-FFF2-40B4-BE49-F238E27FC236}">
+                <a16:creationId xmlns:a16="http://schemas.microsoft.com/office/drawing/2014/main" id="{FC1AE099-F349-4769-A760-509B3AB8836F}"/>
+              </a:ext>
+            </a:extLst>
+          </p:cNvPr>
+          <p:cNvSpPr>
+            <a:spLocks noGrp="1"/>
+          </p:cNvSpPr>
+          <p:nvPr>
+            <p:ph type="title"/>
+          </p:nvPr>
+        </p:nvSpPr>
+        <p:spPr>
+          <a:xfrm>
+            <a:off x="1524000" y="1122362"/>
+            <a:ext cx="9144000" cy="2840037"/>
+          </a:xfrm>
+        </p:spPr>
+        <p:txBody>
+          <a:bodyPr vert="horz" lIns="91440" tIns="45720" rIns="91440" bIns="45720" rtlCol="0" anchor="b">
+            <a:normAutofit/>
+          </a:bodyPr>
+          <a:lstStyle/>
+          <a:p>
+            <a:pPr algn="ctr"/>
+            <a:r>
+              <a:rPr lang="en-US" sz="5800" kern="1200" dirty="0">
+                <a:solidFill>
+                  <a:schemeClr val="tx1"/>
+                </a:solidFill>
+                <a:latin typeface="+mj-lt"/>
+                <a:ea typeface="+mj-ea"/>
+                <a:cs typeface="+mj-cs"/>
+              </a:rPr>
+              <a:t>Thank You For Listening</a:t>
+            </a:r>
+          </a:p>
+        </p:txBody>
+      </p:sp>
+      <p:cxnSp>
+        <p:nvCxnSpPr>
+          <p:cNvPr id="18" name="Straight Connector 17">
+            <a:extLst>
+              <a:ext uri="{FF2B5EF4-FFF2-40B4-BE49-F238E27FC236}">
+                <a16:creationId xmlns:a16="http://schemas.microsoft.com/office/drawing/2014/main" id="{45000665-DFC7-417E-8FD7-516A0F15C975}"/>
+              </a:ext>
+              <a:ext uri="{C183D7F6-B498-43B3-948B-1728B52AA6E4}">
+                <adec:decorative xmlns:adec="http://schemas.microsoft.com/office/drawing/2017/decorative" val="1"/>
+              </a:ext>
+            </a:extLst>
+          </p:cNvPr>
+          <p:cNvCxnSpPr>
+            <a:cxnSpLocks noGrp="1" noRot="1" noChangeAspect="1" noMove="1" noResize="1" noEditPoints="1" noAdjustHandles="1" noChangeArrowheads="1" noChangeShapeType="1"/>
+          </p:cNvCxnSpPr>
+          <p:nvPr>
+            <p:extLst>
+              <p:ext uri="{386F3935-93C4-4BCD-93E2-E3B085C9AB24}">
+                <p16:designElem xmlns:p16="http://schemas.microsoft.com/office/powerpoint/2015/main" val="1"/>
+              </p:ext>
+            </p:extLst>
+          </p:nvPr>
+        </p:nvCxnSpPr>
+        <p:spPr>
+          <a:xfrm>
+            <a:off x="4724400" y="4109417"/>
+            <a:ext cx="2743200" cy="0"/>
+          </a:xfrm>
+          <a:prstGeom prst="line">
+            <a:avLst/>
+          </a:prstGeom>
+          <a:ln w="12700">
+            <a:solidFill>
+              <a:schemeClr val="tx1">
+                <a:lumMod val="85000"/>
+              </a:schemeClr>
+            </a:solidFill>
+          </a:ln>
+        </p:spPr>
+        <p:style>
+          <a:lnRef idx="1">
+            <a:schemeClr val="accent1"/>
+          </a:lnRef>
+          <a:fillRef idx="0">
+            <a:schemeClr val="accent1"/>
+          </a:fillRef>
+          <a:effectRef idx="0">
+            <a:schemeClr val="accent1"/>
+          </a:effectRef>
+          <a:fontRef idx="minor">
+            <a:schemeClr val="tx1"/>
+          </a:fontRef>
+        </p:style>
+      </p:cxnSp>
+    </p:spTree>
+    <p:extLst>
+      <p:ext uri="{BB962C8B-B14F-4D97-AF65-F5344CB8AC3E}">
+        <p14:creationId xmlns:p14="http://schemas.microsoft.com/office/powerpoint/2010/main" val="1839195767"/>
+      </p:ext>
+    </p:extLst>
+  </p:cSld>
+  <p:clrMapOvr>
+    <a:overrideClrMapping bg1="dk1" tx1="lt1" bg2="dk2" tx2="lt2" accent1="accent1" accent2="accent2" accent3="accent3" accent4="accent4" accent5="accent5" accent6="accent6" hlink="hlink" folHlink="folHlink"/>
+  </p:clrMapOvr>
+</p:sld>
+</file>
+
 <file path=ppt/slides/slide2.xml><?xml version="1.0" encoding="utf-8"?>
 <p:sld xmlns:a="http://schemas.openxmlformats.org/drawingml/2006/main" xmlns:r="http://schemas.openxmlformats.org/officeDocument/2006/relationships" xmlns:p="http://schemas.openxmlformats.org/presentationml/2006/main">
   <p:cSld>
@@ -11980,6 +12334,61 @@
       </p:grpSpPr>
       <p:sp>
         <p:nvSpPr>
+          <p:cNvPr id="4" name="Arrow: Pentagon 3">
+            <a:extLst>
+              <a:ext uri="{FF2B5EF4-FFF2-40B4-BE49-F238E27FC236}">
+                <a16:creationId xmlns:a16="http://schemas.microsoft.com/office/drawing/2014/main" id="{DB693FB2-2D77-4BF2-BFBF-F8CC4D1D16BE}"/>
+              </a:ext>
+            </a:extLst>
+          </p:cNvPr>
+          <p:cNvSpPr/>
+          <p:nvPr/>
+        </p:nvSpPr>
+        <p:spPr>
+          <a:xfrm>
+            <a:off x="543991" y="2886680"/>
+            <a:ext cx="2655374" cy="1084637"/>
+          </a:xfrm>
+          <a:prstGeom prst="homePlate">
+            <a:avLst/>
+          </a:prstGeom>
+          <a:solidFill>
+            <a:schemeClr val="tx1">
+              <a:lumMod val="75000"/>
+              <a:lumOff val="25000"/>
+            </a:schemeClr>
+          </a:solidFill>
+          <a:ln>
+            <a:noFill/>
+          </a:ln>
+        </p:spPr>
+        <p:style>
+          <a:lnRef idx="2">
+            <a:schemeClr val="dk1">
+              <a:shade val="50000"/>
+            </a:schemeClr>
+          </a:lnRef>
+          <a:fillRef idx="1">
+            <a:schemeClr val="dk1"/>
+          </a:fillRef>
+          <a:effectRef idx="0">
+            <a:schemeClr val="dk1"/>
+          </a:effectRef>
+          <a:fontRef idx="minor">
+            <a:schemeClr val="lt1"/>
+          </a:fontRef>
+        </p:style>
+        <p:txBody>
+          <a:bodyPr rtlCol="0" anchor="ctr"/>
+          <a:lstStyle/>
+          <a:p>
+            <a:pPr algn="ctr"/>
+            <a:endParaRPr lang="en-US"/>
+          </a:p>
+        </p:txBody>
+      </p:sp>
+      <p:sp>
+        <p:nvSpPr>
           <p:cNvPr id="2" name="Title 1">
             <a:extLst>
               <a:ext uri="{FF2B5EF4-FFF2-40B4-BE49-F238E27FC236}">
@@ -11996,7 +12405,7 @@
         </p:nvSpPr>
         <p:spPr>
           <a:xfrm>
-            <a:off x="1082040" y="2766217"/>
+            <a:off x="1002141" y="2766218"/>
             <a:ext cx="1513114" cy="1325563"/>
           </a:xfrm>
         </p:spPr>
@@ -12006,10 +12415,13 @@
           <a:p>
             <a:pPr algn="ctr"/>
             <a:r>
-              <a:rPr lang="en-US"/>
+              <a:rPr lang="en-US" dirty="0">
+                <a:solidFill>
+                  <a:schemeClr val="bg1"/>
+                </a:solidFill>
+              </a:rPr>
               <a:t>Data</a:t>
             </a:r>
-            <a:endParaRPr lang="en-US" dirty="0"/>
           </a:p>
         </p:txBody>
       </p:sp>
@@ -12948,8 +13360,8 @@
         </p:nvSpPr>
         <p:spPr>
           <a:xfrm>
-            <a:off x="712550" y="399376"/>
-            <a:ext cx="8660050" cy="1417042"/>
+            <a:off x="712550" y="304351"/>
+            <a:ext cx="4480887" cy="1417042"/>
           </a:xfrm>
           <a:prstGeom prst="homePlate">
             <a:avLst/>
@@ -13007,8 +13419,8 @@
         </p:nvSpPr>
         <p:spPr>
           <a:xfrm>
-            <a:off x="838200" y="399377"/>
-            <a:ext cx="7025640" cy="1417042"/>
+            <a:off x="838200" y="304352"/>
+            <a:ext cx="3556247" cy="1417042"/>
           </a:xfrm>
         </p:spPr>
         <p:txBody>
@@ -13021,7 +13433,7 @@
                   <a:schemeClr val="bg1"/>
                 </a:solidFill>
               </a:rPr>
-              <a:t>Sample Rows of Class Variable</a:t>
+              <a:t>Class Variable</a:t>
             </a:r>
           </a:p>
         </p:txBody>
@@ -13042,13 +13454,13 @@
             <p:ph idx="1"/>
             <p:extLst>
               <p:ext uri="{D42A27DB-BD31-4B8C-83A1-F6EECF244321}">
-                <p14:modId xmlns:p14="http://schemas.microsoft.com/office/powerpoint/2010/main" val="2639520277"/>
+                <p14:modId xmlns:p14="http://schemas.microsoft.com/office/powerpoint/2010/main" val="3705773093"/>
               </p:ext>
             </p:extLst>
           </p:nvPr>
         </p:nvGraphicFramePr>
         <p:xfrm>
-          <a:off x="838200" y="2889467"/>
+          <a:off x="838200" y="3373500"/>
           <a:ext cx="10694589" cy="3336163"/>
         </p:xfrm>
         <a:graphic>
@@ -13761,6 +14173,36 @@
           </a:graphicData>
         </a:graphic>
       </p:graphicFrame>
+      <p:pic>
+        <p:nvPicPr>
+          <p:cNvPr id="6" name="Picture 5">
+            <a:extLst>
+              <a:ext uri="{FF2B5EF4-FFF2-40B4-BE49-F238E27FC236}">
+                <a16:creationId xmlns:a16="http://schemas.microsoft.com/office/drawing/2014/main" id="{A5826D14-8F44-406D-B69F-696092A63A15}"/>
+              </a:ext>
+            </a:extLst>
+          </p:cNvPr>
+          <p:cNvPicPr>
+            <a:picLocks noChangeAspect="1"/>
+          </p:cNvPicPr>
+          <p:nvPr/>
+        </p:nvPicPr>
+        <p:blipFill>
+          <a:blip r:embed="rId2"/>
+          <a:stretch>
+            <a:fillRect/>
+          </a:stretch>
+        </p:blipFill>
+        <p:spPr>
+          <a:xfrm>
+            <a:off x="2519756" y="1851930"/>
+            <a:ext cx="7331476" cy="1367033"/>
+          </a:xfrm>
+          <a:prstGeom prst="rect">
+            <a:avLst/>
+          </a:prstGeom>
+        </p:spPr>
+      </p:pic>
     </p:spTree>
     <p:extLst>
       <p:ext uri="{BB962C8B-B14F-4D97-AF65-F5344CB8AC3E}">
@@ -13807,14 +14249,14 @@
             <p:ph idx="1"/>
             <p:extLst>
               <p:ext uri="{D42A27DB-BD31-4B8C-83A1-F6EECF244321}">
-                <p14:modId xmlns:p14="http://schemas.microsoft.com/office/powerpoint/2010/main" val="3726819226"/>
+                <p14:modId xmlns:p14="http://schemas.microsoft.com/office/powerpoint/2010/main" val="2435968942"/>
               </p:ext>
             </p:extLst>
           </p:nvPr>
         </p:nvGraphicFramePr>
         <p:xfrm>
-          <a:off x="74676" y="2698876"/>
-          <a:ext cx="12042648" cy="3401165"/>
+          <a:off x="338532" y="2654488"/>
+          <a:ext cx="11514936" cy="3401165"/>
         </p:xfrm>
         <a:graphic>
           <a:graphicData uri="http://schemas.openxmlformats.org/drawingml/2006/table">
@@ -13823,87 +14265,87 @@
                 <a:tableStyleId>{F5AB1C69-6EDB-4FF4-983F-18BD219EF322}</a:tableStyleId>
               </a:tblPr>
               <a:tblGrid>
-                <a:gridCol w="1003554">
+                <a:gridCol w="959578">
                   <a:extLst>
                     <a:ext uri="{9D8B030D-6E8A-4147-A177-3AD203B41FA5}">
                       <a16:colId xmlns:a16="http://schemas.microsoft.com/office/drawing/2014/main" val="523669202"/>
                     </a:ext>
                   </a:extLst>
                 </a:gridCol>
-                <a:gridCol w="1003554">
+                <a:gridCol w="959578">
                   <a:extLst>
                     <a:ext uri="{9D8B030D-6E8A-4147-A177-3AD203B41FA5}">
                       <a16:colId xmlns:a16="http://schemas.microsoft.com/office/drawing/2014/main" val="975967824"/>
                     </a:ext>
                   </a:extLst>
                 </a:gridCol>
-                <a:gridCol w="1003554">
+                <a:gridCol w="959578">
                   <a:extLst>
                     <a:ext uri="{9D8B030D-6E8A-4147-A177-3AD203B41FA5}">
                       <a16:colId xmlns:a16="http://schemas.microsoft.com/office/drawing/2014/main" val="1263643241"/>
                     </a:ext>
                   </a:extLst>
                 </a:gridCol>
-                <a:gridCol w="1003554">
+                <a:gridCol w="959578">
                   <a:extLst>
                     <a:ext uri="{9D8B030D-6E8A-4147-A177-3AD203B41FA5}">
                       <a16:colId xmlns:a16="http://schemas.microsoft.com/office/drawing/2014/main" val="3430801892"/>
                     </a:ext>
                   </a:extLst>
                 </a:gridCol>
-                <a:gridCol w="1003554">
+                <a:gridCol w="959578">
                   <a:extLst>
                     <a:ext uri="{9D8B030D-6E8A-4147-A177-3AD203B41FA5}">
                       <a16:colId xmlns:a16="http://schemas.microsoft.com/office/drawing/2014/main" val="416089458"/>
                     </a:ext>
                   </a:extLst>
                 </a:gridCol>
-                <a:gridCol w="1003554">
+                <a:gridCol w="959578">
                   <a:extLst>
                     <a:ext uri="{9D8B030D-6E8A-4147-A177-3AD203B41FA5}">
                       <a16:colId xmlns:a16="http://schemas.microsoft.com/office/drawing/2014/main" val="177072767"/>
                     </a:ext>
                   </a:extLst>
                 </a:gridCol>
-                <a:gridCol w="1003554">
+                <a:gridCol w="959578">
+                  <a:extLst>
+                    <a:ext uri="{9D8B030D-6E8A-4147-A177-3AD203B41FA5}">
+                      <a16:colId xmlns:a16="http://schemas.microsoft.com/office/drawing/2014/main" val="2388307979"/>
+                    </a:ext>
+                  </a:extLst>
+                </a:gridCol>
+                <a:gridCol w="959578">
                   <a:extLst>
                     <a:ext uri="{9D8B030D-6E8A-4147-A177-3AD203B41FA5}">
                       <a16:colId xmlns:a16="http://schemas.microsoft.com/office/drawing/2014/main" val="2458322973"/>
                     </a:ext>
                   </a:extLst>
                 </a:gridCol>
-                <a:gridCol w="1003554">
+                <a:gridCol w="959578">
                   <a:extLst>
                     <a:ext uri="{9D8B030D-6E8A-4147-A177-3AD203B41FA5}">
                       <a16:colId xmlns:a16="http://schemas.microsoft.com/office/drawing/2014/main" val="336383087"/>
                     </a:ext>
                   </a:extLst>
                 </a:gridCol>
-                <a:gridCol w="1003554">
+                <a:gridCol w="959578">
                   <a:extLst>
                     <a:ext uri="{9D8B030D-6E8A-4147-A177-3AD203B41FA5}">
                       <a16:colId xmlns:a16="http://schemas.microsoft.com/office/drawing/2014/main" val="1704848317"/>
                     </a:ext>
                   </a:extLst>
                 </a:gridCol>
-                <a:gridCol w="1003554">
+                <a:gridCol w="959578">
                   <a:extLst>
                     <a:ext uri="{9D8B030D-6E8A-4147-A177-3AD203B41FA5}">
                       <a16:colId xmlns:a16="http://schemas.microsoft.com/office/drawing/2014/main" val="2416237266"/>
                     </a:ext>
                   </a:extLst>
                 </a:gridCol>
-                <a:gridCol w="1003554">
+                <a:gridCol w="959578">
                   <a:extLst>
                     <a:ext uri="{9D8B030D-6E8A-4147-A177-3AD203B41FA5}">
                       <a16:colId xmlns:a16="http://schemas.microsoft.com/office/drawing/2014/main" val="3173392808"/>
-                    </a:ext>
-                  </a:extLst>
-                </a:gridCol>
-                <a:gridCol w="1003554">
-                  <a:extLst>
-                    <a:ext uri="{9D8B030D-6E8A-4147-A177-3AD203B41FA5}">
-                      <a16:colId xmlns:a16="http://schemas.microsoft.com/office/drawing/2014/main" val="3530777207"/>
                     </a:ext>
                   </a:extLst>
                 </a:gridCol>
@@ -14042,10 +14484,30 @@
                     <a:p>
                       <a:pPr algn="ctr"/>
                       <a:r>
-                        <a:rPr lang="en-US" sz="1600"/>
+                        <a:rPr lang="en-US" sz="1600" dirty="0"/>
+                        <a:t>Poverty Rate</a:t>
+                      </a:r>
+                    </a:p>
+                  </a:txBody>
+                  <a:tcPr anchor="ctr">
+                    <a:solidFill>
+                      <a:schemeClr val="tx1">
+                        <a:lumMod val="65000"/>
+                        <a:lumOff val="35000"/>
+                      </a:schemeClr>
+                    </a:solidFill>
+                  </a:tcPr>
+                </a:tc>
+                <a:tc>
+                  <a:txBody>
+                    <a:bodyPr/>
+                    <a:lstStyle/>
+                    <a:p>
+                      <a:pPr algn="ctr"/>
+                      <a:r>
+                        <a:rPr lang="en-US" sz="1600" dirty="0"/>
                         <a:t>Hispanic</a:t>
                       </a:r>
-                      <a:endParaRPr lang="en-US" sz="1600" dirty="0"/>
                     </a:p>
                   </a:txBody>
                   <a:tcPr anchor="ctr">
@@ -14129,27 +14591,6 @@
                       <a:r>
                         <a:rPr lang="en-US" sz="1600" dirty="0"/>
                         <a:t>Other</a:t>
-                      </a:r>
-                    </a:p>
-                  </a:txBody>
-                  <a:tcPr anchor="ctr">
-                    <a:solidFill>
-                      <a:schemeClr val="tx1">
-                        <a:lumMod val="65000"/>
-                        <a:lumOff val="35000"/>
-                      </a:schemeClr>
-                    </a:solidFill>
-                  </a:tcPr>
-                </a:tc>
-                <a:tc>
-                  <a:txBody>
-                    <a:bodyPr/>
-                    <a:lstStyle/>
-                    <a:p>
-                      <a:pPr algn="ctr"/>
-                      <a:r>
-                        <a:rPr lang="en-US" sz="1600" dirty="0"/>
-                        <a:t>Poverty Rate</a:t>
                       </a:r>
                     </a:p>
                   </a:txBody>
@@ -14414,6 +14855,44 @@
                         </a:spcAft>
                       </a:pPr>
                       <a:r>
+                        <a:rPr lang="en-CA" sz="1400" dirty="0">
+                          <a:solidFill>
+                            <a:srgbClr val="000000"/>
+                          </a:solidFill>
+                          <a:effectLst/>
+                          <a:latin typeface="Calibri (Body)"/>
+                          <a:ea typeface="MS Mincho" panose="02020609040205080304" pitchFamily="49" charset="-128"/>
+                          <a:cs typeface="Times New Roman" panose="02020603050405020304" pitchFamily="18" charset="0"/>
+                        </a:rPr>
+                        <a:t>0.24</a:t>
+                      </a:r>
+                      <a:endParaRPr lang="en-US" sz="1400" dirty="0">
+                        <a:effectLst/>
+                        <a:latin typeface="Calibri (Body)"/>
+                        <a:ea typeface="MS Mincho" panose="02020609040205080304" pitchFamily="49" charset="-128"/>
+                        <a:cs typeface="Times New Roman" panose="02020603050405020304" pitchFamily="18" charset="0"/>
+                      </a:endParaRPr>
+                    </a:p>
+                  </a:txBody>
+                  <a:tcPr marL="68580" marR="68580" marT="0" marB="0" anchor="ctr"/>
+                </a:tc>
+                <a:tc>
+                  <a:txBody>
+                    <a:bodyPr/>
+                    <a:lstStyle/>
+                    <a:p>
+                      <a:pPr marL="0" marR="0" algn="ctr">
+                        <a:lnSpc>
+                          <a:spcPct val="200000"/>
+                        </a:lnSpc>
+                        <a:spcBef>
+                          <a:spcPts val="0"/>
+                        </a:spcBef>
+                        <a:spcAft>
+                          <a:spcPts val="0"/>
+                        </a:spcAft>
+                      </a:pPr>
+                      <a:r>
                         <a:rPr lang="en-CA" sz="1400">
                           <a:solidFill>
                             <a:srgbClr val="000000"/>
@@ -14576,44 +15055,6 @@
                           <a:cs typeface="Times New Roman" panose="02020603050405020304" pitchFamily="18" charset="0"/>
                         </a:rPr>
                         <a:t>0.319509</a:t>
-                      </a:r>
-                      <a:endParaRPr lang="en-US" sz="1400">
-                        <a:effectLst/>
-                        <a:latin typeface="Calibri (Body)"/>
-                        <a:ea typeface="MS Mincho" panose="02020609040205080304" pitchFamily="49" charset="-128"/>
-                        <a:cs typeface="Times New Roman" panose="02020603050405020304" pitchFamily="18" charset="0"/>
-                      </a:endParaRPr>
-                    </a:p>
-                  </a:txBody>
-                  <a:tcPr marL="68580" marR="68580" marT="0" marB="0" anchor="ctr"/>
-                </a:tc>
-                <a:tc>
-                  <a:txBody>
-                    <a:bodyPr/>
-                    <a:lstStyle/>
-                    <a:p>
-                      <a:pPr marL="0" marR="0" algn="ctr">
-                        <a:lnSpc>
-                          <a:spcPct val="200000"/>
-                        </a:lnSpc>
-                        <a:spcBef>
-                          <a:spcPts val="0"/>
-                        </a:spcBef>
-                        <a:spcAft>
-                          <a:spcPts val="0"/>
-                        </a:spcAft>
-                      </a:pPr>
-                      <a:r>
-                        <a:rPr lang="en-CA" sz="1400">
-                          <a:solidFill>
-                            <a:srgbClr val="000000"/>
-                          </a:solidFill>
-                          <a:effectLst/>
-                          <a:latin typeface="Calibri (Body)"/>
-                          <a:ea typeface="MS Mincho" panose="02020609040205080304" pitchFamily="49" charset="-128"/>
-                          <a:cs typeface="Times New Roman" panose="02020603050405020304" pitchFamily="18" charset="0"/>
-                        </a:rPr>
-                        <a:t>0.24</a:t>
                       </a:r>
                       <a:endParaRPr lang="en-US" sz="1400">
                         <a:effectLst/>
@@ -14886,6 +15327,44 @@
                           <a:ea typeface="MS Mincho" panose="02020609040205080304" pitchFamily="49" charset="-128"/>
                           <a:cs typeface="Times New Roman" panose="02020603050405020304" pitchFamily="18" charset="0"/>
                         </a:rPr>
+                        <a:t>0.2</a:t>
+                      </a:r>
+                      <a:endParaRPr lang="en-US" sz="1400" dirty="0">
+                        <a:effectLst/>
+                        <a:latin typeface="Calibri (Body)"/>
+                        <a:ea typeface="MS Mincho" panose="02020609040205080304" pitchFamily="49" charset="-128"/>
+                        <a:cs typeface="Times New Roman" panose="02020603050405020304" pitchFamily="18" charset="0"/>
+                      </a:endParaRPr>
+                    </a:p>
+                  </a:txBody>
+                  <a:tcPr marL="68580" marR="68580" marT="0" marB="0" anchor="ctr"/>
+                </a:tc>
+                <a:tc>
+                  <a:txBody>
+                    <a:bodyPr/>
+                    <a:lstStyle/>
+                    <a:p>
+                      <a:pPr marL="0" marR="0" algn="ctr">
+                        <a:lnSpc>
+                          <a:spcPct val="200000"/>
+                        </a:lnSpc>
+                        <a:spcBef>
+                          <a:spcPts val="0"/>
+                        </a:spcBef>
+                        <a:spcAft>
+                          <a:spcPts val="0"/>
+                        </a:spcAft>
+                      </a:pPr>
+                      <a:r>
+                        <a:rPr lang="en-CA" sz="1400" dirty="0">
+                          <a:solidFill>
+                            <a:srgbClr val="000000"/>
+                          </a:solidFill>
+                          <a:effectLst/>
+                          <a:latin typeface="Calibri (Body)"/>
+                          <a:ea typeface="MS Mincho" panose="02020609040205080304" pitchFamily="49" charset="-128"/>
+                          <a:cs typeface="Times New Roman" panose="02020603050405020304" pitchFamily="18" charset="0"/>
+                        </a:rPr>
                         <a:t>0.13</a:t>
                       </a:r>
                       <a:endParaRPr lang="en-US" sz="1400" dirty="0">
@@ -15039,44 +15518,6 @@
                           <a:cs typeface="Times New Roman" panose="02020603050405020304" pitchFamily="18" charset="0"/>
                         </a:rPr>
                         <a:t>0.372624</a:t>
-                      </a:r>
-                      <a:endParaRPr lang="en-US" sz="1400">
-                        <a:effectLst/>
-                        <a:latin typeface="Calibri (Body)"/>
-                        <a:ea typeface="MS Mincho" panose="02020609040205080304" pitchFamily="49" charset="-128"/>
-                        <a:cs typeface="Times New Roman" panose="02020603050405020304" pitchFamily="18" charset="0"/>
-                      </a:endParaRPr>
-                    </a:p>
-                  </a:txBody>
-                  <a:tcPr marL="68580" marR="68580" marT="0" marB="0" anchor="ctr"/>
-                </a:tc>
-                <a:tc>
-                  <a:txBody>
-                    <a:bodyPr/>
-                    <a:lstStyle/>
-                    <a:p>
-                      <a:pPr marL="0" marR="0" algn="ctr">
-                        <a:lnSpc>
-                          <a:spcPct val="200000"/>
-                        </a:lnSpc>
-                        <a:spcBef>
-                          <a:spcPts val="0"/>
-                        </a:spcBef>
-                        <a:spcAft>
-                          <a:spcPts val="0"/>
-                        </a:spcAft>
-                      </a:pPr>
-                      <a:r>
-                        <a:rPr lang="en-CA" sz="1400">
-                          <a:solidFill>
-                            <a:srgbClr val="000000"/>
-                          </a:solidFill>
-                          <a:effectLst/>
-                          <a:latin typeface="Calibri (Body)"/>
-                          <a:ea typeface="MS Mincho" panose="02020609040205080304" pitchFamily="49" charset="-128"/>
-                          <a:cs typeface="Times New Roman" panose="02020603050405020304" pitchFamily="18" charset="0"/>
-                        </a:rPr>
-                        <a:t>0.2</a:t>
                       </a:r>
                       <a:endParaRPr lang="en-US" sz="1400">
                         <a:effectLst/>
@@ -15340,6 +15781,44 @@
                         </a:spcAft>
                       </a:pPr>
                       <a:r>
+                        <a:rPr lang="en-CA" sz="1400" dirty="0">
+                          <a:solidFill>
+                            <a:srgbClr val="000000"/>
+                          </a:solidFill>
+                          <a:effectLst/>
+                          <a:latin typeface="Calibri (Body)"/>
+                          <a:ea typeface="MS Mincho" panose="02020609040205080304" pitchFamily="49" charset="-128"/>
+                          <a:cs typeface="Times New Roman" panose="02020603050405020304" pitchFamily="18" charset="0"/>
+                        </a:rPr>
+                        <a:t>0.16</a:t>
+                      </a:r>
+                      <a:endParaRPr lang="en-US" sz="1400" dirty="0">
+                        <a:effectLst/>
+                        <a:latin typeface="Calibri (Body)"/>
+                        <a:ea typeface="MS Mincho" panose="02020609040205080304" pitchFamily="49" charset="-128"/>
+                        <a:cs typeface="Times New Roman" panose="02020603050405020304" pitchFamily="18" charset="0"/>
+                      </a:endParaRPr>
+                    </a:p>
+                  </a:txBody>
+                  <a:tcPr marL="68580" marR="68580" marT="0" marB="0" anchor="ctr"/>
+                </a:tc>
+                <a:tc>
+                  <a:txBody>
+                    <a:bodyPr/>
+                    <a:lstStyle/>
+                    <a:p>
+                      <a:pPr marL="0" marR="0" algn="ctr">
+                        <a:lnSpc>
+                          <a:spcPct val="200000"/>
+                        </a:lnSpc>
+                        <a:spcBef>
+                          <a:spcPts val="0"/>
+                        </a:spcBef>
+                        <a:spcAft>
+                          <a:spcPts val="0"/>
+                        </a:spcAft>
+                      </a:pPr>
+                      <a:r>
                         <a:rPr lang="en-CA" sz="1400">
                           <a:solidFill>
                             <a:srgbClr val="000000"/>
@@ -15502,44 +15981,6 @@
                           <a:cs typeface="Times New Roman" panose="02020603050405020304" pitchFamily="18" charset="0"/>
                         </a:rPr>
                         <a:t>0.278424</a:t>
-                      </a:r>
-                      <a:endParaRPr lang="en-US" sz="1400">
-                        <a:effectLst/>
-                        <a:latin typeface="Calibri (Body)"/>
-                        <a:ea typeface="MS Mincho" panose="02020609040205080304" pitchFamily="49" charset="-128"/>
-                        <a:cs typeface="Times New Roman" panose="02020603050405020304" pitchFamily="18" charset="0"/>
-                      </a:endParaRPr>
-                    </a:p>
-                  </a:txBody>
-                  <a:tcPr marL="68580" marR="68580" marT="0" marB="0" anchor="ctr"/>
-                </a:tc>
-                <a:tc>
-                  <a:txBody>
-                    <a:bodyPr/>
-                    <a:lstStyle/>
-                    <a:p>
-                      <a:pPr marL="0" marR="0" algn="ctr">
-                        <a:lnSpc>
-                          <a:spcPct val="200000"/>
-                        </a:lnSpc>
-                        <a:spcBef>
-                          <a:spcPts val="0"/>
-                        </a:spcBef>
-                        <a:spcAft>
-                          <a:spcPts val="0"/>
-                        </a:spcAft>
-                      </a:pPr>
-                      <a:r>
-                        <a:rPr lang="en-CA" sz="1400">
-                          <a:solidFill>
-                            <a:srgbClr val="000000"/>
-                          </a:solidFill>
-                          <a:effectLst/>
-                          <a:latin typeface="Calibri (Body)"/>
-                          <a:ea typeface="MS Mincho" panose="02020609040205080304" pitchFamily="49" charset="-128"/>
-                          <a:cs typeface="Times New Roman" panose="02020603050405020304" pitchFamily="18" charset="0"/>
-                        </a:rPr>
-                        <a:t>0.16</a:t>
                       </a:r>
                       <a:endParaRPr lang="en-US" sz="1400">
                         <a:effectLst/>
@@ -15803,6 +16244,44 @@
                         </a:spcAft>
                       </a:pPr>
                       <a:r>
+                        <a:rPr lang="en-CA" sz="1400" dirty="0">
+                          <a:solidFill>
+                            <a:srgbClr val="000000"/>
+                          </a:solidFill>
+                          <a:effectLst/>
+                          <a:latin typeface="Calibri (Body)"/>
+                          <a:ea typeface="MS Mincho" panose="02020609040205080304" pitchFamily="49" charset="-128"/>
+                          <a:cs typeface="Times New Roman" panose="02020603050405020304" pitchFamily="18" charset="0"/>
+                        </a:rPr>
+                        <a:t>0.18</a:t>
+                      </a:r>
+                      <a:endParaRPr lang="en-US" sz="1400" dirty="0">
+                        <a:effectLst/>
+                        <a:latin typeface="Calibri (Body)"/>
+                        <a:ea typeface="MS Mincho" panose="02020609040205080304" pitchFamily="49" charset="-128"/>
+                        <a:cs typeface="Times New Roman" panose="02020603050405020304" pitchFamily="18" charset="0"/>
+                      </a:endParaRPr>
+                    </a:p>
+                  </a:txBody>
+                  <a:tcPr marL="68580" marR="68580" marT="0" marB="0" anchor="ctr"/>
+                </a:tc>
+                <a:tc>
+                  <a:txBody>
+                    <a:bodyPr/>
+                    <a:lstStyle/>
+                    <a:p>
+                      <a:pPr marL="0" marR="0" algn="ctr">
+                        <a:lnSpc>
+                          <a:spcPct val="200000"/>
+                        </a:lnSpc>
+                        <a:spcBef>
+                          <a:spcPts val="0"/>
+                        </a:spcBef>
+                        <a:spcAft>
+                          <a:spcPts val="0"/>
+                        </a:spcAft>
+                      </a:pPr>
+                      <a:r>
                         <a:rPr lang="en-CA" sz="1400">
                           <a:solidFill>
                             <a:srgbClr val="000000"/>
@@ -15967,44 +16446,6 @@
                         <a:t>0.168878</a:t>
                       </a:r>
                       <a:endParaRPr lang="en-US" sz="1400">
-                        <a:effectLst/>
-                        <a:latin typeface="Calibri (Body)"/>
-                        <a:ea typeface="MS Mincho" panose="02020609040205080304" pitchFamily="49" charset="-128"/>
-                        <a:cs typeface="Times New Roman" panose="02020603050405020304" pitchFamily="18" charset="0"/>
-                      </a:endParaRPr>
-                    </a:p>
-                  </a:txBody>
-                  <a:tcPr marL="68580" marR="68580" marT="0" marB="0" anchor="ctr"/>
-                </a:tc>
-                <a:tc>
-                  <a:txBody>
-                    <a:bodyPr/>
-                    <a:lstStyle/>
-                    <a:p>
-                      <a:pPr marL="0" marR="0" algn="ctr">
-                        <a:lnSpc>
-                          <a:spcPct val="200000"/>
-                        </a:lnSpc>
-                        <a:spcBef>
-                          <a:spcPts val="0"/>
-                        </a:spcBef>
-                        <a:spcAft>
-                          <a:spcPts val="0"/>
-                        </a:spcAft>
-                      </a:pPr>
-                      <a:r>
-                        <a:rPr lang="en-CA" sz="1400" dirty="0">
-                          <a:solidFill>
-                            <a:srgbClr val="000000"/>
-                          </a:solidFill>
-                          <a:effectLst/>
-                          <a:latin typeface="Calibri (Body)"/>
-                          <a:ea typeface="MS Mincho" panose="02020609040205080304" pitchFamily="49" charset="-128"/>
-                          <a:cs typeface="Times New Roman" panose="02020603050405020304" pitchFamily="18" charset="0"/>
-                        </a:rPr>
-                        <a:t>0.18</a:t>
-                      </a:r>
-                      <a:endParaRPr lang="en-US" sz="1400" dirty="0">
                         <a:effectLst/>
                         <a:latin typeface="Calibri (Body)"/>
                         <a:ea typeface="MS Mincho" panose="02020609040205080304" pitchFamily="49" charset="-128"/>
@@ -16266,6 +16707,44 @@
                         </a:spcAft>
                       </a:pPr>
                       <a:r>
+                        <a:rPr lang="en-CA" sz="1400" dirty="0">
+                          <a:solidFill>
+                            <a:srgbClr val="000000"/>
+                          </a:solidFill>
+                          <a:effectLst/>
+                          <a:latin typeface="Calibri (Body)"/>
+                          <a:ea typeface="MS Mincho" panose="02020609040205080304" pitchFamily="49" charset="-128"/>
+                          <a:cs typeface="Times New Roman" panose="02020603050405020304" pitchFamily="18" charset="0"/>
+                        </a:rPr>
+                        <a:t>0.11</a:t>
+                      </a:r>
+                      <a:endParaRPr lang="en-US" sz="1400" dirty="0">
+                        <a:effectLst/>
+                        <a:latin typeface="Calibri (Body)"/>
+                        <a:ea typeface="MS Mincho" panose="02020609040205080304" pitchFamily="49" charset="-128"/>
+                        <a:cs typeface="Times New Roman" panose="02020603050405020304" pitchFamily="18" charset="0"/>
+                      </a:endParaRPr>
+                    </a:p>
+                  </a:txBody>
+                  <a:tcPr marL="68580" marR="68580" marT="0" marB="0" anchor="ctr"/>
+                </a:tc>
+                <a:tc>
+                  <a:txBody>
+                    <a:bodyPr/>
+                    <a:lstStyle/>
+                    <a:p>
+                      <a:pPr marL="0" marR="0" algn="ctr">
+                        <a:lnSpc>
+                          <a:spcPct val="200000"/>
+                        </a:lnSpc>
+                        <a:spcBef>
+                          <a:spcPts val="0"/>
+                        </a:spcBef>
+                        <a:spcAft>
+                          <a:spcPts val="0"/>
+                        </a:spcAft>
+                      </a:pPr>
+                      <a:r>
                         <a:rPr lang="en-CA" sz="1400">
                           <a:solidFill>
                             <a:srgbClr val="000000"/>
@@ -16418,7 +16897,7 @@
                         </a:spcAft>
                       </a:pPr>
                       <a:r>
-                        <a:rPr lang="en-CA" sz="1400">
+                        <a:rPr lang="en-CA" sz="1400" dirty="0">
                           <a:solidFill>
                             <a:srgbClr val="000000"/>
                           </a:solidFill>
@@ -16428,44 +16907,6 @@
                           <a:cs typeface="Times New Roman" panose="02020603050405020304" pitchFamily="18" charset="0"/>
                         </a:rPr>
                         <a:t>0.058669</a:t>
-                      </a:r>
-                      <a:endParaRPr lang="en-US" sz="1400">
-                        <a:effectLst/>
-                        <a:latin typeface="Calibri (Body)"/>
-                        <a:ea typeface="MS Mincho" panose="02020609040205080304" pitchFamily="49" charset="-128"/>
-                        <a:cs typeface="Times New Roman" panose="02020603050405020304" pitchFamily="18" charset="0"/>
-                      </a:endParaRPr>
-                    </a:p>
-                  </a:txBody>
-                  <a:tcPr marL="68580" marR="68580" marT="0" marB="0" anchor="ctr"/>
-                </a:tc>
-                <a:tc>
-                  <a:txBody>
-                    <a:bodyPr/>
-                    <a:lstStyle/>
-                    <a:p>
-                      <a:pPr marL="0" marR="0" algn="ctr">
-                        <a:lnSpc>
-                          <a:spcPct val="200000"/>
-                        </a:lnSpc>
-                        <a:spcBef>
-                          <a:spcPts val="0"/>
-                        </a:spcBef>
-                        <a:spcAft>
-                          <a:spcPts val="0"/>
-                        </a:spcAft>
-                      </a:pPr>
-                      <a:r>
-                        <a:rPr lang="en-CA" sz="1400" dirty="0">
-                          <a:solidFill>
-                            <a:srgbClr val="000000"/>
-                          </a:solidFill>
-                          <a:effectLst/>
-                          <a:latin typeface="Calibri (Body)"/>
-                          <a:ea typeface="MS Mincho" panose="02020609040205080304" pitchFamily="49" charset="-128"/>
-                          <a:cs typeface="Times New Roman" panose="02020603050405020304" pitchFamily="18" charset="0"/>
-                        </a:rPr>
-                        <a:t>0.11</a:t>
                       </a:r>
                       <a:endParaRPr lang="en-US" sz="1400" dirty="0">
                         <a:effectLst/>
@@ -16501,8 +16942,8 @@
         </p:nvSpPr>
         <p:spPr>
           <a:xfrm>
-            <a:off x="712550" y="399376"/>
-            <a:ext cx="8660050" cy="1417042"/>
+            <a:off x="703673" y="443765"/>
+            <a:ext cx="3575365" cy="1417042"/>
           </a:xfrm>
           <a:prstGeom prst="homePlate">
             <a:avLst/>
@@ -16558,8 +16999,8 @@
         </p:nvSpPr>
         <p:spPr>
           <a:xfrm>
-            <a:off x="838200" y="399377"/>
-            <a:ext cx="7025640" cy="1417042"/>
+            <a:off x="829323" y="443766"/>
+            <a:ext cx="2624091" cy="1417042"/>
           </a:xfrm>
           <a:prstGeom prst="rect">
             <a:avLst/>
@@ -16595,7 +17036,7 @@
                   <a:schemeClr val="bg1"/>
                 </a:solidFill>
               </a:rPr>
-              <a:t>Sample Rows of Predictors</a:t>
+              <a:t>Predictors</a:t>
             </a:r>
           </a:p>
         </p:txBody>
